--- a/presentation_en.pptx
+++ b/presentation_en.pptx
@@ -1,45 +1,45 @@
 
 <file path=ppt/presentation.xml><?xml version="1.0" encoding="utf-8"?>
-<p:presentation xmlns:a="http://schemas.openxmlformats.org/drawingml/2006/main" xmlns:r="http://schemas.openxmlformats.org/officeDocument/2006/relationships" xmlns:mc="http://schemas.openxmlformats.org/markup-compatibility/2006" xmlns:mv="urn:schemas-microsoft-com:mac:vml" xmlns:p="http://schemas.openxmlformats.org/presentationml/2006/main" xmlns:c="http://schemas.openxmlformats.org/drawingml/2006/chart" xmlns:dgm="http://schemas.openxmlformats.org/drawingml/2006/diagram" xmlns:o="urn:schemas-microsoft-com:office:office" xmlns:v="urn:schemas-microsoft-com:vml" xmlns:pvml="urn:schemas-microsoft-com:office:powerpoint" xmlns:com="http://schemas.openxmlformats.org/drawingml/2006/compatibility" xmlns:p14="http://schemas.microsoft.com/office/powerpoint/2010/main" xmlns:p15="http://schemas.microsoft.com/office/powerpoint/2012/main" xmlns:ahyp="http://schemas.microsoft.com/office/drawing/2018/hyperlinkcolor" autoCompressPictures="0" embedTrueTypeFonts="1" strictFirstAndLastChars="0" saveSubsetFonts="1">
+<p:presentation xmlns:a="http://schemas.openxmlformats.org/drawingml/2006/main" xmlns:r="http://schemas.openxmlformats.org/officeDocument/2006/relationships" xmlns:p="http://schemas.openxmlformats.org/presentationml/2006/main" strictFirstAndLastChars="0" embedTrueTypeFonts="1" saveSubsetFonts="1" autoCompressPictures="0">
   <p:sldMasterIdLst>
-    <p:sldMasterId id="2147483659" r:id="rId4"/>
+    <p:sldMasterId id="2147483659" r:id="rId1"/>
   </p:sldMasterIdLst>
   <p:notesMasterIdLst>
-    <p:notesMasterId r:id="rId5"/>
+    <p:notesMasterId r:id="rId13"/>
   </p:notesMasterIdLst>
   <p:sldIdLst>
-    <p:sldId id="256" r:id="rId6"/>
-    <p:sldId id="257" r:id="rId7"/>
-    <p:sldId id="258" r:id="rId8"/>
-    <p:sldId id="259" r:id="rId9"/>
-    <p:sldId id="260" r:id="rId10"/>
-    <p:sldId id="261" r:id="rId11"/>
-    <p:sldId id="262" r:id="rId12"/>
-    <p:sldId id="263" r:id="rId13"/>
-    <p:sldId id="264" r:id="rId14"/>
-    <p:sldId id="265" r:id="rId15"/>
-    <p:sldId id="266" r:id="rId16"/>
+    <p:sldId id="256" r:id="rId2"/>
+    <p:sldId id="257" r:id="rId3"/>
+    <p:sldId id="258" r:id="rId4"/>
+    <p:sldId id="259" r:id="rId5"/>
+    <p:sldId id="260" r:id="rId6"/>
+    <p:sldId id="261" r:id="rId7"/>
+    <p:sldId id="262" r:id="rId8"/>
+    <p:sldId id="263" r:id="rId9"/>
+    <p:sldId id="264" r:id="rId10"/>
+    <p:sldId id="265" r:id="rId11"/>
+    <p:sldId id="266" r:id="rId12"/>
   </p:sldIdLst>
-  <p:sldSz cy="5143500" cx="9144000"/>
+  <p:sldSz cx="9144000" cy="5143500" type="screen16x9"/>
   <p:notesSz cx="6858000" cy="9144000"/>
   <p:embeddedFontLst>
     <p:embeddedFont>
-      <p:font typeface="Montserrat"/>
-      <p:regular r:id="rId17"/>
-      <p:bold r:id="rId18"/>
-      <p:italic r:id="rId19"/>
-      <p:boldItalic r:id="rId20"/>
+      <p:font typeface="Lato" panose="020B0604020202020204" charset="0"/>
+      <p:regular r:id="rId14"/>
+      <p:bold r:id="rId15"/>
+      <p:italic r:id="rId16"/>
+      <p:boldItalic r:id="rId17"/>
     </p:embeddedFont>
     <p:embeddedFont>
-      <p:font typeface="Lato"/>
-      <p:regular r:id="rId21"/>
-      <p:bold r:id="rId22"/>
-      <p:italic r:id="rId23"/>
-      <p:boldItalic r:id="rId24"/>
+      <p:font typeface="Montserrat" panose="020B0604020202020204" charset="-52"/>
+      <p:regular r:id="rId18"/>
+      <p:bold r:id="rId19"/>
+      <p:italic r:id="rId20"/>
+      <p:boldItalic r:id="rId21"/>
     </p:embeddedFont>
   </p:embeddedFontLst>
   <p:defaultTextStyle>
-    <a:defPPr lvl="0" marR="0" rtl="0" algn="l">
+    <a:defPPr marR="0" lvl="0" algn="l" rtl="0">
       <a:lnSpc>
         <a:spcPct val="100000"/>
       </a:lnSpc>
@@ -50,7 +50,7 @@
         <a:spcPts val="0"/>
       </a:spcAft>
     </a:defPPr>
-    <a:lvl1pPr lvl="0" marR="0" rtl="0" algn="l">
+    <a:lvl1pPr marR="0" lvl="0" algn="l" rtl="0">
       <a:lnSpc>
         <a:spcPct val="100000"/>
       </a:lnSpc>
@@ -64,7 +64,7 @@
         <a:srgbClr val="000000"/>
       </a:buClr>
       <a:buFont typeface="Arial"/>
-      <a:defRPr b="0" i="0" sz="1400" u="none" cap="none" strike="noStrike">
+      <a:defRPr sz="1400" b="0" i="0" u="none" strike="noStrike" cap="none">
         <a:solidFill>
           <a:srgbClr val="000000"/>
         </a:solidFill>
@@ -74,7 +74,7 @@
         <a:sym typeface="Arial"/>
       </a:defRPr>
     </a:lvl1pPr>
-    <a:lvl2pPr lvl="1" marR="0" rtl="0" algn="l">
+    <a:lvl2pPr marR="0" lvl="1" algn="l" rtl="0">
       <a:lnSpc>
         <a:spcPct val="100000"/>
       </a:lnSpc>
@@ -88,7 +88,7 @@
         <a:srgbClr val="000000"/>
       </a:buClr>
       <a:buFont typeface="Arial"/>
-      <a:defRPr b="0" i="0" sz="1400" u="none" cap="none" strike="noStrike">
+      <a:defRPr sz="1400" b="0" i="0" u="none" strike="noStrike" cap="none">
         <a:solidFill>
           <a:srgbClr val="000000"/>
         </a:solidFill>
@@ -98,7 +98,7 @@
         <a:sym typeface="Arial"/>
       </a:defRPr>
     </a:lvl2pPr>
-    <a:lvl3pPr lvl="2" marR="0" rtl="0" algn="l">
+    <a:lvl3pPr marR="0" lvl="2" algn="l" rtl="0">
       <a:lnSpc>
         <a:spcPct val="100000"/>
       </a:lnSpc>
@@ -112,7 +112,7 @@
         <a:srgbClr val="000000"/>
       </a:buClr>
       <a:buFont typeface="Arial"/>
-      <a:defRPr b="0" i="0" sz="1400" u="none" cap="none" strike="noStrike">
+      <a:defRPr sz="1400" b="0" i="0" u="none" strike="noStrike" cap="none">
         <a:solidFill>
           <a:srgbClr val="000000"/>
         </a:solidFill>
@@ -122,7 +122,7 @@
         <a:sym typeface="Arial"/>
       </a:defRPr>
     </a:lvl3pPr>
-    <a:lvl4pPr lvl="3" marR="0" rtl="0" algn="l">
+    <a:lvl4pPr marR="0" lvl="3" algn="l" rtl="0">
       <a:lnSpc>
         <a:spcPct val="100000"/>
       </a:lnSpc>
@@ -136,7 +136,7 @@
         <a:srgbClr val="000000"/>
       </a:buClr>
       <a:buFont typeface="Arial"/>
-      <a:defRPr b="0" i="0" sz="1400" u="none" cap="none" strike="noStrike">
+      <a:defRPr sz="1400" b="0" i="0" u="none" strike="noStrike" cap="none">
         <a:solidFill>
           <a:srgbClr val="000000"/>
         </a:solidFill>
@@ -146,7 +146,7 @@
         <a:sym typeface="Arial"/>
       </a:defRPr>
     </a:lvl4pPr>
-    <a:lvl5pPr lvl="4" marR="0" rtl="0" algn="l">
+    <a:lvl5pPr marR="0" lvl="4" algn="l" rtl="0">
       <a:lnSpc>
         <a:spcPct val="100000"/>
       </a:lnSpc>
@@ -160,7 +160,7 @@
         <a:srgbClr val="000000"/>
       </a:buClr>
       <a:buFont typeface="Arial"/>
-      <a:defRPr b="0" i="0" sz="1400" u="none" cap="none" strike="noStrike">
+      <a:defRPr sz="1400" b="0" i="0" u="none" strike="noStrike" cap="none">
         <a:solidFill>
           <a:srgbClr val="000000"/>
         </a:solidFill>
@@ -170,7 +170,7 @@
         <a:sym typeface="Arial"/>
       </a:defRPr>
     </a:lvl5pPr>
-    <a:lvl6pPr lvl="5" marR="0" rtl="0" algn="l">
+    <a:lvl6pPr marR="0" lvl="5" algn="l" rtl="0">
       <a:lnSpc>
         <a:spcPct val="100000"/>
       </a:lnSpc>
@@ -184,7 +184,7 @@
         <a:srgbClr val="000000"/>
       </a:buClr>
       <a:buFont typeface="Arial"/>
-      <a:defRPr b="0" i="0" sz="1400" u="none" cap="none" strike="noStrike">
+      <a:defRPr sz="1400" b="0" i="0" u="none" strike="noStrike" cap="none">
         <a:solidFill>
           <a:srgbClr val="000000"/>
         </a:solidFill>
@@ -194,7 +194,7 @@
         <a:sym typeface="Arial"/>
       </a:defRPr>
     </a:lvl6pPr>
-    <a:lvl7pPr lvl="6" marR="0" rtl="0" algn="l">
+    <a:lvl7pPr marR="0" lvl="6" algn="l" rtl="0">
       <a:lnSpc>
         <a:spcPct val="100000"/>
       </a:lnSpc>
@@ -208,7 +208,7 @@
         <a:srgbClr val="000000"/>
       </a:buClr>
       <a:buFont typeface="Arial"/>
-      <a:defRPr b="0" i="0" sz="1400" u="none" cap="none" strike="noStrike">
+      <a:defRPr sz="1400" b="0" i="0" u="none" strike="noStrike" cap="none">
         <a:solidFill>
           <a:srgbClr val="000000"/>
         </a:solidFill>
@@ -218,7 +218,7 @@
         <a:sym typeface="Arial"/>
       </a:defRPr>
     </a:lvl7pPr>
-    <a:lvl8pPr lvl="7" marR="0" rtl="0" algn="l">
+    <a:lvl8pPr marR="0" lvl="7" algn="l" rtl="0">
       <a:lnSpc>
         <a:spcPct val="100000"/>
       </a:lnSpc>
@@ -232,7 +232,7 @@
         <a:srgbClr val="000000"/>
       </a:buClr>
       <a:buFont typeface="Arial"/>
-      <a:defRPr b="0" i="0" sz="1400" u="none" cap="none" strike="noStrike">
+      <a:defRPr sz="1400" b="0" i="0" u="none" strike="noStrike" cap="none">
         <a:solidFill>
           <a:srgbClr val="000000"/>
         </a:solidFill>
@@ -242,7 +242,7 @@
         <a:sym typeface="Arial"/>
       </a:defRPr>
     </a:lvl8pPr>
-    <a:lvl9pPr lvl="8" marR="0" rtl="0" algn="l">
+    <a:lvl9pPr marR="0" lvl="8" algn="l" rtl="0">
       <a:lnSpc>
         <a:spcPct val="100000"/>
       </a:lnSpc>
@@ -256,7 +256,7 @@
         <a:srgbClr val="000000"/>
       </a:buClr>
       <a:buFont typeface="Arial"/>
-      <a:defRPr b="0" i="0" sz="1400" u="none" cap="none" strike="noStrike">
+      <a:defRPr sz="1400" b="0" i="0" u="none" strike="noStrike" cap="none">
         <a:solidFill>
           <a:srgbClr val="000000"/>
         </a:solidFill>
@@ -269,7 +269,7 @@
   </p:defaultTextStyle>
   <p:extLst>
     <p:ext uri="{EFAFB233-063F-42B5-8137-9DF3F51BA10A}">
-      <p15:sldGuideLst>
+      <p15:sldGuideLst xmlns:p15="http://schemas.microsoft.com/office/powerpoint/2012/main">
         <p15:guide id="1" orient="horz" pos="1620">
           <p15:clr>
             <a:srgbClr val="A4A3A4"/>
@@ -287,11 +287,16 @@
 </file>
 
 <file path=ppt/notesMasters/notesMaster1.xml><?xml version="1.0" encoding="utf-8"?>
-<p:notesMaster xmlns:a="http://schemas.openxmlformats.org/drawingml/2006/main" xmlns:r="http://schemas.openxmlformats.org/officeDocument/2006/relationships" xmlns:mc="http://schemas.openxmlformats.org/markup-compatibility/2006" xmlns:mv="urn:schemas-microsoft-com:mac:vml" xmlns:p="http://schemas.openxmlformats.org/presentationml/2006/main" xmlns:c="http://schemas.openxmlformats.org/drawingml/2006/chart" xmlns:dgm="http://schemas.openxmlformats.org/drawingml/2006/diagram" xmlns:o="urn:schemas-microsoft-com:office:office" xmlns:v="urn:schemas-microsoft-com:vml" xmlns:pvml="urn:schemas-microsoft-com:office:powerpoint" xmlns:com="http://schemas.openxmlformats.org/drawingml/2006/compatibility" xmlns:p14="http://schemas.microsoft.com/office/powerpoint/2010/main" xmlns:p15="http://schemas.microsoft.com/office/powerpoint/2012/main" xmlns:ahyp="http://schemas.microsoft.com/office/drawing/2018/hyperlinkcolor">
+<p:notesMaster xmlns:a="http://schemas.openxmlformats.org/drawingml/2006/main" xmlns:r="http://schemas.openxmlformats.org/officeDocument/2006/relationships" xmlns:p="http://schemas.openxmlformats.org/presentationml/2006/main">
   <p:cSld>
+    <p:bg>
+      <p:bgRef idx="1001">
+        <a:schemeClr val="bg1"/>
+      </p:bgRef>
+    </p:bg>
     <p:spTree>
       <p:nvGrpSpPr>
-        <p:cNvPr id="2" name="Shape 2"/>
+        <p:cNvPr id="1" name="Shape 2"/>
         <p:cNvGrpSpPr/>
         <p:nvPr/>
       </p:nvGrpSpPr>
@@ -306,9 +311,11 @@
       <p:sp>
         <p:nvSpPr>
           <p:cNvPr id="3" name="Google Shape;3;n"/>
-          <p:cNvSpPr/>
+          <p:cNvSpPr>
+            <a:spLocks noGrp="1" noRot="1" noChangeAspect="1"/>
+          </p:cNvSpPr>
           <p:nvPr>
-            <p:ph idx="2" type="sldImg"/>
+            <p:ph type="sldImg" idx="2"/>
           </p:nvPr>
         </p:nvSpPr>
         <p:spPr>
@@ -317,9 +324,13 @@
             <a:ext cx="6096075" cy="3429000"/>
           </a:xfrm>
           <a:custGeom>
-            <a:rect b="b" l="l" r="r" t="t"/>
+            <a:avLst/>
+            <a:gdLst/>
+            <a:ahLst/>
+            <a:cxnLst/>
+            <a:rect l="l" t="t" r="r" b="b"/>
             <a:pathLst>
-              <a:path extrusionOk="0" h="120000" w="120000">
+              <a:path w="120000" h="120000" extrusionOk="0">
                 <a:moveTo>
                   <a:pt x="0" y="0"/>
                 </a:moveTo>
@@ -337,23 +348,25 @@
             </a:pathLst>
           </a:custGeom>
           <a:noFill/>
-          <a:ln cap="flat" cmpd="sng" w="9525">
+          <a:ln w="9525" cap="flat" cmpd="sng">
             <a:solidFill>
               <a:srgbClr val="000000"/>
             </a:solidFill>
             <a:prstDash val="solid"/>
             <a:round/>
-            <a:headEnd len="sm" w="sm" type="none"/>
-            <a:tailEnd len="sm" w="sm" type="none"/>
+            <a:headEnd type="none" w="sm" len="sm"/>
+            <a:tailEnd type="none" w="sm" len="sm"/>
           </a:ln>
         </p:spPr>
       </p:sp>
       <p:sp>
         <p:nvSpPr>
           <p:cNvPr id="4" name="Google Shape;4;n"/>
-          <p:cNvSpPr txBox="1"/>
+          <p:cNvSpPr txBox="1">
+            <a:spLocks noGrp="1"/>
+          </p:cNvSpPr>
           <p:nvPr>
-            <p:ph idx="1" type="body"/>
+            <p:ph type="body" idx="1"/>
           </p:nvPr>
         </p:nvSpPr>
         <p:spPr>
@@ -370,11 +383,11 @@
           </a:ln>
         </p:spPr>
         <p:txBody>
-          <a:bodyPr anchorCtr="0" anchor="t" bIns="91425" lIns="91425" spcFirstLastPara="1" rIns="91425" wrap="square" tIns="91425">
+          <a:bodyPr spcFirstLastPara="1" wrap="square" lIns="91425" tIns="91425" rIns="91425" bIns="91425" anchor="t" anchorCtr="0">
             <a:noAutofit/>
           </a:bodyPr>
           <a:lstStyle>
-            <a:lvl1pPr indent="-298450" lvl="0" marL="457200">
+            <a:lvl1pPr marL="457200" lvl="0" indent="-298450">
               <a:spcBef>
                 <a:spcPts val="0"/>
               </a:spcBef>
@@ -385,7 +398,7 @@
               <a:buChar char="●"/>
               <a:defRPr sz="1100"/>
             </a:lvl1pPr>
-            <a:lvl2pPr indent="-298450" lvl="1" marL="914400">
+            <a:lvl2pPr marL="914400" lvl="1" indent="-298450">
               <a:spcBef>
                 <a:spcPts val="0"/>
               </a:spcBef>
@@ -396,7 +409,7 @@
               <a:buChar char="○"/>
               <a:defRPr sz="1100"/>
             </a:lvl2pPr>
-            <a:lvl3pPr indent="-298450" lvl="2" marL="1371600">
+            <a:lvl3pPr marL="1371600" lvl="2" indent="-298450">
               <a:spcBef>
                 <a:spcPts val="0"/>
               </a:spcBef>
@@ -407,7 +420,7 @@
               <a:buChar char="■"/>
               <a:defRPr sz="1100"/>
             </a:lvl3pPr>
-            <a:lvl4pPr indent="-298450" lvl="3" marL="1828800">
+            <a:lvl4pPr marL="1828800" lvl="3" indent="-298450">
               <a:spcBef>
                 <a:spcPts val="0"/>
               </a:spcBef>
@@ -418,7 +431,7 @@
               <a:buChar char="●"/>
               <a:defRPr sz="1100"/>
             </a:lvl4pPr>
-            <a:lvl5pPr indent="-298450" lvl="4" marL="2286000">
+            <a:lvl5pPr marL="2286000" lvl="4" indent="-298450">
               <a:spcBef>
                 <a:spcPts val="0"/>
               </a:spcBef>
@@ -429,7 +442,7 @@
               <a:buChar char="○"/>
               <a:defRPr sz="1100"/>
             </a:lvl5pPr>
-            <a:lvl6pPr indent="-298450" lvl="5" marL="2743200">
+            <a:lvl6pPr marL="2743200" lvl="5" indent="-298450">
               <a:spcBef>
                 <a:spcPts val="0"/>
               </a:spcBef>
@@ -440,7 +453,7 @@
               <a:buChar char="■"/>
               <a:defRPr sz="1100"/>
             </a:lvl6pPr>
-            <a:lvl7pPr indent="-298450" lvl="6" marL="3200400">
+            <a:lvl7pPr marL="3200400" lvl="6" indent="-298450">
               <a:spcBef>
                 <a:spcPts val="0"/>
               </a:spcBef>
@@ -451,7 +464,7 @@
               <a:buChar char="●"/>
               <a:defRPr sz="1100"/>
             </a:lvl7pPr>
-            <a:lvl8pPr indent="-298450" lvl="7" marL="3657600">
+            <a:lvl8pPr marL="3657600" lvl="7" indent="-298450">
               <a:spcBef>
                 <a:spcPts val="0"/>
               </a:spcBef>
@@ -462,7 +475,7 @@
               <a:buChar char="○"/>
               <a:defRPr sz="1100"/>
             </a:lvl8pPr>
-            <a:lvl9pPr indent="-298450" lvl="8" marL="4114800">
+            <a:lvl9pPr marL="4114800" lvl="8" indent="-298450">
               <a:spcBef>
                 <a:spcPts val="0"/>
               </a:spcBef>
@@ -474,14 +487,16 @@
               <a:defRPr sz="1100"/>
             </a:lvl9pPr>
           </a:lstStyle>
-          <a:p/>
+          <a:p>
+            <a:endParaRPr/>
+          </a:p>
         </p:txBody>
       </p:sp>
     </p:spTree>
   </p:cSld>
-  <p:clrMap accent1="accent1" accent2="accent2" accent3="accent3" accent4="accent4" accent5="accent5" accent6="accent6" bg1="lt1" bg2="dk2" tx1="dk1" tx2="lt2" folHlink="folHlink" hlink="hlink"/>
+  <p:clrMap bg1="lt1" tx1="dk1" bg2="dk2" tx2="lt2" accent1="accent1" accent2="accent2" accent3="accent3" accent4="accent4" accent5="accent5" accent6="accent6" hlink="hlink" folHlink="folHlink"/>
   <p:notesStyle>
-    <a:defPPr lvl="0" marR="0" rtl="0" algn="l">
+    <a:defPPr marR="0" lvl="0" algn="l" rtl="0">
       <a:lnSpc>
         <a:spcPct val="100000"/>
       </a:lnSpc>
@@ -492,7 +507,7 @@
         <a:spcPts val="0"/>
       </a:spcAft>
     </a:defPPr>
-    <a:lvl1pPr lvl="0" marR="0" rtl="0" algn="l">
+    <a:lvl1pPr marR="0" lvl="0" algn="l" rtl="0">
       <a:lnSpc>
         <a:spcPct val="100000"/>
       </a:lnSpc>
@@ -506,7 +521,7 @@
         <a:srgbClr val="000000"/>
       </a:buClr>
       <a:buFont typeface="Arial"/>
-      <a:defRPr b="0" i="0" sz="1400" u="none" cap="none" strike="noStrike">
+      <a:defRPr sz="1400" b="0" i="0" u="none" strike="noStrike" cap="none">
         <a:solidFill>
           <a:srgbClr val="000000"/>
         </a:solidFill>
@@ -516,7 +531,7 @@
         <a:sym typeface="Arial"/>
       </a:defRPr>
     </a:lvl1pPr>
-    <a:lvl2pPr lvl="1" marR="0" rtl="0" algn="l">
+    <a:lvl2pPr marR="0" lvl="1" algn="l" rtl="0">
       <a:lnSpc>
         <a:spcPct val="100000"/>
       </a:lnSpc>
@@ -530,7 +545,7 @@
         <a:srgbClr val="000000"/>
       </a:buClr>
       <a:buFont typeface="Arial"/>
-      <a:defRPr b="0" i="0" sz="1400" u="none" cap="none" strike="noStrike">
+      <a:defRPr sz="1400" b="0" i="0" u="none" strike="noStrike" cap="none">
         <a:solidFill>
           <a:srgbClr val="000000"/>
         </a:solidFill>
@@ -540,7 +555,7 @@
         <a:sym typeface="Arial"/>
       </a:defRPr>
     </a:lvl2pPr>
-    <a:lvl3pPr lvl="2" marR="0" rtl="0" algn="l">
+    <a:lvl3pPr marR="0" lvl="2" algn="l" rtl="0">
       <a:lnSpc>
         <a:spcPct val="100000"/>
       </a:lnSpc>
@@ -554,7 +569,7 @@
         <a:srgbClr val="000000"/>
       </a:buClr>
       <a:buFont typeface="Arial"/>
-      <a:defRPr b="0" i="0" sz="1400" u="none" cap="none" strike="noStrike">
+      <a:defRPr sz="1400" b="0" i="0" u="none" strike="noStrike" cap="none">
         <a:solidFill>
           <a:srgbClr val="000000"/>
         </a:solidFill>
@@ -564,7 +579,7 @@
         <a:sym typeface="Arial"/>
       </a:defRPr>
     </a:lvl3pPr>
-    <a:lvl4pPr lvl="3" marR="0" rtl="0" algn="l">
+    <a:lvl4pPr marR="0" lvl="3" algn="l" rtl="0">
       <a:lnSpc>
         <a:spcPct val="100000"/>
       </a:lnSpc>
@@ -578,7 +593,7 @@
         <a:srgbClr val="000000"/>
       </a:buClr>
       <a:buFont typeface="Arial"/>
-      <a:defRPr b="0" i="0" sz="1400" u="none" cap="none" strike="noStrike">
+      <a:defRPr sz="1400" b="0" i="0" u="none" strike="noStrike" cap="none">
         <a:solidFill>
           <a:srgbClr val="000000"/>
         </a:solidFill>
@@ -588,7 +603,7 @@
         <a:sym typeface="Arial"/>
       </a:defRPr>
     </a:lvl4pPr>
-    <a:lvl5pPr lvl="4" marR="0" rtl="0" algn="l">
+    <a:lvl5pPr marR="0" lvl="4" algn="l" rtl="0">
       <a:lnSpc>
         <a:spcPct val="100000"/>
       </a:lnSpc>
@@ -602,7 +617,7 @@
         <a:srgbClr val="000000"/>
       </a:buClr>
       <a:buFont typeface="Arial"/>
-      <a:defRPr b="0" i="0" sz="1400" u="none" cap="none" strike="noStrike">
+      <a:defRPr sz="1400" b="0" i="0" u="none" strike="noStrike" cap="none">
         <a:solidFill>
           <a:srgbClr val="000000"/>
         </a:solidFill>
@@ -612,7 +627,7 @@
         <a:sym typeface="Arial"/>
       </a:defRPr>
     </a:lvl5pPr>
-    <a:lvl6pPr lvl="5" marR="0" rtl="0" algn="l">
+    <a:lvl6pPr marR="0" lvl="5" algn="l" rtl="0">
       <a:lnSpc>
         <a:spcPct val="100000"/>
       </a:lnSpc>
@@ -626,7 +641,7 @@
         <a:srgbClr val="000000"/>
       </a:buClr>
       <a:buFont typeface="Arial"/>
-      <a:defRPr b="0" i="0" sz="1400" u="none" cap="none" strike="noStrike">
+      <a:defRPr sz="1400" b="0" i="0" u="none" strike="noStrike" cap="none">
         <a:solidFill>
           <a:srgbClr val="000000"/>
         </a:solidFill>
@@ -636,7 +651,7 @@
         <a:sym typeface="Arial"/>
       </a:defRPr>
     </a:lvl6pPr>
-    <a:lvl7pPr lvl="6" marR="0" rtl="0" algn="l">
+    <a:lvl7pPr marR="0" lvl="6" algn="l" rtl="0">
       <a:lnSpc>
         <a:spcPct val="100000"/>
       </a:lnSpc>
@@ -650,7 +665,7 @@
         <a:srgbClr val="000000"/>
       </a:buClr>
       <a:buFont typeface="Arial"/>
-      <a:defRPr b="0" i="0" sz="1400" u="none" cap="none" strike="noStrike">
+      <a:defRPr sz="1400" b="0" i="0" u="none" strike="noStrike" cap="none">
         <a:solidFill>
           <a:srgbClr val="000000"/>
         </a:solidFill>
@@ -660,7 +675,7 @@
         <a:sym typeface="Arial"/>
       </a:defRPr>
     </a:lvl7pPr>
-    <a:lvl8pPr lvl="7" marR="0" rtl="0" algn="l">
+    <a:lvl8pPr marR="0" lvl="7" algn="l" rtl="0">
       <a:lnSpc>
         <a:spcPct val="100000"/>
       </a:lnSpc>
@@ -674,7 +689,7 @@
         <a:srgbClr val="000000"/>
       </a:buClr>
       <a:buFont typeface="Arial"/>
-      <a:defRPr b="0" i="0" sz="1400" u="none" cap="none" strike="noStrike">
+      <a:defRPr sz="1400" b="0" i="0" u="none" strike="noStrike" cap="none">
         <a:solidFill>
           <a:srgbClr val="000000"/>
         </a:solidFill>
@@ -684,7 +699,7 @@
         <a:sym typeface="Arial"/>
       </a:defRPr>
     </a:lvl8pPr>
-    <a:lvl9pPr lvl="8" marR="0" rtl="0" algn="l">
+    <a:lvl9pPr marR="0" lvl="8" algn="l" rtl="0">
       <a:lnSpc>
         <a:spcPct val="100000"/>
       </a:lnSpc>
@@ -698,7 +713,7 @@
         <a:srgbClr val="000000"/>
       </a:buClr>
       <a:buFont typeface="Arial"/>
-      <a:defRPr b="0" i="0" sz="1400" u="none" cap="none" strike="noStrike">
+      <a:defRPr sz="1400" b="0" i="0" u="none" strike="noStrike" cap="none">
         <a:solidFill>
           <a:srgbClr val="000000"/>
         </a:solidFill>
@@ -713,11 +728,11 @@
 </file>
 
 <file path=ppt/notesSlides/notesSlide1.xml><?xml version="1.0" encoding="utf-8"?>
-<p:notes xmlns:a="http://schemas.openxmlformats.org/drawingml/2006/main" xmlns:r="http://schemas.openxmlformats.org/officeDocument/2006/relationships" xmlns:mc="http://schemas.openxmlformats.org/markup-compatibility/2006" xmlns:mv="urn:schemas-microsoft-com:mac:vml" xmlns:p="http://schemas.openxmlformats.org/presentationml/2006/main" xmlns:c="http://schemas.openxmlformats.org/drawingml/2006/chart" xmlns:dgm="http://schemas.openxmlformats.org/drawingml/2006/diagram" xmlns:o="urn:schemas-microsoft-com:office:office" xmlns:v="urn:schemas-microsoft-com:vml" xmlns:pvml="urn:schemas-microsoft-com:office:powerpoint" xmlns:com="http://schemas.openxmlformats.org/drawingml/2006/compatibility" xmlns:p14="http://schemas.microsoft.com/office/powerpoint/2010/main" xmlns:p15="http://schemas.microsoft.com/office/powerpoint/2012/main" xmlns:ahyp="http://schemas.microsoft.com/office/drawing/2018/hyperlinkcolor" showMasterPhAnim="0" showMasterSp="0">
+<p:notes xmlns:a="http://schemas.openxmlformats.org/drawingml/2006/main" xmlns:r="http://schemas.openxmlformats.org/officeDocument/2006/relationships" xmlns:p="http://schemas.openxmlformats.org/presentationml/2006/main" showMasterSp="0" showMasterPhAnim="0">
   <p:cSld>
     <p:spTree>
       <p:nvGrpSpPr>
-        <p:cNvPr id="130" name="Shape 130"/>
+        <p:cNvPr id="1" name="Shape 130"/>
         <p:cNvGrpSpPr/>
         <p:nvPr/>
       </p:nvGrpSpPr>
@@ -732,20 +747,26 @@
       <p:sp>
         <p:nvSpPr>
           <p:cNvPr id="131" name="Google Shape;131;p:notes"/>
-          <p:cNvSpPr/>
+          <p:cNvSpPr>
+            <a:spLocks noGrp="1" noRot="1" noChangeAspect="1"/>
+          </p:cNvSpPr>
           <p:nvPr>
-            <p:ph idx="2" type="sldImg"/>
+            <p:ph type="sldImg" idx="2"/>
           </p:nvPr>
         </p:nvSpPr>
         <p:spPr>
           <a:xfrm>
-            <a:off x="381300" y="685800"/>
-            <a:ext cx="6096075" cy="3429000"/>
+            <a:off x="381000" y="685800"/>
+            <a:ext cx="6096000" cy="3429000"/>
           </a:xfrm>
           <a:custGeom>
-            <a:rect b="b" l="l" r="r" t="t"/>
+            <a:avLst/>
+            <a:gdLst/>
+            <a:ahLst/>
+            <a:cxnLst/>
+            <a:rect l="l" t="t" r="r" b="b"/>
             <a:pathLst>
-              <a:path extrusionOk="0" h="120000" w="120000">
+              <a:path w="120000" h="120000" extrusionOk="0">
                 <a:moveTo>
                   <a:pt x="0" y="0"/>
                 </a:moveTo>
@@ -767,9 +788,11 @@
       <p:sp>
         <p:nvSpPr>
           <p:cNvPr id="132" name="Google Shape;132;p:notes"/>
-          <p:cNvSpPr txBox="1"/>
+          <p:cNvSpPr txBox="1">
+            <a:spLocks noGrp="1"/>
+          </p:cNvSpPr>
           <p:nvPr>
-            <p:ph idx="1" type="body"/>
+            <p:ph type="body" idx="1"/>
           </p:nvPr>
         </p:nvSpPr>
         <p:spPr>
@@ -782,12 +805,12 @@
           </a:prstGeom>
         </p:spPr>
         <p:txBody>
-          <a:bodyPr anchorCtr="0" anchor="t" bIns="91425" lIns="91425" spcFirstLastPara="1" rIns="91425" wrap="square" tIns="91425">
+          <a:bodyPr spcFirstLastPara="1" wrap="square" lIns="91425" tIns="91425" rIns="91425" bIns="91425" anchor="t" anchorCtr="0">
             <a:noAutofit/>
           </a:bodyPr>
           <a:lstStyle/>
           <a:p>
-            <a:pPr indent="0" lvl="0" marL="0" rtl="0" algn="l">
+            <a:pPr marL="0" lvl="0" indent="0" algn="l" rtl="0">
               <a:spcBef>
                 <a:spcPts val="0"/>
               </a:spcBef>
@@ -796,9 +819,6 @@
               </a:spcAft>
               <a:buNone/>
             </a:pPr>
-            <a:r>
-              <a:t/>
-            </a:r>
             <a:endParaRPr/>
           </a:p>
         </p:txBody>
@@ -812,11 +832,11 @@
 </file>
 
 <file path=ppt/notesSlides/notesSlide10.xml><?xml version="1.0" encoding="utf-8"?>
-<p:notes xmlns:a="http://schemas.openxmlformats.org/drawingml/2006/main" xmlns:r="http://schemas.openxmlformats.org/officeDocument/2006/relationships" xmlns:mc="http://schemas.openxmlformats.org/markup-compatibility/2006" xmlns:mv="urn:schemas-microsoft-com:mac:vml" xmlns:p="http://schemas.openxmlformats.org/presentationml/2006/main" xmlns:c="http://schemas.openxmlformats.org/drawingml/2006/chart" xmlns:dgm="http://schemas.openxmlformats.org/drawingml/2006/diagram" xmlns:o="urn:schemas-microsoft-com:office:office" xmlns:v="urn:schemas-microsoft-com:vml" xmlns:pvml="urn:schemas-microsoft-com:office:powerpoint" xmlns:com="http://schemas.openxmlformats.org/drawingml/2006/compatibility" xmlns:p14="http://schemas.microsoft.com/office/powerpoint/2010/main" xmlns:p15="http://schemas.microsoft.com/office/powerpoint/2012/main" xmlns:ahyp="http://schemas.microsoft.com/office/drawing/2018/hyperlinkcolor" showMasterPhAnim="0" showMasterSp="0">
+<p:notes xmlns:a="http://schemas.openxmlformats.org/drawingml/2006/main" xmlns:r="http://schemas.openxmlformats.org/officeDocument/2006/relationships" xmlns:p="http://schemas.openxmlformats.org/presentationml/2006/main" showMasterSp="0" showMasterPhAnim="0">
   <p:cSld>
     <p:spTree>
       <p:nvGrpSpPr>
-        <p:cNvPr id="184" name="Shape 184"/>
+        <p:cNvPr id="1" name="Shape 184"/>
         <p:cNvGrpSpPr/>
         <p:nvPr/>
       </p:nvGrpSpPr>
@@ -831,20 +851,26 @@
       <p:sp>
         <p:nvSpPr>
           <p:cNvPr id="185" name="Google Shape;185;gd596b29c03_0_631:notes"/>
-          <p:cNvSpPr/>
+          <p:cNvSpPr>
+            <a:spLocks noGrp="1" noRot="1" noChangeAspect="1"/>
+          </p:cNvSpPr>
           <p:nvPr>
-            <p:ph idx="2" type="sldImg"/>
+            <p:ph type="sldImg" idx="2"/>
           </p:nvPr>
         </p:nvSpPr>
         <p:spPr>
           <a:xfrm>
-            <a:off x="381300" y="685800"/>
+            <a:off x="381000" y="685800"/>
             <a:ext cx="6096000" cy="3429000"/>
           </a:xfrm>
           <a:custGeom>
-            <a:rect b="b" l="l" r="r" t="t"/>
+            <a:avLst/>
+            <a:gdLst/>
+            <a:ahLst/>
+            <a:cxnLst/>
+            <a:rect l="l" t="t" r="r" b="b"/>
             <a:pathLst>
-              <a:path extrusionOk="0" h="120000" w="120000">
+              <a:path w="120000" h="120000" extrusionOk="0">
                 <a:moveTo>
                   <a:pt x="0" y="0"/>
                 </a:moveTo>
@@ -866,9 +892,11 @@
       <p:sp>
         <p:nvSpPr>
           <p:cNvPr id="186" name="Google Shape;186;gd596b29c03_0_631:notes"/>
-          <p:cNvSpPr txBox="1"/>
+          <p:cNvSpPr txBox="1">
+            <a:spLocks noGrp="1"/>
+          </p:cNvSpPr>
           <p:nvPr>
-            <p:ph idx="1" type="body"/>
+            <p:ph type="body" idx="1"/>
           </p:nvPr>
         </p:nvSpPr>
         <p:spPr>
@@ -881,12 +909,12 @@
           </a:prstGeom>
         </p:spPr>
         <p:txBody>
-          <a:bodyPr anchorCtr="0" anchor="t" bIns="91425" lIns="91425" spcFirstLastPara="1" rIns="91425" wrap="square" tIns="91425">
+          <a:bodyPr spcFirstLastPara="1" wrap="square" lIns="91425" tIns="91425" rIns="91425" bIns="91425" anchor="t" anchorCtr="0">
             <a:noAutofit/>
           </a:bodyPr>
           <a:lstStyle/>
           <a:p>
-            <a:pPr indent="0" lvl="0" marL="0" rtl="0" algn="l">
+            <a:pPr marL="0" lvl="0" indent="0" algn="l" rtl="0">
               <a:spcBef>
                 <a:spcPts val="0"/>
               </a:spcBef>
@@ -895,9 +923,6 @@
               </a:spcAft>
               <a:buNone/>
             </a:pPr>
-            <a:r>
-              <a:t/>
-            </a:r>
             <a:endParaRPr/>
           </a:p>
         </p:txBody>
@@ -911,11 +936,11 @@
 </file>
 
 <file path=ppt/notesSlides/notesSlide11.xml><?xml version="1.0" encoding="utf-8"?>
-<p:notes xmlns:a="http://schemas.openxmlformats.org/drawingml/2006/main" xmlns:r="http://schemas.openxmlformats.org/officeDocument/2006/relationships" xmlns:mc="http://schemas.openxmlformats.org/markup-compatibility/2006" xmlns:mv="urn:schemas-microsoft-com:mac:vml" xmlns:p="http://schemas.openxmlformats.org/presentationml/2006/main" xmlns:c="http://schemas.openxmlformats.org/drawingml/2006/chart" xmlns:dgm="http://schemas.openxmlformats.org/drawingml/2006/diagram" xmlns:o="urn:schemas-microsoft-com:office:office" xmlns:v="urn:schemas-microsoft-com:vml" xmlns:pvml="urn:schemas-microsoft-com:office:powerpoint" xmlns:com="http://schemas.openxmlformats.org/drawingml/2006/compatibility" xmlns:p14="http://schemas.microsoft.com/office/powerpoint/2010/main" xmlns:p15="http://schemas.microsoft.com/office/powerpoint/2012/main" xmlns:ahyp="http://schemas.microsoft.com/office/drawing/2018/hyperlinkcolor" showMasterPhAnim="0" showMasterSp="0">
+<p:notes xmlns:a="http://schemas.openxmlformats.org/drawingml/2006/main" xmlns:r="http://schemas.openxmlformats.org/officeDocument/2006/relationships" xmlns:p="http://schemas.openxmlformats.org/presentationml/2006/main" showMasterSp="0" showMasterPhAnim="0">
   <p:cSld>
     <p:spTree>
       <p:nvGrpSpPr>
-        <p:cNvPr id="193" name="Shape 193"/>
+        <p:cNvPr id="1" name="Shape 193"/>
         <p:cNvGrpSpPr/>
         <p:nvPr/>
       </p:nvGrpSpPr>
@@ -930,20 +955,26 @@
       <p:sp>
         <p:nvSpPr>
           <p:cNvPr id="194" name="Google Shape;194;gd596b29c03_0_626:notes"/>
-          <p:cNvSpPr/>
+          <p:cNvSpPr>
+            <a:spLocks noGrp="1" noRot="1" noChangeAspect="1"/>
+          </p:cNvSpPr>
           <p:nvPr>
-            <p:ph idx="2" type="sldImg"/>
+            <p:ph type="sldImg" idx="2"/>
           </p:nvPr>
         </p:nvSpPr>
         <p:spPr>
           <a:xfrm>
-            <a:off x="381300" y="685800"/>
+            <a:off x="381000" y="685800"/>
             <a:ext cx="6096000" cy="3429000"/>
           </a:xfrm>
           <a:custGeom>
-            <a:rect b="b" l="l" r="r" t="t"/>
+            <a:avLst/>
+            <a:gdLst/>
+            <a:ahLst/>
+            <a:cxnLst/>
+            <a:rect l="l" t="t" r="r" b="b"/>
             <a:pathLst>
-              <a:path extrusionOk="0" h="120000" w="120000">
+              <a:path w="120000" h="120000" extrusionOk="0">
                 <a:moveTo>
                   <a:pt x="0" y="0"/>
                 </a:moveTo>
@@ -965,9 +996,11 @@
       <p:sp>
         <p:nvSpPr>
           <p:cNvPr id="195" name="Google Shape;195;gd596b29c03_0_626:notes"/>
-          <p:cNvSpPr txBox="1"/>
+          <p:cNvSpPr txBox="1">
+            <a:spLocks noGrp="1"/>
+          </p:cNvSpPr>
           <p:nvPr>
-            <p:ph idx="1" type="body"/>
+            <p:ph type="body" idx="1"/>
           </p:nvPr>
         </p:nvSpPr>
         <p:spPr>
@@ -980,12 +1013,12 @@
           </a:prstGeom>
         </p:spPr>
         <p:txBody>
-          <a:bodyPr anchorCtr="0" anchor="t" bIns="91425" lIns="91425" spcFirstLastPara="1" rIns="91425" wrap="square" tIns="91425">
+          <a:bodyPr spcFirstLastPara="1" wrap="square" lIns="91425" tIns="91425" rIns="91425" bIns="91425" anchor="t" anchorCtr="0">
             <a:noAutofit/>
           </a:bodyPr>
           <a:lstStyle/>
           <a:p>
-            <a:pPr indent="0" lvl="0" marL="0" rtl="0" algn="l">
+            <a:pPr marL="0" lvl="0" indent="0" algn="l" rtl="0">
               <a:spcBef>
                 <a:spcPts val="0"/>
               </a:spcBef>
@@ -994,9 +1027,6 @@
               </a:spcAft>
               <a:buNone/>
             </a:pPr>
-            <a:r>
-              <a:t/>
-            </a:r>
             <a:endParaRPr/>
           </a:p>
         </p:txBody>
@@ -1010,11 +1040,11 @@
 </file>
 
 <file path=ppt/notesSlides/notesSlide2.xml><?xml version="1.0" encoding="utf-8"?>
-<p:notes xmlns:a="http://schemas.openxmlformats.org/drawingml/2006/main" xmlns:r="http://schemas.openxmlformats.org/officeDocument/2006/relationships" xmlns:mc="http://schemas.openxmlformats.org/markup-compatibility/2006" xmlns:mv="urn:schemas-microsoft-com:mac:vml" xmlns:p="http://schemas.openxmlformats.org/presentationml/2006/main" xmlns:c="http://schemas.openxmlformats.org/drawingml/2006/chart" xmlns:dgm="http://schemas.openxmlformats.org/drawingml/2006/diagram" xmlns:o="urn:schemas-microsoft-com:office:office" xmlns:v="urn:schemas-microsoft-com:vml" xmlns:pvml="urn:schemas-microsoft-com:office:powerpoint" xmlns:com="http://schemas.openxmlformats.org/drawingml/2006/compatibility" xmlns:p14="http://schemas.microsoft.com/office/powerpoint/2010/main" xmlns:p15="http://schemas.microsoft.com/office/powerpoint/2012/main" xmlns:ahyp="http://schemas.microsoft.com/office/drawing/2018/hyperlinkcolor" showMasterPhAnim="0" showMasterSp="0">
+<p:notes xmlns:a="http://schemas.openxmlformats.org/drawingml/2006/main" xmlns:r="http://schemas.openxmlformats.org/officeDocument/2006/relationships" xmlns:p="http://schemas.openxmlformats.org/presentationml/2006/main" showMasterSp="0" showMasterPhAnim="0">
   <p:cSld>
     <p:spTree>
       <p:nvGrpSpPr>
-        <p:cNvPr id="136" name="Shape 136"/>
+        <p:cNvPr id="1" name="Shape 136"/>
         <p:cNvGrpSpPr/>
         <p:nvPr/>
       </p:nvGrpSpPr>
@@ -1029,20 +1059,26 @@
       <p:sp>
         <p:nvSpPr>
           <p:cNvPr id="137" name="Google Shape;137;gd596b29c03_0_125:notes"/>
-          <p:cNvSpPr/>
+          <p:cNvSpPr>
+            <a:spLocks noGrp="1" noRot="1" noChangeAspect="1"/>
+          </p:cNvSpPr>
           <p:nvPr>
-            <p:ph idx="2" type="sldImg"/>
+            <p:ph type="sldImg" idx="2"/>
           </p:nvPr>
         </p:nvSpPr>
         <p:spPr>
           <a:xfrm>
-            <a:off x="381300" y="685800"/>
+            <a:off x="381000" y="685800"/>
             <a:ext cx="6096000" cy="3429000"/>
           </a:xfrm>
           <a:custGeom>
-            <a:rect b="b" l="l" r="r" t="t"/>
+            <a:avLst/>
+            <a:gdLst/>
+            <a:ahLst/>
+            <a:cxnLst/>
+            <a:rect l="l" t="t" r="r" b="b"/>
             <a:pathLst>
-              <a:path extrusionOk="0" h="120000" w="120000">
+              <a:path w="120000" h="120000" extrusionOk="0">
                 <a:moveTo>
                   <a:pt x="0" y="0"/>
                 </a:moveTo>
@@ -1064,9 +1100,11 @@
       <p:sp>
         <p:nvSpPr>
           <p:cNvPr id="138" name="Google Shape;138;gd596b29c03_0_125:notes"/>
-          <p:cNvSpPr txBox="1"/>
+          <p:cNvSpPr txBox="1">
+            <a:spLocks noGrp="1"/>
+          </p:cNvSpPr>
           <p:nvPr>
-            <p:ph idx="1" type="body"/>
+            <p:ph type="body" idx="1"/>
           </p:nvPr>
         </p:nvSpPr>
         <p:spPr>
@@ -1079,12 +1117,12 @@
           </a:prstGeom>
         </p:spPr>
         <p:txBody>
-          <a:bodyPr anchorCtr="0" anchor="t" bIns="91425" lIns="91425" spcFirstLastPara="1" rIns="91425" wrap="square" tIns="91425">
+          <a:bodyPr spcFirstLastPara="1" wrap="square" lIns="91425" tIns="91425" rIns="91425" bIns="91425" anchor="t" anchorCtr="0">
             <a:noAutofit/>
           </a:bodyPr>
           <a:lstStyle/>
           <a:p>
-            <a:pPr indent="0" lvl="0" marL="0" rtl="0" algn="l">
+            <a:pPr marL="0" lvl="0" indent="0" algn="l" rtl="0">
               <a:spcBef>
                 <a:spcPts val="0"/>
               </a:spcBef>
@@ -1093,9 +1131,6 @@
               </a:spcAft>
               <a:buNone/>
             </a:pPr>
-            <a:r>
-              <a:t/>
-            </a:r>
             <a:endParaRPr/>
           </a:p>
         </p:txBody>
@@ -1109,11 +1144,11 @@
 </file>
 
 <file path=ppt/notesSlides/notesSlide3.xml><?xml version="1.0" encoding="utf-8"?>
-<p:notes xmlns:a="http://schemas.openxmlformats.org/drawingml/2006/main" xmlns:r="http://schemas.openxmlformats.org/officeDocument/2006/relationships" xmlns:mc="http://schemas.openxmlformats.org/markup-compatibility/2006" xmlns:mv="urn:schemas-microsoft-com:mac:vml" xmlns:p="http://schemas.openxmlformats.org/presentationml/2006/main" xmlns:c="http://schemas.openxmlformats.org/drawingml/2006/chart" xmlns:dgm="http://schemas.openxmlformats.org/drawingml/2006/diagram" xmlns:o="urn:schemas-microsoft-com:office:office" xmlns:v="urn:schemas-microsoft-com:vml" xmlns:pvml="urn:schemas-microsoft-com:office:powerpoint" xmlns:com="http://schemas.openxmlformats.org/drawingml/2006/compatibility" xmlns:p14="http://schemas.microsoft.com/office/powerpoint/2010/main" xmlns:p15="http://schemas.microsoft.com/office/powerpoint/2012/main" xmlns:ahyp="http://schemas.microsoft.com/office/drawing/2018/hyperlinkcolor" showMasterPhAnim="0" showMasterSp="0">
+<p:notes xmlns:a="http://schemas.openxmlformats.org/drawingml/2006/main" xmlns:r="http://schemas.openxmlformats.org/officeDocument/2006/relationships" xmlns:p="http://schemas.openxmlformats.org/presentationml/2006/main" showMasterSp="0" showMasterPhAnim="0">
   <p:cSld>
     <p:spTree>
       <p:nvGrpSpPr>
-        <p:cNvPr id="142" name="Shape 142"/>
+        <p:cNvPr id="1" name="Shape 142"/>
         <p:cNvGrpSpPr/>
         <p:nvPr/>
       </p:nvGrpSpPr>
@@ -1128,20 +1163,26 @@
       <p:sp>
         <p:nvSpPr>
           <p:cNvPr id="143" name="Google Shape;143;gd596b29c03_0_573:notes"/>
-          <p:cNvSpPr/>
+          <p:cNvSpPr>
+            <a:spLocks noGrp="1" noRot="1" noChangeAspect="1"/>
+          </p:cNvSpPr>
           <p:nvPr>
-            <p:ph idx="2" type="sldImg"/>
+            <p:ph type="sldImg" idx="2"/>
           </p:nvPr>
         </p:nvSpPr>
         <p:spPr>
           <a:xfrm>
-            <a:off x="381300" y="685800"/>
+            <a:off x="381000" y="685800"/>
             <a:ext cx="6096000" cy="3429000"/>
           </a:xfrm>
           <a:custGeom>
-            <a:rect b="b" l="l" r="r" t="t"/>
+            <a:avLst/>
+            <a:gdLst/>
+            <a:ahLst/>
+            <a:cxnLst/>
+            <a:rect l="l" t="t" r="r" b="b"/>
             <a:pathLst>
-              <a:path extrusionOk="0" h="120000" w="120000">
+              <a:path w="120000" h="120000" extrusionOk="0">
                 <a:moveTo>
                   <a:pt x="0" y="0"/>
                 </a:moveTo>
@@ -1163,9 +1204,11 @@
       <p:sp>
         <p:nvSpPr>
           <p:cNvPr id="144" name="Google Shape;144;gd596b29c03_0_573:notes"/>
-          <p:cNvSpPr txBox="1"/>
+          <p:cNvSpPr txBox="1">
+            <a:spLocks noGrp="1"/>
+          </p:cNvSpPr>
           <p:nvPr>
-            <p:ph idx="1" type="body"/>
+            <p:ph type="body" idx="1"/>
           </p:nvPr>
         </p:nvSpPr>
         <p:spPr>
@@ -1178,12 +1221,12 @@
           </a:prstGeom>
         </p:spPr>
         <p:txBody>
-          <a:bodyPr anchorCtr="0" anchor="t" bIns="91425" lIns="91425" spcFirstLastPara="1" rIns="91425" wrap="square" tIns="91425">
+          <a:bodyPr spcFirstLastPara="1" wrap="square" lIns="91425" tIns="91425" rIns="91425" bIns="91425" anchor="t" anchorCtr="0">
             <a:noAutofit/>
           </a:bodyPr>
           <a:lstStyle/>
           <a:p>
-            <a:pPr indent="0" lvl="0" marL="0" rtl="0" algn="l">
+            <a:pPr marL="0" lvl="0" indent="0" algn="l" rtl="0">
               <a:spcBef>
                 <a:spcPts val="0"/>
               </a:spcBef>
@@ -1192,9 +1235,6 @@
               </a:spcAft>
               <a:buNone/>
             </a:pPr>
-            <a:r>
-              <a:t/>
-            </a:r>
             <a:endParaRPr/>
           </a:p>
         </p:txBody>
@@ -1208,11 +1248,11 @@
 </file>
 
 <file path=ppt/notesSlides/notesSlide4.xml><?xml version="1.0" encoding="utf-8"?>
-<p:notes xmlns:a="http://schemas.openxmlformats.org/drawingml/2006/main" xmlns:r="http://schemas.openxmlformats.org/officeDocument/2006/relationships" xmlns:mc="http://schemas.openxmlformats.org/markup-compatibility/2006" xmlns:mv="urn:schemas-microsoft-com:mac:vml" xmlns:p="http://schemas.openxmlformats.org/presentationml/2006/main" xmlns:c="http://schemas.openxmlformats.org/drawingml/2006/chart" xmlns:dgm="http://schemas.openxmlformats.org/drawingml/2006/diagram" xmlns:o="urn:schemas-microsoft-com:office:office" xmlns:v="urn:schemas-microsoft-com:vml" xmlns:pvml="urn:schemas-microsoft-com:office:powerpoint" xmlns:com="http://schemas.openxmlformats.org/drawingml/2006/compatibility" xmlns:p14="http://schemas.microsoft.com/office/powerpoint/2010/main" xmlns:p15="http://schemas.microsoft.com/office/powerpoint/2012/main" xmlns:ahyp="http://schemas.microsoft.com/office/drawing/2018/hyperlinkcolor" showMasterPhAnim="0" showMasterSp="0">
+<p:notes xmlns:a="http://schemas.openxmlformats.org/drawingml/2006/main" xmlns:r="http://schemas.openxmlformats.org/officeDocument/2006/relationships" xmlns:p="http://schemas.openxmlformats.org/presentationml/2006/main" showMasterSp="0" showMasterPhAnim="0">
   <p:cSld>
     <p:spTree>
       <p:nvGrpSpPr>
-        <p:cNvPr id="148" name="Shape 148"/>
+        <p:cNvPr id="1" name="Shape 148"/>
         <p:cNvGrpSpPr/>
         <p:nvPr/>
       </p:nvGrpSpPr>
@@ -1227,20 +1267,26 @@
       <p:sp>
         <p:nvSpPr>
           <p:cNvPr id="149" name="Google Shape;149;gd596b29c03_0_579:notes"/>
-          <p:cNvSpPr/>
+          <p:cNvSpPr>
+            <a:spLocks noGrp="1" noRot="1" noChangeAspect="1"/>
+          </p:cNvSpPr>
           <p:nvPr>
-            <p:ph idx="2" type="sldImg"/>
+            <p:ph type="sldImg" idx="2"/>
           </p:nvPr>
         </p:nvSpPr>
         <p:spPr>
           <a:xfrm>
-            <a:off x="381300" y="685800"/>
+            <a:off x="381000" y="685800"/>
             <a:ext cx="6096000" cy="3429000"/>
           </a:xfrm>
           <a:custGeom>
-            <a:rect b="b" l="l" r="r" t="t"/>
+            <a:avLst/>
+            <a:gdLst/>
+            <a:ahLst/>
+            <a:cxnLst/>
+            <a:rect l="l" t="t" r="r" b="b"/>
             <a:pathLst>
-              <a:path extrusionOk="0" h="120000" w="120000">
+              <a:path w="120000" h="120000" extrusionOk="0">
                 <a:moveTo>
                   <a:pt x="0" y="0"/>
                 </a:moveTo>
@@ -1262,9 +1308,11 @@
       <p:sp>
         <p:nvSpPr>
           <p:cNvPr id="150" name="Google Shape;150;gd596b29c03_0_579:notes"/>
-          <p:cNvSpPr txBox="1"/>
+          <p:cNvSpPr txBox="1">
+            <a:spLocks noGrp="1"/>
+          </p:cNvSpPr>
           <p:nvPr>
-            <p:ph idx="1" type="body"/>
+            <p:ph type="body" idx="1"/>
           </p:nvPr>
         </p:nvSpPr>
         <p:spPr>
@@ -1277,12 +1325,12 @@
           </a:prstGeom>
         </p:spPr>
         <p:txBody>
-          <a:bodyPr anchorCtr="0" anchor="t" bIns="91425" lIns="91425" spcFirstLastPara="1" rIns="91425" wrap="square" tIns="91425">
+          <a:bodyPr spcFirstLastPara="1" wrap="square" lIns="91425" tIns="91425" rIns="91425" bIns="91425" anchor="t" anchorCtr="0">
             <a:noAutofit/>
           </a:bodyPr>
           <a:lstStyle/>
           <a:p>
-            <a:pPr indent="0" lvl="0" marL="0" rtl="0" algn="l">
+            <a:pPr marL="0" lvl="0" indent="0" algn="l" rtl="0">
               <a:spcBef>
                 <a:spcPts val="0"/>
               </a:spcBef>
@@ -1291,9 +1339,6 @@
               </a:spcAft>
               <a:buNone/>
             </a:pPr>
-            <a:r>
-              <a:t/>
-            </a:r>
             <a:endParaRPr/>
           </a:p>
         </p:txBody>
@@ -1307,11 +1352,11 @@
 </file>
 
 <file path=ppt/notesSlides/notesSlide5.xml><?xml version="1.0" encoding="utf-8"?>
-<p:notes xmlns:a="http://schemas.openxmlformats.org/drawingml/2006/main" xmlns:r="http://schemas.openxmlformats.org/officeDocument/2006/relationships" xmlns:mc="http://schemas.openxmlformats.org/markup-compatibility/2006" xmlns:mv="urn:schemas-microsoft-com:mac:vml" xmlns:p="http://schemas.openxmlformats.org/presentationml/2006/main" xmlns:c="http://schemas.openxmlformats.org/drawingml/2006/chart" xmlns:dgm="http://schemas.openxmlformats.org/drawingml/2006/diagram" xmlns:o="urn:schemas-microsoft-com:office:office" xmlns:v="urn:schemas-microsoft-com:vml" xmlns:pvml="urn:schemas-microsoft-com:office:powerpoint" xmlns:com="http://schemas.openxmlformats.org/drawingml/2006/compatibility" xmlns:p14="http://schemas.microsoft.com/office/powerpoint/2010/main" xmlns:p15="http://schemas.microsoft.com/office/powerpoint/2012/main" xmlns:ahyp="http://schemas.microsoft.com/office/drawing/2018/hyperlinkcolor" showMasterPhAnim="0" showMasterSp="0">
+<p:notes xmlns:a="http://schemas.openxmlformats.org/drawingml/2006/main" xmlns:r="http://schemas.openxmlformats.org/officeDocument/2006/relationships" xmlns:p="http://schemas.openxmlformats.org/presentationml/2006/main" showMasterSp="0" showMasterPhAnim="0">
   <p:cSld>
     <p:spTree>
       <p:nvGrpSpPr>
-        <p:cNvPr id="154" name="Shape 154"/>
+        <p:cNvPr id="1" name="Shape 154"/>
         <p:cNvGrpSpPr/>
         <p:nvPr/>
       </p:nvGrpSpPr>
@@ -1326,20 +1371,26 @@
       <p:sp>
         <p:nvSpPr>
           <p:cNvPr id="155" name="Google Shape;155;gd596b29c03_0_584:notes"/>
-          <p:cNvSpPr/>
+          <p:cNvSpPr>
+            <a:spLocks noGrp="1" noRot="1" noChangeAspect="1"/>
+          </p:cNvSpPr>
           <p:nvPr>
-            <p:ph idx="2" type="sldImg"/>
+            <p:ph type="sldImg" idx="2"/>
           </p:nvPr>
         </p:nvSpPr>
         <p:spPr>
           <a:xfrm>
-            <a:off x="381300" y="685800"/>
+            <a:off x="381000" y="685800"/>
             <a:ext cx="6096000" cy="3429000"/>
           </a:xfrm>
           <a:custGeom>
-            <a:rect b="b" l="l" r="r" t="t"/>
+            <a:avLst/>
+            <a:gdLst/>
+            <a:ahLst/>
+            <a:cxnLst/>
+            <a:rect l="l" t="t" r="r" b="b"/>
             <a:pathLst>
-              <a:path extrusionOk="0" h="120000" w="120000">
+              <a:path w="120000" h="120000" extrusionOk="0">
                 <a:moveTo>
                   <a:pt x="0" y="0"/>
                 </a:moveTo>
@@ -1361,9 +1412,11 @@
       <p:sp>
         <p:nvSpPr>
           <p:cNvPr id="156" name="Google Shape;156;gd596b29c03_0_584:notes"/>
-          <p:cNvSpPr txBox="1"/>
+          <p:cNvSpPr txBox="1">
+            <a:spLocks noGrp="1"/>
+          </p:cNvSpPr>
           <p:nvPr>
-            <p:ph idx="1" type="body"/>
+            <p:ph type="body" idx="1"/>
           </p:nvPr>
         </p:nvSpPr>
         <p:spPr>
@@ -1376,12 +1429,12 @@
           </a:prstGeom>
         </p:spPr>
         <p:txBody>
-          <a:bodyPr anchorCtr="0" anchor="t" bIns="91425" lIns="91425" spcFirstLastPara="1" rIns="91425" wrap="square" tIns="91425">
+          <a:bodyPr spcFirstLastPara="1" wrap="square" lIns="91425" tIns="91425" rIns="91425" bIns="91425" anchor="t" anchorCtr="0">
             <a:noAutofit/>
           </a:bodyPr>
           <a:lstStyle/>
           <a:p>
-            <a:pPr indent="0" lvl="0" marL="0" rtl="0" algn="l">
+            <a:pPr marL="0" lvl="0" indent="0" algn="l" rtl="0">
               <a:spcBef>
                 <a:spcPts val="0"/>
               </a:spcBef>
@@ -1390,9 +1443,6 @@
               </a:spcAft>
               <a:buNone/>
             </a:pPr>
-            <a:r>
-              <a:t/>
-            </a:r>
             <a:endParaRPr/>
           </a:p>
         </p:txBody>
@@ -1406,11 +1456,11 @@
 </file>
 
 <file path=ppt/notesSlides/notesSlide6.xml><?xml version="1.0" encoding="utf-8"?>
-<p:notes xmlns:a="http://schemas.openxmlformats.org/drawingml/2006/main" xmlns:r="http://schemas.openxmlformats.org/officeDocument/2006/relationships" xmlns:mc="http://schemas.openxmlformats.org/markup-compatibility/2006" xmlns:mv="urn:schemas-microsoft-com:mac:vml" xmlns:p="http://schemas.openxmlformats.org/presentationml/2006/main" xmlns:c="http://schemas.openxmlformats.org/drawingml/2006/chart" xmlns:dgm="http://schemas.openxmlformats.org/drawingml/2006/diagram" xmlns:o="urn:schemas-microsoft-com:office:office" xmlns:v="urn:schemas-microsoft-com:vml" xmlns:pvml="urn:schemas-microsoft-com:office:powerpoint" xmlns:com="http://schemas.openxmlformats.org/drawingml/2006/compatibility" xmlns:p14="http://schemas.microsoft.com/office/powerpoint/2010/main" xmlns:p15="http://schemas.microsoft.com/office/powerpoint/2012/main" xmlns:ahyp="http://schemas.microsoft.com/office/drawing/2018/hyperlinkcolor" showMasterPhAnim="0" showMasterSp="0">
+<p:notes xmlns:a="http://schemas.openxmlformats.org/drawingml/2006/main" xmlns:r="http://schemas.openxmlformats.org/officeDocument/2006/relationships" xmlns:p="http://schemas.openxmlformats.org/presentationml/2006/main" showMasterSp="0" showMasterPhAnim="0">
   <p:cSld>
     <p:spTree>
       <p:nvGrpSpPr>
-        <p:cNvPr id="160" name="Shape 160"/>
+        <p:cNvPr id="1" name="Shape 160"/>
         <p:cNvGrpSpPr/>
         <p:nvPr/>
       </p:nvGrpSpPr>
@@ -1425,20 +1475,26 @@
       <p:sp>
         <p:nvSpPr>
           <p:cNvPr id="161" name="Google Shape;161;gd596b29c03_0_589:notes"/>
-          <p:cNvSpPr/>
+          <p:cNvSpPr>
+            <a:spLocks noGrp="1" noRot="1" noChangeAspect="1"/>
+          </p:cNvSpPr>
           <p:nvPr>
-            <p:ph idx="2" type="sldImg"/>
+            <p:ph type="sldImg" idx="2"/>
           </p:nvPr>
         </p:nvSpPr>
         <p:spPr>
           <a:xfrm>
-            <a:off x="381300" y="685800"/>
+            <a:off x="381000" y="685800"/>
             <a:ext cx="6096000" cy="3429000"/>
           </a:xfrm>
           <a:custGeom>
-            <a:rect b="b" l="l" r="r" t="t"/>
+            <a:avLst/>
+            <a:gdLst/>
+            <a:ahLst/>
+            <a:cxnLst/>
+            <a:rect l="l" t="t" r="r" b="b"/>
             <a:pathLst>
-              <a:path extrusionOk="0" h="120000" w="120000">
+              <a:path w="120000" h="120000" extrusionOk="0">
                 <a:moveTo>
                   <a:pt x="0" y="0"/>
                 </a:moveTo>
@@ -1460,9 +1516,11 @@
       <p:sp>
         <p:nvSpPr>
           <p:cNvPr id="162" name="Google Shape;162;gd596b29c03_0_589:notes"/>
-          <p:cNvSpPr txBox="1"/>
+          <p:cNvSpPr txBox="1">
+            <a:spLocks noGrp="1"/>
+          </p:cNvSpPr>
           <p:nvPr>
-            <p:ph idx="1" type="body"/>
+            <p:ph type="body" idx="1"/>
           </p:nvPr>
         </p:nvSpPr>
         <p:spPr>
@@ -1475,12 +1533,12 @@
           </a:prstGeom>
         </p:spPr>
         <p:txBody>
-          <a:bodyPr anchorCtr="0" anchor="t" bIns="91425" lIns="91425" spcFirstLastPara="1" rIns="91425" wrap="square" tIns="91425">
+          <a:bodyPr spcFirstLastPara="1" wrap="square" lIns="91425" tIns="91425" rIns="91425" bIns="91425" anchor="t" anchorCtr="0">
             <a:noAutofit/>
           </a:bodyPr>
           <a:lstStyle/>
           <a:p>
-            <a:pPr indent="0" lvl="0" marL="0" rtl="0" algn="l">
+            <a:pPr marL="0" lvl="0" indent="0" algn="l" rtl="0">
               <a:spcBef>
                 <a:spcPts val="0"/>
               </a:spcBef>
@@ -1489,9 +1547,6 @@
               </a:spcAft>
               <a:buNone/>
             </a:pPr>
-            <a:r>
-              <a:t/>
-            </a:r>
             <a:endParaRPr/>
           </a:p>
         </p:txBody>
@@ -1505,11 +1560,11 @@
 </file>
 
 <file path=ppt/notesSlides/notesSlide7.xml><?xml version="1.0" encoding="utf-8"?>
-<p:notes xmlns:a="http://schemas.openxmlformats.org/drawingml/2006/main" xmlns:r="http://schemas.openxmlformats.org/officeDocument/2006/relationships" xmlns:mc="http://schemas.openxmlformats.org/markup-compatibility/2006" xmlns:mv="urn:schemas-microsoft-com:mac:vml" xmlns:p="http://schemas.openxmlformats.org/presentationml/2006/main" xmlns:c="http://schemas.openxmlformats.org/drawingml/2006/chart" xmlns:dgm="http://schemas.openxmlformats.org/drawingml/2006/diagram" xmlns:o="urn:schemas-microsoft-com:office:office" xmlns:v="urn:schemas-microsoft-com:vml" xmlns:pvml="urn:schemas-microsoft-com:office:powerpoint" xmlns:com="http://schemas.openxmlformats.org/drawingml/2006/compatibility" xmlns:p14="http://schemas.microsoft.com/office/powerpoint/2010/main" xmlns:p15="http://schemas.microsoft.com/office/powerpoint/2012/main" xmlns:ahyp="http://schemas.microsoft.com/office/drawing/2018/hyperlinkcolor" showMasterPhAnim="0" showMasterSp="0">
+<p:notes xmlns:a="http://schemas.openxmlformats.org/drawingml/2006/main" xmlns:r="http://schemas.openxmlformats.org/officeDocument/2006/relationships" xmlns:p="http://schemas.openxmlformats.org/presentationml/2006/main" showMasterSp="0" showMasterPhAnim="0">
   <p:cSld>
     <p:spTree>
       <p:nvGrpSpPr>
-        <p:cNvPr id="166" name="Shape 166"/>
+        <p:cNvPr id="1" name="Shape 166"/>
         <p:cNvGrpSpPr/>
         <p:nvPr/>
       </p:nvGrpSpPr>
@@ -1524,20 +1579,26 @@
       <p:sp>
         <p:nvSpPr>
           <p:cNvPr id="167" name="Google Shape;167;gd596b29c03_0_596:notes"/>
-          <p:cNvSpPr/>
+          <p:cNvSpPr>
+            <a:spLocks noGrp="1" noRot="1" noChangeAspect="1"/>
+          </p:cNvSpPr>
           <p:nvPr>
-            <p:ph idx="2" type="sldImg"/>
+            <p:ph type="sldImg" idx="2"/>
           </p:nvPr>
         </p:nvSpPr>
         <p:spPr>
           <a:xfrm>
-            <a:off x="381300" y="685800"/>
+            <a:off x="381000" y="685800"/>
             <a:ext cx="6096000" cy="3429000"/>
           </a:xfrm>
           <a:custGeom>
-            <a:rect b="b" l="l" r="r" t="t"/>
+            <a:avLst/>
+            <a:gdLst/>
+            <a:ahLst/>
+            <a:cxnLst/>
+            <a:rect l="l" t="t" r="r" b="b"/>
             <a:pathLst>
-              <a:path extrusionOk="0" h="120000" w="120000">
+              <a:path w="120000" h="120000" extrusionOk="0">
                 <a:moveTo>
                   <a:pt x="0" y="0"/>
                 </a:moveTo>
@@ -1559,9 +1620,11 @@
       <p:sp>
         <p:nvSpPr>
           <p:cNvPr id="168" name="Google Shape;168;gd596b29c03_0_596:notes"/>
-          <p:cNvSpPr txBox="1"/>
+          <p:cNvSpPr txBox="1">
+            <a:spLocks noGrp="1"/>
+          </p:cNvSpPr>
           <p:nvPr>
-            <p:ph idx="1" type="body"/>
+            <p:ph type="body" idx="1"/>
           </p:nvPr>
         </p:nvSpPr>
         <p:spPr>
@@ -1574,12 +1637,12 @@
           </a:prstGeom>
         </p:spPr>
         <p:txBody>
-          <a:bodyPr anchorCtr="0" anchor="t" bIns="91425" lIns="91425" spcFirstLastPara="1" rIns="91425" wrap="square" tIns="91425">
+          <a:bodyPr spcFirstLastPara="1" wrap="square" lIns="91425" tIns="91425" rIns="91425" bIns="91425" anchor="t" anchorCtr="0">
             <a:noAutofit/>
           </a:bodyPr>
           <a:lstStyle/>
           <a:p>
-            <a:pPr indent="0" lvl="0" marL="0" rtl="0" algn="l">
+            <a:pPr marL="0" lvl="0" indent="0" algn="l" rtl="0">
               <a:spcBef>
                 <a:spcPts val="0"/>
               </a:spcBef>
@@ -1588,9 +1651,6 @@
               </a:spcAft>
               <a:buNone/>
             </a:pPr>
-            <a:r>
-              <a:t/>
-            </a:r>
             <a:endParaRPr/>
           </a:p>
         </p:txBody>
@@ -1604,11 +1664,11 @@
 </file>
 
 <file path=ppt/notesSlides/notesSlide8.xml><?xml version="1.0" encoding="utf-8"?>
-<p:notes xmlns:a="http://schemas.openxmlformats.org/drawingml/2006/main" xmlns:r="http://schemas.openxmlformats.org/officeDocument/2006/relationships" xmlns:mc="http://schemas.openxmlformats.org/markup-compatibility/2006" xmlns:mv="urn:schemas-microsoft-com:mac:vml" xmlns:p="http://schemas.openxmlformats.org/presentationml/2006/main" xmlns:c="http://schemas.openxmlformats.org/drawingml/2006/chart" xmlns:dgm="http://schemas.openxmlformats.org/drawingml/2006/diagram" xmlns:o="urn:schemas-microsoft-com:office:office" xmlns:v="urn:schemas-microsoft-com:vml" xmlns:pvml="urn:schemas-microsoft-com:office:powerpoint" xmlns:com="http://schemas.openxmlformats.org/drawingml/2006/compatibility" xmlns:p14="http://schemas.microsoft.com/office/powerpoint/2010/main" xmlns:p15="http://schemas.microsoft.com/office/powerpoint/2012/main" xmlns:ahyp="http://schemas.microsoft.com/office/drawing/2018/hyperlinkcolor" showMasterPhAnim="0" showMasterSp="0">
+<p:notes xmlns:a="http://schemas.openxmlformats.org/drawingml/2006/main" xmlns:r="http://schemas.openxmlformats.org/officeDocument/2006/relationships" xmlns:p="http://schemas.openxmlformats.org/presentationml/2006/main" showMasterSp="0" showMasterPhAnim="0">
   <p:cSld>
     <p:spTree>
       <p:nvGrpSpPr>
-        <p:cNvPr id="172" name="Shape 172"/>
+        <p:cNvPr id="1" name="Shape 172"/>
         <p:cNvGrpSpPr/>
         <p:nvPr/>
       </p:nvGrpSpPr>
@@ -1623,20 +1683,26 @@
       <p:sp>
         <p:nvSpPr>
           <p:cNvPr id="173" name="Google Shape;173;gd596b29c03_0_604:notes"/>
-          <p:cNvSpPr/>
+          <p:cNvSpPr>
+            <a:spLocks noGrp="1" noRot="1" noChangeAspect="1"/>
+          </p:cNvSpPr>
           <p:nvPr>
-            <p:ph idx="2" type="sldImg"/>
+            <p:ph type="sldImg" idx="2"/>
           </p:nvPr>
         </p:nvSpPr>
         <p:spPr>
           <a:xfrm>
-            <a:off x="381300" y="685800"/>
+            <a:off x="381000" y="685800"/>
             <a:ext cx="6096000" cy="3429000"/>
           </a:xfrm>
           <a:custGeom>
-            <a:rect b="b" l="l" r="r" t="t"/>
+            <a:avLst/>
+            <a:gdLst/>
+            <a:ahLst/>
+            <a:cxnLst/>
+            <a:rect l="l" t="t" r="r" b="b"/>
             <a:pathLst>
-              <a:path extrusionOk="0" h="120000" w="120000">
+              <a:path w="120000" h="120000" extrusionOk="0">
                 <a:moveTo>
                   <a:pt x="0" y="0"/>
                 </a:moveTo>
@@ -1658,9 +1724,11 @@
       <p:sp>
         <p:nvSpPr>
           <p:cNvPr id="174" name="Google Shape;174;gd596b29c03_0_604:notes"/>
-          <p:cNvSpPr txBox="1"/>
+          <p:cNvSpPr txBox="1">
+            <a:spLocks noGrp="1"/>
+          </p:cNvSpPr>
           <p:nvPr>
-            <p:ph idx="1" type="body"/>
+            <p:ph type="body" idx="1"/>
           </p:nvPr>
         </p:nvSpPr>
         <p:spPr>
@@ -1673,12 +1741,12 @@
           </a:prstGeom>
         </p:spPr>
         <p:txBody>
-          <a:bodyPr anchorCtr="0" anchor="t" bIns="91425" lIns="91425" spcFirstLastPara="1" rIns="91425" wrap="square" tIns="91425">
+          <a:bodyPr spcFirstLastPara="1" wrap="square" lIns="91425" tIns="91425" rIns="91425" bIns="91425" anchor="t" anchorCtr="0">
             <a:noAutofit/>
           </a:bodyPr>
           <a:lstStyle/>
           <a:p>
-            <a:pPr indent="0" lvl="0" marL="0" rtl="0" algn="l">
+            <a:pPr marL="0" lvl="0" indent="0" algn="l" rtl="0">
               <a:spcBef>
                 <a:spcPts val="0"/>
               </a:spcBef>
@@ -1687,9 +1755,6 @@
               </a:spcAft>
               <a:buNone/>
             </a:pPr>
-            <a:r>
-              <a:t/>
-            </a:r>
             <a:endParaRPr/>
           </a:p>
         </p:txBody>
@@ -1703,11 +1768,11 @@
 </file>
 
 <file path=ppt/notesSlides/notesSlide9.xml><?xml version="1.0" encoding="utf-8"?>
-<p:notes xmlns:a="http://schemas.openxmlformats.org/drawingml/2006/main" xmlns:r="http://schemas.openxmlformats.org/officeDocument/2006/relationships" xmlns:mc="http://schemas.openxmlformats.org/markup-compatibility/2006" xmlns:mv="urn:schemas-microsoft-com:mac:vml" xmlns:p="http://schemas.openxmlformats.org/presentationml/2006/main" xmlns:c="http://schemas.openxmlformats.org/drawingml/2006/chart" xmlns:dgm="http://schemas.openxmlformats.org/drawingml/2006/diagram" xmlns:o="urn:schemas-microsoft-com:office:office" xmlns:v="urn:schemas-microsoft-com:vml" xmlns:pvml="urn:schemas-microsoft-com:office:powerpoint" xmlns:com="http://schemas.openxmlformats.org/drawingml/2006/compatibility" xmlns:p14="http://schemas.microsoft.com/office/powerpoint/2010/main" xmlns:p15="http://schemas.microsoft.com/office/powerpoint/2012/main" xmlns:ahyp="http://schemas.microsoft.com/office/drawing/2018/hyperlinkcolor" showMasterPhAnim="0" showMasterSp="0">
+<p:notes xmlns:a="http://schemas.openxmlformats.org/drawingml/2006/main" xmlns:r="http://schemas.openxmlformats.org/officeDocument/2006/relationships" xmlns:p="http://schemas.openxmlformats.org/presentationml/2006/main" showMasterSp="0" showMasterPhAnim="0">
   <p:cSld>
     <p:spTree>
       <p:nvGrpSpPr>
-        <p:cNvPr id="178" name="Shape 178"/>
+        <p:cNvPr id="1" name="Shape 178"/>
         <p:cNvGrpSpPr/>
         <p:nvPr/>
       </p:nvGrpSpPr>
@@ -1722,20 +1787,26 @@
       <p:sp>
         <p:nvSpPr>
           <p:cNvPr id="179" name="Google Shape;179;gd596b29c03_0_610:notes"/>
-          <p:cNvSpPr/>
+          <p:cNvSpPr>
+            <a:spLocks noGrp="1" noRot="1" noChangeAspect="1"/>
+          </p:cNvSpPr>
           <p:nvPr>
-            <p:ph idx="2" type="sldImg"/>
+            <p:ph type="sldImg" idx="2"/>
           </p:nvPr>
         </p:nvSpPr>
         <p:spPr>
           <a:xfrm>
-            <a:off x="381300" y="685800"/>
+            <a:off x="381000" y="685800"/>
             <a:ext cx="6096000" cy="3429000"/>
           </a:xfrm>
           <a:custGeom>
-            <a:rect b="b" l="l" r="r" t="t"/>
+            <a:avLst/>
+            <a:gdLst/>
+            <a:ahLst/>
+            <a:cxnLst/>
+            <a:rect l="l" t="t" r="r" b="b"/>
             <a:pathLst>
-              <a:path extrusionOk="0" h="120000" w="120000">
+              <a:path w="120000" h="120000" extrusionOk="0">
                 <a:moveTo>
                   <a:pt x="0" y="0"/>
                 </a:moveTo>
@@ -1757,9 +1828,11 @@
       <p:sp>
         <p:nvSpPr>
           <p:cNvPr id="180" name="Google Shape;180;gd596b29c03_0_610:notes"/>
-          <p:cNvSpPr txBox="1"/>
+          <p:cNvSpPr txBox="1">
+            <a:spLocks noGrp="1"/>
+          </p:cNvSpPr>
           <p:nvPr>
-            <p:ph idx="1" type="body"/>
+            <p:ph type="body" idx="1"/>
           </p:nvPr>
         </p:nvSpPr>
         <p:spPr>
@@ -1772,12 +1845,12 @@
           </a:prstGeom>
         </p:spPr>
         <p:txBody>
-          <a:bodyPr anchorCtr="0" anchor="t" bIns="91425" lIns="91425" spcFirstLastPara="1" rIns="91425" wrap="square" tIns="91425">
+          <a:bodyPr spcFirstLastPara="1" wrap="square" lIns="91425" tIns="91425" rIns="91425" bIns="91425" anchor="t" anchorCtr="0">
             <a:noAutofit/>
           </a:bodyPr>
           <a:lstStyle/>
           <a:p>
-            <a:pPr indent="0" lvl="0" marL="0" rtl="0" algn="l">
+            <a:pPr marL="0" lvl="0" indent="0" algn="l" rtl="0">
               <a:spcBef>
                 <a:spcPts val="0"/>
               </a:spcBef>
@@ -1786,9 +1859,6 @@
               </a:spcAft>
               <a:buNone/>
             </a:pPr>
-            <a:r>
-              <a:t/>
-            </a:r>
             <a:endParaRPr/>
           </a:p>
         </p:txBody>
@@ -1802,11 +1872,11 @@
 </file>
 
 <file path=ppt/slideLayouts/slideLayout1.xml><?xml version="1.0" encoding="utf-8"?>
-<p:sldLayout xmlns:a="http://schemas.openxmlformats.org/drawingml/2006/main" xmlns:r="http://schemas.openxmlformats.org/officeDocument/2006/relationships" xmlns:mc="http://schemas.openxmlformats.org/markup-compatibility/2006" xmlns:mv="urn:schemas-microsoft-com:mac:vml" xmlns:p="http://schemas.openxmlformats.org/presentationml/2006/main" xmlns:c="http://schemas.openxmlformats.org/drawingml/2006/chart" xmlns:dgm="http://schemas.openxmlformats.org/drawingml/2006/diagram" xmlns:o="urn:schemas-microsoft-com:office:office" xmlns:v="urn:schemas-microsoft-com:vml" xmlns:pvml="urn:schemas-microsoft-com:office:powerpoint" xmlns:com="http://schemas.openxmlformats.org/drawingml/2006/compatibility" xmlns:p14="http://schemas.microsoft.com/office/powerpoint/2010/main" xmlns:p15="http://schemas.microsoft.com/office/powerpoint/2012/main" xmlns:ahyp="http://schemas.microsoft.com/office/drawing/2018/hyperlinkcolor" matchingName="Title slide" type="title">
+<p:sldLayout xmlns:a="http://schemas.openxmlformats.org/drawingml/2006/main" xmlns:r="http://schemas.openxmlformats.org/officeDocument/2006/relationships" xmlns:p="http://schemas.openxmlformats.org/presentationml/2006/main" matchingName="Title slide" type="title">
   <p:cSld name="TITLE">
     <p:spTree>
       <p:nvGrpSpPr>
-        <p:cNvPr id="9" name="Shape 9"/>
+        <p:cNvPr id="1" name="Shape 9"/>
         <p:cNvGrpSpPr/>
         <p:nvPr/>
       </p:nvGrpSpPr>
@@ -1831,7 +1901,7 @@
           </a:xfrm>
           <a:prstGeom prst="diagStripe">
             <a:avLst>
-              <a:gd fmla="val 0" name="adj"/>
+              <a:gd name="adj" fmla="val 0"/>
             </a:avLst>
           </a:prstGeom>
           <a:solidFill>
@@ -1844,12 +1914,12 @@
           </a:ln>
         </p:spPr>
         <p:txBody>
-          <a:bodyPr anchorCtr="0" anchor="ctr" bIns="91425" lIns="91425" spcFirstLastPara="1" rIns="91425" wrap="square" tIns="91425">
+          <a:bodyPr spcFirstLastPara="1" wrap="square" lIns="91425" tIns="91425" rIns="91425" bIns="91425" anchor="ctr" anchorCtr="0">
             <a:noAutofit/>
           </a:bodyPr>
           <a:lstStyle/>
           <a:p>
-            <a:pPr indent="0" lvl="0" marL="0" rtl="0" algn="l">
+            <a:pPr marL="0" lvl="0" indent="0" algn="l" rtl="0">
               <a:spcBef>
                 <a:spcPts val="0"/>
               </a:spcBef>
@@ -1858,9 +1928,6 @@
               </a:spcAft>
               <a:buNone/>
             </a:pPr>
-            <a:r>
-              <a:t/>
-            </a:r>
             <a:endParaRPr/>
           </a:p>
         </p:txBody>
@@ -1892,7 +1959,7 @@
             </a:xfrm>
             <a:prstGeom prst="diagStripe">
               <a:avLst>
-                <a:gd fmla="val 50000" name="adj"/>
+                <a:gd name="adj" fmla="val 50000"/>
               </a:avLst>
             </a:prstGeom>
             <a:solidFill>
@@ -1905,12 +1972,12 @@
             </a:ln>
           </p:spPr>
           <p:txBody>
-            <a:bodyPr anchorCtr="0" anchor="ctr" bIns="91425" lIns="91425" spcFirstLastPara="1" rIns="91425" wrap="square" tIns="91425">
+            <a:bodyPr spcFirstLastPara="1" wrap="square" lIns="91425" tIns="91425" rIns="91425" bIns="91425" anchor="ctr" anchorCtr="0">
               <a:noAutofit/>
             </a:bodyPr>
             <a:lstStyle/>
             <a:p>
-              <a:pPr indent="0" lvl="0" marL="0" rtl="0" algn="l">
+              <a:pPr marL="0" lvl="0" indent="0" algn="l" rtl="0">
                 <a:spcBef>
                   <a:spcPts val="0"/>
                 </a:spcBef>
@@ -1919,9 +1986,6 @@
                 </a:spcAft>
                 <a:buNone/>
               </a:pPr>
-              <a:r>
-                <a:t/>
-              </a:r>
               <a:endParaRPr/>
             </a:p>
           </p:txBody>
@@ -1939,7 +2003,7 @@
             </a:xfrm>
             <a:prstGeom prst="diagStripe">
               <a:avLst>
-                <a:gd fmla="val 58774" name="adj"/>
+                <a:gd name="adj" fmla="val 58774"/>
               </a:avLst>
             </a:prstGeom>
             <a:solidFill>
@@ -1952,12 +2016,12 @@
             </a:ln>
           </p:spPr>
           <p:txBody>
-            <a:bodyPr anchorCtr="0" anchor="ctr" bIns="91425" lIns="91425" spcFirstLastPara="1" rIns="91425" wrap="square" tIns="91425">
+            <a:bodyPr spcFirstLastPara="1" wrap="square" lIns="91425" tIns="91425" rIns="91425" bIns="91425" anchor="ctr" anchorCtr="0">
               <a:noAutofit/>
             </a:bodyPr>
             <a:lstStyle/>
             <a:p>
-              <a:pPr indent="0" lvl="0" marL="0" rtl="0" algn="l">
+              <a:pPr marL="0" lvl="0" indent="0" algn="l" rtl="0">
                 <a:spcBef>
                   <a:spcPts val="0"/>
                 </a:spcBef>
@@ -1966,9 +2030,6 @@
                 </a:spcAft>
                 <a:buNone/>
               </a:pPr>
-              <a:r>
-                <a:t/>
-              </a:r>
               <a:endParaRPr/>
             </a:p>
           </p:txBody>
@@ -1986,7 +2047,7 @@
             </a:xfrm>
             <a:prstGeom prst="diagStripe">
               <a:avLst>
-                <a:gd fmla="val 50000" name="adj"/>
+                <a:gd name="adj" fmla="val 50000"/>
               </a:avLst>
             </a:prstGeom>
             <a:solidFill>
@@ -1997,12 +2058,12 @@
             </a:ln>
           </p:spPr>
           <p:txBody>
-            <a:bodyPr anchorCtr="0" anchor="ctr" bIns="91425" lIns="91425" spcFirstLastPara="1" rIns="91425" wrap="square" tIns="91425">
+            <a:bodyPr spcFirstLastPara="1" wrap="square" lIns="91425" tIns="91425" rIns="91425" bIns="91425" anchor="ctr" anchorCtr="0">
               <a:noAutofit/>
             </a:bodyPr>
             <a:lstStyle/>
             <a:p>
-              <a:pPr indent="0" lvl="0" marL="0" rtl="0" algn="l">
+              <a:pPr marL="0" lvl="0" indent="0" algn="l" rtl="0">
                 <a:spcBef>
                   <a:spcPts val="0"/>
                 </a:spcBef>
@@ -2011,9 +2072,6 @@
                 </a:spcAft>
                 <a:buNone/>
               </a:pPr>
-              <a:r>
-                <a:t/>
-              </a:r>
               <a:endParaRPr/>
             </a:p>
           </p:txBody>
@@ -2031,7 +2089,7 @@
             </a:xfrm>
             <a:prstGeom prst="diagStripe">
               <a:avLst>
-                <a:gd fmla="val 50000" name="adj"/>
+                <a:gd name="adj" fmla="val 50000"/>
               </a:avLst>
             </a:prstGeom>
             <a:solidFill>
@@ -2042,12 +2100,12 @@
             </a:ln>
           </p:spPr>
           <p:txBody>
-            <a:bodyPr anchorCtr="0" anchor="ctr" bIns="91425" lIns="91425" spcFirstLastPara="1" rIns="91425" wrap="square" tIns="91425">
+            <a:bodyPr spcFirstLastPara="1" wrap="square" lIns="91425" tIns="91425" rIns="91425" bIns="91425" anchor="ctr" anchorCtr="0">
               <a:noAutofit/>
             </a:bodyPr>
             <a:lstStyle/>
             <a:p>
-              <a:pPr indent="0" lvl="0" marL="0" rtl="0" algn="l">
+              <a:pPr marL="0" lvl="0" indent="0" algn="l" rtl="0">
                 <a:spcBef>
                   <a:spcPts val="0"/>
                 </a:spcBef>
@@ -2056,9 +2114,6 @@
                 </a:spcAft>
                 <a:buNone/>
               </a:pPr>
-              <a:r>
-                <a:t/>
-              </a:r>
               <a:endParaRPr/>
             </a:p>
           </p:txBody>
@@ -2067,7 +2122,9 @@
       <p:sp>
         <p:nvSpPr>
           <p:cNvPr id="16" name="Google Shape;16;p2"/>
-          <p:cNvSpPr txBox="1"/>
+          <p:cNvSpPr txBox="1">
+            <a:spLocks noGrp="1"/>
+          </p:cNvSpPr>
           <p:nvPr>
             <p:ph type="ctrTitle"/>
           </p:nvPr>
@@ -2082,7 +2139,7 @@
           </a:prstGeom>
         </p:spPr>
         <p:txBody>
-          <a:bodyPr anchorCtr="0" anchor="t" bIns="91425" lIns="91425" spcFirstLastPara="1" rIns="91425" wrap="square" tIns="91425">
+          <a:bodyPr spcFirstLastPara="1" wrap="square" lIns="91425" tIns="91425" rIns="91425" bIns="91425" anchor="t" anchorCtr="0">
             <a:normAutofit/>
           </a:bodyPr>
           <a:lstStyle>
@@ -2186,15 +2243,19 @@
               <a:defRPr sz="4000"/>
             </a:lvl9pPr>
           </a:lstStyle>
-          <a:p/>
+          <a:p>
+            <a:endParaRPr/>
+          </a:p>
         </p:txBody>
       </p:sp>
       <p:sp>
         <p:nvSpPr>
           <p:cNvPr id="17" name="Google Shape;17;p2"/>
-          <p:cNvSpPr txBox="1"/>
+          <p:cNvSpPr txBox="1">
+            <a:spLocks noGrp="1"/>
+          </p:cNvSpPr>
           <p:nvPr>
-            <p:ph idx="1" type="subTitle"/>
+            <p:ph type="subTitle" idx="1"/>
           </p:nvPr>
         </p:nvSpPr>
         <p:spPr>
@@ -2207,7 +2268,7 @@
           </a:prstGeom>
         </p:spPr>
         <p:txBody>
-          <a:bodyPr anchorCtr="0" anchor="t" bIns="91425" lIns="91425" spcFirstLastPara="1" rIns="91425" wrap="square" tIns="91425">
+          <a:bodyPr spcFirstLastPara="1" wrap="square" lIns="91425" tIns="91425" rIns="91425" bIns="91425" anchor="t" anchorCtr="0">
             <a:normAutofit/>
           </a:bodyPr>
           <a:lstStyle>
@@ -2338,15 +2399,19 @@
               <a:defRPr sz="1300"/>
             </a:lvl9pPr>
           </a:lstStyle>
-          <a:p/>
+          <a:p>
+            <a:endParaRPr/>
+          </a:p>
         </p:txBody>
       </p:sp>
       <p:sp>
         <p:nvSpPr>
           <p:cNvPr id="18" name="Google Shape;18;p2"/>
-          <p:cNvSpPr txBox="1"/>
+          <p:cNvSpPr txBox="1">
+            <a:spLocks noGrp="1"/>
+          </p:cNvSpPr>
           <p:nvPr>
-            <p:ph idx="12" type="sldNum"/>
+            <p:ph type="sldNum" idx="12"/>
           </p:nvPr>
         </p:nvSpPr>
         <p:spPr>
@@ -2359,7 +2424,7 @@
           </a:prstGeom>
         </p:spPr>
         <p:txBody>
-          <a:bodyPr anchorCtr="0" anchor="ctr" bIns="91425" lIns="91425" spcFirstLastPara="1" rIns="91425" wrap="square" tIns="91425">
+          <a:bodyPr spcFirstLastPara="1" wrap="square" lIns="91425" tIns="91425" rIns="91425" bIns="91425" anchor="ctr" anchorCtr="0">
             <a:normAutofit/>
           </a:bodyPr>
           <a:lstStyle>
@@ -2401,7 +2466,7 @@
             </a:lvl9pPr>
           </a:lstStyle>
           <a:p>
-            <a:pPr indent="0" lvl="0" marL="0" rtl="0" algn="r">
+            <a:pPr marL="0" lvl="0" indent="0" algn="r" rtl="0">
               <a:spcBef>
                 <a:spcPts val="0"/>
               </a:spcBef>
@@ -2427,11 +2492,11 @@
 </file>
 
 <file path=ppt/slideLayouts/slideLayout10.xml><?xml version="1.0" encoding="utf-8"?>
-<p:sldLayout xmlns:a="http://schemas.openxmlformats.org/drawingml/2006/main" xmlns:r="http://schemas.openxmlformats.org/officeDocument/2006/relationships" xmlns:mc="http://schemas.openxmlformats.org/markup-compatibility/2006" xmlns:mv="urn:schemas-microsoft-com:mac:vml" xmlns:p="http://schemas.openxmlformats.org/presentationml/2006/main" xmlns:c="http://schemas.openxmlformats.org/drawingml/2006/chart" xmlns:dgm="http://schemas.openxmlformats.org/drawingml/2006/diagram" xmlns:o="urn:schemas-microsoft-com:office:office" xmlns:v="urn:schemas-microsoft-com:vml" xmlns:pvml="urn:schemas-microsoft-com:office:powerpoint" xmlns:com="http://schemas.openxmlformats.org/drawingml/2006/compatibility" xmlns:p14="http://schemas.microsoft.com/office/powerpoint/2010/main" xmlns:p15="http://schemas.microsoft.com/office/powerpoint/2012/main" xmlns:ahyp="http://schemas.microsoft.com/office/drawing/2018/hyperlinkcolor" matchingName="Big number">
+<p:sldLayout xmlns:a="http://schemas.openxmlformats.org/drawingml/2006/main" xmlns:r="http://schemas.openxmlformats.org/officeDocument/2006/relationships" xmlns:p="http://schemas.openxmlformats.org/presentationml/2006/main" matchingName="Big number">
   <p:cSld name="BIG_NUMBER">
     <p:spTree>
       <p:nvGrpSpPr>
-        <p:cNvPr id="105" name="Shape 105"/>
+        <p:cNvPr id="1" name="Shape 105"/>
         <p:cNvGrpSpPr/>
         <p:nvPr/>
       </p:nvGrpSpPr>
@@ -2470,7 +2535,7 @@
             </a:xfrm>
             <a:prstGeom prst="diagStripe">
               <a:avLst>
-                <a:gd fmla="val 49469" name="adj"/>
+                <a:gd name="adj" fmla="val 49469"/>
               </a:avLst>
             </a:prstGeom>
             <a:solidFill>
@@ -2483,12 +2548,12 @@
             </a:ln>
           </p:spPr>
           <p:txBody>
-            <a:bodyPr anchorCtr="0" anchor="ctr" bIns="91425" lIns="91425" spcFirstLastPara="1" rIns="91425" wrap="square" tIns="91425">
+            <a:bodyPr spcFirstLastPara="1" wrap="square" lIns="91425" tIns="91425" rIns="91425" bIns="91425" anchor="ctr" anchorCtr="0">
               <a:noAutofit/>
             </a:bodyPr>
             <a:lstStyle/>
             <a:p>
-              <a:pPr indent="0" lvl="0" marL="0" rtl="0" algn="l">
+              <a:pPr marL="0" lvl="0" indent="0" algn="l" rtl="0">
                 <a:spcBef>
                   <a:spcPts val="0"/>
                 </a:spcBef>
@@ -2497,9 +2562,6 @@
                 </a:spcAft>
                 <a:buNone/>
               </a:pPr>
-              <a:r>
-                <a:t/>
-              </a:r>
               <a:endParaRPr/>
             </a:p>
           </p:txBody>
@@ -2517,7 +2579,7 @@
             </a:xfrm>
             <a:prstGeom prst="diagStripe">
               <a:avLst>
-                <a:gd fmla="val 0" name="adj"/>
+                <a:gd name="adj" fmla="val 0"/>
               </a:avLst>
             </a:prstGeom>
             <a:solidFill>
@@ -2530,12 +2592,12 @@
             </a:ln>
           </p:spPr>
           <p:txBody>
-            <a:bodyPr anchorCtr="0" anchor="ctr" bIns="91425" lIns="91425" spcFirstLastPara="1" rIns="91425" wrap="square" tIns="91425">
+            <a:bodyPr spcFirstLastPara="1" wrap="square" lIns="91425" tIns="91425" rIns="91425" bIns="91425" anchor="ctr" anchorCtr="0">
               <a:noAutofit/>
             </a:bodyPr>
             <a:lstStyle/>
             <a:p>
-              <a:pPr indent="0" lvl="0" marL="0" rtl="0" algn="l">
+              <a:pPr marL="0" lvl="0" indent="0" algn="l" rtl="0">
                 <a:spcBef>
                   <a:spcPts val="0"/>
                 </a:spcBef>
@@ -2544,9 +2606,6 @@
                 </a:spcAft>
                 <a:buNone/>
               </a:pPr>
-              <a:r>
-                <a:t/>
-              </a:r>
               <a:endParaRPr/>
             </a:p>
           </p:txBody>
@@ -2564,7 +2623,7 @@
             </a:xfrm>
             <a:prstGeom prst="diagStripe">
               <a:avLst>
-                <a:gd fmla="val 50000" name="adj"/>
+                <a:gd name="adj" fmla="val 50000"/>
               </a:avLst>
             </a:prstGeom>
             <a:solidFill>
@@ -2577,12 +2636,12 @@
             </a:ln>
           </p:spPr>
           <p:txBody>
-            <a:bodyPr anchorCtr="0" anchor="ctr" bIns="91425" lIns="91425" spcFirstLastPara="1" rIns="91425" wrap="square" tIns="91425">
+            <a:bodyPr spcFirstLastPara="1" wrap="square" lIns="91425" tIns="91425" rIns="91425" bIns="91425" anchor="ctr" anchorCtr="0">
               <a:noAutofit/>
             </a:bodyPr>
             <a:lstStyle/>
             <a:p>
-              <a:pPr indent="0" lvl="0" marL="0" rtl="0" algn="l">
+              <a:pPr marL="0" lvl="0" indent="0" algn="l" rtl="0">
                 <a:spcBef>
                   <a:spcPts val="0"/>
                 </a:spcBef>
@@ -2591,9 +2650,6 @@
                 </a:spcAft>
                 <a:buNone/>
               </a:pPr>
-              <a:r>
-                <a:t/>
-              </a:r>
               <a:endParaRPr/>
             </a:p>
           </p:txBody>
@@ -2611,7 +2667,7 @@
             </a:xfrm>
             <a:prstGeom prst="diagStripe">
               <a:avLst>
-                <a:gd fmla="val 50000" name="adj"/>
+                <a:gd name="adj" fmla="val 50000"/>
               </a:avLst>
             </a:prstGeom>
             <a:solidFill>
@@ -2624,12 +2680,12 @@
             </a:ln>
           </p:spPr>
           <p:txBody>
-            <a:bodyPr anchorCtr="0" anchor="ctr" bIns="91425" lIns="91425" spcFirstLastPara="1" rIns="91425" wrap="square" tIns="91425">
+            <a:bodyPr spcFirstLastPara="1" wrap="square" lIns="91425" tIns="91425" rIns="91425" bIns="91425" anchor="ctr" anchorCtr="0">
               <a:noAutofit/>
             </a:bodyPr>
             <a:lstStyle/>
             <a:p>
-              <a:pPr indent="0" lvl="0" marL="0" rtl="0" algn="l">
+              <a:pPr marL="0" lvl="0" indent="0" algn="l" rtl="0">
                 <a:spcBef>
                   <a:spcPts val="0"/>
                 </a:spcBef>
@@ -2638,9 +2694,6 @@
                 </a:spcAft>
                 <a:buNone/>
               </a:pPr>
-              <a:r>
-                <a:t/>
-              </a:r>
               <a:endParaRPr/>
             </a:p>
           </p:txBody>
@@ -2658,7 +2711,7 @@
             </a:xfrm>
             <a:prstGeom prst="diagStripe">
               <a:avLst>
-                <a:gd fmla="val 50000" name="adj"/>
+                <a:gd name="adj" fmla="val 50000"/>
               </a:avLst>
             </a:prstGeom>
             <a:solidFill>
@@ -2671,12 +2724,12 @@
             </a:ln>
           </p:spPr>
           <p:txBody>
-            <a:bodyPr anchorCtr="0" anchor="ctr" bIns="91425" lIns="91425" spcFirstLastPara="1" rIns="91425" wrap="square" tIns="91425">
+            <a:bodyPr spcFirstLastPara="1" wrap="square" lIns="91425" tIns="91425" rIns="91425" bIns="91425" anchor="ctr" anchorCtr="0">
               <a:noAutofit/>
             </a:bodyPr>
             <a:lstStyle/>
             <a:p>
-              <a:pPr indent="0" lvl="0" marL="0" rtl="0" algn="l">
+              <a:pPr marL="0" lvl="0" indent="0" algn="l" rtl="0">
                 <a:spcBef>
                   <a:spcPts val="0"/>
                 </a:spcBef>
@@ -2685,9 +2738,6 @@
                 </a:spcAft>
                 <a:buNone/>
               </a:pPr>
-              <a:r>
-                <a:t/>
-              </a:r>
               <a:endParaRPr/>
             </a:p>
           </p:txBody>
@@ -2705,7 +2755,7 @@
             </a:xfrm>
             <a:prstGeom prst="diagStripe">
               <a:avLst>
-                <a:gd fmla="val 50000" name="adj"/>
+                <a:gd name="adj" fmla="val 50000"/>
               </a:avLst>
             </a:prstGeom>
             <a:solidFill>
@@ -2718,12 +2768,12 @@
             </a:ln>
           </p:spPr>
           <p:txBody>
-            <a:bodyPr anchorCtr="0" anchor="ctr" bIns="91425" lIns="91425" spcFirstLastPara="1" rIns="91425" wrap="square" tIns="91425">
+            <a:bodyPr spcFirstLastPara="1" wrap="square" lIns="91425" tIns="91425" rIns="91425" bIns="91425" anchor="ctr" anchorCtr="0">
               <a:noAutofit/>
             </a:bodyPr>
             <a:lstStyle/>
             <a:p>
-              <a:pPr indent="0" lvl="0" marL="0" rtl="0" algn="l">
+              <a:pPr marL="0" lvl="0" indent="0" algn="l" rtl="0">
                 <a:spcBef>
                   <a:spcPts val="0"/>
                 </a:spcBef>
@@ -2732,9 +2782,6 @@
                 </a:spcAft>
                 <a:buNone/>
               </a:pPr>
-              <a:r>
-                <a:t/>
-              </a:r>
               <a:endParaRPr/>
             </a:p>
           </p:txBody>
@@ -2752,7 +2799,7 @@
             </a:xfrm>
             <a:prstGeom prst="diagStripe">
               <a:avLst>
-                <a:gd fmla="val 50000" name="adj"/>
+                <a:gd name="adj" fmla="val 50000"/>
               </a:avLst>
             </a:prstGeom>
             <a:solidFill>
@@ -2765,12 +2812,12 @@
             </a:ln>
           </p:spPr>
           <p:txBody>
-            <a:bodyPr anchorCtr="0" anchor="ctr" bIns="91425" lIns="91425" spcFirstLastPara="1" rIns="91425" wrap="square" tIns="91425">
+            <a:bodyPr spcFirstLastPara="1" wrap="square" lIns="91425" tIns="91425" rIns="91425" bIns="91425" anchor="ctr" anchorCtr="0">
               <a:noAutofit/>
             </a:bodyPr>
             <a:lstStyle/>
             <a:p>
-              <a:pPr indent="0" lvl="0" marL="0" rtl="0" algn="l">
+              <a:pPr marL="0" lvl="0" indent="0" algn="l" rtl="0">
                 <a:spcBef>
                   <a:spcPts val="0"/>
                 </a:spcBef>
@@ -2779,9 +2826,6 @@
                 </a:spcAft>
                 <a:buNone/>
               </a:pPr>
-              <a:r>
-                <a:t/>
-              </a:r>
               <a:endParaRPr/>
             </a:p>
           </p:txBody>
@@ -2799,7 +2843,7 @@
             </a:xfrm>
             <a:prstGeom prst="diagStripe">
               <a:avLst>
-                <a:gd fmla="val 50000" name="adj"/>
+                <a:gd name="adj" fmla="val 50000"/>
               </a:avLst>
             </a:prstGeom>
             <a:solidFill>
@@ -2810,12 +2854,12 @@
             </a:ln>
           </p:spPr>
           <p:txBody>
-            <a:bodyPr anchorCtr="0" anchor="ctr" bIns="91425" lIns="91425" spcFirstLastPara="1" rIns="91425" wrap="square" tIns="91425">
+            <a:bodyPr spcFirstLastPara="1" wrap="square" lIns="91425" tIns="91425" rIns="91425" bIns="91425" anchor="ctr" anchorCtr="0">
               <a:noAutofit/>
             </a:bodyPr>
             <a:lstStyle/>
             <a:p>
-              <a:pPr indent="0" lvl="0" marL="0" rtl="0" algn="l">
+              <a:pPr marL="0" lvl="0" indent="0" algn="l" rtl="0">
                 <a:spcBef>
                   <a:spcPts val="0"/>
                 </a:spcBef>
@@ -2824,9 +2868,6 @@
                 </a:spcAft>
                 <a:buNone/>
               </a:pPr>
-              <a:r>
-                <a:t/>
-              </a:r>
               <a:endParaRPr/>
             </a:p>
           </p:txBody>
@@ -2844,7 +2885,7 @@
             </a:xfrm>
             <a:prstGeom prst="diagStripe">
               <a:avLst>
-                <a:gd fmla="val 50000" name="adj"/>
+                <a:gd name="adj" fmla="val 50000"/>
               </a:avLst>
             </a:prstGeom>
             <a:solidFill>
@@ -2857,12 +2898,12 @@
             </a:ln>
           </p:spPr>
           <p:txBody>
-            <a:bodyPr anchorCtr="0" anchor="ctr" bIns="91425" lIns="91425" spcFirstLastPara="1" rIns="91425" wrap="square" tIns="91425">
+            <a:bodyPr spcFirstLastPara="1" wrap="square" lIns="91425" tIns="91425" rIns="91425" bIns="91425" anchor="ctr" anchorCtr="0">
               <a:noAutofit/>
             </a:bodyPr>
             <a:lstStyle/>
             <a:p>
-              <a:pPr indent="0" lvl="0" marL="0" rtl="0" algn="l">
+              <a:pPr marL="0" lvl="0" indent="0" algn="l" rtl="0">
                 <a:spcBef>
                   <a:spcPts val="0"/>
                 </a:spcBef>
@@ -2871,9 +2912,6 @@
                 </a:spcAft>
                 <a:buNone/>
               </a:pPr>
-              <a:r>
-                <a:t/>
-              </a:r>
               <a:endParaRPr/>
             </a:p>
           </p:txBody>
@@ -2891,7 +2929,7 @@
             </a:xfrm>
             <a:prstGeom prst="diagStripe">
               <a:avLst>
-                <a:gd fmla="val 50000" name="adj"/>
+                <a:gd name="adj" fmla="val 50000"/>
               </a:avLst>
             </a:prstGeom>
             <a:solidFill>
@@ -2904,12 +2942,12 @@
             </a:ln>
           </p:spPr>
           <p:txBody>
-            <a:bodyPr anchorCtr="0" anchor="ctr" bIns="91425" lIns="91425" spcFirstLastPara="1" rIns="91425" wrap="square" tIns="91425">
+            <a:bodyPr spcFirstLastPara="1" wrap="square" lIns="91425" tIns="91425" rIns="91425" bIns="91425" anchor="ctr" anchorCtr="0">
               <a:noAutofit/>
             </a:bodyPr>
             <a:lstStyle/>
             <a:p>
-              <a:pPr indent="0" lvl="0" marL="0" rtl="0" algn="l">
+              <a:pPr marL="0" lvl="0" indent="0" algn="l" rtl="0">
                 <a:spcBef>
                   <a:spcPts val="0"/>
                 </a:spcBef>
@@ -2918,9 +2956,6 @@
                 </a:spcAft>
                 <a:buNone/>
               </a:pPr>
-              <a:r>
-                <a:t/>
-              </a:r>
               <a:endParaRPr/>
             </a:p>
           </p:txBody>
@@ -2938,7 +2973,7 @@
             </a:xfrm>
             <a:prstGeom prst="diagStripe">
               <a:avLst>
-                <a:gd fmla="val 50000" name="adj"/>
+                <a:gd name="adj" fmla="val 50000"/>
               </a:avLst>
             </a:prstGeom>
             <a:solidFill>
@@ -2951,12 +2986,12 @@
             </a:ln>
           </p:spPr>
           <p:txBody>
-            <a:bodyPr anchorCtr="0" anchor="ctr" bIns="91425" lIns="91425" spcFirstLastPara="1" rIns="91425" wrap="square" tIns="91425">
+            <a:bodyPr spcFirstLastPara="1" wrap="square" lIns="91425" tIns="91425" rIns="91425" bIns="91425" anchor="ctr" anchorCtr="0">
               <a:noAutofit/>
             </a:bodyPr>
             <a:lstStyle/>
             <a:p>
-              <a:pPr indent="0" lvl="0" marL="0" rtl="0" algn="l">
+              <a:pPr marL="0" lvl="0" indent="0" algn="l" rtl="0">
                 <a:spcBef>
                   <a:spcPts val="0"/>
                 </a:spcBef>
@@ -2965,9 +3000,6 @@
                 </a:spcAft>
                 <a:buNone/>
               </a:pPr>
-              <a:r>
-                <a:t/>
-              </a:r>
               <a:endParaRPr/>
             </a:p>
           </p:txBody>
@@ -2985,7 +3017,7 @@
             </a:xfrm>
             <a:prstGeom prst="diagStripe">
               <a:avLst>
-                <a:gd fmla="val 50000" name="adj"/>
+                <a:gd name="adj" fmla="val 50000"/>
               </a:avLst>
             </a:prstGeom>
             <a:solidFill>
@@ -2998,12 +3030,12 @@
             </a:ln>
           </p:spPr>
           <p:txBody>
-            <a:bodyPr anchorCtr="0" anchor="ctr" bIns="91425" lIns="91425" spcFirstLastPara="1" rIns="91425" wrap="square" tIns="91425">
+            <a:bodyPr spcFirstLastPara="1" wrap="square" lIns="91425" tIns="91425" rIns="91425" bIns="91425" anchor="ctr" anchorCtr="0">
               <a:noAutofit/>
             </a:bodyPr>
             <a:lstStyle/>
             <a:p>
-              <a:pPr indent="0" lvl="0" marL="0" rtl="0" algn="l">
+              <a:pPr marL="0" lvl="0" indent="0" algn="l" rtl="0">
                 <a:spcBef>
                   <a:spcPts val="0"/>
                 </a:spcBef>
@@ -3012,9 +3044,6 @@
                 </a:spcAft>
                 <a:buNone/>
               </a:pPr>
-              <a:r>
-                <a:t/>
-              </a:r>
               <a:endParaRPr/>
             </a:p>
           </p:txBody>
@@ -3032,7 +3061,7 @@
             </a:xfrm>
             <a:prstGeom prst="diagStripe">
               <a:avLst>
-                <a:gd fmla="val 50000" name="adj"/>
+                <a:gd name="adj" fmla="val 50000"/>
               </a:avLst>
             </a:prstGeom>
             <a:solidFill>
@@ -3045,12 +3074,12 @@
             </a:ln>
           </p:spPr>
           <p:txBody>
-            <a:bodyPr anchorCtr="0" anchor="ctr" bIns="91425" lIns="91425" spcFirstLastPara="1" rIns="91425" wrap="square" tIns="91425">
+            <a:bodyPr spcFirstLastPara="1" wrap="square" lIns="91425" tIns="91425" rIns="91425" bIns="91425" anchor="ctr" anchorCtr="0">
               <a:noAutofit/>
             </a:bodyPr>
             <a:lstStyle/>
             <a:p>
-              <a:pPr indent="0" lvl="0" marL="0" rtl="0" algn="l">
+              <a:pPr marL="0" lvl="0" indent="0" algn="l" rtl="0">
                 <a:spcBef>
                   <a:spcPts val="0"/>
                 </a:spcBef>
@@ -3059,9 +3088,6 @@
                 </a:spcAft>
                 <a:buNone/>
               </a:pPr>
-              <a:r>
-                <a:t/>
-              </a:r>
               <a:endParaRPr/>
             </a:p>
           </p:txBody>
@@ -3079,7 +3105,7 @@
             </a:xfrm>
             <a:prstGeom prst="diagStripe">
               <a:avLst>
-                <a:gd fmla="val 50000" name="adj"/>
+                <a:gd name="adj" fmla="val 50000"/>
               </a:avLst>
             </a:prstGeom>
             <a:solidFill>
@@ -3090,12 +3116,12 @@
             </a:ln>
           </p:spPr>
           <p:txBody>
-            <a:bodyPr anchorCtr="0" anchor="ctr" bIns="91425" lIns="91425" spcFirstLastPara="1" rIns="91425" wrap="square" tIns="91425">
+            <a:bodyPr spcFirstLastPara="1" wrap="square" lIns="91425" tIns="91425" rIns="91425" bIns="91425" anchor="ctr" anchorCtr="0">
               <a:noAutofit/>
             </a:bodyPr>
             <a:lstStyle/>
             <a:p>
-              <a:pPr indent="0" lvl="0" marL="0" rtl="0" algn="l">
+              <a:pPr marL="0" lvl="0" indent="0" algn="l" rtl="0">
                 <a:spcBef>
                   <a:spcPts val="0"/>
                 </a:spcBef>
@@ -3104,9 +3130,6 @@
                 </a:spcAft>
                 <a:buNone/>
               </a:pPr>
-              <a:r>
-                <a:t/>
-              </a:r>
               <a:endParaRPr/>
             </a:p>
           </p:txBody>
@@ -3124,7 +3147,7 @@
             </a:xfrm>
             <a:prstGeom prst="diagStripe">
               <a:avLst>
-                <a:gd fmla="val 50000" name="adj"/>
+                <a:gd name="adj" fmla="val 50000"/>
               </a:avLst>
             </a:prstGeom>
             <a:solidFill>
@@ -3137,12 +3160,12 @@
             </a:ln>
           </p:spPr>
           <p:txBody>
-            <a:bodyPr anchorCtr="0" anchor="ctr" bIns="91425" lIns="91425" spcFirstLastPara="1" rIns="91425" wrap="square" tIns="91425">
+            <a:bodyPr spcFirstLastPara="1" wrap="square" lIns="91425" tIns="91425" rIns="91425" bIns="91425" anchor="ctr" anchorCtr="0">
               <a:noAutofit/>
             </a:bodyPr>
             <a:lstStyle/>
             <a:p>
-              <a:pPr indent="0" lvl="0" marL="0" rtl="0" algn="l">
+              <a:pPr marL="0" lvl="0" indent="0" algn="l" rtl="0">
                 <a:spcBef>
                   <a:spcPts val="0"/>
                 </a:spcBef>
@@ -3151,9 +3174,6 @@
                 </a:spcAft>
                 <a:buNone/>
               </a:pPr>
-              <a:r>
-                <a:t/>
-              </a:r>
               <a:endParaRPr/>
             </a:p>
           </p:txBody>
@@ -3171,7 +3191,7 @@
             </a:xfrm>
             <a:prstGeom prst="diagStripe">
               <a:avLst>
-                <a:gd fmla="val 50000" name="adj"/>
+                <a:gd name="adj" fmla="val 50000"/>
               </a:avLst>
             </a:prstGeom>
             <a:solidFill>
@@ -3184,12 +3204,12 @@
             </a:ln>
           </p:spPr>
           <p:txBody>
-            <a:bodyPr anchorCtr="0" anchor="ctr" bIns="91425" lIns="91425" spcFirstLastPara="1" rIns="91425" wrap="square" tIns="91425">
+            <a:bodyPr spcFirstLastPara="1" wrap="square" lIns="91425" tIns="91425" rIns="91425" bIns="91425" anchor="ctr" anchorCtr="0">
               <a:noAutofit/>
             </a:bodyPr>
             <a:lstStyle/>
             <a:p>
-              <a:pPr indent="0" lvl="0" marL="0" rtl="0" algn="l">
+              <a:pPr marL="0" lvl="0" indent="0" algn="l" rtl="0">
                 <a:spcBef>
                   <a:spcPts val="0"/>
                 </a:spcBef>
@@ -3198,9 +3218,6 @@
                 </a:spcAft>
                 <a:buNone/>
               </a:pPr>
-              <a:r>
-                <a:t/>
-              </a:r>
               <a:endParaRPr/>
             </a:p>
           </p:txBody>
@@ -3218,7 +3235,7 @@
             </a:xfrm>
             <a:prstGeom prst="diagStripe">
               <a:avLst>
-                <a:gd fmla="val 50000" name="adj"/>
+                <a:gd name="adj" fmla="val 50000"/>
               </a:avLst>
             </a:prstGeom>
             <a:solidFill>
@@ -3231,12 +3248,12 @@
             </a:ln>
           </p:spPr>
           <p:txBody>
-            <a:bodyPr anchorCtr="0" anchor="ctr" bIns="91425" lIns="91425" spcFirstLastPara="1" rIns="91425" wrap="square" tIns="91425">
+            <a:bodyPr spcFirstLastPara="1" wrap="square" lIns="91425" tIns="91425" rIns="91425" bIns="91425" anchor="ctr" anchorCtr="0">
               <a:noAutofit/>
             </a:bodyPr>
             <a:lstStyle/>
             <a:p>
-              <a:pPr indent="0" lvl="0" marL="0" rtl="0" algn="l">
+              <a:pPr marL="0" lvl="0" indent="0" algn="l" rtl="0">
                 <a:spcBef>
                   <a:spcPts val="0"/>
                 </a:spcBef>
@@ -3245,9 +3262,6 @@
                 </a:spcAft>
                 <a:buNone/>
               </a:pPr>
-              <a:r>
-                <a:t/>
-              </a:r>
               <a:endParaRPr/>
             </a:p>
           </p:txBody>
@@ -3265,7 +3279,7 @@
             </a:xfrm>
             <a:prstGeom prst="diagStripe">
               <a:avLst>
-                <a:gd fmla="val 50000" name="adj"/>
+                <a:gd name="adj" fmla="val 50000"/>
               </a:avLst>
             </a:prstGeom>
             <a:solidFill>
@@ -3278,12 +3292,12 @@
             </a:ln>
           </p:spPr>
           <p:txBody>
-            <a:bodyPr anchorCtr="0" anchor="ctr" bIns="91425" lIns="91425" spcFirstLastPara="1" rIns="91425" wrap="square" tIns="91425">
+            <a:bodyPr spcFirstLastPara="1" wrap="square" lIns="91425" tIns="91425" rIns="91425" bIns="91425" anchor="ctr" anchorCtr="0">
               <a:noAutofit/>
             </a:bodyPr>
             <a:lstStyle/>
             <a:p>
-              <a:pPr indent="0" lvl="0" marL="0" rtl="0" algn="l">
+              <a:pPr marL="0" lvl="0" indent="0" algn="l" rtl="0">
                 <a:spcBef>
                   <a:spcPts val="0"/>
                 </a:spcBef>
@@ -3292,9 +3306,6 @@
                 </a:spcAft>
                 <a:buNone/>
               </a:pPr>
-              <a:r>
-                <a:t/>
-              </a:r>
               <a:endParaRPr/>
             </a:p>
           </p:txBody>
@@ -3303,9 +3314,11 @@
       <p:sp>
         <p:nvSpPr>
           <p:cNvPr id="125" name="Google Shape;125;p11"/>
-          <p:cNvSpPr txBox="1"/>
+          <p:cNvSpPr txBox="1">
+            <a:spLocks noGrp="1"/>
+          </p:cNvSpPr>
           <p:nvPr>
-            <p:ph hasCustomPrompt="1" type="title"/>
+            <p:ph type="title" hasCustomPrompt="1"/>
           </p:nvPr>
         </p:nvSpPr>
         <p:spPr>
@@ -3318,7 +3331,7 @@
           </a:prstGeom>
         </p:spPr>
         <p:txBody>
-          <a:bodyPr anchorCtr="0" anchor="t" bIns="91425" lIns="91425" spcFirstLastPara="1" rIns="91425" wrap="square" tIns="91425">
+          <a:bodyPr spcFirstLastPara="1" wrap="square" lIns="91425" tIns="91425" rIns="91425" bIns="91425" anchor="t" anchorCtr="0">
             <a:normAutofit/>
           </a:bodyPr>
           <a:lstStyle>
@@ -3432,9 +3445,11 @@
       <p:sp>
         <p:nvSpPr>
           <p:cNvPr id="126" name="Google Shape;126;p11"/>
-          <p:cNvSpPr txBox="1"/>
+          <p:cNvSpPr txBox="1">
+            <a:spLocks noGrp="1"/>
+          </p:cNvSpPr>
           <p:nvPr>
-            <p:ph idx="1" type="body"/>
+            <p:ph type="body" idx="1"/>
           </p:nvPr>
         </p:nvSpPr>
         <p:spPr>
@@ -3447,11 +3462,11 @@
           </a:prstGeom>
         </p:spPr>
         <p:txBody>
-          <a:bodyPr anchorCtr="0" anchor="t" bIns="91425" lIns="91425" spcFirstLastPara="1" rIns="91425" wrap="square" tIns="91425">
+          <a:bodyPr spcFirstLastPara="1" wrap="square" lIns="91425" tIns="91425" rIns="91425" bIns="91425" anchor="t" anchorCtr="0">
             <a:normAutofit/>
           </a:bodyPr>
           <a:lstStyle>
-            <a:lvl1pPr indent="-311150" lvl="0" marL="457200">
+            <a:lvl1pPr marL="457200" lvl="0" indent="-311150">
               <a:spcBef>
                 <a:spcPts val="0"/>
               </a:spcBef>
@@ -3462,7 +3477,7 @@
               <a:buChar char="●"/>
               <a:defRPr/>
             </a:lvl1pPr>
-            <a:lvl2pPr indent="-298450" lvl="1" marL="914400">
+            <a:lvl2pPr marL="914400" lvl="1" indent="-298450">
               <a:spcBef>
                 <a:spcPts val="0"/>
               </a:spcBef>
@@ -3473,7 +3488,7 @@
               <a:buChar char="○"/>
               <a:defRPr/>
             </a:lvl2pPr>
-            <a:lvl3pPr indent="-298450" lvl="2" marL="1371600">
+            <a:lvl3pPr marL="1371600" lvl="2" indent="-298450">
               <a:spcBef>
                 <a:spcPts val="0"/>
               </a:spcBef>
@@ -3484,7 +3499,7 @@
               <a:buChar char="■"/>
               <a:defRPr/>
             </a:lvl3pPr>
-            <a:lvl4pPr indent="-298450" lvl="3" marL="1828800">
+            <a:lvl4pPr marL="1828800" lvl="3" indent="-298450">
               <a:spcBef>
                 <a:spcPts val="0"/>
               </a:spcBef>
@@ -3495,7 +3510,7 @@
               <a:buChar char="●"/>
               <a:defRPr/>
             </a:lvl4pPr>
-            <a:lvl5pPr indent="-298450" lvl="4" marL="2286000">
+            <a:lvl5pPr marL="2286000" lvl="4" indent="-298450">
               <a:spcBef>
                 <a:spcPts val="0"/>
               </a:spcBef>
@@ -3506,7 +3521,7 @@
               <a:buChar char="○"/>
               <a:defRPr/>
             </a:lvl5pPr>
-            <a:lvl6pPr indent="-298450" lvl="5" marL="2743200">
+            <a:lvl6pPr marL="2743200" lvl="5" indent="-298450">
               <a:spcBef>
                 <a:spcPts val="0"/>
               </a:spcBef>
@@ -3517,7 +3532,7 @@
               <a:buChar char="■"/>
               <a:defRPr/>
             </a:lvl6pPr>
-            <a:lvl7pPr indent="-298450" lvl="6" marL="3200400">
+            <a:lvl7pPr marL="3200400" lvl="6" indent="-298450">
               <a:spcBef>
                 <a:spcPts val="0"/>
               </a:spcBef>
@@ -3528,7 +3543,7 @@
               <a:buChar char="●"/>
               <a:defRPr/>
             </a:lvl7pPr>
-            <a:lvl8pPr indent="-298450" lvl="7" marL="3657600">
+            <a:lvl8pPr marL="3657600" lvl="7" indent="-298450">
               <a:spcBef>
                 <a:spcPts val="0"/>
               </a:spcBef>
@@ -3539,7 +3554,7 @@
               <a:buChar char="○"/>
               <a:defRPr/>
             </a:lvl8pPr>
-            <a:lvl9pPr indent="-298450" lvl="8" marL="4114800">
+            <a:lvl9pPr marL="4114800" lvl="8" indent="-298450">
               <a:spcBef>
                 <a:spcPts val="0"/>
               </a:spcBef>
@@ -3551,15 +3566,19 @@
               <a:defRPr/>
             </a:lvl9pPr>
           </a:lstStyle>
-          <a:p/>
+          <a:p>
+            <a:endParaRPr/>
+          </a:p>
         </p:txBody>
       </p:sp>
       <p:sp>
         <p:nvSpPr>
           <p:cNvPr id="127" name="Google Shape;127;p11"/>
-          <p:cNvSpPr txBox="1"/>
+          <p:cNvSpPr txBox="1">
+            <a:spLocks noGrp="1"/>
+          </p:cNvSpPr>
           <p:nvPr>
-            <p:ph idx="12" type="sldNum"/>
+            <p:ph type="sldNum" idx="12"/>
           </p:nvPr>
         </p:nvSpPr>
         <p:spPr>
@@ -3572,7 +3591,7 @@
           </a:prstGeom>
         </p:spPr>
         <p:txBody>
-          <a:bodyPr anchorCtr="0" anchor="ctr" bIns="91425" lIns="91425" spcFirstLastPara="1" rIns="91425" wrap="square" tIns="91425">
+          <a:bodyPr spcFirstLastPara="1" wrap="square" lIns="91425" tIns="91425" rIns="91425" bIns="91425" anchor="ctr" anchorCtr="0">
             <a:normAutofit/>
           </a:bodyPr>
           <a:lstStyle>
@@ -3614,7 +3633,7 @@
             </a:lvl9pPr>
           </a:lstStyle>
           <a:p>
-            <a:pPr indent="0" lvl="0" marL="0" rtl="0" algn="r">
+            <a:pPr marL="0" lvl="0" indent="0" algn="r" rtl="0">
               <a:spcBef>
                 <a:spcPts val="0"/>
               </a:spcBef>
@@ -3640,11 +3659,11 @@
 </file>
 
 <file path=ppt/slideLayouts/slideLayout11.xml><?xml version="1.0" encoding="utf-8"?>
-<p:sldLayout xmlns:a="http://schemas.openxmlformats.org/drawingml/2006/main" xmlns:r="http://schemas.openxmlformats.org/officeDocument/2006/relationships" xmlns:mc="http://schemas.openxmlformats.org/markup-compatibility/2006" xmlns:mv="urn:schemas-microsoft-com:mac:vml" xmlns:p="http://schemas.openxmlformats.org/presentationml/2006/main" xmlns:c="http://schemas.openxmlformats.org/drawingml/2006/chart" xmlns:dgm="http://schemas.openxmlformats.org/drawingml/2006/diagram" xmlns:o="urn:schemas-microsoft-com:office:office" xmlns:v="urn:schemas-microsoft-com:vml" xmlns:pvml="urn:schemas-microsoft-com:office:powerpoint" xmlns:com="http://schemas.openxmlformats.org/drawingml/2006/compatibility" xmlns:p14="http://schemas.microsoft.com/office/powerpoint/2010/main" xmlns:p15="http://schemas.microsoft.com/office/powerpoint/2012/main" xmlns:ahyp="http://schemas.microsoft.com/office/drawing/2018/hyperlinkcolor" matchingName="Blank" type="blank">
+<p:sldLayout xmlns:a="http://schemas.openxmlformats.org/drawingml/2006/main" xmlns:r="http://schemas.openxmlformats.org/officeDocument/2006/relationships" xmlns:p="http://schemas.openxmlformats.org/presentationml/2006/main" matchingName="Blank" type="blank">
   <p:cSld name="BLANK">
     <p:spTree>
       <p:nvGrpSpPr>
-        <p:cNvPr id="128" name="Shape 128"/>
+        <p:cNvPr id="1" name="Shape 128"/>
         <p:cNvGrpSpPr/>
         <p:nvPr/>
       </p:nvGrpSpPr>
@@ -3659,9 +3678,11 @@
       <p:sp>
         <p:nvSpPr>
           <p:cNvPr id="129" name="Google Shape;129;p12"/>
-          <p:cNvSpPr txBox="1"/>
+          <p:cNvSpPr txBox="1">
+            <a:spLocks noGrp="1"/>
+          </p:cNvSpPr>
           <p:nvPr>
-            <p:ph idx="12" type="sldNum"/>
+            <p:ph type="sldNum" idx="12"/>
           </p:nvPr>
         </p:nvSpPr>
         <p:spPr>
@@ -3674,7 +3695,7 @@
           </a:prstGeom>
         </p:spPr>
         <p:txBody>
-          <a:bodyPr anchorCtr="0" anchor="ctr" bIns="91425" lIns="91425" spcFirstLastPara="1" rIns="91425" wrap="square" tIns="91425">
+          <a:bodyPr spcFirstLastPara="1" wrap="square" lIns="91425" tIns="91425" rIns="91425" bIns="91425" anchor="ctr" anchorCtr="0">
             <a:normAutofit/>
           </a:bodyPr>
           <a:lstStyle>
@@ -3716,7 +3737,7 @@
             </a:lvl9pPr>
           </a:lstStyle>
           <a:p>
-            <a:pPr indent="0" lvl="0" marL="0" rtl="0" algn="r">
+            <a:pPr marL="0" lvl="0" indent="0" algn="r" rtl="0">
               <a:spcBef>
                 <a:spcPts val="0"/>
               </a:spcBef>
@@ -3742,11 +3763,11 @@
 </file>
 
 <file path=ppt/slideLayouts/slideLayout2.xml><?xml version="1.0" encoding="utf-8"?>
-<p:sldLayout xmlns:a="http://schemas.openxmlformats.org/drawingml/2006/main" xmlns:r="http://schemas.openxmlformats.org/officeDocument/2006/relationships" xmlns:mc="http://schemas.openxmlformats.org/markup-compatibility/2006" xmlns:mv="urn:schemas-microsoft-com:mac:vml" xmlns:p="http://schemas.openxmlformats.org/presentationml/2006/main" xmlns:c="http://schemas.openxmlformats.org/drawingml/2006/chart" xmlns:dgm="http://schemas.openxmlformats.org/drawingml/2006/diagram" xmlns:o="urn:schemas-microsoft-com:office:office" xmlns:v="urn:schemas-microsoft-com:vml" xmlns:pvml="urn:schemas-microsoft-com:office:powerpoint" xmlns:com="http://schemas.openxmlformats.org/drawingml/2006/compatibility" xmlns:p14="http://schemas.microsoft.com/office/powerpoint/2010/main" xmlns:p15="http://schemas.microsoft.com/office/powerpoint/2012/main" xmlns:ahyp="http://schemas.microsoft.com/office/drawing/2018/hyperlinkcolor" matchingName="Section header" type="secHead">
+<p:sldLayout xmlns:a="http://schemas.openxmlformats.org/drawingml/2006/main" xmlns:r="http://schemas.openxmlformats.org/officeDocument/2006/relationships" xmlns:p="http://schemas.openxmlformats.org/presentationml/2006/main" matchingName="Section header" type="secHead">
   <p:cSld name="SECTION_HEADER">
     <p:spTree>
       <p:nvGrpSpPr>
-        <p:cNvPr id="19" name="Shape 19"/>
+        <p:cNvPr id="1" name="Shape 19"/>
         <p:cNvGrpSpPr/>
         <p:nvPr/>
       </p:nvGrpSpPr>
@@ -3785,7 +3806,7 @@
             </a:xfrm>
             <a:prstGeom prst="diagStripe">
               <a:avLst>
-                <a:gd fmla="val 49469" name="adj"/>
+                <a:gd name="adj" fmla="val 49469"/>
               </a:avLst>
             </a:prstGeom>
             <a:solidFill>
@@ -3798,12 +3819,12 @@
             </a:ln>
           </p:spPr>
           <p:txBody>
-            <a:bodyPr anchorCtr="0" anchor="ctr" bIns="91425" lIns="91425" spcFirstLastPara="1" rIns="91425" wrap="square" tIns="91425">
+            <a:bodyPr spcFirstLastPara="1" wrap="square" lIns="91425" tIns="91425" rIns="91425" bIns="91425" anchor="ctr" anchorCtr="0">
               <a:noAutofit/>
             </a:bodyPr>
             <a:lstStyle/>
             <a:p>
-              <a:pPr indent="0" lvl="0" marL="0" rtl="0" algn="l">
+              <a:pPr marL="0" lvl="0" indent="0" algn="l" rtl="0">
                 <a:spcBef>
                   <a:spcPts val="0"/>
                 </a:spcBef>
@@ -3812,9 +3833,6 @@
                 </a:spcAft>
                 <a:buNone/>
               </a:pPr>
-              <a:r>
-                <a:t/>
-              </a:r>
               <a:endParaRPr/>
             </a:p>
           </p:txBody>
@@ -3832,7 +3850,7 @@
             </a:xfrm>
             <a:prstGeom prst="diagStripe">
               <a:avLst>
-                <a:gd fmla="val 0" name="adj"/>
+                <a:gd name="adj" fmla="val 0"/>
               </a:avLst>
             </a:prstGeom>
             <a:solidFill>
@@ -3845,12 +3863,12 @@
             </a:ln>
           </p:spPr>
           <p:txBody>
-            <a:bodyPr anchorCtr="0" anchor="ctr" bIns="91425" lIns="91425" spcFirstLastPara="1" rIns="91425" wrap="square" tIns="91425">
+            <a:bodyPr spcFirstLastPara="1" wrap="square" lIns="91425" tIns="91425" rIns="91425" bIns="91425" anchor="ctr" anchorCtr="0">
               <a:noAutofit/>
             </a:bodyPr>
             <a:lstStyle/>
             <a:p>
-              <a:pPr indent="0" lvl="0" marL="0" rtl="0" algn="l">
+              <a:pPr marL="0" lvl="0" indent="0" algn="l" rtl="0">
                 <a:spcBef>
                   <a:spcPts val="0"/>
                 </a:spcBef>
@@ -3859,9 +3877,6 @@
                 </a:spcAft>
                 <a:buNone/>
               </a:pPr>
-              <a:r>
-                <a:t/>
-              </a:r>
               <a:endParaRPr/>
             </a:p>
           </p:txBody>
@@ -3879,7 +3894,7 @@
             </a:xfrm>
             <a:prstGeom prst="diagStripe">
               <a:avLst>
-                <a:gd fmla="val 50000" name="adj"/>
+                <a:gd name="adj" fmla="val 50000"/>
               </a:avLst>
             </a:prstGeom>
             <a:solidFill>
@@ -3892,12 +3907,12 @@
             </a:ln>
           </p:spPr>
           <p:txBody>
-            <a:bodyPr anchorCtr="0" anchor="ctr" bIns="91425" lIns="91425" spcFirstLastPara="1" rIns="91425" wrap="square" tIns="91425">
+            <a:bodyPr spcFirstLastPara="1" wrap="square" lIns="91425" tIns="91425" rIns="91425" bIns="91425" anchor="ctr" anchorCtr="0">
               <a:noAutofit/>
             </a:bodyPr>
             <a:lstStyle/>
             <a:p>
-              <a:pPr indent="0" lvl="0" marL="0" rtl="0" algn="l">
+              <a:pPr marL="0" lvl="0" indent="0" algn="l" rtl="0">
                 <a:spcBef>
                   <a:spcPts val="0"/>
                 </a:spcBef>
@@ -3906,9 +3921,6 @@
                 </a:spcAft>
                 <a:buNone/>
               </a:pPr>
-              <a:r>
-                <a:t/>
-              </a:r>
               <a:endParaRPr/>
             </a:p>
           </p:txBody>
@@ -3926,7 +3938,7 @@
             </a:xfrm>
             <a:prstGeom prst="diagStripe">
               <a:avLst>
-                <a:gd fmla="val 50000" name="adj"/>
+                <a:gd name="adj" fmla="val 50000"/>
               </a:avLst>
             </a:prstGeom>
             <a:solidFill>
@@ -3939,12 +3951,12 @@
             </a:ln>
           </p:spPr>
           <p:txBody>
-            <a:bodyPr anchorCtr="0" anchor="ctr" bIns="91425" lIns="91425" spcFirstLastPara="1" rIns="91425" wrap="square" tIns="91425">
+            <a:bodyPr spcFirstLastPara="1" wrap="square" lIns="91425" tIns="91425" rIns="91425" bIns="91425" anchor="ctr" anchorCtr="0">
               <a:noAutofit/>
             </a:bodyPr>
             <a:lstStyle/>
             <a:p>
-              <a:pPr indent="0" lvl="0" marL="0" rtl="0" algn="l">
+              <a:pPr marL="0" lvl="0" indent="0" algn="l" rtl="0">
                 <a:spcBef>
                   <a:spcPts val="0"/>
                 </a:spcBef>
@@ -3953,9 +3965,6 @@
                 </a:spcAft>
                 <a:buNone/>
               </a:pPr>
-              <a:r>
-                <a:t/>
-              </a:r>
               <a:endParaRPr/>
             </a:p>
           </p:txBody>
@@ -3973,7 +3982,7 @@
             </a:xfrm>
             <a:prstGeom prst="diagStripe">
               <a:avLst>
-                <a:gd fmla="val 50000" name="adj"/>
+                <a:gd name="adj" fmla="val 50000"/>
               </a:avLst>
             </a:prstGeom>
             <a:solidFill>
@@ -3986,12 +3995,12 @@
             </a:ln>
           </p:spPr>
           <p:txBody>
-            <a:bodyPr anchorCtr="0" anchor="ctr" bIns="91425" lIns="91425" spcFirstLastPara="1" rIns="91425" wrap="square" tIns="91425">
+            <a:bodyPr spcFirstLastPara="1" wrap="square" lIns="91425" tIns="91425" rIns="91425" bIns="91425" anchor="ctr" anchorCtr="0">
               <a:noAutofit/>
             </a:bodyPr>
             <a:lstStyle/>
             <a:p>
-              <a:pPr indent="0" lvl="0" marL="0" rtl="0" algn="l">
+              <a:pPr marL="0" lvl="0" indent="0" algn="l" rtl="0">
                 <a:spcBef>
                   <a:spcPts val="0"/>
                 </a:spcBef>
@@ -4000,9 +4009,6 @@
                 </a:spcAft>
                 <a:buNone/>
               </a:pPr>
-              <a:r>
-                <a:t/>
-              </a:r>
               <a:endParaRPr/>
             </a:p>
           </p:txBody>
@@ -4020,7 +4026,7 @@
             </a:xfrm>
             <a:prstGeom prst="diagStripe">
               <a:avLst>
-                <a:gd fmla="val 50000" name="adj"/>
+                <a:gd name="adj" fmla="val 50000"/>
               </a:avLst>
             </a:prstGeom>
             <a:solidFill>
@@ -4033,12 +4039,12 @@
             </a:ln>
           </p:spPr>
           <p:txBody>
-            <a:bodyPr anchorCtr="0" anchor="ctr" bIns="91425" lIns="91425" spcFirstLastPara="1" rIns="91425" wrap="square" tIns="91425">
+            <a:bodyPr spcFirstLastPara="1" wrap="square" lIns="91425" tIns="91425" rIns="91425" bIns="91425" anchor="ctr" anchorCtr="0">
               <a:noAutofit/>
             </a:bodyPr>
             <a:lstStyle/>
             <a:p>
-              <a:pPr indent="0" lvl="0" marL="0" rtl="0" algn="l">
+              <a:pPr marL="0" lvl="0" indent="0" algn="l" rtl="0">
                 <a:spcBef>
                   <a:spcPts val="0"/>
                 </a:spcBef>
@@ -4047,9 +4053,6 @@
                 </a:spcAft>
                 <a:buNone/>
               </a:pPr>
-              <a:r>
-                <a:t/>
-              </a:r>
               <a:endParaRPr/>
             </a:p>
           </p:txBody>
@@ -4067,7 +4070,7 @@
             </a:xfrm>
             <a:prstGeom prst="diagStripe">
               <a:avLst>
-                <a:gd fmla="val 50000" name="adj"/>
+                <a:gd name="adj" fmla="val 50000"/>
               </a:avLst>
             </a:prstGeom>
             <a:solidFill>
@@ -4080,12 +4083,12 @@
             </a:ln>
           </p:spPr>
           <p:txBody>
-            <a:bodyPr anchorCtr="0" anchor="ctr" bIns="91425" lIns="91425" spcFirstLastPara="1" rIns="91425" wrap="square" tIns="91425">
+            <a:bodyPr spcFirstLastPara="1" wrap="square" lIns="91425" tIns="91425" rIns="91425" bIns="91425" anchor="ctr" anchorCtr="0">
               <a:noAutofit/>
             </a:bodyPr>
             <a:lstStyle/>
             <a:p>
-              <a:pPr indent="0" lvl="0" marL="0" rtl="0" algn="l">
+              <a:pPr marL="0" lvl="0" indent="0" algn="l" rtl="0">
                 <a:spcBef>
                   <a:spcPts val="0"/>
                 </a:spcBef>
@@ -4094,9 +4097,6 @@
                 </a:spcAft>
                 <a:buNone/>
               </a:pPr>
-              <a:r>
-                <a:t/>
-              </a:r>
               <a:endParaRPr/>
             </a:p>
           </p:txBody>
@@ -4114,7 +4114,7 @@
             </a:xfrm>
             <a:prstGeom prst="diagStripe">
               <a:avLst>
-                <a:gd fmla="val 50000" name="adj"/>
+                <a:gd name="adj" fmla="val 50000"/>
               </a:avLst>
             </a:prstGeom>
             <a:solidFill>
@@ -4125,12 +4125,12 @@
             </a:ln>
           </p:spPr>
           <p:txBody>
-            <a:bodyPr anchorCtr="0" anchor="ctr" bIns="91425" lIns="91425" spcFirstLastPara="1" rIns="91425" wrap="square" tIns="91425">
+            <a:bodyPr spcFirstLastPara="1" wrap="square" lIns="91425" tIns="91425" rIns="91425" bIns="91425" anchor="ctr" anchorCtr="0">
               <a:noAutofit/>
             </a:bodyPr>
             <a:lstStyle/>
             <a:p>
-              <a:pPr indent="0" lvl="0" marL="0" rtl="0" algn="l">
+              <a:pPr marL="0" lvl="0" indent="0" algn="l" rtl="0">
                 <a:spcBef>
                   <a:spcPts val="0"/>
                 </a:spcBef>
@@ -4139,9 +4139,6 @@
                 </a:spcAft>
                 <a:buNone/>
               </a:pPr>
-              <a:r>
-                <a:t/>
-              </a:r>
               <a:endParaRPr/>
             </a:p>
           </p:txBody>
@@ -4159,7 +4156,7 @@
             </a:xfrm>
             <a:prstGeom prst="diagStripe">
               <a:avLst>
-                <a:gd fmla="val 50000" name="adj"/>
+                <a:gd name="adj" fmla="val 50000"/>
               </a:avLst>
             </a:prstGeom>
             <a:solidFill>
@@ -4172,12 +4169,12 @@
             </a:ln>
           </p:spPr>
           <p:txBody>
-            <a:bodyPr anchorCtr="0" anchor="ctr" bIns="91425" lIns="91425" spcFirstLastPara="1" rIns="91425" wrap="square" tIns="91425">
+            <a:bodyPr spcFirstLastPara="1" wrap="square" lIns="91425" tIns="91425" rIns="91425" bIns="91425" anchor="ctr" anchorCtr="0">
               <a:noAutofit/>
             </a:bodyPr>
             <a:lstStyle/>
             <a:p>
-              <a:pPr indent="0" lvl="0" marL="0" rtl="0" algn="l">
+              <a:pPr marL="0" lvl="0" indent="0" algn="l" rtl="0">
                 <a:spcBef>
                   <a:spcPts val="0"/>
                 </a:spcBef>
@@ -4186,9 +4183,6 @@
                 </a:spcAft>
                 <a:buNone/>
               </a:pPr>
-              <a:r>
-                <a:t/>
-              </a:r>
               <a:endParaRPr/>
             </a:p>
           </p:txBody>
@@ -4206,7 +4200,7 @@
             </a:xfrm>
             <a:prstGeom prst="diagStripe">
               <a:avLst>
-                <a:gd fmla="val 50000" name="adj"/>
+                <a:gd name="adj" fmla="val 50000"/>
               </a:avLst>
             </a:prstGeom>
             <a:solidFill>
@@ -4219,12 +4213,12 @@
             </a:ln>
           </p:spPr>
           <p:txBody>
-            <a:bodyPr anchorCtr="0" anchor="ctr" bIns="91425" lIns="91425" spcFirstLastPara="1" rIns="91425" wrap="square" tIns="91425">
+            <a:bodyPr spcFirstLastPara="1" wrap="square" lIns="91425" tIns="91425" rIns="91425" bIns="91425" anchor="ctr" anchorCtr="0">
               <a:noAutofit/>
             </a:bodyPr>
             <a:lstStyle/>
             <a:p>
-              <a:pPr indent="0" lvl="0" marL="0" rtl="0" algn="l">
+              <a:pPr marL="0" lvl="0" indent="0" algn="l" rtl="0">
                 <a:spcBef>
                   <a:spcPts val="0"/>
                 </a:spcBef>
@@ -4233,9 +4227,6 @@
                 </a:spcAft>
                 <a:buNone/>
               </a:pPr>
-              <a:r>
-                <a:t/>
-              </a:r>
               <a:endParaRPr/>
             </a:p>
           </p:txBody>
@@ -4253,7 +4244,7 @@
             </a:xfrm>
             <a:prstGeom prst="diagStripe">
               <a:avLst>
-                <a:gd fmla="val 50000" name="adj"/>
+                <a:gd name="adj" fmla="val 50000"/>
               </a:avLst>
             </a:prstGeom>
             <a:solidFill>
@@ -4266,12 +4257,12 @@
             </a:ln>
           </p:spPr>
           <p:txBody>
-            <a:bodyPr anchorCtr="0" anchor="ctr" bIns="91425" lIns="91425" spcFirstLastPara="1" rIns="91425" wrap="square" tIns="91425">
+            <a:bodyPr spcFirstLastPara="1" wrap="square" lIns="91425" tIns="91425" rIns="91425" bIns="91425" anchor="ctr" anchorCtr="0">
               <a:noAutofit/>
             </a:bodyPr>
             <a:lstStyle/>
             <a:p>
-              <a:pPr indent="0" lvl="0" marL="0" rtl="0" algn="l">
+              <a:pPr marL="0" lvl="0" indent="0" algn="l" rtl="0">
                 <a:spcBef>
                   <a:spcPts val="0"/>
                 </a:spcBef>
@@ -4280,9 +4271,6 @@
                 </a:spcAft>
                 <a:buNone/>
               </a:pPr>
-              <a:r>
-                <a:t/>
-              </a:r>
               <a:endParaRPr/>
             </a:p>
           </p:txBody>
@@ -4300,7 +4288,7 @@
             </a:xfrm>
             <a:prstGeom prst="diagStripe">
               <a:avLst>
-                <a:gd fmla="val 50000" name="adj"/>
+                <a:gd name="adj" fmla="val 50000"/>
               </a:avLst>
             </a:prstGeom>
             <a:solidFill>
@@ -4313,12 +4301,12 @@
             </a:ln>
           </p:spPr>
           <p:txBody>
-            <a:bodyPr anchorCtr="0" anchor="ctr" bIns="91425" lIns="91425" spcFirstLastPara="1" rIns="91425" wrap="square" tIns="91425">
+            <a:bodyPr spcFirstLastPara="1" wrap="square" lIns="91425" tIns="91425" rIns="91425" bIns="91425" anchor="ctr" anchorCtr="0">
               <a:noAutofit/>
             </a:bodyPr>
             <a:lstStyle/>
             <a:p>
-              <a:pPr indent="0" lvl="0" marL="0" rtl="0" algn="l">
+              <a:pPr marL="0" lvl="0" indent="0" algn="l" rtl="0">
                 <a:spcBef>
                   <a:spcPts val="0"/>
                 </a:spcBef>
@@ -4327,9 +4315,6 @@
                 </a:spcAft>
                 <a:buNone/>
               </a:pPr>
-              <a:r>
-                <a:t/>
-              </a:r>
               <a:endParaRPr/>
             </a:p>
           </p:txBody>
@@ -4347,7 +4332,7 @@
             </a:xfrm>
             <a:prstGeom prst="diagStripe">
               <a:avLst>
-                <a:gd fmla="val 50000" name="adj"/>
+                <a:gd name="adj" fmla="val 50000"/>
               </a:avLst>
             </a:prstGeom>
             <a:solidFill>
@@ -4360,12 +4345,12 @@
             </a:ln>
           </p:spPr>
           <p:txBody>
-            <a:bodyPr anchorCtr="0" anchor="ctr" bIns="91425" lIns="91425" spcFirstLastPara="1" rIns="91425" wrap="square" tIns="91425">
+            <a:bodyPr spcFirstLastPara="1" wrap="square" lIns="91425" tIns="91425" rIns="91425" bIns="91425" anchor="ctr" anchorCtr="0">
               <a:noAutofit/>
             </a:bodyPr>
             <a:lstStyle/>
             <a:p>
-              <a:pPr indent="0" lvl="0" marL="0" rtl="0" algn="l">
+              <a:pPr marL="0" lvl="0" indent="0" algn="l" rtl="0">
                 <a:spcBef>
                   <a:spcPts val="0"/>
                 </a:spcBef>
@@ -4374,9 +4359,6 @@
                 </a:spcAft>
                 <a:buNone/>
               </a:pPr>
-              <a:r>
-                <a:t/>
-              </a:r>
               <a:endParaRPr/>
             </a:p>
           </p:txBody>
@@ -4394,7 +4376,7 @@
             </a:xfrm>
             <a:prstGeom prst="diagStripe">
               <a:avLst>
-                <a:gd fmla="val 50000" name="adj"/>
+                <a:gd name="adj" fmla="val 50000"/>
               </a:avLst>
             </a:prstGeom>
             <a:solidFill>
@@ -4405,12 +4387,12 @@
             </a:ln>
           </p:spPr>
           <p:txBody>
-            <a:bodyPr anchorCtr="0" anchor="ctr" bIns="91425" lIns="91425" spcFirstLastPara="1" rIns="91425" wrap="square" tIns="91425">
+            <a:bodyPr spcFirstLastPara="1" wrap="square" lIns="91425" tIns="91425" rIns="91425" bIns="91425" anchor="ctr" anchorCtr="0">
               <a:noAutofit/>
             </a:bodyPr>
             <a:lstStyle/>
             <a:p>
-              <a:pPr indent="0" lvl="0" marL="0" rtl="0" algn="l">
+              <a:pPr marL="0" lvl="0" indent="0" algn="l" rtl="0">
                 <a:spcBef>
                   <a:spcPts val="0"/>
                 </a:spcBef>
@@ -4419,9 +4401,6 @@
                 </a:spcAft>
                 <a:buNone/>
               </a:pPr>
-              <a:r>
-                <a:t/>
-              </a:r>
               <a:endParaRPr/>
             </a:p>
           </p:txBody>
@@ -4439,7 +4418,7 @@
             </a:xfrm>
             <a:prstGeom prst="diagStripe">
               <a:avLst>
-                <a:gd fmla="val 50000" name="adj"/>
+                <a:gd name="adj" fmla="val 50000"/>
               </a:avLst>
             </a:prstGeom>
             <a:solidFill>
@@ -4452,12 +4431,12 @@
             </a:ln>
           </p:spPr>
           <p:txBody>
-            <a:bodyPr anchorCtr="0" anchor="ctr" bIns="91425" lIns="91425" spcFirstLastPara="1" rIns="91425" wrap="square" tIns="91425">
+            <a:bodyPr spcFirstLastPara="1" wrap="square" lIns="91425" tIns="91425" rIns="91425" bIns="91425" anchor="ctr" anchorCtr="0">
               <a:noAutofit/>
             </a:bodyPr>
             <a:lstStyle/>
             <a:p>
-              <a:pPr indent="0" lvl="0" marL="0" rtl="0" algn="l">
+              <a:pPr marL="0" lvl="0" indent="0" algn="l" rtl="0">
                 <a:spcBef>
                   <a:spcPts val="0"/>
                 </a:spcBef>
@@ -4466,9 +4445,6 @@
                 </a:spcAft>
                 <a:buNone/>
               </a:pPr>
-              <a:r>
-                <a:t/>
-              </a:r>
               <a:endParaRPr/>
             </a:p>
           </p:txBody>
@@ -4486,7 +4462,7 @@
             </a:xfrm>
             <a:prstGeom prst="diagStripe">
               <a:avLst>
-                <a:gd fmla="val 50000" name="adj"/>
+                <a:gd name="adj" fmla="val 50000"/>
               </a:avLst>
             </a:prstGeom>
             <a:solidFill>
@@ -4499,12 +4475,12 @@
             </a:ln>
           </p:spPr>
           <p:txBody>
-            <a:bodyPr anchorCtr="0" anchor="ctr" bIns="91425" lIns="91425" spcFirstLastPara="1" rIns="91425" wrap="square" tIns="91425">
+            <a:bodyPr spcFirstLastPara="1" wrap="square" lIns="91425" tIns="91425" rIns="91425" bIns="91425" anchor="ctr" anchorCtr="0">
               <a:noAutofit/>
             </a:bodyPr>
             <a:lstStyle/>
             <a:p>
-              <a:pPr indent="0" lvl="0" marL="0" rtl="0" algn="l">
+              <a:pPr marL="0" lvl="0" indent="0" algn="l" rtl="0">
                 <a:spcBef>
                   <a:spcPts val="0"/>
                 </a:spcBef>
@@ -4513,9 +4489,6 @@
                 </a:spcAft>
                 <a:buNone/>
               </a:pPr>
-              <a:r>
-                <a:t/>
-              </a:r>
               <a:endParaRPr/>
             </a:p>
           </p:txBody>
@@ -4533,7 +4506,7 @@
             </a:xfrm>
             <a:prstGeom prst="diagStripe">
               <a:avLst>
-                <a:gd fmla="val 50000" name="adj"/>
+                <a:gd name="adj" fmla="val 50000"/>
               </a:avLst>
             </a:prstGeom>
             <a:solidFill>
@@ -4546,12 +4519,12 @@
             </a:ln>
           </p:spPr>
           <p:txBody>
-            <a:bodyPr anchorCtr="0" anchor="ctr" bIns="91425" lIns="91425" spcFirstLastPara="1" rIns="91425" wrap="square" tIns="91425">
+            <a:bodyPr spcFirstLastPara="1" wrap="square" lIns="91425" tIns="91425" rIns="91425" bIns="91425" anchor="ctr" anchorCtr="0">
               <a:noAutofit/>
             </a:bodyPr>
             <a:lstStyle/>
             <a:p>
-              <a:pPr indent="0" lvl="0" marL="0" rtl="0" algn="l">
+              <a:pPr marL="0" lvl="0" indent="0" algn="l" rtl="0">
                 <a:spcBef>
                   <a:spcPts val="0"/>
                 </a:spcBef>
@@ -4560,9 +4533,6 @@
                 </a:spcAft>
                 <a:buNone/>
               </a:pPr>
-              <a:r>
-                <a:t/>
-              </a:r>
               <a:endParaRPr/>
             </a:p>
           </p:txBody>
@@ -4580,7 +4550,7 @@
             </a:xfrm>
             <a:prstGeom prst="diagStripe">
               <a:avLst>
-                <a:gd fmla="val 50000" name="adj"/>
+                <a:gd name="adj" fmla="val 50000"/>
               </a:avLst>
             </a:prstGeom>
             <a:solidFill>
@@ -4593,12 +4563,12 @@
             </a:ln>
           </p:spPr>
           <p:txBody>
-            <a:bodyPr anchorCtr="0" anchor="ctr" bIns="91425" lIns="91425" spcFirstLastPara="1" rIns="91425" wrap="square" tIns="91425">
+            <a:bodyPr spcFirstLastPara="1" wrap="square" lIns="91425" tIns="91425" rIns="91425" bIns="91425" anchor="ctr" anchorCtr="0">
               <a:noAutofit/>
             </a:bodyPr>
             <a:lstStyle/>
             <a:p>
-              <a:pPr indent="0" lvl="0" marL="0" rtl="0" algn="l">
+              <a:pPr marL="0" lvl="0" indent="0" algn="l" rtl="0">
                 <a:spcBef>
                   <a:spcPts val="0"/>
                 </a:spcBef>
@@ -4607,9 +4577,6 @@
                 </a:spcAft>
                 <a:buNone/>
               </a:pPr>
-              <a:r>
-                <a:t/>
-              </a:r>
               <a:endParaRPr/>
             </a:p>
           </p:txBody>
@@ -4618,7 +4585,9 @@
       <p:sp>
         <p:nvSpPr>
           <p:cNvPr id="39" name="Google Shape;39;p3"/>
-          <p:cNvSpPr txBox="1"/>
+          <p:cNvSpPr txBox="1">
+            <a:spLocks noGrp="1"/>
+          </p:cNvSpPr>
           <p:nvPr>
             <p:ph type="title"/>
           </p:nvPr>
@@ -4633,7 +4602,7 @@
           </a:prstGeom>
         </p:spPr>
         <p:txBody>
-          <a:bodyPr anchorCtr="0" anchor="ctr" bIns="91425" lIns="91425" spcFirstLastPara="1" rIns="91425" wrap="square" tIns="91425">
+          <a:bodyPr spcFirstLastPara="1" wrap="square" lIns="91425" tIns="91425" rIns="91425" bIns="91425" anchor="ctr" anchorCtr="0">
             <a:normAutofit/>
           </a:bodyPr>
           <a:lstStyle>
@@ -4737,15 +4706,19 @@
               <a:defRPr/>
             </a:lvl9pPr>
           </a:lstStyle>
-          <a:p/>
+          <a:p>
+            <a:endParaRPr/>
+          </a:p>
         </p:txBody>
       </p:sp>
       <p:sp>
         <p:nvSpPr>
           <p:cNvPr id="40" name="Google Shape;40;p3"/>
-          <p:cNvSpPr txBox="1"/>
+          <p:cNvSpPr txBox="1">
+            <a:spLocks noGrp="1"/>
+          </p:cNvSpPr>
           <p:nvPr>
-            <p:ph idx="12" type="sldNum"/>
+            <p:ph type="sldNum" idx="12"/>
           </p:nvPr>
         </p:nvSpPr>
         <p:spPr>
@@ -4758,7 +4731,7 @@
           </a:prstGeom>
         </p:spPr>
         <p:txBody>
-          <a:bodyPr anchorCtr="0" anchor="ctr" bIns="91425" lIns="91425" spcFirstLastPara="1" rIns="91425" wrap="square" tIns="91425">
+          <a:bodyPr spcFirstLastPara="1" wrap="square" lIns="91425" tIns="91425" rIns="91425" bIns="91425" anchor="ctr" anchorCtr="0">
             <a:normAutofit/>
           </a:bodyPr>
           <a:lstStyle>
@@ -4800,7 +4773,7 @@
             </a:lvl9pPr>
           </a:lstStyle>
           <a:p>
-            <a:pPr indent="0" lvl="0" marL="0" rtl="0" algn="r">
+            <a:pPr marL="0" lvl="0" indent="0" algn="r" rtl="0">
               <a:spcBef>
                 <a:spcPts val="0"/>
               </a:spcBef>
@@ -4826,11 +4799,11 @@
 </file>
 
 <file path=ppt/slideLayouts/slideLayout3.xml><?xml version="1.0" encoding="utf-8"?>
-<p:sldLayout xmlns:a="http://schemas.openxmlformats.org/drawingml/2006/main" xmlns:r="http://schemas.openxmlformats.org/officeDocument/2006/relationships" xmlns:mc="http://schemas.openxmlformats.org/markup-compatibility/2006" xmlns:mv="urn:schemas-microsoft-com:mac:vml" xmlns:p="http://schemas.openxmlformats.org/presentationml/2006/main" xmlns:c="http://schemas.openxmlformats.org/drawingml/2006/chart" xmlns:dgm="http://schemas.openxmlformats.org/drawingml/2006/diagram" xmlns:o="urn:schemas-microsoft-com:office:office" xmlns:v="urn:schemas-microsoft-com:vml" xmlns:pvml="urn:schemas-microsoft-com:office:powerpoint" xmlns:com="http://schemas.openxmlformats.org/drawingml/2006/compatibility" xmlns:p14="http://schemas.microsoft.com/office/powerpoint/2010/main" xmlns:p15="http://schemas.microsoft.com/office/powerpoint/2012/main" xmlns:ahyp="http://schemas.microsoft.com/office/drawing/2018/hyperlinkcolor" matchingName="Title and body" type="tx">
+<p:sldLayout xmlns:a="http://schemas.openxmlformats.org/drawingml/2006/main" xmlns:r="http://schemas.openxmlformats.org/officeDocument/2006/relationships" xmlns:p="http://schemas.openxmlformats.org/presentationml/2006/main" matchingName="Title and body" type="tx">
   <p:cSld name="TITLE_AND_BODY">
     <p:spTree>
       <p:nvGrpSpPr>
-        <p:cNvPr id="41" name="Shape 41"/>
+        <p:cNvPr id="1" name="Shape 41"/>
         <p:cNvGrpSpPr/>
         <p:nvPr/>
       </p:nvGrpSpPr>
@@ -4869,7 +4842,7 @@
             </a:xfrm>
             <a:prstGeom prst="diagStripe">
               <a:avLst>
-                <a:gd fmla="val 50000" name="adj"/>
+                <a:gd name="adj" fmla="val 50000"/>
               </a:avLst>
             </a:prstGeom>
             <a:solidFill>
@@ -4880,12 +4853,12 @@
             </a:ln>
           </p:spPr>
           <p:txBody>
-            <a:bodyPr anchorCtr="0" anchor="ctr" bIns="91425" lIns="91425" spcFirstLastPara="1" rIns="91425" wrap="square" tIns="91425">
+            <a:bodyPr spcFirstLastPara="1" wrap="square" lIns="91425" tIns="91425" rIns="91425" bIns="91425" anchor="ctr" anchorCtr="0">
               <a:noAutofit/>
             </a:bodyPr>
             <a:lstStyle/>
             <a:p>
-              <a:pPr indent="0" lvl="0" marL="0" rtl="0" algn="l">
+              <a:pPr marL="0" lvl="0" indent="0" algn="l" rtl="0">
                 <a:spcBef>
                   <a:spcPts val="0"/>
                 </a:spcBef>
@@ -4894,9 +4867,6 @@
                 </a:spcAft>
                 <a:buNone/>
               </a:pPr>
-              <a:r>
-                <a:t/>
-              </a:r>
               <a:endParaRPr/>
             </a:p>
           </p:txBody>
@@ -4914,7 +4884,7 @@
             </a:xfrm>
             <a:prstGeom prst="diagStripe">
               <a:avLst>
-                <a:gd fmla="val 50000" name="adj"/>
+                <a:gd name="adj" fmla="val 50000"/>
               </a:avLst>
             </a:prstGeom>
             <a:solidFill>
@@ -4925,12 +4895,12 @@
             </a:ln>
           </p:spPr>
           <p:txBody>
-            <a:bodyPr anchorCtr="0" anchor="ctr" bIns="91425" lIns="91425" spcFirstLastPara="1" rIns="91425" wrap="square" tIns="91425">
+            <a:bodyPr spcFirstLastPara="1" wrap="square" lIns="91425" tIns="91425" rIns="91425" bIns="91425" anchor="ctr" anchorCtr="0">
               <a:noAutofit/>
             </a:bodyPr>
             <a:lstStyle/>
             <a:p>
-              <a:pPr indent="0" lvl="0" marL="0" rtl="0" algn="l">
+              <a:pPr marL="0" lvl="0" indent="0" algn="l" rtl="0">
                 <a:spcBef>
                   <a:spcPts val="0"/>
                 </a:spcBef>
@@ -4939,9 +4909,6 @@
                 </a:spcAft>
                 <a:buNone/>
               </a:pPr>
-              <a:r>
-                <a:t/>
-              </a:r>
               <a:endParaRPr/>
             </a:p>
           </p:txBody>
@@ -4950,7 +4917,9 @@
       <p:sp>
         <p:nvSpPr>
           <p:cNvPr id="45" name="Google Shape;45;p4"/>
-          <p:cNvSpPr txBox="1"/>
+          <p:cNvSpPr txBox="1">
+            <a:spLocks noGrp="1"/>
+          </p:cNvSpPr>
           <p:nvPr>
             <p:ph type="title"/>
           </p:nvPr>
@@ -4965,7 +4934,7 @@
           </a:prstGeom>
         </p:spPr>
         <p:txBody>
-          <a:bodyPr anchorCtr="0" anchor="t" bIns="91425" lIns="91425" spcFirstLastPara="1" rIns="91425" wrap="square" tIns="91425">
+          <a:bodyPr spcFirstLastPara="1" wrap="square" lIns="91425" tIns="91425" rIns="91425" bIns="91425" anchor="t" anchorCtr="0">
             <a:normAutofit/>
           </a:bodyPr>
           <a:lstStyle>
@@ -5069,15 +5038,19 @@
               <a:defRPr sz="2400"/>
             </a:lvl9pPr>
           </a:lstStyle>
-          <a:p/>
+          <a:p>
+            <a:endParaRPr/>
+          </a:p>
         </p:txBody>
       </p:sp>
       <p:sp>
         <p:nvSpPr>
           <p:cNvPr id="46" name="Google Shape;46;p4"/>
-          <p:cNvSpPr txBox="1"/>
+          <p:cNvSpPr txBox="1">
+            <a:spLocks noGrp="1"/>
+          </p:cNvSpPr>
           <p:nvPr>
-            <p:ph idx="1" type="body"/>
+            <p:ph type="body" idx="1"/>
           </p:nvPr>
         </p:nvSpPr>
         <p:spPr>
@@ -5090,11 +5063,11 @@
           </a:prstGeom>
         </p:spPr>
         <p:txBody>
-          <a:bodyPr anchorCtr="0" anchor="t" bIns="91425" lIns="91425" spcFirstLastPara="1" rIns="91425" wrap="square" tIns="91425">
+          <a:bodyPr spcFirstLastPara="1" wrap="square" lIns="91425" tIns="91425" rIns="91425" bIns="91425" anchor="t" anchorCtr="0">
             <a:normAutofit/>
           </a:bodyPr>
           <a:lstStyle>
-            <a:lvl1pPr indent="-311150" lvl="0" marL="457200">
+            <a:lvl1pPr marL="457200" lvl="0" indent="-311150">
               <a:spcBef>
                 <a:spcPts val="0"/>
               </a:spcBef>
@@ -5105,7 +5078,7 @@
               <a:buChar char="●"/>
               <a:defRPr/>
             </a:lvl1pPr>
-            <a:lvl2pPr indent="-298450" lvl="1" marL="914400">
+            <a:lvl2pPr marL="914400" lvl="1" indent="-298450">
               <a:spcBef>
                 <a:spcPts val="0"/>
               </a:spcBef>
@@ -5116,7 +5089,7 @@
               <a:buChar char="○"/>
               <a:defRPr/>
             </a:lvl2pPr>
-            <a:lvl3pPr indent="-298450" lvl="2" marL="1371600">
+            <a:lvl3pPr marL="1371600" lvl="2" indent="-298450">
               <a:spcBef>
                 <a:spcPts val="0"/>
               </a:spcBef>
@@ -5127,7 +5100,7 @@
               <a:buChar char="■"/>
               <a:defRPr/>
             </a:lvl3pPr>
-            <a:lvl4pPr indent="-298450" lvl="3" marL="1828800">
+            <a:lvl4pPr marL="1828800" lvl="3" indent="-298450">
               <a:spcBef>
                 <a:spcPts val="0"/>
               </a:spcBef>
@@ -5138,7 +5111,7 @@
               <a:buChar char="●"/>
               <a:defRPr/>
             </a:lvl4pPr>
-            <a:lvl5pPr indent="-298450" lvl="4" marL="2286000">
+            <a:lvl5pPr marL="2286000" lvl="4" indent="-298450">
               <a:spcBef>
                 <a:spcPts val="0"/>
               </a:spcBef>
@@ -5149,7 +5122,7 @@
               <a:buChar char="○"/>
               <a:defRPr/>
             </a:lvl5pPr>
-            <a:lvl6pPr indent="-298450" lvl="5" marL="2743200">
+            <a:lvl6pPr marL="2743200" lvl="5" indent="-298450">
               <a:spcBef>
                 <a:spcPts val="0"/>
               </a:spcBef>
@@ -5160,7 +5133,7 @@
               <a:buChar char="■"/>
               <a:defRPr/>
             </a:lvl6pPr>
-            <a:lvl7pPr indent="-298450" lvl="6" marL="3200400">
+            <a:lvl7pPr marL="3200400" lvl="6" indent="-298450">
               <a:spcBef>
                 <a:spcPts val="0"/>
               </a:spcBef>
@@ -5171,7 +5144,7 @@
               <a:buChar char="●"/>
               <a:defRPr/>
             </a:lvl7pPr>
-            <a:lvl8pPr indent="-298450" lvl="7" marL="3657600">
+            <a:lvl8pPr marL="3657600" lvl="7" indent="-298450">
               <a:spcBef>
                 <a:spcPts val="0"/>
               </a:spcBef>
@@ -5182,7 +5155,7 @@
               <a:buChar char="○"/>
               <a:defRPr/>
             </a:lvl8pPr>
-            <a:lvl9pPr indent="-298450" lvl="8" marL="4114800">
+            <a:lvl9pPr marL="4114800" lvl="8" indent="-298450">
               <a:spcBef>
                 <a:spcPts val="0"/>
               </a:spcBef>
@@ -5194,15 +5167,19 @@
               <a:defRPr/>
             </a:lvl9pPr>
           </a:lstStyle>
-          <a:p/>
+          <a:p>
+            <a:endParaRPr/>
+          </a:p>
         </p:txBody>
       </p:sp>
       <p:sp>
         <p:nvSpPr>
           <p:cNvPr id="47" name="Google Shape;47;p4"/>
-          <p:cNvSpPr txBox="1"/>
+          <p:cNvSpPr txBox="1">
+            <a:spLocks noGrp="1"/>
+          </p:cNvSpPr>
           <p:nvPr>
-            <p:ph idx="12" type="sldNum"/>
+            <p:ph type="sldNum" idx="12"/>
           </p:nvPr>
         </p:nvSpPr>
         <p:spPr>
@@ -5215,7 +5192,7 @@
           </a:prstGeom>
         </p:spPr>
         <p:txBody>
-          <a:bodyPr anchorCtr="0" anchor="ctr" bIns="91425" lIns="91425" spcFirstLastPara="1" rIns="91425" wrap="square" tIns="91425">
+          <a:bodyPr spcFirstLastPara="1" wrap="square" lIns="91425" tIns="91425" rIns="91425" bIns="91425" anchor="ctr" anchorCtr="0">
             <a:normAutofit/>
           </a:bodyPr>
           <a:lstStyle>
@@ -5257,7 +5234,7 @@
             </a:lvl9pPr>
           </a:lstStyle>
           <a:p>
-            <a:pPr indent="0" lvl="0" marL="0" rtl="0" algn="r">
+            <a:pPr marL="0" lvl="0" indent="0" algn="r" rtl="0">
               <a:spcBef>
                 <a:spcPts val="0"/>
               </a:spcBef>
@@ -5283,11 +5260,11 @@
 </file>
 
 <file path=ppt/slideLayouts/slideLayout4.xml><?xml version="1.0" encoding="utf-8"?>
-<p:sldLayout xmlns:a="http://schemas.openxmlformats.org/drawingml/2006/main" xmlns:r="http://schemas.openxmlformats.org/officeDocument/2006/relationships" xmlns:mc="http://schemas.openxmlformats.org/markup-compatibility/2006" xmlns:mv="urn:schemas-microsoft-com:mac:vml" xmlns:p="http://schemas.openxmlformats.org/presentationml/2006/main" xmlns:c="http://schemas.openxmlformats.org/drawingml/2006/chart" xmlns:dgm="http://schemas.openxmlformats.org/drawingml/2006/diagram" xmlns:o="urn:schemas-microsoft-com:office:office" xmlns:v="urn:schemas-microsoft-com:vml" xmlns:pvml="urn:schemas-microsoft-com:office:powerpoint" xmlns:com="http://schemas.openxmlformats.org/drawingml/2006/compatibility" xmlns:p14="http://schemas.microsoft.com/office/powerpoint/2010/main" xmlns:p15="http://schemas.microsoft.com/office/powerpoint/2012/main" xmlns:ahyp="http://schemas.microsoft.com/office/drawing/2018/hyperlinkcolor" matchingName="Title and two columns" type="twoColTx">
+<p:sldLayout xmlns:a="http://schemas.openxmlformats.org/drawingml/2006/main" xmlns:r="http://schemas.openxmlformats.org/officeDocument/2006/relationships" xmlns:p="http://schemas.openxmlformats.org/presentationml/2006/main" matchingName="Title and two columns" type="twoColTx">
   <p:cSld name="TITLE_AND_TWO_COLUMNS">
     <p:spTree>
       <p:nvGrpSpPr>
-        <p:cNvPr id="48" name="Shape 48"/>
+        <p:cNvPr id="1" name="Shape 48"/>
         <p:cNvGrpSpPr/>
         <p:nvPr/>
       </p:nvGrpSpPr>
@@ -5326,7 +5303,7 @@
             </a:xfrm>
             <a:prstGeom prst="diagStripe">
               <a:avLst>
-                <a:gd fmla="val 50000" name="adj"/>
+                <a:gd name="adj" fmla="val 50000"/>
               </a:avLst>
             </a:prstGeom>
             <a:solidFill>
@@ -5337,12 +5314,12 @@
             </a:ln>
           </p:spPr>
           <p:txBody>
-            <a:bodyPr anchorCtr="0" anchor="ctr" bIns="91425" lIns="91425" spcFirstLastPara="1" rIns="91425" wrap="square" tIns="91425">
+            <a:bodyPr spcFirstLastPara="1" wrap="square" lIns="91425" tIns="91425" rIns="91425" bIns="91425" anchor="ctr" anchorCtr="0">
               <a:noAutofit/>
             </a:bodyPr>
             <a:lstStyle/>
             <a:p>
-              <a:pPr indent="0" lvl="0" marL="0" rtl="0" algn="l">
+              <a:pPr marL="0" lvl="0" indent="0" algn="l" rtl="0">
                 <a:spcBef>
                   <a:spcPts val="0"/>
                 </a:spcBef>
@@ -5351,9 +5328,6 @@
                 </a:spcAft>
                 <a:buNone/>
               </a:pPr>
-              <a:r>
-                <a:t/>
-              </a:r>
               <a:endParaRPr/>
             </a:p>
           </p:txBody>
@@ -5371,7 +5345,7 @@
             </a:xfrm>
             <a:prstGeom prst="diagStripe">
               <a:avLst>
-                <a:gd fmla="val 50000" name="adj"/>
+                <a:gd name="adj" fmla="val 50000"/>
               </a:avLst>
             </a:prstGeom>
             <a:solidFill>
@@ -5382,12 +5356,12 @@
             </a:ln>
           </p:spPr>
           <p:txBody>
-            <a:bodyPr anchorCtr="0" anchor="ctr" bIns="91425" lIns="91425" spcFirstLastPara="1" rIns="91425" wrap="square" tIns="91425">
+            <a:bodyPr spcFirstLastPara="1" wrap="square" lIns="91425" tIns="91425" rIns="91425" bIns="91425" anchor="ctr" anchorCtr="0">
               <a:noAutofit/>
             </a:bodyPr>
             <a:lstStyle/>
             <a:p>
-              <a:pPr indent="0" lvl="0" marL="0" rtl="0" algn="l">
+              <a:pPr marL="0" lvl="0" indent="0" algn="l" rtl="0">
                 <a:spcBef>
                   <a:spcPts val="0"/>
                 </a:spcBef>
@@ -5396,9 +5370,6 @@
                 </a:spcAft>
                 <a:buNone/>
               </a:pPr>
-              <a:r>
-                <a:t/>
-              </a:r>
               <a:endParaRPr/>
             </a:p>
           </p:txBody>
@@ -5407,7 +5378,9 @@
       <p:sp>
         <p:nvSpPr>
           <p:cNvPr id="52" name="Google Shape;52;p5"/>
-          <p:cNvSpPr txBox="1"/>
+          <p:cNvSpPr txBox="1">
+            <a:spLocks noGrp="1"/>
+          </p:cNvSpPr>
           <p:nvPr>
             <p:ph type="title"/>
           </p:nvPr>
@@ -5422,7 +5395,7 @@
           </a:prstGeom>
         </p:spPr>
         <p:txBody>
-          <a:bodyPr anchorCtr="0" anchor="t" bIns="91425" lIns="91425" spcFirstLastPara="1" rIns="91425" wrap="square" tIns="91425">
+          <a:bodyPr spcFirstLastPara="1" wrap="square" lIns="91425" tIns="91425" rIns="91425" bIns="91425" anchor="t" anchorCtr="0">
             <a:normAutofit/>
           </a:bodyPr>
           <a:lstStyle>
@@ -5526,15 +5499,19 @@
               <a:defRPr sz="2400"/>
             </a:lvl9pPr>
           </a:lstStyle>
-          <a:p/>
+          <a:p>
+            <a:endParaRPr/>
+          </a:p>
         </p:txBody>
       </p:sp>
       <p:sp>
         <p:nvSpPr>
           <p:cNvPr id="53" name="Google Shape;53;p5"/>
-          <p:cNvSpPr txBox="1"/>
+          <p:cNvSpPr txBox="1">
+            <a:spLocks noGrp="1"/>
+          </p:cNvSpPr>
           <p:nvPr>
-            <p:ph idx="1" type="body"/>
+            <p:ph type="body" idx="1"/>
           </p:nvPr>
         </p:nvSpPr>
         <p:spPr>
@@ -5547,11 +5524,11 @@
           </a:prstGeom>
         </p:spPr>
         <p:txBody>
-          <a:bodyPr anchorCtr="0" anchor="t" bIns="91425" lIns="91425" spcFirstLastPara="1" rIns="91425" wrap="square" tIns="91425">
+          <a:bodyPr spcFirstLastPara="1" wrap="square" lIns="91425" tIns="91425" rIns="91425" bIns="91425" anchor="t" anchorCtr="0">
             <a:normAutofit/>
           </a:bodyPr>
           <a:lstStyle>
-            <a:lvl1pPr indent="-311150" lvl="0" marL="457200">
+            <a:lvl1pPr marL="457200" lvl="0" indent="-311150">
               <a:spcBef>
                 <a:spcPts val="0"/>
               </a:spcBef>
@@ -5562,7 +5539,7 @@
               <a:buChar char="●"/>
               <a:defRPr/>
             </a:lvl1pPr>
-            <a:lvl2pPr indent="-298450" lvl="1" marL="914400">
+            <a:lvl2pPr marL="914400" lvl="1" indent="-298450">
               <a:spcBef>
                 <a:spcPts val="0"/>
               </a:spcBef>
@@ -5573,7 +5550,7 @@
               <a:buChar char="○"/>
               <a:defRPr/>
             </a:lvl2pPr>
-            <a:lvl3pPr indent="-298450" lvl="2" marL="1371600">
+            <a:lvl3pPr marL="1371600" lvl="2" indent="-298450">
               <a:spcBef>
                 <a:spcPts val="0"/>
               </a:spcBef>
@@ -5584,7 +5561,7 @@
               <a:buChar char="■"/>
               <a:defRPr/>
             </a:lvl3pPr>
-            <a:lvl4pPr indent="-298450" lvl="3" marL="1828800">
+            <a:lvl4pPr marL="1828800" lvl="3" indent="-298450">
               <a:spcBef>
                 <a:spcPts val="0"/>
               </a:spcBef>
@@ -5595,7 +5572,7 @@
               <a:buChar char="●"/>
               <a:defRPr/>
             </a:lvl4pPr>
-            <a:lvl5pPr indent="-298450" lvl="4" marL="2286000">
+            <a:lvl5pPr marL="2286000" lvl="4" indent="-298450">
               <a:spcBef>
                 <a:spcPts val="0"/>
               </a:spcBef>
@@ -5606,7 +5583,7 @@
               <a:buChar char="○"/>
               <a:defRPr/>
             </a:lvl5pPr>
-            <a:lvl6pPr indent="-298450" lvl="5" marL="2743200">
+            <a:lvl6pPr marL="2743200" lvl="5" indent="-298450">
               <a:spcBef>
                 <a:spcPts val="0"/>
               </a:spcBef>
@@ -5617,7 +5594,7 @@
               <a:buChar char="■"/>
               <a:defRPr/>
             </a:lvl6pPr>
-            <a:lvl7pPr indent="-298450" lvl="6" marL="3200400">
+            <a:lvl7pPr marL="3200400" lvl="6" indent="-298450">
               <a:spcBef>
                 <a:spcPts val="0"/>
               </a:spcBef>
@@ -5628,7 +5605,7 @@
               <a:buChar char="●"/>
               <a:defRPr/>
             </a:lvl7pPr>
-            <a:lvl8pPr indent="-298450" lvl="7" marL="3657600">
+            <a:lvl8pPr marL="3657600" lvl="7" indent="-298450">
               <a:spcBef>
                 <a:spcPts val="0"/>
               </a:spcBef>
@@ -5639,7 +5616,7 @@
               <a:buChar char="○"/>
               <a:defRPr/>
             </a:lvl8pPr>
-            <a:lvl9pPr indent="-298450" lvl="8" marL="4114800">
+            <a:lvl9pPr marL="4114800" lvl="8" indent="-298450">
               <a:spcBef>
                 <a:spcPts val="0"/>
               </a:spcBef>
@@ -5651,15 +5628,19 @@
               <a:defRPr/>
             </a:lvl9pPr>
           </a:lstStyle>
-          <a:p/>
+          <a:p>
+            <a:endParaRPr/>
+          </a:p>
         </p:txBody>
       </p:sp>
       <p:sp>
         <p:nvSpPr>
           <p:cNvPr id="54" name="Google Shape;54;p5"/>
-          <p:cNvSpPr txBox="1"/>
+          <p:cNvSpPr txBox="1">
+            <a:spLocks noGrp="1"/>
+          </p:cNvSpPr>
           <p:nvPr>
-            <p:ph idx="2" type="body"/>
+            <p:ph type="body" idx="2"/>
           </p:nvPr>
         </p:nvSpPr>
         <p:spPr>
@@ -5672,11 +5653,11 @@
           </a:prstGeom>
         </p:spPr>
         <p:txBody>
-          <a:bodyPr anchorCtr="0" anchor="t" bIns="91425" lIns="91425" spcFirstLastPara="1" rIns="91425" wrap="square" tIns="91425">
+          <a:bodyPr spcFirstLastPara="1" wrap="square" lIns="91425" tIns="91425" rIns="91425" bIns="91425" anchor="t" anchorCtr="0">
             <a:normAutofit/>
           </a:bodyPr>
           <a:lstStyle>
-            <a:lvl1pPr indent="-311150" lvl="0" marL="457200">
+            <a:lvl1pPr marL="457200" lvl="0" indent="-311150">
               <a:spcBef>
                 <a:spcPts val="0"/>
               </a:spcBef>
@@ -5687,7 +5668,7 @@
               <a:buChar char="●"/>
               <a:defRPr/>
             </a:lvl1pPr>
-            <a:lvl2pPr indent="-298450" lvl="1" marL="914400">
+            <a:lvl2pPr marL="914400" lvl="1" indent="-298450">
               <a:spcBef>
                 <a:spcPts val="0"/>
               </a:spcBef>
@@ -5698,7 +5679,7 @@
               <a:buChar char="○"/>
               <a:defRPr/>
             </a:lvl2pPr>
-            <a:lvl3pPr indent="-298450" lvl="2" marL="1371600">
+            <a:lvl3pPr marL="1371600" lvl="2" indent="-298450">
               <a:spcBef>
                 <a:spcPts val="0"/>
               </a:spcBef>
@@ -5709,7 +5690,7 @@
               <a:buChar char="■"/>
               <a:defRPr/>
             </a:lvl3pPr>
-            <a:lvl4pPr indent="-298450" lvl="3" marL="1828800">
+            <a:lvl4pPr marL="1828800" lvl="3" indent="-298450">
               <a:spcBef>
                 <a:spcPts val="0"/>
               </a:spcBef>
@@ -5720,7 +5701,7 @@
               <a:buChar char="●"/>
               <a:defRPr/>
             </a:lvl4pPr>
-            <a:lvl5pPr indent="-298450" lvl="4" marL="2286000">
+            <a:lvl5pPr marL="2286000" lvl="4" indent="-298450">
               <a:spcBef>
                 <a:spcPts val="0"/>
               </a:spcBef>
@@ -5731,7 +5712,7 @@
               <a:buChar char="○"/>
               <a:defRPr/>
             </a:lvl5pPr>
-            <a:lvl6pPr indent="-298450" lvl="5" marL="2743200">
+            <a:lvl6pPr marL="2743200" lvl="5" indent="-298450">
               <a:spcBef>
                 <a:spcPts val="0"/>
               </a:spcBef>
@@ -5742,7 +5723,7 @@
               <a:buChar char="■"/>
               <a:defRPr/>
             </a:lvl6pPr>
-            <a:lvl7pPr indent="-298450" lvl="6" marL="3200400">
+            <a:lvl7pPr marL="3200400" lvl="6" indent="-298450">
               <a:spcBef>
                 <a:spcPts val="0"/>
               </a:spcBef>
@@ -5753,7 +5734,7 @@
               <a:buChar char="●"/>
               <a:defRPr/>
             </a:lvl7pPr>
-            <a:lvl8pPr indent="-298450" lvl="7" marL="3657600">
+            <a:lvl8pPr marL="3657600" lvl="7" indent="-298450">
               <a:spcBef>
                 <a:spcPts val="0"/>
               </a:spcBef>
@@ -5764,7 +5745,7 @@
               <a:buChar char="○"/>
               <a:defRPr/>
             </a:lvl8pPr>
-            <a:lvl9pPr indent="-298450" lvl="8" marL="4114800">
+            <a:lvl9pPr marL="4114800" lvl="8" indent="-298450">
               <a:spcBef>
                 <a:spcPts val="0"/>
               </a:spcBef>
@@ -5776,15 +5757,19 @@
               <a:defRPr/>
             </a:lvl9pPr>
           </a:lstStyle>
-          <a:p/>
+          <a:p>
+            <a:endParaRPr/>
+          </a:p>
         </p:txBody>
       </p:sp>
       <p:sp>
         <p:nvSpPr>
           <p:cNvPr id="55" name="Google Shape;55;p5"/>
-          <p:cNvSpPr txBox="1"/>
+          <p:cNvSpPr txBox="1">
+            <a:spLocks noGrp="1"/>
+          </p:cNvSpPr>
           <p:nvPr>
-            <p:ph idx="12" type="sldNum"/>
+            <p:ph type="sldNum" idx="12"/>
           </p:nvPr>
         </p:nvSpPr>
         <p:spPr>
@@ -5797,7 +5782,7 @@
           </a:prstGeom>
         </p:spPr>
         <p:txBody>
-          <a:bodyPr anchorCtr="0" anchor="ctr" bIns="91425" lIns="91425" spcFirstLastPara="1" rIns="91425" wrap="square" tIns="91425">
+          <a:bodyPr spcFirstLastPara="1" wrap="square" lIns="91425" tIns="91425" rIns="91425" bIns="91425" anchor="ctr" anchorCtr="0">
             <a:normAutofit/>
           </a:bodyPr>
           <a:lstStyle>
@@ -5839,7 +5824,7 @@
             </a:lvl9pPr>
           </a:lstStyle>
           <a:p>
-            <a:pPr indent="0" lvl="0" marL="0" rtl="0" algn="r">
+            <a:pPr marL="0" lvl="0" indent="0" algn="r" rtl="0">
               <a:spcBef>
                 <a:spcPts val="0"/>
               </a:spcBef>
@@ -5865,11 +5850,11 @@
 </file>
 
 <file path=ppt/slideLayouts/slideLayout5.xml><?xml version="1.0" encoding="utf-8"?>
-<p:sldLayout xmlns:a="http://schemas.openxmlformats.org/drawingml/2006/main" xmlns:r="http://schemas.openxmlformats.org/officeDocument/2006/relationships" xmlns:mc="http://schemas.openxmlformats.org/markup-compatibility/2006" xmlns:mv="urn:schemas-microsoft-com:mac:vml" xmlns:p="http://schemas.openxmlformats.org/presentationml/2006/main" xmlns:c="http://schemas.openxmlformats.org/drawingml/2006/chart" xmlns:dgm="http://schemas.openxmlformats.org/drawingml/2006/diagram" xmlns:o="urn:schemas-microsoft-com:office:office" xmlns:v="urn:schemas-microsoft-com:vml" xmlns:pvml="urn:schemas-microsoft-com:office:powerpoint" xmlns:com="http://schemas.openxmlformats.org/drawingml/2006/compatibility" xmlns:p14="http://schemas.microsoft.com/office/powerpoint/2010/main" xmlns:p15="http://schemas.microsoft.com/office/powerpoint/2012/main" xmlns:ahyp="http://schemas.microsoft.com/office/drawing/2018/hyperlinkcolor" matchingName="Title only" type="titleOnly">
+<p:sldLayout xmlns:a="http://schemas.openxmlformats.org/drawingml/2006/main" xmlns:r="http://schemas.openxmlformats.org/officeDocument/2006/relationships" xmlns:p="http://schemas.openxmlformats.org/presentationml/2006/main" matchingName="Title only" type="titleOnly">
   <p:cSld name="TITLE_ONLY">
     <p:spTree>
       <p:nvGrpSpPr>
-        <p:cNvPr id="56" name="Shape 56"/>
+        <p:cNvPr id="1" name="Shape 56"/>
         <p:cNvGrpSpPr/>
         <p:nvPr/>
       </p:nvGrpSpPr>
@@ -5908,7 +5893,7 @@
             </a:xfrm>
             <a:prstGeom prst="diagStripe">
               <a:avLst>
-                <a:gd fmla="val 50000" name="adj"/>
+                <a:gd name="adj" fmla="val 50000"/>
               </a:avLst>
             </a:prstGeom>
             <a:solidFill>
@@ -5919,12 +5904,12 @@
             </a:ln>
           </p:spPr>
           <p:txBody>
-            <a:bodyPr anchorCtr="0" anchor="ctr" bIns="91425" lIns="91425" spcFirstLastPara="1" rIns="91425" wrap="square" tIns="91425">
+            <a:bodyPr spcFirstLastPara="1" wrap="square" lIns="91425" tIns="91425" rIns="91425" bIns="91425" anchor="ctr" anchorCtr="0">
               <a:noAutofit/>
             </a:bodyPr>
             <a:lstStyle/>
             <a:p>
-              <a:pPr indent="0" lvl="0" marL="0" rtl="0" algn="l">
+              <a:pPr marL="0" lvl="0" indent="0" algn="l" rtl="0">
                 <a:spcBef>
                   <a:spcPts val="0"/>
                 </a:spcBef>
@@ -5933,9 +5918,6 @@
                 </a:spcAft>
                 <a:buNone/>
               </a:pPr>
-              <a:r>
-                <a:t/>
-              </a:r>
               <a:endParaRPr/>
             </a:p>
           </p:txBody>
@@ -5953,7 +5935,7 @@
             </a:xfrm>
             <a:prstGeom prst="diagStripe">
               <a:avLst>
-                <a:gd fmla="val 50000" name="adj"/>
+                <a:gd name="adj" fmla="val 50000"/>
               </a:avLst>
             </a:prstGeom>
             <a:solidFill>
@@ -5964,12 +5946,12 @@
             </a:ln>
           </p:spPr>
           <p:txBody>
-            <a:bodyPr anchorCtr="0" anchor="ctr" bIns="91425" lIns="91425" spcFirstLastPara="1" rIns="91425" wrap="square" tIns="91425">
+            <a:bodyPr spcFirstLastPara="1" wrap="square" lIns="91425" tIns="91425" rIns="91425" bIns="91425" anchor="ctr" anchorCtr="0">
               <a:noAutofit/>
             </a:bodyPr>
             <a:lstStyle/>
             <a:p>
-              <a:pPr indent="0" lvl="0" marL="0" rtl="0" algn="l">
+              <a:pPr marL="0" lvl="0" indent="0" algn="l" rtl="0">
                 <a:spcBef>
                   <a:spcPts val="0"/>
                 </a:spcBef>
@@ -5978,9 +5960,6 @@
                 </a:spcAft>
                 <a:buNone/>
               </a:pPr>
-              <a:r>
-                <a:t/>
-              </a:r>
               <a:endParaRPr/>
             </a:p>
           </p:txBody>
@@ -5989,7 +5968,9 @@
       <p:sp>
         <p:nvSpPr>
           <p:cNvPr id="60" name="Google Shape;60;p6"/>
-          <p:cNvSpPr txBox="1"/>
+          <p:cNvSpPr txBox="1">
+            <a:spLocks noGrp="1"/>
+          </p:cNvSpPr>
           <p:nvPr>
             <p:ph type="title"/>
           </p:nvPr>
@@ -6004,7 +5985,7 @@
           </a:prstGeom>
         </p:spPr>
         <p:txBody>
-          <a:bodyPr anchorCtr="0" anchor="t" bIns="91425" lIns="91425" spcFirstLastPara="1" rIns="91425" wrap="square" tIns="91425">
+          <a:bodyPr spcFirstLastPara="1" wrap="square" lIns="91425" tIns="91425" rIns="91425" bIns="91425" anchor="t" anchorCtr="0">
             <a:normAutofit/>
           </a:bodyPr>
           <a:lstStyle>
@@ -6108,15 +6089,19 @@
               <a:defRPr sz="2400"/>
             </a:lvl9pPr>
           </a:lstStyle>
-          <a:p/>
+          <a:p>
+            <a:endParaRPr/>
+          </a:p>
         </p:txBody>
       </p:sp>
       <p:sp>
         <p:nvSpPr>
           <p:cNvPr id="61" name="Google Shape;61;p6"/>
-          <p:cNvSpPr txBox="1"/>
+          <p:cNvSpPr txBox="1">
+            <a:spLocks noGrp="1"/>
+          </p:cNvSpPr>
           <p:nvPr>
-            <p:ph idx="12" type="sldNum"/>
+            <p:ph type="sldNum" idx="12"/>
           </p:nvPr>
         </p:nvSpPr>
         <p:spPr>
@@ -6129,7 +6114,7 @@
           </a:prstGeom>
         </p:spPr>
         <p:txBody>
-          <a:bodyPr anchorCtr="0" anchor="ctr" bIns="91425" lIns="91425" spcFirstLastPara="1" rIns="91425" wrap="square" tIns="91425">
+          <a:bodyPr spcFirstLastPara="1" wrap="square" lIns="91425" tIns="91425" rIns="91425" bIns="91425" anchor="ctr" anchorCtr="0">
             <a:normAutofit/>
           </a:bodyPr>
           <a:lstStyle>
@@ -6171,7 +6156,7 @@
             </a:lvl9pPr>
           </a:lstStyle>
           <a:p>
-            <a:pPr indent="0" lvl="0" marL="0" rtl="0" algn="r">
+            <a:pPr marL="0" lvl="0" indent="0" algn="r" rtl="0">
               <a:spcBef>
                 <a:spcPts val="0"/>
               </a:spcBef>
@@ -6197,11 +6182,11 @@
 </file>
 
 <file path=ppt/slideLayouts/slideLayout6.xml><?xml version="1.0" encoding="utf-8"?>
-<p:sldLayout xmlns:a="http://schemas.openxmlformats.org/drawingml/2006/main" xmlns:r="http://schemas.openxmlformats.org/officeDocument/2006/relationships" xmlns:mc="http://schemas.openxmlformats.org/markup-compatibility/2006" xmlns:mv="urn:schemas-microsoft-com:mac:vml" xmlns:p="http://schemas.openxmlformats.org/presentationml/2006/main" xmlns:c="http://schemas.openxmlformats.org/drawingml/2006/chart" xmlns:dgm="http://schemas.openxmlformats.org/drawingml/2006/diagram" xmlns:o="urn:schemas-microsoft-com:office:office" xmlns:v="urn:schemas-microsoft-com:vml" xmlns:pvml="urn:schemas-microsoft-com:office:powerpoint" xmlns:com="http://schemas.openxmlformats.org/drawingml/2006/compatibility" xmlns:p14="http://schemas.microsoft.com/office/powerpoint/2010/main" xmlns:p15="http://schemas.microsoft.com/office/powerpoint/2012/main" xmlns:ahyp="http://schemas.microsoft.com/office/drawing/2018/hyperlinkcolor" matchingName="One column text">
+<p:sldLayout xmlns:a="http://schemas.openxmlformats.org/drawingml/2006/main" xmlns:r="http://schemas.openxmlformats.org/officeDocument/2006/relationships" xmlns:p="http://schemas.openxmlformats.org/presentationml/2006/main" matchingName="One column text">
   <p:cSld name="ONE_COLUMN_TEXT">
     <p:spTree>
       <p:nvGrpSpPr>
-        <p:cNvPr id="62" name="Shape 62"/>
+        <p:cNvPr id="1" name="Shape 62"/>
         <p:cNvGrpSpPr/>
         <p:nvPr/>
       </p:nvGrpSpPr>
@@ -6240,7 +6225,7 @@
             </a:xfrm>
             <a:prstGeom prst="diagStripe">
               <a:avLst>
-                <a:gd fmla="val 50000" name="adj"/>
+                <a:gd name="adj" fmla="val 50000"/>
               </a:avLst>
             </a:prstGeom>
             <a:solidFill>
@@ -6251,12 +6236,12 @@
             </a:ln>
           </p:spPr>
           <p:txBody>
-            <a:bodyPr anchorCtr="0" anchor="ctr" bIns="91425" lIns="91425" spcFirstLastPara="1" rIns="91425" wrap="square" tIns="91425">
+            <a:bodyPr spcFirstLastPara="1" wrap="square" lIns="91425" tIns="91425" rIns="91425" bIns="91425" anchor="ctr" anchorCtr="0">
               <a:noAutofit/>
             </a:bodyPr>
             <a:lstStyle/>
             <a:p>
-              <a:pPr indent="0" lvl="0" marL="0" rtl="0" algn="l">
+              <a:pPr marL="0" lvl="0" indent="0" algn="l" rtl="0">
                 <a:spcBef>
                   <a:spcPts val="0"/>
                 </a:spcBef>
@@ -6265,9 +6250,6 @@
                 </a:spcAft>
                 <a:buNone/>
               </a:pPr>
-              <a:r>
-                <a:t/>
-              </a:r>
               <a:endParaRPr/>
             </a:p>
           </p:txBody>
@@ -6285,7 +6267,7 @@
             </a:xfrm>
             <a:prstGeom prst="diagStripe">
               <a:avLst>
-                <a:gd fmla="val 50000" name="adj"/>
+                <a:gd name="adj" fmla="val 50000"/>
               </a:avLst>
             </a:prstGeom>
             <a:solidFill>
@@ -6296,12 +6278,12 @@
             </a:ln>
           </p:spPr>
           <p:txBody>
-            <a:bodyPr anchorCtr="0" anchor="ctr" bIns="91425" lIns="91425" spcFirstLastPara="1" rIns="91425" wrap="square" tIns="91425">
+            <a:bodyPr spcFirstLastPara="1" wrap="square" lIns="91425" tIns="91425" rIns="91425" bIns="91425" anchor="ctr" anchorCtr="0">
               <a:noAutofit/>
             </a:bodyPr>
             <a:lstStyle/>
             <a:p>
-              <a:pPr indent="0" lvl="0" marL="0" rtl="0" algn="l">
+              <a:pPr marL="0" lvl="0" indent="0" algn="l" rtl="0">
                 <a:spcBef>
                   <a:spcPts val="0"/>
                 </a:spcBef>
@@ -6310,9 +6292,6 @@
                 </a:spcAft>
                 <a:buNone/>
               </a:pPr>
-              <a:r>
-                <a:t/>
-              </a:r>
               <a:endParaRPr/>
             </a:p>
           </p:txBody>
@@ -6321,7 +6300,9 @@
       <p:sp>
         <p:nvSpPr>
           <p:cNvPr id="66" name="Google Shape;66;p7"/>
-          <p:cNvSpPr txBox="1"/>
+          <p:cNvSpPr txBox="1">
+            <a:spLocks noGrp="1"/>
+          </p:cNvSpPr>
           <p:nvPr>
             <p:ph type="title"/>
           </p:nvPr>
@@ -6336,7 +6317,7 @@
           </a:prstGeom>
         </p:spPr>
         <p:txBody>
-          <a:bodyPr anchorCtr="0" anchor="t" bIns="91425" lIns="91425" spcFirstLastPara="1" rIns="91425" wrap="square" tIns="91425">
+          <a:bodyPr spcFirstLastPara="1" wrap="square" lIns="91425" tIns="91425" rIns="91425" bIns="91425" anchor="t" anchorCtr="0">
             <a:normAutofit/>
           </a:bodyPr>
           <a:lstStyle>
@@ -6440,15 +6421,19 @@
               <a:defRPr sz="2400"/>
             </a:lvl9pPr>
           </a:lstStyle>
-          <a:p/>
+          <a:p>
+            <a:endParaRPr/>
+          </a:p>
         </p:txBody>
       </p:sp>
       <p:sp>
         <p:nvSpPr>
           <p:cNvPr id="67" name="Google Shape;67;p7"/>
-          <p:cNvSpPr txBox="1"/>
+          <p:cNvSpPr txBox="1">
+            <a:spLocks noGrp="1"/>
+          </p:cNvSpPr>
           <p:nvPr>
-            <p:ph idx="1" type="body"/>
+            <p:ph type="body" idx="1"/>
           </p:nvPr>
         </p:nvSpPr>
         <p:spPr>
@@ -6461,11 +6446,11 @@
           </a:prstGeom>
         </p:spPr>
         <p:txBody>
-          <a:bodyPr anchorCtr="0" anchor="t" bIns="91425" lIns="91425" spcFirstLastPara="1" rIns="91425" wrap="square" tIns="91425">
+          <a:bodyPr spcFirstLastPara="1" wrap="square" lIns="91425" tIns="91425" rIns="91425" bIns="91425" anchor="t" anchorCtr="0">
             <a:normAutofit/>
           </a:bodyPr>
           <a:lstStyle>
-            <a:lvl1pPr indent="-311150" lvl="0" marL="457200">
+            <a:lvl1pPr marL="457200" lvl="0" indent="-311150">
               <a:spcBef>
                 <a:spcPts val="0"/>
               </a:spcBef>
@@ -6476,7 +6461,7 @@
               <a:buChar char="●"/>
               <a:defRPr/>
             </a:lvl1pPr>
-            <a:lvl2pPr indent="-298450" lvl="1" marL="914400">
+            <a:lvl2pPr marL="914400" lvl="1" indent="-298450">
               <a:spcBef>
                 <a:spcPts val="0"/>
               </a:spcBef>
@@ -6487,7 +6472,7 @@
               <a:buChar char="○"/>
               <a:defRPr/>
             </a:lvl2pPr>
-            <a:lvl3pPr indent="-298450" lvl="2" marL="1371600">
+            <a:lvl3pPr marL="1371600" lvl="2" indent="-298450">
               <a:spcBef>
                 <a:spcPts val="0"/>
               </a:spcBef>
@@ -6498,7 +6483,7 @@
               <a:buChar char="■"/>
               <a:defRPr/>
             </a:lvl3pPr>
-            <a:lvl4pPr indent="-298450" lvl="3" marL="1828800">
+            <a:lvl4pPr marL="1828800" lvl="3" indent="-298450">
               <a:spcBef>
                 <a:spcPts val="0"/>
               </a:spcBef>
@@ -6509,7 +6494,7 @@
               <a:buChar char="●"/>
               <a:defRPr/>
             </a:lvl4pPr>
-            <a:lvl5pPr indent="-298450" lvl="4" marL="2286000">
+            <a:lvl5pPr marL="2286000" lvl="4" indent="-298450">
               <a:spcBef>
                 <a:spcPts val="0"/>
               </a:spcBef>
@@ -6520,7 +6505,7 @@
               <a:buChar char="○"/>
               <a:defRPr/>
             </a:lvl5pPr>
-            <a:lvl6pPr indent="-298450" lvl="5" marL="2743200">
+            <a:lvl6pPr marL="2743200" lvl="5" indent="-298450">
               <a:spcBef>
                 <a:spcPts val="0"/>
               </a:spcBef>
@@ -6531,7 +6516,7 @@
               <a:buChar char="■"/>
               <a:defRPr/>
             </a:lvl6pPr>
-            <a:lvl7pPr indent="-298450" lvl="6" marL="3200400">
+            <a:lvl7pPr marL="3200400" lvl="6" indent="-298450">
               <a:spcBef>
                 <a:spcPts val="0"/>
               </a:spcBef>
@@ -6542,7 +6527,7 @@
               <a:buChar char="●"/>
               <a:defRPr/>
             </a:lvl7pPr>
-            <a:lvl8pPr indent="-298450" lvl="7" marL="3657600">
+            <a:lvl8pPr marL="3657600" lvl="7" indent="-298450">
               <a:spcBef>
                 <a:spcPts val="0"/>
               </a:spcBef>
@@ -6553,7 +6538,7 @@
               <a:buChar char="○"/>
               <a:defRPr/>
             </a:lvl8pPr>
-            <a:lvl9pPr indent="-298450" lvl="8" marL="4114800">
+            <a:lvl9pPr marL="4114800" lvl="8" indent="-298450">
               <a:spcBef>
                 <a:spcPts val="0"/>
               </a:spcBef>
@@ -6565,15 +6550,19 @@
               <a:defRPr/>
             </a:lvl9pPr>
           </a:lstStyle>
-          <a:p/>
+          <a:p>
+            <a:endParaRPr/>
+          </a:p>
         </p:txBody>
       </p:sp>
       <p:sp>
         <p:nvSpPr>
           <p:cNvPr id="68" name="Google Shape;68;p7"/>
-          <p:cNvSpPr txBox="1"/>
+          <p:cNvSpPr txBox="1">
+            <a:spLocks noGrp="1"/>
+          </p:cNvSpPr>
           <p:nvPr>
-            <p:ph idx="12" type="sldNum"/>
+            <p:ph type="sldNum" idx="12"/>
           </p:nvPr>
         </p:nvSpPr>
         <p:spPr>
@@ -6586,7 +6575,7 @@
           </a:prstGeom>
         </p:spPr>
         <p:txBody>
-          <a:bodyPr anchorCtr="0" anchor="ctr" bIns="91425" lIns="91425" spcFirstLastPara="1" rIns="91425" wrap="square" tIns="91425">
+          <a:bodyPr spcFirstLastPara="1" wrap="square" lIns="91425" tIns="91425" rIns="91425" bIns="91425" anchor="ctr" anchorCtr="0">
             <a:normAutofit/>
           </a:bodyPr>
           <a:lstStyle>
@@ -6628,7 +6617,7 @@
             </a:lvl9pPr>
           </a:lstStyle>
           <a:p>
-            <a:pPr indent="0" lvl="0" marL="0" rtl="0" algn="r">
+            <a:pPr marL="0" lvl="0" indent="0" algn="r" rtl="0">
               <a:spcBef>
                 <a:spcPts val="0"/>
               </a:spcBef>
@@ -6654,11 +6643,11 @@
 </file>
 
 <file path=ppt/slideLayouts/slideLayout7.xml><?xml version="1.0" encoding="utf-8"?>
-<p:sldLayout xmlns:a="http://schemas.openxmlformats.org/drawingml/2006/main" xmlns:r="http://schemas.openxmlformats.org/officeDocument/2006/relationships" xmlns:mc="http://schemas.openxmlformats.org/markup-compatibility/2006" xmlns:mv="urn:schemas-microsoft-com:mac:vml" xmlns:p="http://schemas.openxmlformats.org/presentationml/2006/main" xmlns:c="http://schemas.openxmlformats.org/drawingml/2006/chart" xmlns:dgm="http://schemas.openxmlformats.org/drawingml/2006/diagram" xmlns:o="urn:schemas-microsoft-com:office:office" xmlns:v="urn:schemas-microsoft-com:vml" xmlns:pvml="urn:schemas-microsoft-com:office:powerpoint" xmlns:com="http://schemas.openxmlformats.org/drawingml/2006/compatibility" xmlns:p14="http://schemas.microsoft.com/office/powerpoint/2010/main" xmlns:p15="http://schemas.microsoft.com/office/powerpoint/2012/main" xmlns:ahyp="http://schemas.microsoft.com/office/drawing/2018/hyperlinkcolor" matchingName="Main point">
+<p:sldLayout xmlns:a="http://schemas.openxmlformats.org/drawingml/2006/main" xmlns:r="http://schemas.openxmlformats.org/officeDocument/2006/relationships" xmlns:p="http://schemas.openxmlformats.org/presentationml/2006/main" matchingName="Main point">
   <p:cSld name="MAIN_POINT">
     <p:spTree>
       <p:nvGrpSpPr>
-        <p:cNvPr id="69" name="Shape 69"/>
+        <p:cNvPr id="1" name="Shape 69"/>
         <p:cNvGrpSpPr/>
         <p:nvPr/>
       </p:nvGrpSpPr>
@@ -6697,7 +6686,7 @@
             </a:xfrm>
             <a:prstGeom prst="diagStripe">
               <a:avLst>
-                <a:gd fmla="val 49469" name="adj"/>
+                <a:gd name="adj" fmla="val 49469"/>
               </a:avLst>
             </a:prstGeom>
             <a:solidFill>
@@ -6710,12 +6699,12 @@
             </a:ln>
           </p:spPr>
           <p:txBody>
-            <a:bodyPr anchorCtr="0" anchor="ctr" bIns="91425" lIns="91425" spcFirstLastPara="1" rIns="91425" wrap="square" tIns="91425">
+            <a:bodyPr spcFirstLastPara="1" wrap="square" lIns="91425" tIns="91425" rIns="91425" bIns="91425" anchor="ctr" anchorCtr="0">
               <a:noAutofit/>
             </a:bodyPr>
             <a:lstStyle/>
             <a:p>
-              <a:pPr indent="0" lvl="0" marL="0" rtl="0" algn="l">
+              <a:pPr marL="0" lvl="0" indent="0" algn="l" rtl="0">
                 <a:spcBef>
                   <a:spcPts val="0"/>
                 </a:spcBef>
@@ -6724,9 +6713,6 @@
                 </a:spcAft>
                 <a:buNone/>
               </a:pPr>
-              <a:r>
-                <a:t/>
-              </a:r>
               <a:endParaRPr/>
             </a:p>
           </p:txBody>
@@ -6744,7 +6730,7 @@
             </a:xfrm>
             <a:prstGeom prst="diagStripe">
               <a:avLst>
-                <a:gd fmla="val 0" name="adj"/>
+                <a:gd name="adj" fmla="val 0"/>
               </a:avLst>
             </a:prstGeom>
             <a:solidFill>
@@ -6757,12 +6743,12 @@
             </a:ln>
           </p:spPr>
           <p:txBody>
-            <a:bodyPr anchorCtr="0" anchor="ctr" bIns="91425" lIns="91425" spcFirstLastPara="1" rIns="91425" wrap="square" tIns="91425">
+            <a:bodyPr spcFirstLastPara="1" wrap="square" lIns="91425" tIns="91425" rIns="91425" bIns="91425" anchor="ctr" anchorCtr="0">
               <a:noAutofit/>
             </a:bodyPr>
             <a:lstStyle/>
             <a:p>
-              <a:pPr indent="0" lvl="0" marL="0" rtl="0" algn="l">
+              <a:pPr marL="0" lvl="0" indent="0" algn="l" rtl="0">
                 <a:spcBef>
                   <a:spcPts val="0"/>
                 </a:spcBef>
@@ -6771,9 +6757,6 @@
                 </a:spcAft>
                 <a:buNone/>
               </a:pPr>
-              <a:r>
-                <a:t/>
-              </a:r>
               <a:endParaRPr/>
             </a:p>
           </p:txBody>
@@ -6791,7 +6774,7 @@
             </a:xfrm>
             <a:prstGeom prst="diagStripe">
               <a:avLst>
-                <a:gd fmla="val 50000" name="adj"/>
+                <a:gd name="adj" fmla="val 50000"/>
               </a:avLst>
             </a:prstGeom>
             <a:solidFill>
@@ -6804,12 +6787,12 @@
             </a:ln>
           </p:spPr>
           <p:txBody>
-            <a:bodyPr anchorCtr="0" anchor="ctr" bIns="91425" lIns="91425" spcFirstLastPara="1" rIns="91425" wrap="square" tIns="91425">
+            <a:bodyPr spcFirstLastPara="1" wrap="square" lIns="91425" tIns="91425" rIns="91425" bIns="91425" anchor="ctr" anchorCtr="0">
               <a:noAutofit/>
             </a:bodyPr>
             <a:lstStyle/>
             <a:p>
-              <a:pPr indent="0" lvl="0" marL="0" rtl="0" algn="l">
+              <a:pPr marL="0" lvl="0" indent="0" algn="l" rtl="0">
                 <a:spcBef>
                   <a:spcPts val="0"/>
                 </a:spcBef>
@@ -6818,9 +6801,6 @@
                 </a:spcAft>
                 <a:buNone/>
               </a:pPr>
-              <a:r>
-                <a:t/>
-              </a:r>
               <a:endParaRPr/>
             </a:p>
           </p:txBody>
@@ -6838,7 +6818,7 @@
             </a:xfrm>
             <a:prstGeom prst="diagStripe">
               <a:avLst>
-                <a:gd fmla="val 50000" name="adj"/>
+                <a:gd name="adj" fmla="val 50000"/>
               </a:avLst>
             </a:prstGeom>
             <a:solidFill>
@@ -6851,12 +6831,12 @@
             </a:ln>
           </p:spPr>
           <p:txBody>
-            <a:bodyPr anchorCtr="0" anchor="ctr" bIns="91425" lIns="91425" spcFirstLastPara="1" rIns="91425" wrap="square" tIns="91425">
+            <a:bodyPr spcFirstLastPara="1" wrap="square" lIns="91425" tIns="91425" rIns="91425" bIns="91425" anchor="ctr" anchorCtr="0">
               <a:noAutofit/>
             </a:bodyPr>
             <a:lstStyle/>
             <a:p>
-              <a:pPr indent="0" lvl="0" marL="0" rtl="0" algn="l">
+              <a:pPr marL="0" lvl="0" indent="0" algn="l" rtl="0">
                 <a:spcBef>
                   <a:spcPts val="0"/>
                 </a:spcBef>
@@ -6865,9 +6845,6 @@
                 </a:spcAft>
                 <a:buNone/>
               </a:pPr>
-              <a:r>
-                <a:t/>
-              </a:r>
               <a:endParaRPr/>
             </a:p>
           </p:txBody>
@@ -6885,7 +6862,7 @@
             </a:xfrm>
             <a:prstGeom prst="diagStripe">
               <a:avLst>
-                <a:gd fmla="val 50000" name="adj"/>
+                <a:gd name="adj" fmla="val 50000"/>
               </a:avLst>
             </a:prstGeom>
             <a:solidFill>
@@ -6898,12 +6875,12 @@
             </a:ln>
           </p:spPr>
           <p:txBody>
-            <a:bodyPr anchorCtr="0" anchor="ctr" bIns="91425" lIns="91425" spcFirstLastPara="1" rIns="91425" wrap="square" tIns="91425">
+            <a:bodyPr spcFirstLastPara="1" wrap="square" lIns="91425" tIns="91425" rIns="91425" bIns="91425" anchor="ctr" anchorCtr="0">
               <a:noAutofit/>
             </a:bodyPr>
             <a:lstStyle/>
             <a:p>
-              <a:pPr indent="0" lvl="0" marL="0" rtl="0" algn="l">
+              <a:pPr marL="0" lvl="0" indent="0" algn="l" rtl="0">
                 <a:spcBef>
                   <a:spcPts val="0"/>
                 </a:spcBef>
@@ -6912,9 +6889,6 @@
                 </a:spcAft>
                 <a:buNone/>
               </a:pPr>
-              <a:r>
-                <a:t/>
-              </a:r>
               <a:endParaRPr/>
             </a:p>
           </p:txBody>
@@ -6932,7 +6906,7 @@
             </a:xfrm>
             <a:prstGeom prst="diagStripe">
               <a:avLst>
-                <a:gd fmla="val 50000" name="adj"/>
+                <a:gd name="adj" fmla="val 50000"/>
               </a:avLst>
             </a:prstGeom>
             <a:solidFill>
@@ -6945,12 +6919,12 @@
             </a:ln>
           </p:spPr>
           <p:txBody>
-            <a:bodyPr anchorCtr="0" anchor="ctr" bIns="91425" lIns="91425" spcFirstLastPara="1" rIns="91425" wrap="square" tIns="91425">
+            <a:bodyPr spcFirstLastPara="1" wrap="square" lIns="91425" tIns="91425" rIns="91425" bIns="91425" anchor="ctr" anchorCtr="0">
               <a:noAutofit/>
             </a:bodyPr>
             <a:lstStyle/>
             <a:p>
-              <a:pPr indent="0" lvl="0" marL="0" rtl="0" algn="l">
+              <a:pPr marL="0" lvl="0" indent="0" algn="l" rtl="0">
                 <a:spcBef>
                   <a:spcPts val="0"/>
                 </a:spcBef>
@@ -6959,9 +6933,6 @@
                 </a:spcAft>
                 <a:buNone/>
               </a:pPr>
-              <a:r>
-                <a:t/>
-              </a:r>
               <a:endParaRPr/>
             </a:p>
           </p:txBody>
@@ -6979,7 +6950,7 @@
             </a:xfrm>
             <a:prstGeom prst="diagStripe">
               <a:avLst>
-                <a:gd fmla="val 50000" name="adj"/>
+                <a:gd name="adj" fmla="val 50000"/>
               </a:avLst>
             </a:prstGeom>
             <a:solidFill>
@@ -6992,12 +6963,12 @@
             </a:ln>
           </p:spPr>
           <p:txBody>
-            <a:bodyPr anchorCtr="0" anchor="ctr" bIns="91425" lIns="91425" spcFirstLastPara="1" rIns="91425" wrap="square" tIns="91425">
+            <a:bodyPr spcFirstLastPara="1" wrap="square" lIns="91425" tIns="91425" rIns="91425" bIns="91425" anchor="ctr" anchorCtr="0">
               <a:noAutofit/>
             </a:bodyPr>
             <a:lstStyle/>
             <a:p>
-              <a:pPr indent="0" lvl="0" marL="0" rtl="0" algn="l">
+              <a:pPr marL="0" lvl="0" indent="0" algn="l" rtl="0">
                 <a:spcBef>
                   <a:spcPts val="0"/>
                 </a:spcBef>
@@ -7006,9 +6977,6 @@
                 </a:spcAft>
                 <a:buNone/>
               </a:pPr>
-              <a:r>
-                <a:t/>
-              </a:r>
               <a:endParaRPr/>
             </a:p>
           </p:txBody>
@@ -7026,7 +6994,7 @@
             </a:xfrm>
             <a:prstGeom prst="diagStripe">
               <a:avLst>
-                <a:gd fmla="val 50000" name="adj"/>
+                <a:gd name="adj" fmla="val 50000"/>
               </a:avLst>
             </a:prstGeom>
             <a:solidFill>
@@ -7037,12 +7005,12 @@
             </a:ln>
           </p:spPr>
           <p:txBody>
-            <a:bodyPr anchorCtr="0" anchor="ctr" bIns="91425" lIns="91425" spcFirstLastPara="1" rIns="91425" wrap="square" tIns="91425">
+            <a:bodyPr spcFirstLastPara="1" wrap="square" lIns="91425" tIns="91425" rIns="91425" bIns="91425" anchor="ctr" anchorCtr="0">
               <a:noAutofit/>
             </a:bodyPr>
             <a:lstStyle/>
             <a:p>
-              <a:pPr indent="0" lvl="0" marL="0" rtl="0" algn="l">
+              <a:pPr marL="0" lvl="0" indent="0" algn="l" rtl="0">
                 <a:spcBef>
                   <a:spcPts val="0"/>
                 </a:spcBef>
@@ -7051,9 +7019,6 @@
                 </a:spcAft>
                 <a:buNone/>
               </a:pPr>
-              <a:r>
-                <a:t/>
-              </a:r>
               <a:endParaRPr/>
             </a:p>
           </p:txBody>
@@ -7071,7 +7036,7 @@
             </a:xfrm>
             <a:prstGeom prst="diagStripe">
               <a:avLst>
-                <a:gd fmla="val 50000" name="adj"/>
+                <a:gd name="adj" fmla="val 50000"/>
               </a:avLst>
             </a:prstGeom>
             <a:solidFill>
@@ -7084,12 +7049,12 @@
             </a:ln>
           </p:spPr>
           <p:txBody>
-            <a:bodyPr anchorCtr="0" anchor="ctr" bIns="91425" lIns="91425" spcFirstLastPara="1" rIns="91425" wrap="square" tIns="91425">
+            <a:bodyPr spcFirstLastPara="1" wrap="square" lIns="91425" tIns="91425" rIns="91425" bIns="91425" anchor="ctr" anchorCtr="0">
               <a:noAutofit/>
             </a:bodyPr>
             <a:lstStyle/>
             <a:p>
-              <a:pPr indent="0" lvl="0" marL="0" rtl="0" algn="l">
+              <a:pPr marL="0" lvl="0" indent="0" algn="l" rtl="0">
                 <a:spcBef>
                   <a:spcPts val="0"/>
                 </a:spcBef>
@@ -7098,9 +7063,6 @@
                 </a:spcAft>
                 <a:buNone/>
               </a:pPr>
-              <a:r>
-                <a:t/>
-              </a:r>
               <a:endParaRPr/>
             </a:p>
           </p:txBody>
@@ -7118,7 +7080,7 @@
             </a:xfrm>
             <a:prstGeom prst="diagStripe">
               <a:avLst>
-                <a:gd fmla="val 50000" name="adj"/>
+                <a:gd name="adj" fmla="val 50000"/>
               </a:avLst>
             </a:prstGeom>
             <a:solidFill>
@@ -7131,12 +7093,12 @@
             </a:ln>
           </p:spPr>
           <p:txBody>
-            <a:bodyPr anchorCtr="0" anchor="ctr" bIns="91425" lIns="91425" spcFirstLastPara="1" rIns="91425" wrap="square" tIns="91425">
+            <a:bodyPr spcFirstLastPara="1" wrap="square" lIns="91425" tIns="91425" rIns="91425" bIns="91425" anchor="ctr" anchorCtr="0">
               <a:noAutofit/>
             </a:bodyPr>
             <a:lstStyle/>
             <a:p>
-              <a:pPr indent="0" lvl="0" marL="0" rtl="0" algn="l">
+              <a:pPr marL="0" lvl="0" indent="0" algn="l" rtl="0">
                 <a:spcBef>
                   <a:spcPts val="0"/>
                 </a:spcBef>
@@ -7145,9 +7107,6 @@
                 </a:spcAft>
                 <a:buNone/>
               </a:pPr>
-              <a:r>
-                <a:t/>
-              </a:r>
               <a:endParaRPr/>
             </a:p>
           </p:txBody>
@@ -7165,7 +7124,7 @@
             </a:xfrm>
             <a:prstGeom prst="diagStripe">
               <a:avLst>
-                <a:gd fmla="val 50000" name="adj"/>
+                <a:gd name="adj" fmla="val 50000"/>
               </a:avLst>
             </a:prstGeom>
             <a:solidFill>
@@ -7178,12 +7137,12 @@
             </a:ln>
           </p:spPr>
           <p:txBody>
-            <a:bodyPr anchorCtr="0" anchor="ctr" bIns="91425" lIns="91425" spcFirstLastPara="1" rIns="91425" wrap="square" tIns="91425">
+            <a:bodyPr spcFirstLastPara="1" wrap="square" lIns="91425" tIns="91425" rIns="91425" bIns="91425" anchor="ctr" anchorCtr="0">
               <a:noAutofit/>
             </a:bodyPr>
             <a:lstStyle/>
             <a:p>
-              <a:pPr indent="0" lvl="0" marL="0" rtl="0" algn="l">
+              <a:pPr marL="0" lvl="0" indent="0" algn="l" rtl="0">
                 <a:spcBef>
                   <a:spcPts val="0"/>
                 </a:spcBef>
@@ -7192,9 +7151,6 @@
                 </a:spcAft>
                 <a:buNone/>
               </a:pPr>
-              <a:r>
-                <a:t/>
-              </a:r>
               <a:endParaRPr/>
             </a:p>
           </p:txBody>
@@ -7212,7 +7168,7 @@
             </a:xfrm>
             <a:prstGeom prst="diagStripe">
               <a:avLst>
-                <a:gd fmla="val 50000" name="adj"/>
+                <a:gd name="adj" fmla="val 50000"/>
               </a:avLst>
             </a:prstGeom>
             <a:solidFill>
@@ -7225,12 +7181,12 @@
             </a:ln>
           </p:spPr>
           <p:txBody>
-            <a:bodyPr anchorCtr="0" anchor="ctr" bIns="91425" lIns="91425" spcFirstLastPara="1" rIns="91425" wrap="square" tIns="91425">
+            <a:bodyPr spcFirstLastPara="1" wrap="square" lIns="91425" tIns="91425" rIns="91425" bIns="91425" anchor="ctr" anchorCtr="0">
               <a:noAutofit/>
             </a:bodyPr>
             <a:lstStyle/>
             <a:p>
-              <a:pPr indent="0" lvl="0" marL="0" rtl="0" algn="l">
+              <a:pPr marL="0" lvl="0" indent="0" algn="l" rtl="0">
                 <a:spcBef>
                   <a:spcPts val="0"/>
                 </a:spcBef>
@@ -7239,9 +7195,6 @@
                 </a:spcAft>
                 <a:buNone/>
               </a:pPr>
-              <a:r>
-                <a:t/>
-              </a:r>
               <a:endParaRPr/>
             </a:p>
           </p:txBody>
@@ -7259,7 +7212,7 @@
             </a:xfrm>
             <a:prstGeom prst="diagStripe">
               <a:avLst>
-                <a:gd fmla="val 50000" name="adj"/>
+                <a:gd name="adj" fmla="val 50000"/>
               </a:avLst>
             </a:prstGeom>
             <a:solidFill>
@@ -7272,12 +7225,12 @@
             </a:ln>
           </p:spPr>
           <p:txBody>
-            <a:bodyPr anchorCtr="0" anchor="ctr" bIns="91425" lIns="91425" spcFirstLastPara="1" rIns="91425" wrap="square" tIns="91425">
+            <a:bodyPr spcFirstLastPara="1" wrap="square" lIns="91425" tIns="91425" rIns="91425" bIns="91425" anchor="ctr" anchorCtr="0">
               <a:noAutofit/>
             </a:bodyPr>
             <a:lstStyle/>
             <a:p>
-              <a:pPr indent="0" lvl="0" marL="0" rtl="0" algn="l">
+              <a:pPr marL="0" lvl="0" indent="0" algn="l" rtl="0">
                 <a:spcBef>
                   <a:spcPts val="0"/>
                 </a:spcBef>
@@ -7286,9 +7239,6 @@
                 </a:spcAft>
                 <a:buNone/>
               </a:pPr>
-              <a:r>
-                <a:t/>
-              </a:r>
               <a:endParaRPr/>
             </a:p>
           </p:txBody>
@@ -7306,7 +7256,7 @@
             </a:xfrm>
             <a:prstGeom prst="diagStripe">
               <a:avLst>
-                <a:gd fmla="val 50000" name="adj"/>
+                <a:gd name="adj" fmla="val 50000"/>
               </a:avLst>
             </a:prstGeom>
             <a:solidFill>
@@ -7317,12 +7267,12 @@
             </a:ln>
           </p:spPr>
           <p:txBody>
-            <a:bodyPr anchorCtr="0" anchor="ctr" bIns="91425" lIns="91425" spcFirstLastPara="1" rIns="91425" wrap="square" tIns="91425">
+            <a:bodyPr spcFirstLastPara="1" wrap="square" lIns="91425" tIns="91425" rIns="91425" bIns="91425" anchor="ctr" anchorCtr="0">
               <a:noAutofit/>
             </a:bodyPr>
             <a:lstStyle/>
             <a:p>
-              <a:pPr indent="0" lvl="0" marL="0" rtl="0" algn="l">
+              <a:pPr marL="0" lvl="0" indent="0" algn="l" rtl="0">
                 <a:spcBef>
                   <a:spcPts val="0"/>
                 </a:spcBef>
@@ -7331,9 +7281,6 @@
                 </a:spcAft>
                 <a:buNone/>
               </a:pPr>
-              <a:r>
-                <a:t/>
-              </a:r>
               <a:endParaRPr/>
             </a:p>
           </p:txBody>
@@ -7351,7 +7298,7 @@
             </a:xfrm>
             <a:prstGeom prst="diagStripe">
               <a:avLst>
-                <a:gd fmla="val 50000" name="adj"/>
+                <a:gd name="adj" fmla="val 50000"/>
               </a:avLst>
             </a:prstGeom>
             <a:solidFill>
@@ -7364,12 +7311,12 @@
             </a:ln>
           </p:spPr>
           <p:txBody>
-            <a:bodyPr anchorCtr="0" anchor="ctr" bIns="91425" lIns="91425" spcFirstLastPara="1" rIns="91425" wrap="square" tIns="91425">
+            <a:bodyPr spcFirstLastPara="1" wrap="square" lIns="91425" tIns="91425" rIns="91425" bIns="91425" anchor="ctr" anchorCtr="0">
               <a:noAutofit/>
             </a:bodyPr>
             <a:lstStyle/>
             <a:p>
-              <a:pPr indent="0" lvl="0" marL="0" rtl="0" algn="l">
+              <a:pPr marL="0" lvl="0" indent="0" algn="l" rtl="0">
                 <a:spcBef>
                   <a:spcPts val="0"/>
                 </a:spcBef>
@@ -7378,9 +7325,6 @@
                 </a:spcAft>
                 <a:buNone/>
               </a:pPr>
-              <a:r>
-                <a:t/>
-              </a:r>
               <a:endParaRPr/>
             </a:p>
           </p:txBody>
@@ -7398,7 +7342,7 @@
             </a:xfrm>
             <a:prstGeom prst="diagStripe">
               <a:avLst>
-                <a:gd fmla="val 50000" name="adj"/>
+                <a:gd name="adj" fmla="val 50000"/>
               </a:avLst>
             </a:prstGeom>
             <a:solidFill>
@@ -7411,12 +7355,12 @@
             </a:ln>
           </p:spPr>
           <p:txBody>
-            <a:bodyPr anchorCtr="0" anchor="ctr" bIns="91425" lIns="91425" spcFirstLastPara="1" rIns="91425" wrap="square" tIns="91425">
+            <a:bodyPr spcFirstLastPara="1" wrap="square" lIns="91425" tIns="91425" rIns="91425" bIns="91425" anchor="ctr" anchorCtr="0">
               <a:noAutofit/>
             </a:bodyPr>
             <a:lstStyle/>
             <a:p>
-              <a:pPr indent="0" lvl="0" marL="0" rtl="0" algn="l">
+              <a:pPr marL="0" lvl="0" indent="0" algn="l" rtl="0">
                 <a:spcBef>
                   <a:spcPts val="0"/>
                 </a:spcBef>
@@ -7425,9 +7369,6 @@
                 </a:spcAft>
                 <a:buNone/>
               </a:pPr>
-              <a:r>
-                <a:t/>
-              </a:r>
               <a:endParaRPr/>
             </a:p>
           </p:txBody>
@@ -7445,7 +7386,7 @@
             </a:xfrm>
             <a:prstGeom prst="diagStripe">
               <a:avLst>
-                <a:gd fmla="val 50000" name="adj"/>
+                <a:gd name="adj" fmla="val 50000"/>
               </a:avLst>
             </a:prstGeom>
             <a:solidFill>
@@ -7458,12 +7399,12 @@
             </a:ln>
           </p:spPr>
           <p:txBody>
-            <a:bodyPr anchorCtr="0" anchor="ctr" bIns="91425" lIns="91425" spcFirstLastPara="1" rIns="91425" wrap="square" tIns="91425">
+            <a:bodyPr spcFirstLastPara="1" wrap="square" lIns="91425" tIns="91425" rIns="91425" bIns="91425" anchor="ctr" anchorCtr="0">
               <a:noAutofit/>
             </a:bodyPr>
             <a:lstStyle/>
             <a:p>
-              <a:pPr indent="0" lvl="0" marL="0" rtl="0" algn="l">
+              <a:pPr marL="0" lvl="0" indent="0" algn="l" rtl="0">
                 <a:spcBef>
                   <a:spcPts val="0"/>
                 </a:spcBef>
@@ -7472,9 +7413,6 @@
                 </a:spcAft>
                 <a:buNone/>
               </a:pPr>
-              <a:r>
-                <a:t/>
-              </a:r>
               <a:endParaRPr/>
             </a:p>
           </p:txBody>
@@ -7492,7 +7430,7 @@
             </a:xfrm>
             <a:prstGeom prst="diagStripe">
               <a:avLst>
-                <a:gd fmla="val 50000" name="adj"/>
+                <a:gd name="adj" fmla="val 50000"/>
               </a:avLst>
             </a:prstGeom>
             <a:solidFill>
@@ -7505,12 +7443,12 @@
             </a:ln>
           </p:spPr>
           <p:txBody>
-            <a:bodyPr anchorCtr="0" anchor="ctr" bIns="91425" lIns="91425" spcFirstLastPara="1" rIns="91425" wrap="square" tIns="91425">
+            <a:bodyPr spcFirstLastPara="1" wrap="square" lIns="91425" tIns="91425" rIns="91425" bIns="91425" anchor="ctr" anchorCtr="0">
               <a:noAutofit/>
             </a:bodyPr>
             <a:lstStyle/>
             <a:p>
-              <a:pPr indent="0" lvl="0" marL="0" rtl="0" algn="l">
+              <a:pPr marL="0" lvl="0" indent="0" algn="l" rtl="0">
                 <a:spcBef>
                   <a:spcPts val="0"/>
                 </a:spcBef>
@@ -7519,9 +7457,6 @@
                 </a:spcAft>
                 <a:buNone/>
               </a:pPr>
-              <a:r>
-                <a:t/>
-              </a:r>
               <a:endParaRPr/>
             </a:p>
           </p:txBody>
@@ -7530,7 +7465,9 @@
       <p:sp>
         <p:nvSpPr>
           <p:cNvPr id="89" name="Google Shape;89;p8"/>
-          <p:cNvSpPr txBox="1"/>
+          <p:cNvSpPr txBox="1">
+            <a:spLocks noGrp="1"/>
+          </p:cNvSpPr>
           <p:nvPr>
             <p:ph type="title"/>
           </p:nvPr>
@@ -7545,7 +7482,7 @@
           </a:prstGeom>
         </p:spPr>
         <p:txBody>
-          <a:bodyPr anchorCtr="0" anchor="ctr" bIns="91425" lIns="91425" spcFirstLastPara="1" rIns="91425" wrap="square" tIns="91425">
+          <a:bodyPr spcFirstLastPara="1" wrap="square" lIns="91425" tIns="91425" rIns="91425" bIns="91425" anchor="ctr" anchorCtr="0">
             <a:normAutofit/>
           </a:bodyPr>
           <a:lstStyle>
@@ -7649,15 +7586,19 @@
               <a:defRPr/>
             </a:lvl9pPr>
           </a:lstStyle>
-          <a:p/>
+          <a:p>
+            <a:endParaRPr/>
+          </a:p>
         </p:txBody>
       </p:sp>
       <p:sp>
         <p:nvSpPr>
           <p:cNvPr id="90" name="Google Shape;90;p8"/>
-          <p:cNvSpPr txBox="1"/>
+          <p:cNvSpPr txBox="1">
+            <a:spLocks noGrp="1"/>
+          </p:cNvSpPr>
           <p:nvPr>
-            <p:ph idx="12" type="sldNum"/>
+            <p:ph type="sldNum" idx="12"/>
           </p:nvPr>
         </p:nvSpPr>
         <p:spPr>
@@ -7670,7 +7611,7 @@
           </a:prstGeom>
         </p:spPr>
         <p:txBody>
-          <a:bodyPr anchorCtr="0" anchor="ctr" bIns="91425" lIns="91425" spcFirstLastPara="1" rIns="91425" wrap="square" tIns="91425">
+          <a:bodyPr spcFirstLastPara="1" wrap="square" lIns="91425" tIns="91425" rIns="91425" bIns="91425" anchor="ctr" anchorCtr="0">
             <a:normAutofit/>
           </a:bodyPr>
           <a:lstStyle>
@@ -7712,7 +7653,7 @@
             </a:lvl9pPr>
           </a:lstStyle>
           <a:p>
-            <a:pPr indent="0" lvl="0" marL="0" rtl="0" algn="r">
+            <a:pPr marL="0" lvl="0" indent="0" algn="r" rtl="0">
               <a:spcBef>
                 <a:spcPts val="0"/>
               </a:spcBef>
@@ -7738,11 +7679,11 @@
 </file>
 
 <file path=ppt/slideLayouts/slideLayout8.xml><?xml version="1.0" encoding="utf-8"?>
-<p:sldLayout xmlns:a="http://schemas.openxmlformats.org/drawingml/2006/main" xmlns:r="http://schemas.openxmlformats.org/officeDocument/2006/relationships" xmlns:mc="http://schemas.openxmlformats.org/markup-compatibility/2006" xmlns:mv="urn:schemas-microsoft-com:mac:vml" xmlns:p="http://schemas.openxmlformats.org/presentationml/2006/main" xmlns:c="http://schemas.openxmlformats.org/drawingml/2006/chart" xmlns:dgm="http://schemas.openxmlformats.org/drawingml/2006/diagram" xmlns:o="urn:schemas-microsoft-com:office:office" xmlns:v="urn:schemas-microsoft-com:vml" xmlns:pvml="urn:schemas-microsoft-com:office:powerpoint" xmlns:com="http://schemas.openxmlformats.org/drawingml/2006/compatibility" xmlns:p14="http://schemas.microsoft.com/office/powerpoint/2010/main" xmlns:p15="http://schemas.microsoft.com/office/powerpoint/2012/main" xmlns:ahyp="http://schemas.microsoft.com/office/drawing/2018/hyperlinkcolor" matchingName="Section title and description">
+<p:sldLayout xmlns:a="http://schemas.openxmlformats.org/drawingml/2006/main" xmlns:r="http://schemas.openxmlformats.org/officeDocument/2006/relationships" xmlns:p="http://schemas.openxmlformats.org/presentationml/2006/main" matchingName="Section title and description">
   <p:cSld name="SECTION_TITLE_AND_DESCRIPTION">
     <p:spTree>
       <p:nvGrpSpPr>
-        <p:cNvPr id="91" name="Shape 91"/>
+        <p:cNvPr id="1" name="Shape 91"/>
         <p:cNvGrpSpPr/>
         <p:nvPr/>
       </p:nvGrpSpPr>
@@ -7781,7 +7722,7 @@
             </a:xfrm>
             <a:prstGeom prst="diagStripe">
               <a:avLst>
-                <a:gd fmla="val 50000" name="adj"/>
+                <a:gd name="adj" fmla="val 50000"/>
               </a:avLst>
             </a:prstGeom>
             <a:solidFill>
@@ -7792,12 +7733,12 @@
             </a:ln>
           </p:spPr>
           <p:txBody>
-            <a:bodyPr anchorCtr="0" anchor="ctr" bIns="91425" lIns="91425" spcFirstLastPara="1" rIns="91425" wrap="square" tIns="91425">
+            <a:bodyPr spcFirstLastPara="1" wrap="square" lIns="91425" tIns="91425" rIns="91425" bIns="91425" anchor="ctr" anchorCtr="0">
               <a:noAutofit/>
             </a:bodyPr>
             <a:lstStyle/>
             <a:p>
-              <a:pPr indent="0" lvl="0" marL="0" rtl="0" algn="l">
+              <a:pPr marL="0" lvl="0" indent="0" algn="l" rtl="0">
                 <a:spcBef>
                   <a:spcPts val="0"/>
                 </a:spcBef>
@@ -7806,9 +7747,6 @@
                 </a:spcAft>
                 <a:buNone/>
               </a:pPr>
-              <a:r>
-                <a:t/>
-              </a:r>
               <a:endParaRPr/>
             </a:p>
           </p:txBody>
@@ -7826,7 +7764,7 @@
             </a:xfrm>
             <a:prstGeom prst="diagStripe">
               <a:avLst>
-                <a:gd fmla="val 50000" name="adj"/>
+                <a:gd name="adj" fmla="val 50000"/>
               </a:avLst>
             </a:prstGeom>
             <a:solidFill>
@@ -7837,12 +7775,12 @@
             </a:ln>
           </p:spPr>
           <p:txBody>
-            <a:bodyPr anchorCtr="0" anchor="ctr" bIns="91425" lIns="91425" spcFirstLastPara="1" rIns="91425" wrap="square" tIns="91425">
+            <a:bodyPr spcFirstLastPara="1" wrap="square" lIns="91425" tIns="91425" rIns="91425" bIns="91425" anchor="ctr" anchorCtr="0">
               <a:noAutofit/>
             </a:bodyPr>
             <a:lstStyle/>
             <a:p>
-              <a:pPr indent="0" lvl="0" marL="0" rtl="0" algn="l">
+              <a:pPr marL="0" lvl="0" indent="0" algn="l" rtl="0">
                 <a:spcBef>
                   <a:spcPts val="0"/>
                 </a:spcBef>
@@ -7851,9 +7789,6 @@
                 </a:spcAft>
                 <a:buNone/>
               </a:pPr>
-              <a:r>
-                <a:t/>
-              </a:r>
               <a:endParaRPr/>
             </a:p>
           </p:txBody>
@@ -7862,7 +7797,9 @@
       <p:sp>
         <p:nvSpPr>
           <p:cNvPr id="95" name="Google Shape;95;p9"/>
-          <p:cNvSpPr txBox="1"/>
+          <p:cNvSpPr txBox="1">
+            <a:spLocks noGrp="1"/>
+          </p:cNvSpPr>
           <p:nvPr>
             <p:ph type="title"/>
           </p:nvPr>
@@ -7877,7 +7814,7 @@
           </a:prstGeom>
         </p:spPr>
         <p:txBody>
-          <a:bodyPr anchorCtr="0" anchor="t" bIns="91425" lIns="91425" spcFirstLastPara="1" rIns="91425" wrap="square" tIns="91425">
+          <a:bodyPr spcFirstLastPara="1" wrap="square" lIns="91425" tIns="91425" rIns="91425" bIns="91425" anchor="t" anchorCtr="0">
             <a:normAutofit/>
           </a:bodyPr>
           <a:lstStyle>
@@ -7981,15 +7918,19 @@
               <a:defRPr sz="2400"/>
             </a:lvl9pPr>
           </a:lstStyle>
-          <a:p/>
+          <a:p>
+            <a:endParaRPr/>
+          </a:p>
         </p:txBody>
       </p:sp>
       <p:sp>
         <p:nvSpPr>
           <p:cNvPr id="96" name="Google Shape;96;p9"/>
-          <p:cNvSpPr txBox="1"/>
+          <p:cNvSpPr txBox="1">
+            <a:spLocks noGrp="1"/>
+          </p:cNvSpPr>
           <p:nvPr>
-            <p:ph idx="1" type="subTitle"/>
+            <p:ph type="subTitle" idx="1"/>
           </p:nvPr>
         </p:nvSpPr>
         <p:spPr>
@@ -8002,7 +7943,7 @@
           </a:prstGeom>
         </p:spPr>
         <p:txBody>
-          <a:bodyPr anchorCtr="0" anchor="t" bIns="91425" lIns="91425" spcFirstLastPara="1" rIns="91425" wrap="square" tIns="91425">
+          <a:bodyPr spcFirstLastPara="1" wrap="square" lIns="91425" tIns="91425" rIns="91425" bIns="91425" anchor="t" anchorCtr="0">
             <a:normAutofit/>
           </a:bodyPr>
           <a:lstStyle>
@@ -8133,15 +8074,19 @@
               <a:defRPr sz="1300"/>
             </a:lvl9pPr>
           </a:lstStyle>
-          <a:p/>
+          <a:p>
+            <a:endParaRPr/>
+          </a:p>
         </p:txBody>
       </p:sp>
       <p:sp>
         <p:nvSpPr>
           <p:cNvPr id="97" name="Google Shape;97;p9"/>
-          <p:cNvSpPr txBox="1"/>
+          <p:cNvSpPr txBox="1">
+            <a:spLocks noGrp="1"/>
+          </p:cNvSpPr>
           <p:nvPr>
-            <p:ph idx="2" type="body"/>
+            <p:ph type="body" idx="2"/>
           </p:nvPr>
         </p:nvSpPr>
         <p:spPr>
@@ -8154,11 +8099,11 @@
           </a:prstGeom>
         </p:spPr>
         <p:txBody>
-          <a:bodyPr anchorCtr="0" anchor="t" bIns="91425" lIns="91425" spcFirstLastPara="1" rIns="91425" wrap="square" tIns="91425">
+          <a:bodyPr spcFirstLastPara="1" wrap="square" lIns="91425" tIns="91425" rIns="91425" bIns="91425" anchor="t" anchorCtr="0">
             <a:normAutofit/>
           </a:bodyPr>
           <a:lstStyle>
-            <a:lvl1pPr indent="-311150" lvl="0" marL="457200">
+            <a:lvl1pPr marL="457200" lvl="0" indent="-311150">
               <a:spcBef>
                 <a:spcPts val="0"/>
               </a:spcBef>
@@ -8169,7 +8114,7 @@
               <a:buChar char="●"/>
               <a:defRPr/>
             </a:lvl1pPr>
-            <a:lvl2pPr indent="-298450" lvl="1" marL="914400">
+            <a:lvl2pPr marL="914400" lvl="1" indent="-298450">
               <a:spcBef>
                 <a:spcPts val="0"/>
               </a:spcBef>
@@ -8180,7 +8125,7 @@
               <a:buChar char="○"/>
               <a:defRPr/>
             </a:lvl2pPr>
-            <a:lvl3pPr indent="-298450" lvl="2" marL="1371600">
+            <a:lvl3pPr marL="1371600" lvl="2" indent="-298450">
               <a:spcBef>
                 <a:spcPts val="0"/>
               </a:spcBef>
@@ -8191,7 +8136,7 @@
               <a:buChar char="■"/>
               <a:defRPr/>
             </a:lvl3pPr>
-            <a:lvl4pPr indent="-298450" lvl="3" marL="1828800">
+            <a:lvl4pPr marL="1828800" lvl="3" indent="-298450">
               <a:spcBef>
                 <a:spcPts val="0"/>
               </a:spcBef>
@@ -8202,7 +8147,7 @@
               <a:buChar char="●"/>
               <a:defRPr/>
             </a:lvl4pPr>
-            <a:lvl5pPr indent="-298450" lvl="4" marL="2286000">
+            <a:lvl5pPr marL="2286000" lvl="4" indent="-298450">
               <a:spcBef>
                 <a:spcPts val="0"/>
               </a:spcBef>
@@ -8213,7 +8158,7 @@
               <a:buChar char="○"/>
               <a:defRPr/>
             </a:lvl5pPr>
-            <a:lvl6pPr indent="-298450" lvl="5" marL="2743200">
+            <a:lvl6pPr marL="2743200" lvl="5" indent="-298450">
               <a:spcBef>
                 <a:spcPts val="0"/>
               </a:spcBef>
@@ -8224,7 +8169,7 @@
               <a:buChar char="■"/>
               <a:defRPr/>
             </a:lvl6pPr>
-            <a:lvl7pPr indent="-298450" lvl="6" marL="3200400">
+            <a:lvl7pPr marL="3200400" lvl="6" indent="-298450">
               <a:spcBef>
                 <a:spcPts val="0"/>
               </a:spcBef>
@@ -8235,7 +8180,7 @@
               <a:buChar char="●"/>
               <a:defRPr/>
             </a:lvl7pPr>
-            <a:lvl8pPr indent="-298450" lvl="7" marL="3657600">
+            <a:lvl8pPr marL="3657600" lvl="7" indent="-298450">
               <a:spcBef>
                 <a:spcPts val="0"/>
               </a:spcBef>
@@ -8246,7 +8191,7 @@
               <a:buChar char="○"/>
               <a:defRPr/>
             </a:lvl8pPr>
-            <a:lvl9pPr indent="-298450" lvl="8" marL="4114800">
+            <a:lvl9pPr marL="4114800" lvl="8" indent="-298450">
               <a:spcBef>
                 <a:spcPts val="0"/>
               </a:spcBef>
@@ -8258,15 +8203,19 @@
               <a:defRPr/>
             </a:lvl9pPr>
           </a:lstStyle>
-          <a:p/>
+          <a:p>
+            <a:endParaRPr/>
+          </a:p>
         </p:txBody>
       </p:sp>
       <p:sp>
         <p:nvSpPr>
           <p:cNvPr id="98" name="Google Shape;98;p9"/>
-          <p:cNvSpPr txBox="1"/>
+          <p:cNvSpPr txBox="1">
+            <a:spLocks noGrp="1"/>
+          </p:cNvSpPr>
           <p:nvPr>
-            <p:ph idx="12" type="sldNum"/>
+            <p:ph type="sldNum" idx="12"/>
           </p:nvPr>
         </p:nvSpPr>
         <p:spPr>
@@ -8279,7 +8228,7 @@
           </a:prstGeom>
         </p:spPr>
         <p:txBody>
-          <a:bodyPr anchorCtr="0" anchor="ctr" bIns="91425" lIns="91425" spcFirstLastPara="1" rIns="91425" wrap="square" tIns="91425">
+          <a:bodyPr spcFirstLastPara="1" wrap="square" lIns="91425" tIns="91425" rIns="91425" bIns="91425" anchor="ctr" anchorCtr="0">
             <a:normAutofit/>
           </a:bodyPr>
           <a:lstStyle>
@@ -8321,7 +8270,7 @@
             </a:lvl9pPr>
           </a:lstStyle>
           <a:p>
-            <a:pPr indent="0" lvl="0" marL="0" rtl="0" algn="r">
+            <a:pPr marL="0" lvl="0" indent="0" algn="r" rtl="0">
               <a:spcBef>
                 <a:spcPts val="0"/>
               </a:spcBef>
@@ -8347,11 +8296,11 @@
 </file>
 
 <file path=ppt/slideLayouts/slideLayout9.xml><?xml version="1.0" encoding="utf-8"?>
-<p:sldLayout xmlns:a="http://schemas.openxmlformats.org/drawingml/2006/main" xmlns:r="http://schemas.openxmlformats.org/officeDocument/2006/relationships" xmlns:mc="http://schemas.openxmlformats.org/markup-compatibility/2006" xmlns:mv="urn:schemas-microsoft-com:mac:vml" xmlns:p="http://schemas.openxmlformats.org/presentationml/2006/main" xmlns:c="http://schemas.openxmlformats.org/drawingml/2006/chart" xmlns:dgm="http://schemas.openxmlformats.org/drawingml/2006/diagram" xmlns:o="urn:schemas-microsoft-com:office:office" xmlns:v="urn:schemas-microsoft-com:vml" xmlns:pvml="urn:schemas-microsoft-com:office:powerpoint" xmlns:com="http://schemas.openxmlformats.org/drawingml/2006/compatibility" xmlns:p14="http://schemas.microsoft.com/office/powerpoint/2010/main" xmlns:p15="http://schemas.microsoft.com/office/powerpoint/2012/main" xmlns:ahyp="http://schemas.microsoft.com/office/drawing/2018/hyperlinkcolor" matchingName="Caption">
+<p:sldLayout xmlns:a="http://schemas.openxmlformats.org/drawingml/2006/main" xmlns:r="http://schemas.openxmlformats.org/officeDocument/2006/relationships" xmlns:p="http://schemas.openxmlformats.org/presentationml/2006/main" matchingName="Caption">
   <p:cSld name="CAPTION_ONLY">
     <p:spTree>
       <p:nvGrpSpPr>
-        <p:cNvPr id="99" name="Shape 99"/>
+        <p:cNvPr id="1" name="Shape 99"/>
         <p:cNvGrpSpPr/>
         <p:nvPr/>
       </p:nvGrpSpPr>
@@ -8390,7 +8339,7 @@
             </a:xfrm>
             <a:prstGeom prst="diagStripe">
               <a:avLst>
-                <a:gd fmla="val 50000" name="adj"/>
+                <a:gd name="adj" fmla="val 50000"/>
               </a:avLst>
             </a:prstGeom>
             <a:solidFill>
@@ -8403,12 +8352,12 @@
             </a:ln>
           </p:spPr>
           <p:txBody>
-            <a:bodyPr anchorCtr="0" anchor="ctr" bIns="91425" lIns="91425" spcFirstLastPara="1" rIns="91425" wrap="square" tIns="91425">
+            <a:bodyPr spcFirstLastPara="1" wrap="square" lIns="91425" tIns="91425" rIns="91425" bIns="91425" anchor="ctr" anchorCtr="0">
               <a:noAutofit/>
             </a:bodyPr>
             <a:lstStyle/>
             <a:p>
-              <a:pPr indent="0" lvl="0" marL="0" rtl="0" algn="l">
+              <a:pPr marL="0" lvl="0" indent="0" algn="l" rtl="0">
                 <a:spcBef>
                   <a:spcPts val="0"/>
                 </a:spcBef>
@@ -8417,9 +8366,6 @@
                 </a:spcAft>
                 <a:buNone/>
               </a:pPr>
-              <a:r>
-                <a:t/>
-              </a:r>
               <a:endParaRPr/>
             </a:p>
           </p:txBody>
@@ -8437,7 +8383,7 @@
             </a:xfrm>
             <a:prstGeom prst="diagStripe">
               <a:avLst>
-                <a:gd fmla="val 50000" name="adj"/>
+                <a:gd name="adj" fmla="val 50000"/>
               </a:avLst>
             </a:prstGeom>
             <a:solidFill>
@@ -8450,12 +8396,12 @@
             </a:ln>
           </p:spPr>
           <p:txBody>
-            <a:bodyPr anchorCtr="0" anchor="ctr" bIns="91425" lIns="91425" spcFirstLastPara="1" rIns="91425" wrap="square" tIns="91425">
+            <a:bodyPr spcFirstLastPara="1" wrap="square" lIns="91425" tIns="91425" rIns="91425" bIns="91425" anchor="ctr" anchorCtr="0">
               <a:noAutofit/>
             </a:bodyPr>
             <a:lstStyle/>
             <a:p>
-              <a:pPr indent="0" lvl="0" marL="0" rtl="0" algn="l">
+              <a:pPr marL="0" lvl="0" indent="0" algn="l" rtl="0">
                 <a:spcBef>
                   <a:spcPts val="0"/>
                 </a:spcBef>
@@ -8464,9 +8410,6 @@
                 </a:spcAft>
                 <a:buNone/>
               </a:pPr>
-              <a:r>
-                <a:t/>
-              </a:r>
               <a:endParaRPr/>
             </a:p>
           </p:txBody>
@@ -8475,9 +8418,11 @@
       <p:sp>
         <p:nvSpPr>
           <p:cNvPr id="103" name="Google Shape;103;p10"/>
-          <p:cNvSpPr txBox="1"/>
+          <p:cNvSpPr txBox="1">
+            <a:spLocks noGrp="1"/>
+          </p:cNvSpPr>
           <p:nvPr>
-            <p:ph idx="1" type="body"/>
+            <p:ph type="body" idx="1"/>
           </p:nvPr>
         </p:nvSpPr>
         <p:spPr>
@@ -8490,11 +8435,11 @@
           </a:prstGeom>
         </p:spPr>
         <p:txBody>
-          <a:bodyPr anchorCtr="0" anchor="ctr" bIns="91425" lIns="91425" spcFirstLastPara="1" rIns="91425" wrap="square" tIns="91425">
+          <a:bodyPr spcFirstLastPara="1" wrap="square" lIns="91425" tIns="91425" rIns="91425" bIns="91425" anchor="ctr" anchorCtr="0">
             <a:normAutofit/>
           </a:bodyPr>
           <a:lstStyle>
-            <a:lvl1pPr indent="-228600" lvl="0" marL="457200">
+            <a:lvl1pPr marL="457200" lvl="0" indent="-228600">
               <a:lnSpc>
                 <a:spcPct val="100000"/>
               </a:lnSpc>
@@ -8509,15 +8454,19 @@
               <a:defRPr/>
             </a:lvl1pPr>
           </a:lstStyle>
-          <a:p/>
+          <a:p>
+            <a:endParaRPr/>
+          </a:p>
         </p:txBody>
       </p:sp>
       <p:sp>
         <p:nvSpPr>
           <p:cNvPr id="104" name="Google Shape;104;p10"/>
-          <p:cNvSpPr txBox="1"/>
+          <p:cNvSpPr txBox="1">
+            <a:spLocks noGrp="1"/>
+          </p:cNvSpPr>
           <p:nvPr>
-            <p:ph idx="12" type="sldNum"/>
+            <p:ph type="sldNum" idx="12"/>
           </p:nvPr>
         </p:nvSpPr>
         <p:spPr>
@@ -8530,7 +8479,7 @@
           </a:prstGeom>
         </p:spPr>
         <p:txBody>
-          <a:bodyPr anchorCtr="0" anchor="ctr" bIns="91425" lIns="91425" spcFirstLastPara="1" rIns="91425" wrap="square" tIns="91425">
+          <a:bodyPr spcFirstLastPara="1" wrap="square" lIns="91425" tIns="91425" rIns="91425" bIns="91425" anchor="ctr" anchorCtr="0">
             <a:normAutofit/>
           </a:bodyPr>
           <a:lstStyle>
@@ -8572,7 +8521,7 @@
             </a:lvl9pPr>
           </a:lstStyle>
           <a:p>
-            <a:pPr indent="0" lvl="0" marL="0" rtl="0" algn="r">
+            <a:pPr marL="0" lvl="0" indent="0" algn="r" rtl="0">
               <a:spcBef>
                 <a:spcPts val="0"/>
               </a:spcBef>
@@ -8598,18 +8547,19 @@
 </file>
 
 <file path=ppt/slideMasters/slideMaster1.xml><?xml version="1.0" encoding="utf-8"?>
-<p:sldMaster xmlns:a="http://schemas.openxmlformats.org/drawingml/2006/main" xmlns:r="http://schemas.openxmlformats.org/officeDocument/2006/relationships" xmlns:mc="http://schemas.openxmlformats.org/markup-compatibility/2006" xmlns:mv="urn:schemas-microsoft-com:mac:vml" xmlns:p="http://schemas.openxmlformats.org/presentationml/2006/main" xmlns:c="http://schemas.openxmlformats.org/drawingml/2006/chart" xmlns:dgm="http://schemas.openxmlformats.org/drawingml/2006/diagram" xmlns:o="urn:schemas-microsoft-com:office:office" xmlns:v="urn:schemas-microsoft-com:vml" xmlns:pvml="urn:schemas-microsoft-com:office:powerpoint" xmlns:com="http://schemas.openxmlformats.org/drawingml/2006/compatibility" xmlns:p14="http://schemas.microsoft.com/office/powerpoint/2010/main" xmlns:p15="http://schemas.microsoft.com/office/powerpoint/2012/main" xmlns:ahyp="http://schemas.microsoft.com/office/drawing/2018/hyperlinkcolor">
+<p:sldMaster xmlns:a="http://schemas.openxmlformats.org/drawingml/2006/main" xmlns:r="http://schemas.openxmlformats.org/officeDocument/2006/relationships" xmlns:p="http://schemas.openxmlformats.org/presentationml/2006/main">
   <p:cSld name="focus">
     <p:bg>
       <p:bgPr>
         <a:solidFill>
           <a:schemeClr val="dk1"/>
         </a:solidFill>
+        <a:effectLst/>
       </p:bgPr>
     </p:bg>
     <p:spTree>
       <p:nvGrpSpPr>
-        <p:cNvPr id="5" name="Shape 5"/>
+        <p:cNvPr id="1" name="Shape 5"/>
         <p:cNvGrpSpPr/>
         <p:nvPr/>
       </p:nvGrpSpPr>
@@ -8624,7 +8574,9 @@
       <p:sp>
         <p:nvSpPr>
           <p:cNvPr id="6" name="Google Shape;6;p1"/>
-          <p:cNvSpPr txBox="1"/>
+          <p:cNvSpPr txBox="1">
+            <a:spLocks noGrp="1"/>
+          </p:cNvSpPr>
           <p:nvPr>
             <p:ph type="title"/>
           </p:nvPr>
@@ -8643,7 +8595,7 @@
           </a:ln>
         </p:spPr>
         <p:txBody>
-          <a:bodyPr anchorCtr="0" anchor="t" bIns="91425" lIns="91425" spcFirstLastPara="1" rIns="91425" wrap="square" tIns="91425">
+          <a:bodyPr spcFirstLastPara="1" wrap="square" lIns="91425" tIns="91425" rIns="91425" bIns="91425" anchor="t" anchorCtr="0">
             <a:normAutofit/>
           </a:bodyPr>
           <a:lstStyle>
@@ -8855,15 +8807,19 @@
               </a:defRPr>
             </a:lvl9pPr>
           </a:lstStyle>
-          <a:p/>
+          <a:p>
+            <a:endParaRPr/>
+          </a:p>
         </p:txBody>
       </p:sp>
       <p:sp>
         <p:nvSpPr>
           <p:cNvPr id="7" name="Google Shape;7;p1"/>
-          <p:cNvSpPr txBox="1"/>
+          <p:cNvSpPr txBox="1">
+            <a:spLocks noGrp="1"/>
+          </p:cNvSpPr>
           <p:nvPr>
-            <p:ph idx="1" type="body"/>
+            <p:ph type="body" idx="1"/>
           </p:nvPr>
         </p:nvSpPr>
         <p:spPr>
@@ -8880,11 +8836,11 @@
           </a:ln>
         </p:spPr>
         <p:txBody>
-          <a:bodyPr anchorCtr="0" anchor="t" bIns="91425" lIns="91425" spcFirstLastPara="1" rIns="91425" wrap="square" tIns="91425">
+          <a:bodyPr spcFirstLastPara="1" wrap="square" lIns="91425" tIns="91425" rIns="91425" bIns="91425" anchor="t" anchorCtr="0">
             <a:normAutofit/>
           </a:bodyPr>
           <a:lstStyle>
-            <a:lvl1pPr indent="-311150" lvl="0" marL="457200">
+            <a:lvl1pPr marL="457200" lvl="0" indent="-311150">
               <a:lnSpc>
                 <a:spcPct val="115000"/>
               </a:lnSpc>
@@ -8910,7 +8866,7 @@
                 <a:sym typeface="Lato"/>
               </a:defRPr>
             </a:lvl1pPr>
-            <a:lvl2pPr indent="-298450" lvl="1" marL="914400">
+            <a:lvl2pPr marL="914400" lvl="1" indent="-298450">
               <a:lnSpc>
                 <a:spcPct val="115000"/>
               </a:lnSpc>
@@ -8936,7 +8892,7 @@
                 <a:sym typeface="Lato"/>
               </a:defRPr>
             </a:lvl2pPr>
-            <a:lvl3pPr indent="-298450" lvl="2" marL="1371600">
+            <a:lvl3pPr marL="1371600" lvl="2" indent="-298450">
               <a:lnSpc>
                 <a:spcPct val="115000"/>
               </a:lnSpc>
@@ -8962,7 +8918,7 @@
                 <a:sym typeface="Lato"/>
               </a:defRPr>
             </a:lvl3pPr>
-            <a:lvl4pPr indent="-298450" lvl="3" marL="1828800">
+            <a:lvl4pPr marL="1828800" lvl="3" indent="-298450">
               <a:lnSpc>
                 <a:spcPct val="115000"/>
               </a:lnSpc>
@@ -8988,7 +8944,7 @@
                 <a:sym typeface="Lato"/>
               </a:defRPr>
             </a:lvl4pPr>
-            <a:lvl5pPr indent="-298450" lvl="4" marL="2286000">
+            <a:lvl5pPr marL="2286000" lvl="4" indent="-298450">
               <a:lnSpc>
                 <a:spcPct val="115000"/>
               </a:lnSpc>
@@ -9014,7 +8970,7 @@
                 <a:sym typeface="Lato"/>
               </a:defRPr>
             </a:lvl5pPr>
-            <a:lvl6pPr indent="-298450" lvl="5" marL="2743200">
+            <a:lvl6pPr marL="2743200" lvl="5" indent="-298450">
               <a:lnSpc>
                 <a:spcPct val="115000"/>
               </a:lnSpc>
@@ -9040,7 +8996,7 @@
                 <a:sym typeface="Lato"/>
               </a:defRPr>
             </a:lvl6pPr>
-            <a:lvl7pPr indent="-298450" lvl="6" marL="3200400">
+            <a:lvl7pPr marL="3200400" lvl="6" indent="-298450">
               <a:lnSpc>
                 <a:spcPct val="115000"/>
               </a:lnSpc>
@@ -9066,7 +9022,7 @@
                 <a:sym typeface="Lato"/>
               </a:defRPr>
             </a:lvl7pPr>
-            <a:lvl8pPr indent="-298450" lvl="7" marL="3657600">
+            <a:lvl8pPr marL="3657600" lvl="7" indent="-298450">
               <a:lnSpc>
                 <a:spcPct val="115000"/>
               </a:lnSpc>
@@ -9092,7 +9048,7 @@
                 <a:sym typeface="Lato"/>
               </a:defRPr>
             </a:lvl8pPr>
-            <a:lvl9pPr indent="-298450" lvl="8" marL="4114800">
+            <a:lvl9pPr marL="4114800" lvl="8" indent="-298450">
               <a:lnSpc>
                 <a:spcPct val="115000"/>
               </a:lnSpc>
@@ -9119,15 +9075,19 @@
               </a:defRPr>
             </a:lvl9pPr>
           </a:lstStyle>
-          <a:p/>
+          <a:p>
+            <a:endParaRPr/>
+          </a:p>
         </p:txBody>
       </p:sp>
       <p:sp>
         <p:nvSpPr>
           <p:cNvPr id="8" name="Google Shape;8;p1"/>
-          <p:cNvSpPr txBox="1"/>
+          <p:cNvSpPr txBox="1">
+            <a:spLocks noGrp="1"/>
+          </p:cNvSpPr>
           <p:nvPr>
-            <p:ph idx="12" type="sldNum"/>
+            <p:ph type="sldNum" idx="12"/>
           </p:nvPr>
         </p:nvSpPr>
         <p:spPr>
@@ -9144,7 +9104,7 @@
           </a:ln>
         </p:spPr>
         <p:txBody>
-          <a:bodyPr anchorCtr="0" anchor="ctr" bIns="91425" lIns="91425" spcFirstLastPara="1" rIns="91425" wrap="square" tIns="91425">
+          <a:bodyPr spcFirstLastPara="1" wrap="square" lIns="91425" tIns="91425" rIns="91425" bIns="91425" anchor="ctr" anchorCtr="0">
             <a:normAutofit/>
           </a:bodyPr>
           <a:lstStyle>
@@ -9258,7 +9218,7 @@
             </a:lvl9pPr>
           </a:lstStyle>
           <a:p>
-            <a:pPr indent="0" lvl="0" marL="0" rtl="0" algn="r">
+            <a:pPr marL="0" lvl="0" indent="0" algn="r" rtl="0">
               <a:spcBef>
                 <a:spcPts val="0"/>
               </a:spcBef>
@@ -9277,7 +9237,7 @@
       </p:sp>
     </p:spTree>
   </p:cSld>
-  <p:clrMap accent1="accent1" accent2="accent2" accent3="accent3" accent4="accent4" accent5="accent5" accent6="accent6" bg1="lt1" bg2="dk2" tx1="dk1" tx2="lt2" folHlink="folHlink" hlink="hlink"/>
+  <p:clrMap bg1="lt1" tx1="dk1" bg2="dk2" tx2="lt2" accent1="accent1" accent2="accent2" accent3="accent3" accent4="accent4" accent5="accent5" accent6="accent6" hlink="hlink" folHlink="folHlink"/>
   <p:sldLayoutIdLst>
     <p:sldLayoutId id="2147483648" r:id="rId1"/>
     <p:sldLayoutId id="2147483649" r:id="rId2"/>
@@ -9291,10 +9251,10 @@
     <p:sldLayoutId id="2147483657" r:id="rId10"/>
     <p:sldLayoutId id="2147483658" r:id="rId11"/>
   </p:sldLayoutIdLst>
-  <p:hf dt="0" ftr="0" hdr="0" sldNum="0"/>
+  <p:hf sldNum="0" hdr="0" ftr="0" dt="0"/>
   <p:txStyles>
     <p:titleStyle>
-      <a:defPPr lvl="0" marR="0" rtl="0" algn="l">
+      <a:defPPr marR="0" lvl="0" algn="l" rtl="0">
         <a:lnSpc>
           <a:spcPct val="100000"/>
         </a:lnSpc>
@@ -9305,7 +9265,7 @@
           <a:spcPts val="0"/>
         </a:spcAft>
       </a:defPPr>
-      <a:lvl1pPr lvl="0" marR="0" rtl="0" algn="l">
+      <a:lvl1pPr marR="0" lvl="0" algn="l" rtl="0">
         <a:lnSpc>
           <a:spcPct val="100000"/>
         </a:lnSpc>
@@ -9319,7 +9279,7 @@
           <a:srgbClr val="000000"/>
         </a:buClr>
         <a:buFont typeface="Arial"/>
-        <a:defRPr b="0" i="0" sz="1400" u="none" cap="none" strike="noStrike">
+        <a:defRPr sz="1400" b="0" i="0" u="none" strike="noStrike" cap="none">
           <a:solidFill>
             <a:srgbClr val="000000"/>
           </a:solidFill>
@@ -9329,7 +9289,7 @@
           <a:sym typeface="Arial"/>
         </a:defRPr>
       </a:lvl1pPr>
-      <a:lvl2pPr lvl="1" marR="0" rtl="0" algn="l">
+      <a:lvl2pPr marR="0" lvl="1" algn="l" rtl="0">
         <a:lnSpc>
           <a:spcPct val="100000"/>
         </a:lnSpc>
@@ -9343,7 +9303,7 @@
           <a:srgbClr val="000000"/>
         </a:buClr>
         <a:buFont typeface="Arial"/>
-        <a:defRPr b="0" i="0" sz="1400" u="none" cap="none" strike="noStrike">
+        <a:defRPr sz="1400" b="0" i="0" u="none" strike="noStrike" cap="none">
           <a:solidFill>
             <a:srgbClr val="000000"/>
           </a:solidFill>
@@ -9353,7 +9313,7 @@
           <a:sym typeface="Arial"/>
         </a:defRPr>
       </a:lvl2pPr>
-      <a:lvl3pPr lvl="2" marR="0" rtl="0" algn="l">
+      <a:lvl3pPr marR="0" lvl="2" algn="l" rtl="0">
         <a:lnSpc>
           <a:spcPct val="100000"/>
         </a:lnSpc>
@@ -9367,7 +9327,7 @@
           <a:srgbClr val="000000"/>
         </a:buClr>
         <a:buFont typeface="Arial"/>
-        <a:defRPr b="0" i="0" sz="1400" u="none" cap="none" strike="noStrike">
+        <a:defRPr sz="1400" b="0" i="0" u="none" strike="noStrike" cap="none">
           <a:solidFill>
             <a:srgbClr val="000000"/>
           </a:solidFill>
@@ -9377,7 +9337,7 @@
           <a:sym typeface="Arial"/>
         </a:defRPr>
       </a:lvl3pPr>
-      <a:lvl4pPr lvl="3" marR="0" rtl="0" algn="l">
+      <a:lvl4pPr marR="0" lvl="3" algn="l" rtl="0">
         <a:lnSpc>
           <a:spcPct val="100000"/>
         </a:lnSpc>
@@ -9391,7 +9351,7 @@
           <a:srgbClr val="000000"/>
         </a:buClr>
         <a:buFont typeface="Arial"/>
-        <a:defRPr b="0" i="0" sz="1400" u="none" cap="none" strike="noStrike">
+        <a:defRPr sz="1400" b="0" i="0" u="none" strike="noStrike" cap="none">
           <a:solidFill>
             <a:srgbClr val="000000"/>
           </a:solidFill>
@@ -9401,7 +9361,7 @@
           <a:sym typeface="Arial"/>
         </a:defRPr>
       </a:lvl4pPr>
-      <a:lvl5pPr lvl="4" marR="0" rtl="0" algn="l">
+      <a:lvl5pPr marR="0" lvl="4" algn="l" rtl="0">
         <a:lnSpc>
           <a:spcPct val="100000"/>
         </a:lnSpc>
@@ -9415,7 +9375,7 @@
           <a:srgbClr val="000000"/>
         </a:buClr>
         <a:buFont typeface="Arial"/>
-        <a:defRPr b="0" i="0" sz="1400" u="none" cap="none" strike="noStrike">
+        <a:defRPr sz="1400" b="0" i="0" u="none" strike="noStrike" cap="none">
           <a:solidFill>
             <a:srgbClr val="000000"/>
           </a:solidFill>
@@ -9425,7 +9385,7 @@
           <a:sym typeface="Arial"/>
         </a:defRPr>
       </a:lvl5pPr>
-      <a:lvl6pPr lvl="5" marR="0" rtl="0" algn="l">
+      <a:lvl6pPr marR="0" lvl="5" algn="l" rtl="0">
         <a:lnSpc>
           <a:spcPct val="100000"/>
         </a:lnSpc>
@@ -9439,7 +9399,7 @@
           <a:srgbClr val="000000"/>
         </a:buClr>
         <a:buFont typeface="Arial"/>
-        <a:defRPr b="0" i="0" sz="1400" u="none" cap="none" strike="noStrike">
+        <a:defRPr sz="1400" b="0" i="0" u="none" strike="noStrike" cap="none">
           <a:solidFill>
             <a:srgbClr val="000000"/>
           </a:solidFill>
@@ -9449,7 +9409,7 @@
           <a:sym typeface="Arial"/>
         </a:defRPr>
       </a:lvl6pPr>
-      <a:lvl7pPr lvl="6" marR="0" rtl="0" algn="l">
+      <a:lvl7pPr marR="0" lvl="6" algn="l" rtl="0">
         <a:lnSpc>
           <a:spcPct val="100000"/>
         </a:lnSpc>
@@ -9463,7 +9423,7 @@
           <a:srgbClr val="000000"/>
         </a:buClr>
         <a:buFont typeface="Arial"/>
-        <a:defRPr b="0" i="0" sz="1400" u="none" cap="none" strike="noStrike">
+        <a:defRPr sz="1400" b="0" i="0" u="none" strike="noStrike" cap="none">
           <a:solidFill>
             <a:srgbClr val="000000"/>
           </a:solidFill>
@@ -9473,7 +9433,7 @@
           <a:sym typeface="Arial"/>
         </a:defRPr>
       </a:lvl7pPr>
-      <a:lvl8pPr lvl="7" marR="0" rtl="0" algn="l">
+      <a:lvl8pPr marR="0" lvl="7" algn="l" rtl="0">
         <a:lnSpc>
           <a:spcPct val="100000"/>
         </a:lnSpc>
@@ -9487,7 +9447,7 @@
           <a:srgbClr val="000000"/>
         </a:buClr>
         <a:buFont typeface="Arial"/>
-        <a:defRPr b="0" i="0" sz="1400" u="none" cap="none" strike="noStrike">
+        <a:defRPr sz="1400" b="0" i="0" u="none" strike="noStrike" cap="none">
           <a:solidFill>
             <a:srgbClr val="000000"/>
           </a:solidFill>
@@ -9497,7 +9457,7 @@
           <a:sym typeface="Arial"/>
         </a:defRPr>
       </a:lvl8pPr>
-      <a:lvl9pPr lvl="8" marR="0" rtl="0" algn="l">
+      <a:lvl9pPr marR="0" lvl="8" algn="l" rtl="0">
         <a:lnSpc>
           <a:spcPct val="100000"/>
         </a:lnSpc>
@@ -9511,7 +9471,7 @@
           <a:srgbClr val="000000"/>
         </a:buClr>
         <a:buFont typeface="Arial"/>
-        <a:defRPr b="0" i="0" sz="1400" u="none" cap="none" strike="noStrike">
+        <a:defRPr sz="1400" b="0" i="0" u="none" strike="noStrike" cap="none">
           <a:solidFill>
             <a:srgbClr val="000000"/>
           </a:solidFill>
@@ -9523,7 +9483,7 @@
       </a:lvl9pPr>
     </p:titleStyle>
     <p:bodyStyle>
-      <a:defPPr lvl="0" marR="0" rtl="0" algn="l">
+      <a:defPPr marR="0" lvl="0" algn="l" rtl="0">
         <a:lnSpc>
           <a:spcPct val="100000"/>
         </a:lnSpc>
@@ -9534,7 +9494,7 @@
           <a:spcPts val="0"/>
         </a:spcAft>
       </a:defPPr>
-      <a:lvl1pPr lvl="0" marR="0" rtl="0" algn="l">
+      <a:lvl1pPr marR="0" lvl="0" algn="l" rtl="0">
         <a:lnSpc>
           <a:spcPct val="100000"/>
         </a:lnSpc>
@@ -9548,7 +9508,7 @@
           <a:srgbClr val="000000"/>
         </a:buClr>
         <a:buFont typeface="Arial"/>
-        <a:defRPr b="0" i="0" sz="1400" u="none" cap="none" strike="noStrike">
+        <a:defRPr sz="1400" b="0" i="0" u="none" strike="noStrike" cap="none">
           <a:solidFill>
             <a:srgbClr val="000000"/>
           </a:solidFill>
@@ -9558,7 +9518,7 @@
           <a:sym typeface="Arial"/>
         </a:defRPr>
       </a:lvl1pPr>
-      <a:lvl2pPr lvl="1" marR="0" rtl="0" algn="l">
+      <a:lvl2pPr marR="0" lvl="1" algn="l" rtl="0">
         <a:lnSpc>
           <a:spcPct val="100000"/>
         </a:lnSpc>
@@ -9572,7 +9532,7 @@
           <a:srgbClr val="000000"/>
         </a:buClr>
         <a:buFont typeface="Arial"/>
-        <a:defRPr b="0" i="0" sz="1400" u="none" cap="none" strike="noStrike">
+        <a:defRPr sz="1400" b="0" i="0" u="none" strike="noStrike" cap="none">
           <a:solidFill>
             <a:srgbClr val="000000"/>
           </a:solidFill>
@@ -9582,7 +9542,7 @@
           <a:sym typeface="Arial"/>
         </a:defRPr>
       </a:lvl2pPr>
-      <a:lvl3pPr lvl="2" marR="0" rtl="0" algn="l">
+      <a:lvl3pPr marR="0" lvl="2" algn="l" rtl="0">
         <a:lnSpc>
           <a:spcPct val="100000"/>
         </a:lnSpc>
@@ -9596,7 +9556,7 @@
           <a:srgbClr val="000000"/>
         </a:buClr>
         <a:buFont typeface="Arial"/>
-        <a:defRPr b="0" i="0" sz="1400" u="none" cap="none" strike="noStrike">
+        <a:defRPr sz="1400" b="0" i="0" u="none" strike="noStrike" cap="none">
           <a:solidFill>
             <a:srgbClr val="000000"/>
           </a:solidFill>
@@ -9606,7 +9566,7 @@
           <a:sym typeface="Arial"/>
         </a:defRPr>
       </a:lvl3pPr>
-      <a:lvl4pPr lvl="3" marR="0" rtl="0" algn="l">
+      <a:lvl4pPr marR="0" lvl="3" algn="l" rtl="0">
         <a:lnSpc>
           <a:spcPct val="100000"/>
         </a:lnSpc>
@@ -9620,7 +9580,7 @@
           <a:srgbClr val="000000"/>
         </a:buClr>
         <a:buFont typeface="Arial"/>
-        <a:defRPr b="0" i="0" sz="1400" u="none" cap="none" strike="noStrike">
+        <a:defRPr sz="1400" b="0" i="0" u="none" strike="noStrike" cap="none">
           <a:solidFill>
             <a:srgbClr val="000000"/>
           </a:solidFill>
@@ -9630,7 +9590,7 @@
           <a:sym typeface="Arial"/>
         </a:defRPr>
       </a:lvl4pPr>
-      <a:lvl5pPr lvl="4" marR="0" rtl="0" algn="l">
+      <a:lvl5pPr marR="0" lvl="4" algn="l" rtl="0">
         <a:lnSpc>
           <a:spcPct val="100000"/>
         </a:lnSpc>
@@ -9644,7 +9604,7 @@
           <a:srgbClr val="000000"/>
         </a:buClr>
         <a:buFont typeface="Arial"/>
-        <a:defRPr b="0" i="0" sz="1400" u="none" cap="none" strike="noStrike">
+        <a:defRPr sz="1400" b="0" i="0" u="none" strike="noStrike" cap="none">
           <a:solidFill>
             <a:srgbClr val="000000"/>
           </a:solidFill>
@@ -9654,7 +9614,7 @@
           <a:sym typeface="Arial"/>
         </a:defRPr>
       </a:lvl5pPr>
-      <a:lvl6pPr lvl="5" marR="0" rtl="0" algn="l">
+      <a:lvl6pPr marR="0" lvl="5" algn="l" rtl="0">
         <a:lnSpc>
           <a:spcPct val="100000"/>
         </a:lnSpc>
@@ -9668,7 +9628,7 @@
           <a:srgbClr val="000000"/>
         </a:buClr>
         <a:buFont typeface="Arial"/>
-        <a:defRPr b="0" i="0" sz="1400" u="none" cap="none" strike="noStrike">
+        <a:defRPr sz="1400" b="0" i="0" u="none" strike="noStrike" cap="none">
           <a:solidFill>
             <a:srgbClr val="000000"/>
           </a:solidFill>
@@ -9678,7 +9638,7 @@
           <a:sym typeface="Arial"/>
         </a:defRPr>
       </a:lvl6pPr>
-      <a:lvl7pPr lvl="6" marR="0" rtl="0" algn="l">
+      <a:lvl7pPr marR="0" lvl="6" algn="l" rtl="0">
         <a:lnSpc>
           <a:spcPct val="100000"/>
         </a:lnSpc>
@@ -9692,7 +9652,7 @@
           <a:srgbClr val="000000"/>
         </a:buClr>
         <a:buFont typeface="Arial"/>
-        <a:defRPr b="0" i="0" sz="1400" u="none" cap="none" strike="noStrike">
+        <a:defRPr sz="1400" b="0" i="0" u="none" strike="noStrike" cap="none">
           <a:solidFill>
             <a:srgbClr val="000000"/>
           </a:solidFill>
@@ -9702,7 +9662,7 @@
           <a:sym typeface="Arial"/>
         </a:defRPr>
       </a:lvl7pPr>
-      <a:lvl8pPr lvl="7" marR="0" rtl="0" algn="l">
+      <a:lvl8pPr marR="0" lvl="7" algn="l" rtl="0">
         <a:lnSpc>
           <a:spcPct val="100000"/>
         </a:lnSpc>
@@ -9716,7 +9676,7 @@
           <a:srgbClr val="000000"/>
         </a:buClr>
         <a:buFont typeface="Arial"/>
-        <a:defRPr b="0" i="0" sz="1400" u="none" cap="none" strike="noStrike">
+        <a:defRPr sz="1400" b="0" i="0" u="none" strike="noStrike" cap="none">
           <a:solidFill>
             <a:srgbClr val="000000"/>
           </a:solidFill>
@@ -9726,7 +9686,7 @@
           <a:sym typeface="Arial"/>
         </a:defRPr>
       </a:lvl8pPr>
-      <a:lvl9pPr lvl="8" marR="0" rtl="0" algn="l">
+      <a:lvl9pPr marR="0" lvl="8" algn="l" rtl="0">
         <a:lnSpc>
           <a:spcPct val="100000"/>
         </a:lnSpc>
@@ -9740,7 +9700,7 @@
           <a:srgbClr val="000000"/>
         </a:buClr>
         <a:buFont typeface="Arial"/>
-        <a:defRPr b="0" i="0" sz="1400" u="none" cap="none" strike="noStrike">
+        <a:defRPr sz="1400" b="0" i="0" u="none" strike="noStrike" cap="none">
           <a:solidFill>
             <a:srgbClr val="000000"/>
           </a:solidFill>
@@ -9752,7 +9712,7 @@
       </a:lvl9pPr>
     </p:bodyStyle>
     <p:otherStyle>
-      <a:defPPr lvl="0" marR="0" rtl="0" algn="l">
+      <a:defPPr marR="0" lvl="0" algn="l" rtl="0">
         <a:lnSpc>
           <a:spcPct val="100000"/>
         </a:lnSpc>
@@ -9763,7 +9723,7 @@
           <a:spcPts val="0"/>
         </a:spcAft>
       </a:defPPr>
-      <a:lvl1pPr lvl="0" marR="0" rtl="0" algn="l">
+      <a:lvl1pPr marR="0" lvl="0" algn="l" rtl="0">
         <a:lnSpc>
           <a:spcPct val="100000"/>
         </a:lnSpc>
@@ -9777,7 +9737,7 @@
           <a:srgbClr val="000000"/>
         </a:buClr>
         <a:buFont typeface="Arial"/>
-        <a:defRPr b="0" i="0" sz="1400" u="none" cap="none" strike="noStrike">
+        <a:defRPr sz="1400" b="0" i="0" u="none" strike="noStrike" cap="none">
           <a:solidFill>
             <a:srgbClr val="000000"/>
           </a:solidFill>
@@ -9787,7 +9747,7 @@
           <a:sym typeface="Arial"/>
         </a:defRPr>
       </a:lvl1pPr>
-      <a:lvl2pPr lvl="1" marR="0" rtl="0" algn="l">
+      <a:lvl2pPr marR="0" lvl="1" algn="l" rtl="0">
         <a:lnSpc>
           <a:spcPct val="100000"/>
         </a:lnSpc>
@@ -9801,7 +9761,7 @@
           <a:srgbClr val="000000"/>
         </a:buClr>
         <a:buFont typeface="Arial"/>
-        <a:defRPr b="0" i="0" sz="1400" u="none" cap="none" strike="noStrike">
+        <a:defRPr sz="1400" b="0" i="0" u="none" strike="noStrike" cap="none">
           <a:solidFill>
             <a:srgbClr val="000000"/>
           </a:solidFill>
@@ -9811,7 +9771,7 @@
           <a:sym typeface="Arial"/>
         </a:defRPr>
       </a:lvl2pPr>
-      <a:lvl3pPr lvl="2" marR="0" rtl="0" algn="l">
+      <a:lvl3pPr marR="0" lvl="2" algn="l" rtl="0">
         <a:lnSpc>
           <a:spcPct val="100000"/>
         </a:lnSpc>
@@ -9825,7 +9785,7 @@
           <a:srgbClr val="000000"/>
         </a:buClr>
         <a:buFont typeface="Arial"/>
-        <a:defRPr b="0" i="0" sz="1400" u="none" cap="none" strike="noStrike">
+        <a:defRPr sz="1400" b="0" i="0" u="none" strike="noStrike" cap="none">
           <a:solidFill>
             <a:srgbClr val="000000"/>
           </a:solidFill>
@@ -9835,7 +9795,7 @@
           <a:sym typeface="Arial"/>
         </a:defRPr>
       </a:lvl3pPr>
-      <a:lvl4pPr lvl="3" marR="0" rtl="0" algn="l">
+      <a:lvl4pPr marR="0" lvl="3" algn="l" rtl="0">
         <a:lnSpc>
           <a:spcPct val="100000"/>
         </a:lnSpc>
@@ -9849,7 +9809,7 @@
           <a:srgbClr val="000000"/>
         </a:buClr>
         <a:buFont typeface="Arial"/>
-        <a:defRPr b="0" i="0" sz="1400" u="none" cap="none" strike="noStrike">
+        <a:defRPr sz="1400" b="0" i="0" u="none" strike="noStrike" cap="none">
           <a:solidFill>
             <a:srgbClr val="000000"/>
           </a:solidFill>
@@ -9859,7 +9819,7 @@
           <a:sym typeface="Arial"/>
         </a:defRPr>
       </a:lvl4pPr>
-      <a:lvl5pPr lvl="4" marR="0" rtl="0" algn="l">
+      <a:lvl5pPr marR="0" lvl="4" algn="l" rtl="0">
         <a:lnSpc>
           <a:spcPct val="100000"/>
         </a:lnSpc>
@@ -9873,7 +9833,7 @@
           <a:srgbClr val="000000"/>
         </a:buClr>
         <a:buFont typeface="Arial"/>
-        <a:defRPr b="0" i="0" sz="1400" u="none" cap="none" strike="noStrike">
+        <a:defRPr sz="1400" b="0" i="0" u="none" strike="noStrike" cap="none">
           <a:solidFill>
             <a:srgbClr val="000000"/>
           </a:solidFill>
@@ -9883,7 +9843,7 @@
           <a:sym typeface="Arial"/>
         </a:defRPr>
       </a:lvl5pPr>
-      <a:lvl6pPr lvl="5" marR="0" rtl="0" algn="l">
+      <a:lvl6pPr marR="0" lvl="5" algn="l" rtl="0">
         <a:lnSpc>
           <a:spcPct val="100000"/>
         </a:lnSpc>
@@ -9897,7 +9857,7 @@
           <a:srgbClr val="000000"/>
         </a:buClr>
         <a:buFont typeface="Arial"/>
-        <a:defRPr b="0" i="0" sz="1400" u="none" cap="none" strike="noStrike">
+        <a:defRPr sz="1400" b="0" i="0" u="none" strike="noStrike" cap="none">
           <a:solidFill>
             <a:srgbClr val="000000"/>
           </a:solidFill>
@@ -9907,7 +9867,7 @@
           <a:sym typeface="Arial"/>
         </a:defRPr>
       </a:lvl6pPr>
-      <a:lvl7pPr lvl="6" marR="0" rtl="0" algn="l">
+      <a:lvl7pPr marR="0" lvl="6" algn="l" rtl="0">
         <a:lnSpc>
           <a:spcPct val="100000"/>
         </a:lnSpc>
@@ -9921,7 +9881,7 @@
           <a:srgbClr val="000000"/>
         </a:buClr>
         <a:buFont typeface="Arial"/>
-        <a:defRPr b="0" i="0" sz="1400" u="none" cap="none" strike="noStrike">
+        <a:defRPr sz="1400" b="0" i="0" u="none" strike="noStrike" cap="none">
           <a:solidFill>
             <a:srgbClr val="000000"/>
           </a:solidFill>
@@ -9931,7 +9891,7 @@
           <a:sym typeface="Arial"/>
         </a:defRPr>
       </a:lvl7pPr>
-      <a:lvl8pPr lvl="7" marR="0" rtl="0" algn="l">
+      <a:lvl8pPr marR="0" lvl="7" algn="l" rtl="0">
         <a:lnSpc>
           <a:spcPct val="100000"/>
         </a:lnSpc>
@@ -9945,7 +9905,7 @@
           <a:srgbClr val="000000"/>
         </a:buClr>
         <a:buFont typeface="Arial"/>
-        <a:defRPr b="0" i="0" sz="1400" u="none" cap="none" strike="noStrike">
+        <a:defRPr sz="1400" b="0" i="0" u="none" strike="noStrike" cap="none">
           <a:solidFill>
             <a:srgbClr val="000000"/>
           </a:solidFill>
@@ -9955,7 +9915,7 @@
           <a:sym typeface="Arial"/>
         </a:defRPr>
       </a:lvl8pPr>
-      <a:lvl9pPr lvl="8" marR="0" rtl="0" algn="l">
+      <a:lvl9pPr marR="0" lvl="8" algn="l" rtl="0">
         <a:lnSpc>
           <a:spcPct val="100000"/>
         </a:lnSpc>
@@ -9969,7 +9929,7 @@
           <a:srgbClr val="000000"/>
         </a:buClr>
         <a:buFont typeface="Arial"/>
-        <a:defRPr b="0" i="0" sz="1400" u="none" cap="none" strike="noStrike">
+        <a:defRPr sz="1400" b="0" i="0" u="none" strike="noStrike" cap="none">
           <a:solidFill>
             <a:srgbClr val="000000"/>
           </a:solidFill>
@@ -9985,11 +9945,11 @@
 </file>
 
 <file path=ppt/slides/slide1.xml><?xml version="1.0" encoding="utf-8"?>
-<p:sld xmlns:a="http://schemas.openxmlformats.org/drawingml/2006/main" xmlns:r="http://schemas.openxmlformats.org/officeDocument/2006/relationships" xmlns:mc="http://schemas.openxmlformats.org/markup-compatibility/2006" xmlns:mv="urn:schemas-microsoft-com:mac:vml" xmlns:p="http://schemas.openxmlformats.org/presentationml/2006/main" xmlns:c="http://schemas.openxmlformats.org/drawingml/2006/chart" xmlns:dgm="http://schemas.openxmlformats.org/drawingml/2006/diagram" xmlns:o="urn:schemas-microsoft-com:office:office" xmlns:v="urn:schemas-microsoft-com:vml" xmlns:pvml="urn:schemas-microsoft-com:office:powerpoint" xmlns:com="http://schemas.openxmlformats.org/drawingml/2006/compatibility" xmlns:p14="http://schemas.microsoft.com/office/powerpoint/2010/main" xmlns:p15="http://schemas.microsoft.com/office/powerpoint/2012/main" xmlns:ahyp="http://schemas.microsoft.com/office/drawing/2018/hyperlinkcolor">
+<p:sld xmlns:a="http://schemas.openxmlformats.org/drawingml/2006/main" xmlns:r="http://schemas.openxmlformats.org/officeDocument/2006/relationships" xmlns:p="http://schemas.openxmlformats.org/presentationml/2006/main">
   <p:cSld>
     <p:spTree>
       <p:nvGrpSpPr>
-        <p:cNvPr id="133" name="Shape 133"/>
+        <p:cNvPr id="1" name="Shape 133"/>
         <p:cNvGrpSpPr/>
         <p:nvPr/>
       </p:nvGrpSpPr>
@@ -10004,7 +9964,9 @@
       <p:sp>
         <p:nvSpPr>
           <p:cNvPr id="134" name="Google Shape;134;p13"/>
-          <p:cNvSpPr txBox="1"/>
+          <p:cNvSpPr txBox="1">
+            <a:spLocks noGrp="1"/>
+          </p:cNvSpPr>
           <p:nvPr>
             <p:ph type="ctrTitle"/>
           </p:nvPr>
@@ -10019,12 +9981,12 @@
           </a:prstGeom>
         </p:spPr>
         <p:txBody>
-          <a:bodyPr anchorCtr="0" anchor="t" bIns="91425" lIns="91425" spcFirstLastPara="1" rIns="91425" wrap="square" tIns="91425">
+          <a:bodyPr spcFirstLastPara="1" wrap="square" lIns="91425" tIns="91425" rIns="91425" bIns="91425" anchor="t" anchorCtr="0">
             <a:normAutofit/>
           </a:bodyPr>
           <a:lstStyle/>
           <a:p>
-            <a:pPr indent="0" lvl="0" marL="0" rtl="0" algn="l">
+            <a:pPr marL="0" lvl="0" indent="0" algn="l" rtl="0">
               <a:spcBef>
                 <a:spcPts val="0"/>
               </a:spcBef>
@@ -10044,9 +10006,11 @@
       <p:sp>
         <p:nvSpPr>
           <p:cNvPr id="135" name="Google Shape;135;p13"/>
-          <p:cNvSpPr txBox="1"/>
+          <p:cNvSpPr txBox="1">
+            <a:spLocks noGrp="1"/>
+          </p:cNvSpPr>
           <p:nvPr>
-            <p:ph idx="1" type="subTitle"/>
+            <p:ph type="subTitle" idx="1"/>
           </p:nvPr>
         </p:nvSpPr>
         <p:spPr>
@@ -10059,12 +10023,12 @@
           </a:prstGeom>
         </p:spPr>
         <p:txBody>
-          <a:bodyPr anchorCtr="0" anchor="t" bIns="91425" lIns="91425" spcFirstLastPara="1" rIns="91425" wrap="square" tIns="91425">
+          <a:bodyPr spcFirstLastPara="1" wrap="square" lIns="91425" tIns="91425" rIns="91425" bIns="91425" anchor="t" anchorCtr="0">
             <a:normAutofit/>
           </a:bodyPr>
           <a:lstStyle/>
           <a:p>
-            <a:pPr indent="0" lvl="0" marL="0" rtl="0" algn="l">
+            <a:pPr marL="0" lvl="0" indent="0" algn="l" rtl="0">
               <a:spcBef>
                 <a:spcPts val="0"/>
               </a:spcBef>
@@ -10090,11 +10054,11 @@
 </file>
 
 <file path=ppt/slides/slide10.xml><?xml version="1.0" encoding="utf-8"?>
-<p:sld xmlns:a="http://schemas.openxmlformats.org/drawingml/2006/main" xmlns:r="http://schemas.openxmlformats.org/officeDocument/2006/relationships" xmlns:mc="http://schemas.openxmlformats.org/markup-compatibility/2006" xmlns:mv="urn:schemas-microsoft-com:mac:vml" xmlns:p="http://schemas.openxmlformats.org/presentationml/2006/main" xmlns:c="http://schemas.openxmlformats.org/drawingml/2006/chart" xmlns:dgm="http://schemas.openxmlformats.org/drawingml/2006/diagram" xmlns:o="urn:schemas-microsoft-com:office:office" xmlns:v="urn:schemas-microsoft-com:vml" xmlns:pvml="urn:schemas-microsoft-com:office:powerpoint" xmlns:com="http://schemas.openxmlformats.org/drawingml/2006/compatibility" xmlns:p14="http://schemas.microsoft.com/office/powerpoint/2010/main" xmlns:p15="http://schemas.microsoft.com/office/powerpoint/2012/main" xmlns:ahyp="http://schemas.microsoft.com/office/drawing/2018/hyperlinkcolor">
+<p:sld xmlns:a="http://schemas.openxmlformats.org/drawingml/2006/main" xmlns:r="http://schemas.openxmlformats.org/officeDocument/2006/relationships" xmlns:p="http://schemas.openxmlformats.org/presentationml/2006/main">
   <p:cSld>
     <p:spTree>
       <p:nvGrpSpPr>
-        <p:cNvPr id="187" name="Shape 187"/>
+        <p:cNvPr id="1" name="Shape 187"/>
         <p:cNvGrpSpPr/>
         <p:nvPr/>
       </p:nvGrpSpPr>
@@ -10109,7 +10073,9 @@
       <p:sp>
         <p:nvSpPr>
           <p:cNvPr id="188" name="Google Shape;188;p22"/>
-          <p:cNvSpPr txBox="1"/>
+          <p:cNvSpPr txBox="1">
+            <a:spLocks noGrp="1"/>
+          </p:cNvSpPr>
           <p:nvPr>
             <p:ph type="title"/>
           </p:nvPr>
@@ -10124,12 +10090,12 @@
           </a:prstGeom>
         </p:spPr>
         <p:txBody>
-          <a:bodyPr anchorCtr="0" anchor="t" bIns="91425" lIns="91425" spcFirstLastPara="1" rIns="91425" wrap="square" tIns="91425">
+          <a:bodyPr spcFirstLastPara="1" wrap="square" lIns="91425" tIns="91425" rIns="91425" bIns="91425" anchor="t" anchorCtr="0">
             <a:normAutofit/>
           </a:bodyPr>
           <a:lstStyle/>
           <a:p>
-            <a:pPr indent="0" lvl="0" marL="0" rtl="0" algn="l">
+            <a:pPr marL="0" lvl="0" indent="0" algn="l" rtl="0">
               <a:spcBef>
                 <a:spcPts val="0"/>
               </a:spcBef>
@@ -10149,9 +10115,11 @@
       <p:sp>
         <p:nvSpPr>
           <p:cNvPr id="189" name="Google Shape;189;p22"/>
-          <p:cNvSpPr txBox="1"/>
+          <p:cNvSpPr txBox="1">
+            <a:spLocks noGrp="1"/>
+          </p:cNvSpPr>
           <p:nvPr>
-            <p:ph idx="1" type="body"/>
+            <p:ph type="body" idx="1"/>
           </p:nvPr>
         </p:nvSpPr>
         <p:spPr>
@@ -10164,12 +10132,12 @@
           </a:prstGeom>
         </p:spPr>
         <p:txBody>
-          <a:bodyPr anchorCtr="0" anchor="t" bIns="91425" lIns="91425" spcFirstLastPara="1" rIns="91425" wrap="square" tIns="91425">
+          <a:bodyPr spcFirstLastPara="1" wrap="square" lIns="91425" tIns="91425" rIns="91425" bIns="91425" anchor="t" anchorCtr="0">
             <a:normAutofit/>
           </a:bodyPr>
           <a:lstStyle/>
           <a:p>
-            <a:pPr indent="-311150" lvl="0" marL="457200" rtl="0" algn="l">
+            <a:pPr marL="457200" lvl="0" indent="-311150" algn="l" rtl="0">
               <a:spcBef>
                 <a:spcPts val="0"/>
               </a:spcBef>
@@ -10181,11 +10149,7 @@
             </a:pPr>
             <a:r>
               <a:rPr lang="ru"/>
-              <a:t>Request</a:t>
-            </a:r>
-            <a:r>
-              <a:rPr lang="ru"/>
-              <a:t>: </a:t>
+              <a:t>Request: </a:t>
             </a:r>
             <a:r>
               <a:rPr lang="ru" u="sng">
@@ -10199,7 +10163,7 @@
             <a:endParaRPr/>
           </a:p>
           <a:p>
-            <a:pPr indent="0" lvl="0" marL="457200" rtl="0" algn="l">
+            <a:pPr marL="457200" lvl="0" indent="0" algn="l" rtl="0">
               <a:spcBef>
                 <a:spcPts val="1200"/>
               </a:spcBef>
@@ -10247,9 +10211,11 @@
       <p:sp>
         <p:nvSpPr>
           <p:cNvPr id="191" name="Google Shape;191;p22"/>
-          <p:cNvSpPr txBox="1"/>
+          <p:cNvSpPr txBox="1">
+            <a:spLocks noGrp="1"/>
+          </p:cNvSpPr>
           <p:nvPr>
-            <p:ph idx="1" type="body"/>
+            <p:ph type="body" idx="1"/>
           </p:nvPr>
         </p:nvSpPr>
         <p:spPr>
@@ -10262,12 +10228,12 @@
           </a:prstGeom>
         </p:spPr>
         <p:txBody>
-          <a:bodyPr anchorCtr="0" anchor="t" bIns="91425" lIns="91425" spcFirstLastPara="1" rIns="91425" wrap="square" tIns="91425">
+          <a:bodyPr spcFirstLastPara="1" wrap="square" lIns="91425" tIns="91425" rIns="91425" bIns="91425" anchor="t" anchorCtr="0">
             <a:normAutofit/>
           </a:bodyPr>
           <a:lstStyle/>
           <a:p>
-            <a:pPr indent="-311150" lvl="0" marL="457200" rtl="0" algn="l">
+            <a:pPr marL="457200" lvl="0" indent="-311150" algn="l" rtl="0">
               <a:spcBef>
                 <a:spcPts val="0"/>
               </a:spcBef>
@@ -10279,11 +10245,7 @@
             </a:pPr>
             <a:r>
               <a:rPr lang="ru"/>
-              <a:t>Request</a:t>
-            </a:r>
-            <a:r>
-              <a:rPr lang="ru"/>
-              <a:t>: </a:t>
+              <a:t>Request: </a:t>
             </a:r>
             <a:r>
               <a:rPr lang="ru" u="sng">
@@ -10293,7 +10255,7 @@
                 <a:hlinkClick r:id="rId5">
                   <a:extLst>
                     <a:ext uri="{A12FA001-AC4F-418D-AE19-62706E023703}">
-                      <ahyp:hlinkClr val="tx"/>
+                      <ahyp:hlinkClr xmlns:ahyp="http://schemas.microsoft.com/office/drawing/2018/hyperlinkcolor" xmlns:p15="http://schemas.microsoft.com/office/powerpoint/2012/main" xmlns:p14="http://schemas.microsoft.com/office/powerpoint/2010/main" xmlns:com="http://schemas.openxmlformats.org/drawingml/2006/compatibility" xmlns:pvml="urn:schemas-microsoft-com:office:powerpoint" xmlns:v="urn:schemas-microsoft-com:vml" xmlns:o="urn:schemas-microsoft-com:office:office" xmlns:dgm="http://schemas.openxmlformats.org/drawingml/2006/diagram" xmlns:c="http://schemas.openxmlformats.org/drawingml/2006/chart" xmlns:mv="urn:schemas-microsoft-com:mac:vml" xmlns:mc="http://schemas.openxmlformats.org/markup-compatibility/2006" xmlns="" val="tx"/>
                     </a:ext>
                   </a:extLst>
                 </a:hlinkClick>
@@ -10303,7 +10265,7 @@
             <a:endParaRPr/>
           </a:p>
           <a:p>
-            <a:pPr indent="0" lvl="0" marL="457200" rtl="0" algn="l">
+            <a:pPr marL="457200" lvl="0" indent="0" algn="l" rtl="0">
               <a:spcBef>
                 <a:spcPts val="1200"/>
               </a:spcBef>
@@ -10357,11 +10319,11 @@
 </file>
 
 <file path=ppt/slides/slide11.xml><?xml version="1.0" encoding="utf-8"?>
-<p:sld xmlns:a="http://schemas.openxmlformats.org/drawingml/2006/main" xmlns:r="http://schemas.openxmlformats.org/officeDocument/2006/relationships" xmlns:mc="http://schemas.openxmlformats.org/markup-compatibility/2006" xmlns:mv="urn:schemas-microsoft-com:mac:vml" xmlns:p="http://schemas.openxmlformats.org/presentationml/2006/main" xmlns:c="http://schemas.openxmlformats.org/drawingml/2006/chart" xmlns:dgm="http://schemas.openxmlformats.org/drawingml/2006/diagram" xmlns:o="urn:schemas-microsoft-com:office:office" xmlns:v="urn:schemas-microsoft-com:vml" xmlns:pvml="urn:schemas-microsoft-com:office:powerpoint" xmlns:com="http://schemas.openxmlformats.org/drawingml/2006/compatibility" xmlns:p14="http://schemas.microsoft.com/office/powerpoint/2010/main" xmlns:p15="http://schemas.microsoft.com/office/powerpoint/2012/main" xmlns:ahyp="http://schemas.microsoft.com/office/drawing/2018/hyperlinkcolor">
+<p:sld xmlns:a="http://schemas.openxmlformats.org/drawingml/2006/main" xmlns:r="http://schemas.openxmlformats.org/officeDocument/2006/relationships" xmlns:p="http://schemas.openxmlformats.org/presentationml/2006/main">
   <p:cSld>
     <p:spTree>
       <p:nvGrpSpPr>
-        <p:cNvPr id="196" name="Shape 196"/>
+        <p:cNvPr id="1" name="Shape 196"/>
         <p:cNvGrpSpPr/>
         <p:nvPr/>
       </p:nvGrpSpPr>
@@ -10376,7 +10338,9 @@
       <p:sp>
         <p:nvSpPr>
           <p:cNvPr id="197" name="Google Shape;197;p23"/>
-          <p:cNvSpPr txBox="1"/>
+          <p:cNvSpPr txBox="1">
+            <a:spLocks noGrp="1"/>
+          </p:cNvSpPr>
           <p:nvPr>
             <p:ph type="title"/>
           </p:nvPr>
@@ -10391,12 +10355,12 @@
           </a:prstGeom>
         </p:spPr>
         <p:txBody>
-          <a:bodyPr anchorCtr="0" anchor="t" bIns="91425" lIns="91425" spcFirstLastPara="1" rIns="91425" wrap="square" tIns="91425">
+          <a:bodyPr spcFirstLastPara="1" wrap="square" lIns="91425" tIns="91425" rIns="91425" bIns="91425" anchor="t" anchorCtr="0">
             <a:normAutofit/>
           </a:bodyPr>
           <a:lstStyle/>
           <a:p>
-            <a:pPr indent="0" lvl="0" marL="0" rtl="0" algn="l">
+            <a:pPr marL="0" lvl="0" indent="0" algn="l" rtl="0">
               <a:spcBef>
                 <a:spcPts val="0"/>
               </a:spcBef>
@@ -10416,9 +10380,11 @@
       <p:sp>
         <p:nvSpPr>
           <p:cNvPr id="198" name="Google Shape;198;p23"/>
-          <p:cNvSpPr txBox="1"/>
+          <p:cNvSpPr txBox="1">
+            <a:spLocks noGrp="1"/>
+          </p:cNvSpPr>
           <p:nvPr>
-            <p:ph idx="1" type="body"/>
+            <p:ph type="body" idx="1"/>
           </p:nvPr>
         </p:nvSpPr>
         <p:spPr>
@@ -10431,12 +10397,12 @@
           </a:prstGeom>
         </p:spPr>
         <p:txBody>
-          <a:bodyPr anchorCtr="0" anchor="t" bIns="91425" lIns="91425" spcFirstLastPara="1" rIns="91425" wrap="square" tIns="91425">
-            <a:normAutofit/>
+          <a:bodyPr spcFirstLastPara="1" wrap="square" lIns="91425" tIns="91425" rIns="91425" bIns="91425" anchor="t" anchorCtr="0">
+            <a:normAutofit lnSpcReduction="10000"/>
           </a:bodyPr>
           <a:lstStyle/>
           <a:p>
-            <a:pPr indent="0" lvl="0" marL="0" rtl="0" algn="l">
+            <a:pPr marL="0" lvl="0" indent="0" algn="l" rtl="0">
               <a:spcBef>
                 <a:spcPts val="0"/>
               </a:spcBef>
@@ -10452,7 +10418,7 @@
             <a:endParaRPr sz="1500"/>
           </a:p>
           <a:p>
-            <a:pPr indent="0" lvl="0" marL="0" rtl="0" algn="l">
+            <a:pPr marL="0" lvl="0" indent="0" algn="l" rtl="0">
               <a:spcBef>
                 <a:spcPts val="1200"/>
               </a:spcBef>
@@ -10461,13 +10427,10 @@
               </a:spcAft>
               <a:buNone/>
             </a:pPr>
-            <a:r>
-              <a:t/>
-            </a:r>
             <a:endParaRPr sz="1500"/>
           </a:p>
           <a:p>
-            <a:pPr indent="0" lvl="0" marL="0" rtl="0" algn="ctr">
+            <a:pPr marL="0" lvl="0" indent="0" algn="ctr" rtl="0">
               <a:spcBef>
                 <a:spcPts val="1200"/>
               </a:spcBef>
@@ -10477,13 +10440,13 @@
               <a:buNone/>
             </a:pPr>
             <a:r>
-              <a:rPr b="1" lang="ru" sz="2300"/>
+              <a:rPr lang="ru" sz="2300" b="1"/>
               <a:t>Thanks for attention!</a:t>
             </a:r>
-            <a:endParaRPr b="1" sz="2300"/>
+            <a:endParaRPr sz="2300" b="1"/>
           </a:p>
           <a:p>
-            <a:pPr indent="0" lvl="0" marL="0" rtl="0" algn="l">
+            <a:pPr marL="0" lvl="0" indent="0" algn="l" rtl="0">
               <a:spcBef>
                 <a:spcPts val="1200"/>
               </a:spcBef>
@@ -10492,13 +10455,10 @@
               </a:spcAft>
               <a:buNone/>
             </a:pPr>
-            <a:r>
-              <a:t/>
-            </a:r>
             <a:endParaRPr sz="1500"/>
           </a:p>
           <a:p>
-            <a:pPr indent="0" lvl="0" marL="0" rtl="0" algn="l">
+            <a:pPr marL="0" lvl="0" indent="0" algn="l" rtl="0">
               <a:spcBef>
                 <a:spcPts val="1200"/>
               </a:spcBef>
@@ -10507,13 +10467,10 @@
               </a:spcAft>
               <a:buNone/>
             </a:pPr>
-            <a:r>
-              <a:t/>
-            </a:r>
             <a:endParaRPr sz="1500"/>
           </a:p>
           <a:p>
-            <a:pPr indent="0" lvl="0" marL="0" rtl="0" algn="l">
+            <a:pPr marL="0" lvl="0" indent="0" algn="l" rtl="0">
               <a:spcBef>
                 <a:spcPts val="1200"/>
               </a:spcBef>
@@ -10522,13 +10479,10 @@
               </a:spcAft>
               <a:buNone/>
             </a:pPr>
-            <a:r>
-              <a:t/>
-            </a:r>
             <a:endParaRPr sz="1500"/>
           </a:p>
           <a:p>
-            <a:pPr indent="0" lvl="0" marL="0" rtl="0" algn="l">
+            <a:pPr marL="0" lvl="0" indent="0" algn="l" rtl="0">
               <a:spcBef>
                 <a:spcPts val="1200"/>
               </a:spcBef>
@@ -10567,11 +10521,11 @@
 </file>
 
 <file path=ppt/slides/slide2.xml><?xml version="1.0" encoding="utf-8"?>
-<p:sld xmlns:a="http://schemas.openxmlformats.org/drawingml/2006/main" xmlns:r="http://schemas.openxmlformats.org/officeDocument/2006/relationships" xmlns:mc="http://schemas.openxmlformats.org/markup-compatibility/2006" xmlns:mv="urn:schemas-microsoft-com:mac:vml" xmlns:p="http://schemas.openxmlformats.org/presentationml/2006/main" xmlns:c="http://schemas.openxmlformats.org/drawingml/2006/chart" xmlns:dgm="http://schemas.openxmlformats.org/drawingml/2006/diagram" xmlns:o="urn:schemas-microsoft-com:office:office" xmlns:v="urn:schemas-microsoft-com:vml" xmlns:pvml="urn:schemas-microsoft-com:office:powerpoint" xmlns:com="http://schemas.openxmlformats.org/drawingml/2006/compatibility" xmlns:p14="http://schemas.microsoft.com/office/powerpoint/2010/main" xmlns:p15="http://schemas.microsoft.com/office/powerpoint/2012/main" xmlns:ahyp="http://schemas.microsoft.com/office/drawing/2018/hyperlinkcolor">
+<p:sld xmlns:a="http://schemas.openxmlformats.org/drawingml/2006/main" xmlns:r="http://schemas.openxmlformats.org/officeDocument/2006/relationships" xmlns:p="http://schemas.openxmlformats.org/presentationml/2006/main">
   <p:cSld>
     <p:spTree>
       <p:nvGrpSpPr>
-        <p:cNvPr id="139" name="Shape 139"/>
+        <p:cNvPr id="1" name="Shape 139"/>
         <p:cNvGrpSpPr/>
         <p:nvPr/>
       </p:nvGrpSpPr>
@@ -10586,7 +10540,9 @@
       <p:sp>
         <p:nvSpPr>
           <p:cNvPr id="140" name="Google Shape;140;p14"/>
-          <p:cNvSpPr txBox="1"/>
+          <p:cNvSpPr txBox="1">
+            <a:spLocks noGrp="1"/>
+          </p:cNvSpPr>
           <p:nvPr>
             <p:ph type="title"/>
           </p:nvPr>
@@ -10601,12 +10557,12 @@
           </a:prstGeom>
         </p:spPr>
         <p:txBody>
-          <a:bodyPr anchorCtr="0" anchor="t" bIns="91425" lIns="91425" spcFirstLastPara="1" rIns="91425" wrap="square" tIns="91425">
+          <a:bodyPr spcFirstLastPara="1" wrap="square" lIns="91425" tIns="91425" rIns="91425" bIns="91425" anchor="t" anchorCtr="0">
             <a:normAutofit/>
           </a:bodyPr>
           <a:lstStyle/>
           <a:p>
-            <a:pPr indent="0" lvl="0" marL="0" rtl="0" algn="l">
+            <a:pPr marL="0" lvl="0" indent="0" algn="l" rtl="0">
               <a:spcBef>
                 <a:spcPts val="0"/>
               </a:spcBef>
@@ -10626,9 +10582,11 @@
       <p:sp>
         <p:nvSpPr>
           <p:cNvPr id="141" name="Google Shape;141;p14"/>
-          <p:cNvSpPr txBox="1"/>
+          <p:cNvSpPr txBox="1">
+            <a:spLocks noGrp="1"/>
+          </p:cNvSpPr>
           <p:nvPr>
-            <p:ph idx="1" type="body"/>
+            <p:ph type="body" idx="1"/>
           </p:nvPr>
         </p:nvSpPr>
         <p:spPr>
@@ -10641,12 +10599,12 @@
           </a:prstGeom>
         </p:spPr>
         <p:txBody>
-          <a:bodyPr anchorCtr="0" anchor="t" bIns="91425" lIns="91425" spcFirstLastPara="1" rIns="91425" wrap="square" tIns="91425">
+          <a:bodyPr spcFirstLastPara="1" wrap="square" lIns="91425" tIns="91425" rIns="91425" bIns="91425" anchor="t" anchorCtr="0">
             <a:normAutofit/>
           </a:bodyPr>
           <a:lstStyle/>
           <a:p>
-            <a:pPr indent="0" lvl="0" marL="0" rtl="0" algn="just">
+            <a:pPr marL="0" lvl="0" indent="0" algn="just" rtl="0">
               <a:spcBef>
                 <a:spcPts val="0"/>
               </a:spcBef>
@@ -10662,7 +10620,7 @@
             <a:endParaRPr sz="1500"/>
           </a:p>
           <a:p>
-            <a:pPr indent="0" lvl="0" marL="0" rtl="0" algn="just">
+            <a:pPr marL="0" lvl="0" indent="0" algn="just" rtl="0">
               <a:spcBef>
                 <a:spcPts val="1200"/>
               </a:spcBef>
@@ -10678,7 +10636,7 @@
             <a:endParaRPr sz="1500"/>
           </a:p>
           <a:p>
-            <a:pPr indent="-323850" lvl="0" marL="457200" rtl="0" algn="just">
+            <a:pPr marL="457200" lvl="0" indent="-323850" algn="just" rtl="0">
               <a:spcBef>
                 <a:spcPts val="1200"/>
               </a:spcBef>
@@ -10695,7 +10653,7 @@
             <a:endParaRPr sz="1500"/>
           </a:p>
           <a:p>
-            <a:pPr indent="-323850" lvl="0" marL="457200" rtl="0" algn="just">
+            <a:pPr marL="457200" lvl="0" indent="-323850" algn="just" rtl="0">
               <a:spcBef>
                 <a:spcPts val="0"/>
               </a:spcBef>
@@ -10722,11 +10680,11 @@
 </file>
 
 <file path=ppt/slides/slide3.xml><?xml version="1.0" encoding="utf-8"?>
-<p:sld xmlns:a="http://schemas.openxmlformats.org/drawingml/2006/main" xmlns:r="http://schemas.openxmlformats.org/officeDocument/2006/relationships" xmlns:mc="http://schemas.openxmlformats.org/markup-compatibility/2006" xmlns:mv="urn:schemas-microsoft-com:mac:vml" xmlns:p="http://schemas.openxmlformats.org/presentationml/2006/main" xmlns:c="http://schemas.openxmlformats.org/drawingml/2006/chart" xmlns:dgm="http://schemas.openxmlformats.org/drawingml/2006/diagram" xmlns:o="urn:schemas-microsoft-com:office:office" xmlns:v="urn:schemas-microsoft-com:vml" xmlns:pvml="urn:schemas-microsoft-com:office:powerpoint" xmlns:com="http://schemas.openxmlformats.org/drawingml/2006/compatibility" xmlns:p14="http://schemas.microsoft.com/office/powerpoint/2010/main" xmlns:p15="http://schemas.microsoft.com/office/powerpoint/2012/main" xmlns:ahyp="http://schemas.microsoft.com/office/drawing/2018/hyperlinkcolor">
+<p:sld xmlns:a="http://schemas.openxmlformats.org/drawingml/2006/main" xmlns:r="http://schemas.openxmlformats.org/officeDocument/2006/relationships" xmlns:p="http://schemas.openxmlformats.org/presentationml/2006/main">
   <p:cSld>
     <p:spTree>
       <p:nvGrpSpPr>
-        <p:cNvPr id="145" name="Shape 145"/>
+        <p:cNvPr id="1" name="Shape 145"/>
         <p:cNvGrpSpPr/>
         <p:nvPr/>
       </p:nvGrpSpPr>
@@ -10741,7 +10699,9 @@
       <p:sp>
         <p:nvSpPr>
           <p:cNvPr id="146" name="Google Shape;146;p15"/>
-          <p:cNvSpPr txBox="1"/>
+          <p:cNvSpPr txBox="1">
+            <a:spLocks noGrp="1"/>
+          </p:cNvSpPr>
           <p:nvPr>
             <p:ph type="title"/>
           </p:nvPr>
@@ -10756,12 +10716,12 @@
           </a:prstGeom>
         </p:spPr>
         <p:txBody>
-          <a:bodyPr anchorCtr="0" anchor="t" bIns="91425" lIns="91425" spcFirstLastPara="1" rIns="91425" wrap="square" tIns="91425">
+          <a:bodyPr spcFirstLastPara="1" wrap="square" lIns="91425" tIns="91425" rIns="91425" bIns="91425" anchor="t" anchorCtr="0">
             <a:normAutofit fontScale="90000"/>
           </a:bodyPr>
           <a:lstStyle/>
           <a:p>
-            <a:pPr indent="0" lvl="0" marL="0" rtl="0" algn="l">
+            <a:pPr marL="0" lvl="0" indent="0" algn="l" rtl="0">
               <a:spcBef>
                 <a:spcPts val="0"/>
               </a:spcBef>
@@ -10815,11 +10775,11 @@
 </file>
 
 <file path=ppt/slides/slide4.xml><?xml version="1.0" encoding="utf-8"?>
-<p:sld xmlns:a="http://schemas.openxmlformats.org/drawingml/2006/main" xmlns:r="http://schemas.openxmlformats.org/officeDocument/2006/relationships" xmlns:mc="http://schemas.openxmlformats.org/markup-compatibility/2006" xmlns:mv="urn:schemas-microsoft-com:mac:vml" xmlns:p="http://schemas.openxmlformats.org/presentationml/2006/main" xmlns:c="http://schemas.openxmlformats.org/drawingml/2006/chart" xmlns:dgm="http://schemas.openxmlformats.org/drawingml/2006/diagram" xmlns:o="urn:schemas-microsoft-com:office:office" xmlns:v="urn:schemas-microsoft-com:vml" xmlns:pvml="urn:schemas-microsoft-com:office:powerpoint" xmlns:com="http://schemas.openxmlformats.org/drawingml/2006/compatibility" xmlns:p14="http://schemas.microsoft.com/office/powerpoint/2010/main" xmlns:p15="http://schemas.microsoft.com/office/powerpoint/2012/main" xmlns:ahyp="http://schemas.microsoft.com/office/drawing/2018/hyperlinkcolor">
+<p:sld xmlns:a="http://schemas.openxmlformats.org/drawingml/2006/main" xmlns:r="http://schemas.openxmlformats.org/officeDocument/2006/relationships" xmlns:p="http://schemas.openxmlformats.org/presentationml/2006/main">
   <p:cSld>
     <p:spTree>
       <p:nvGrpSpPr>
-        <p:cNvPr id="151" name="Shape 151"/>
+        <p:cNvPr id="1" name="Shape 151"/>
         <p:cNvGrpSpPr/>
         <p:nvPr/>
       </p:nvGrpSpPr>
@@ -10834,7 +10794,9 @@
       <p:sp>
         <p:nvSpPr>
           <p:cNvPr id="152" name="Google Shape;152;p16"/>
-          <p:cNvSpPr txBox="1"/>
+          <p:cNvSpPr txBox="1">
+            <a:spLocks noGrp="1"/>
+          </p:cNvSpPr>
           <p:nvPr>
             <p:ph type="title"/>
           </p:nvPr>
@@ -10849,12 +10811,12 @@
           </a:prstGeom>
         </p:spPr>
         <p:txBody>
-          <a:bodyPr anchorCtr="0" anchor="t" bIns="91425" lIns="91425" spcFirstLastPara="1" rIns="91425" wrap="square" tIns="91425">
+          <a:bodyPr spcFirstLastPara="1" wrap="square" lIns="91425" tIns="91425" rIns="91425" bIns="91425" anchor="t" anchorCtr="0">
             <a:normAutofit/>
           </a:bodyPr>
           <a:lstStyle/>
           <a:p>
-            <a:pPr indent="0" lvl="0" marL="0" rtl="0" algn="l">
+            <a:pPr marL="0" lvl="0" indent="0" algn="l" rtl="0">
               <a:spcBef>
                 <a:spcPts val="0"/>
               </a:spcBef>
@@ -10874,9 +10836,11 @@
       <p:sp>
         <p:nvSpPr>
           <p:cNvPr id="153" name="Google Shape;153;p16"/>
-          <p:cNvSpPr txBox="1"/>
+          <p:cNvSpPr txBox="1">
+            <a:spLocks noGrp="1"/>
+          </p:cNvSpPr>
           <p:nvPr>
-            <p:ph idx="1" type="body"/>
+            <p:ph type="body" idx="1"/>
           </p:nvPr>
         </p:nvSpPr>
         <p:spPr>
@@ -10889,12 +10853,12 @@
           </a:prstGeom>
         </p:spPr>
         <p:txBody>
-          <a:bodyPr anchorCtr="0" anchor="t" bIns="91425" lIns="91425" spcFirstLastPara="1" rIns="91425" wrap="square" tIns="91425">
+          <a:bodyPr spcFirstLastPara="1" wrap="square" lIns="91425" tIns="91425" rIns="91425" bIns="91425" anchor="t" anchorCtr="0">
             <a:normAutofit/>
           </a:bodyPr>
           <a:lstStyle/>
           <a:p>
-            <a:pPr indent="0" lvl="0" marL="0" rtl="0" algn="just">
+            <a:pPr marL="0" lvl="0" indent="0" algn="just" rtl="0">
               <a:spcBef>
                 <a:spcPts val="0"/>
               </a:spcBef>
@@ -10910,7 +10874,7 @@
             <a:endParaRPr sz="1500"/>
           </a:p>
           <a:p>
-            <a:pPr indent="0" lvl="0" marL="0" rtl="0" algn="just">
+            <a:pPr marL="0" lvl="0" indent="0" algn="just" rtl="0">
               <a:spcBef>
                 <a:spcPts val="1200"/>
               </a:spcBef>
@@ -10926,7 +10890,7 @@
             <a:endParaRPr sz="1500"/>
           </a:p>
           <a:p>
-            <a:pPr indent="0" lvl="0" marL="0" rtl="0" algn="just">
+            <a:pPr marL="0" lvl="0" indent="0" algn="just" rtl="0">
               <a:spcBef>
                 <a:spcPts val="1200"/>
               </a:spcBef>
@@ -10942,7 +10906,7 @@
             <a:endParaRPr sz="1500"/>
           </a:p>
           <a:p>
-            <a:pPr indent="0" lvl="0" marL="0" rtl="0" algn="just">
+            <a:pPr marL="0" lvl="0" indent="0" algn="just" rtl="0">
               <a:spcBef>
                 <a:spcPts val="1200"/>
               </a:spcBef>
@@ -10958,7 +10922,7 @@
             <a:endParaRPr sz="1500"/>
           </a:p>
           <a:p>
-            <a:pPr indent="0" lvl="0" marL="0" rtl="0" algn="just">
+            <a:pPr marL="0" lvl="0" indent="0" algn="just" rtl="0">
               <a:spcBef>
                 <a:spcPts val="1200"/>
               </a:spcBef>
@@ -10984,11 +10948,11 @@
 </file>
 
 <file path=ppt/slides/slide5.xml><?xml version="1.0" encoding="utf-8"?>
-<p:sld xmlns:a="http://schemas.openxmlformats.org/drawingml/2006/main" xmlns:r="http://schemas.openxmlformats.org/officeDocument/2006/relationships" xmlns:mc="http://schemas.openxmlformats.org/markup-compatibility/2006" xmlns:mv="urn:schemas-microsoft-com:mac:vml" xmlns:p="http://schemas.openxmlformats.org/presentationml/2006/main" xmlns:c="http://schemas.openxmlformats.org/drawingml/2006/chart" xmlns:dgm="http://schemas.openxmlformats.org/drawingml/2006/diagram" xmlns:o="urn:schemas-microsoft-com:office:office" xmlns:v="urn:schemas-microsoft-com:vml" xmlns:pvml="urn:schemas-microsoft-com:office:powerpoint" xmlns:com="http://schemas.openxmlformats.org/drawingml/2006/compatibility" xmlns:p14="http://schemas.microsoft.com/office/powerpoint/2010/main" xmlns:p15="http://schemas.microsoft.com/office/powerpoint/2012/main" xmlns:ahyp="http://schemas.microsoft.com/office/drawing/2018/hyperlinkcolor">
+<p:sld xmlns:a="http://schemas.openxmlformats.org/drawingml/2006/main" xmlns:r="http://schemas.openxmlformats.org/officeDocument/2006/relationships" xmlns:p="http://schemas.openxmlformats.org/presentationml/2006/main">
   <p:cSld>
     <p:spTree>
       <p:nvGrpSpPr>
-        <p:cNvPr id="157" name="Shape 157"/>
+        <p:cNvPr id="1" name="Shape 157"/>
         <p:cNvGrpSpPr/>
         <p:nvPr/>
       </p:nvGrpSpPr>
@@ -11003,7 +10967,9 @@
       <p:sp>
         <p:nvSpPr>
           <p:cNvPr id="158" name="Google Shape;158;p17"/>
-          <p:cNvSpPr txBox="1"/>
+          <p:cNvSpPr txBox="1">
+            <a:spLocks noGrp="1"/>
+          </p:cNvSpPr>
           <p:nvPr>
             <p:ph type="title"/>
           </p:nvPr>
@@ -11018,12 +10984,12 @@
           </a:prstGeom>
         </p:spPr>
         <p:txBody>
-          <a:bodyPr anchorCtr="0" anchor="t" bIns="91425" lIns="91425" spcFirstLastPara="1" rIns="91425" wrap="square" tIns="91425">
+          <a:bodyPr spcFirstLastPara="1" wrap="square" lIns="91425" tIns="91425" rIns="91425" bIns="91425" anchor="t" anchorCtr="0">
             <a:normAutofit/>
           </a:bodyPr>
           <a:lstStyle/>
           <a:p>
-            <a:pPr indent="0" lvl="0" marL="0" rtl="0" algn="l">
+            <a:pPr marL="0" lvl="0" indent="0" algn="l" rtl="0">
               <a:spcBef>
                 <a:spcPts val="0"/>
               </a:spcBef>
@@ -11043,9 +11009,11 @@
       <p:sp>
         <p:nvSpPr>
           <p:cNvPr id="159" name="Google Shape;159;p17"/>
-          <p:cNvSpPr txBox="1"/>
+          <p:cNvSpPr txBox="1">
+            <a:spLocks noGrp="1"/>
+          </p:cNvSpPr>
           <p:nvPr>
-            <p:ph idx="1" type="body"/>
+            <p:ph type="body" idx="1"/>
           </p:nvPr>
         </p:nvSpPr>
         <p:spPr>
@@ -11058,12 +11026,12 @@
           </a:prstGeom>
         </p:spPr>
         <p:txBody>
-          <a:bodyPr anchorCtr="0" anchor="t" bIns="91425" lIns="91425" spcFirstLastPara="1" rIns="91425" wrap="square" tIns="91425">
+          <a:bodyPr spcFirstLastPara="1" wrap="square" lIns="91425" tIns="91425" rIns="91425" bIns="91425" anchor="t" anchorCtr="0">
             <a:normAutofit/>
           </a:bodyPr>
           <a:lstStyle/>
           <a:p>
-            <a:pPr indent="0" lvl="0" marL="0" rtl="0" algn="l">
+            <a:pPr marL="0" lvl="0" indent="0" algn="l" rtl="0">
               <a:spcBef>
                 <a:spcPts val="0"/>
               </a:spcBef>
@@ -11079,7 +11047,7 @@
             <a:endParaRPr sz="1500"/>
           </a:p>
           <a:p>
-            <a:pPr indent="-323850" lvl="0" marL="457200" rtl="0" algn="l">
+            <a:pPr marL="457200" lvl="0" indent="-323850" algn="l" rtl="0">
               <a:spcBef>
                 <a:spcPts val="1200"/>
               </a:spcBef>
@@ -11096,7 +11064,7 @@
             <a:endParaRPr sz="1500"/>
           </a:p>
           <a:p>
-            <a:pPr indent="-323850" lvl="0" marL="457200" rtl="0" algn="l">
+            <a:pPr marL="457200" lvl="0" indent="-323850" algn="l" rtl="0">
               <a:spcBef>
                 <a:spcPts val="0"/>
               </a:spcBef>
@@ -11113,7 +11081,7 @@
             <a:endParaRPr sz="1500"/>
           </a:p>
           <a:p>
-            <a:pPr indent="-323850" lvl="0" marL="457200" rtl="0" algn="l">
+            <a:pPr marL="457200" lvl="0" indent="-323850" algn="l" rtl="0">
               <a:spcBef>
                 <a:spcPts val="0"/>
               </a:spcBef>
@@ -11130,7 +11098,7 @@
             <a:endParaRPr sz="1500"/>
           </a:p>
           <a:p>
-            <a:pPr indent="0" lvl="0" marL="0" rtl="0" algn="l">
+            <a:pPr marL="0" lvl="0" indent="0" algn="l" rtl="0">
               <a:spcBef>
                 <a:spcPts val="1200"/>
               </a:spcBef>
@@ -11139,9 +11107,6 @@
               </a:spcAft>
               <a:buNone/>
             </a:pPr>
-            <a:r>
-              <a:t/>
-            </a:r>
             <a:endParaRPr sz="1500"/>
           </a:p>
         </p:txBody>
@@ -11155,11 +11120,11 @@
 </file>
 
 <file path=ppt/slides/slide6.xml><?xml version="1.0" encoding="utf-8"?>
-<p:sld xmlns:a="http://schemas.openxmlformats.org/drawingml/2006/main" xmlns:r="http://schemas.openxmlformats.org/officeDocument/2006/relationships" xmlns:mc="http://schemas.openxmlformats.org/markup-compatibility/2006" xmlns:mv="urn:schemas-microsoft-com:mac:vml" xmlns:p="http://schemas.openxmlformats.org/presentationml/2006/main" xmlns:c="http://schemas.openxmlformats.org/drawingml/2006/chart" xmlns:dgm="http://schemas.openxmlformats.org/drawingml/2006/diagram" xmlns:o="urn:schemas-microsoft-com:office:office" xmlns:v="urn:schemas-microsoft-com:vml" xmlns:pvml="urn:schemas-microsoft-com:office:powerpoint" xmlns:com="http://schemas.openxmlformats.org/drawingml/2006/compatibility" xmlns:p14="http://schemas.microsoft.com/office/powerpoint/2010/main" xmlns:p15="http://schemas.microsoft.com/office/powerpoint/2012/main" xmlns:ahyp="http://schemas.microsoft.com/office/drawing/2018/hyperlinkcolor">
+<p:sld xmlns:a="http://schemas.openxmlformats.org/drawingml/2006/main" xmlns:r="http://schemas.openxmlformats.org/officeDocument/2006/relationships" xmlns:p="http://schemas.openxmlformats.org/presentationml/2006/main">
   <p:cSld>
     <p:spTree>
       <p:nvGrpSpPr>
-        <p:cNvPr id="163" name="Shape 163"/>
+        <p:cNvPr id="1" name="Shape 163"/>
         <p:cNvGrpSpPr/>
         <p:nvPr/>
       </p:nvGrpSpPr>
@@ -11174,7 +11139,9 @@
       <p:sp>
         <p:nvSpPr>
           <p:cNvPr id="164" name="Google Shape;164;p18"/>
-          <p:cNvSpPr txBox="1"/>
+          <p:cNvSpPr txBox="1">
+            <a:spLocks noGrp="1"/>
+          </p:cNvSpPr>
           <p:nvPr>
             <p:ph type="title"/>
           </p:nvPr>
@@ -11189,12 +11156,12 @@
           </a:prstGeom>
         </p:spPr>
         <p:txBody>
-          <a:bodyPr anchorCtr="0" anchor="t" bIns="91425" lIns="91425" spcFirstLastPara="1" rIns="91425" wrap="square" tIns="91425">
+          <a:bodyPr spcFirstLastPara="1" wrap="square" lIns="91425" tIns="91425" rIns="91425" bIns="91425" anchor="t" anchorCtr="0">
             <a:normAutofit/>
           </a:bodyPr>
           <a:lstStyle/>
           <a:p>
-            <a:pPr indent="0" lvl="0" marL="0" rtl="0" algn="l">
+            <a:pPr marL="0" lvl="0" indent="0" algn="l" rtl="0">
               <a:spcBef>
                 <a:spcPts val="0"/>
               </a:spcBef>
@@ -11214,9 +11181,11 @@
       <p:sp>
         <p:nvSpPr>
           <p:cNvPr id="165" name="Google Shape;165;p18"/>
-          <p:cNvSpPr txBox="1"/>
+          <p:cNvSpPr txBox="1">
+            <a:spLocks noGrp="1"/>
+          </p:cNvSpPr>
           <p:nvPr>
-            <p:ph idx="1" type="body"/>
+            <p:ph type="body" idx="1"/>
           </p:nvPr>
         </p:nvSpPr>
         <p:spPr>
@@ -11229,12 +11198,12 @@
           </a:prstGeom>
         </p:spPr>
         <p:txBody>
-          <a:bodyPr anchorCtr="0" anchor="t" bIns="91425" lIns="91425" spcFirstLastPara="1" rIns="91425" wrap="square" tIns="91425">
+          <a:bodyPr spcFirstLastPara="1" wrap="square" lIns="91425" tIns="91425" rIns="91425" bIns="91425" anchor="t" anchorCtr="0">
             <a:normAutofit/>
           </a:bodyPr>
           <a:lstStyle/>
           <a:p>
-            <a:pPr indent="0" lvl="0" marL="0" rtl="0" algn="just">
+            <a:pPr marL="0" lvl="0" indent="0" algn="just" rtl="0">
               <a:spcBef>
                 <a:spcPts val="0"/>
               </a:spcBef>
@@ -11244,10 +11213,49 @@
               <a:buNone/>
             </a:pPr>
             <a:r>
-              <a:rPr lang="ru" sz="1500"/>
-              <a:t>To submit solution you need to be signed in system. You can register or sign in into existing account and submit solutions to problems. System will automatically test your solution and report verdict, max used time and max used memory. As mentioned above, one of the pluses of testing system is that it is well optimized - it fastly tests solution and reports verdict, even if your computer's processor is slow. Also, administrators can add new problems.</a:t>
+              <a:rPr lang="ru" sz="1500" dirty="0"/>
+              <a:t>To submit solution you need to be signed in system. You can register or sign in into existing account and submit solutions to problems. System will automatically test your solution and report verdict, max used time and max used memory. As mentioned above, one of the pluses of testing system is that it is well optimized - it fastly tests solution and reports verdict, even if your computer's processor is slow</a:t>
             </a:r>
-            <a:endParaRPr sz="1500"/>
+            <a:r>
+              <a:rPr lang="ru" sz="1500" dirty="0" smtClean="0"/>
+              <a:t>.</a:t>
+            </a:r>
+          </a:p>
+          <a:p>
+            <a:pPr marL="0" lvl="0" indent="0" algn="just" rtl="0">
+              <a:spcBef>
+                <a:spcPts val="0"/>
+              </a:spcBef>
+              <a:spcAft>
+                <a:spcPts val="1200"/>
+              </a:spcAft>
+              <a:buNone/>
+            </a:pPr>
+            <a:r>
+              <a:rPr lang="en-US" sz="1500" dirty="0" smtClean="0"/>
+              <a:t>Also, each problem has an editorial and solution in C++ language.</a:t>
+            </a:r>
+            <a:endParaRPr lang="ru" sz="1500" dirty="0"/>
+          </a:p>
+          <a:p>
+            <a:pPr marL="0" lvl="0" indent="0" algn="just" rtl="0">
+              <a:spcBef>
+                <a:spcPts val="0"/>
+              </a:spcBef>
+              <a:spcAft>
+                <a:spcPts val="1200"/>
+              </a:spcAft>
+              <a:buNone/>
+            </a:pPr>
+            <a:r>
+              <a:rPr lang="ru" sz="1500" dirty="0" smtClean="0"/>
+              <a:t>Also</a:t>
+            </a:r>
+            <a:r>
+              <a:rPr lang="ru" sz="1500" dirty="0"/>
+              <a:t>, administrators can add new problems.</a:t>
+            </a:r>
+            <a:endParaRPr sz="1500" dirty="0"/>
           </a:p>
         </p:txBody>
       </p:sp>
@@ -11260,11 +11268,11 @@
 </file>
 
 <file path=ppt/slides/slide7.xml><?xml version="1.0" encoding="utf-8"?>
-<p:sld xmlns:a="http://schemas.openxmlformats.org/drawingml/2006/main" xmlns:r="http://schemas.openxmlformats.org/officeDocument/2006/relationships" xmlns:mc="http://schemas.openxmlformats.org/markup-compatibility/2006" xmlns:mv="urn:schemas-microsoft-com:mac:vml" xmlns:p="http://schemas.openxmlformats.org/presentationml/2006/main" xmlns:c="http://schemas.openxmlformats.org/drawingml/2006/chart" xmlns:dgm="http://schemas.openxmlformats.org/drawingml/2006/diagram" xmlns:o="urn:schemas-microsoft-com:office:office" xmlns:v="urn:schemas-microsoft-com:vml" xmlns:pvml="urn:schemas-microsoft-com:office:powerpoint" xmlns:com="http://schemas.openxmlformats.org/drawingml/2006/compatibility" xmlns:p14="http://schemas.microsoft.com/office/powerpoint/2010/main" xmlns:p15="http://schemas.microsoft.com/office/powerpoint/2012/main" xmlns:ahyp="http://schemas.microsoft.com/office/drawing/2018/hyperlinkcolor">
+<p:sld xmlns:a="http://schemas.openxmlformats.org/drawingml/2006/main" xmlns:r="http://schemas.openxmlformats.org/officeDocument/2006/relationships" xmlns:p="http://schemas.openxmlformats.org/presentationml/2006/main">
   <p:cSld>
     <p:spTree>
       <p:nvGrpSpPr>
-        <p:cNvPr id="169" name="Shape 169"/>
+        <p:cNvPr id="1" name="Shape 169"/>
         <p:cNvGrpSpPr/>
         <p:nvPr/>
       </p:nvGrpSpPr>
@@ -11279,7 +11287,9 @@
       <p:sp>
         <p:nvSpPr>
           <p:cNvPr id="170" name="Google Shape;170;p19"/>
-          <p:cNvSpPr txBox="1"/>
+          <p:cNvSpPr txBox="1">
+            <a:spLocks noGrp="1"/>
+          </p:cNvSpPr>
           <p:nvPr>
             <p:ph type="title"/>
           </p:nvPr>
@@ -11294,12 +11304,12 @@
           </a:prstGeom>
         </p:spPr>
         <p:txBody>
-          <a:bodyPr anchorCtr="0" anchor="t" bIns="91425" lIns="91425" spcFirstLastPara="1" rIns="91425" wrap="square" tIns="91425">
+          <a:bodyPr spcFirstLastPara="1" wrap="square" lIns="91425" tIns="91425" rIns="91425" bIns="91425" anchor="t" anchorCtr="0">
             <a:normAutofit/>
           </a:bodyPr>
           <a:lstStyle/>
           <a:p>
-            <a:pPr indent="0" lvl="0" marL="0" rtl="0" algn="l">
+            <a:pPr marL="0" lvl="0" indent="0" algn="l" rtl="0">
               <a:spcBef>
                 <a:spcPts val="0"/>
               </a:spcBef>
@@ -11310,11 +11320,7 @@
             </a:pPr>
             <a:r>
               <a:rPr lang="ru"/>
-              <a:t>C</a:t>
-            </a:r>
-            <a:r>
-              <a:rPr lang="ru"/>
-              <a:t>apabilities. Job search</a:t>
+              <a:t>Capabilities. Job search</a:t>
             </a:r>
             <a:endParaRPr/>
           </a:p>
@@ -11323,9 +11329,11 @@
       <p:sp>
         <p:nvSpPr>
           <p:cNvPr id="171" name="Google Shape;171;p19"/>
-          <p:cNvSpPr txBox="1"/>
+          <p:cNvSpPr txBox="1">
+            <a:spLocks noGrp="1"/>
+          </p:cNvSpPr>
           <p:nvPr>
-            <p:ph idx="1" type="body"/>
+            <p:ph type="body" idx="1"/>
           </p:nvPr>
         </p:nvSpPr>
         <p:spPr>
@@ -11338,12 +11346,12 @@
           </a:prstGeom>
         </p:spPr>
         <p:txBody>
-          <a:bodyPr anchorCtr="0" anchor="t" bIns="91425" lIns="91425" spcFirstLastPara="1" rIns="91425" wrap="square" tIns="91425">
+          <a:bodyPr spcFirstLastPara="1" wrap="square" lIns="91425" tIns="91425" rIns="91425" bIns="91425" anchor="t" anchorCtr="0">
             <a:normAutofit/>
           </a:bodyPr>
           <a:lstStyle/>
           <a:p>
-            <a:pPr indent="0" lvl="0" marL="0" rtl="0" algn="just">
+            <a:pPr marL="0" lvl="0" indent="0" algn="just" rtl="0">
               <a:spcBef>
                 <a:spcPts val="0"/>
               </a:spcBef>
@@ -11359,7 +11367,7 @@
             <a:endParaRPr sz="1500"/>
           </a:p>
           <a:p>
-            <a:pPr indent="-323850" lvl="0" marL="457200" rtl="0" algn="just">
+            <a:pPr marL="457200" lvl="0" indent="-323850" algn="just" rtl="0">
               <a:spcBef>
                 <a:spcPts val="1200"/>
               </a:spcBef>
@@ -11376,7 +11384,7 @@
             <a:endParaRPr sz="1500"/>
           </a:p>
           <a:p>
-            <a:pPr indent="-323850" lvl="0" marL="457200" rtl="0" algn="just">
+            <a:pPr marL="457200" lvl="0" indent="-323850" algn="just" rtl="0">
               <a:spcBef>
                 <a:spcPts val="0"/>
               </a:spcBef>
@@ -11403,11 +11411,11 @@
 </file>
 
 <file path=ppt/slides/slide8.xml><?xml version="1.0" encoding="utf-8"?>
-<p:sld xmlns:a="http://schemas.openxmlformats.org/drawingml/2006/main" xmlns:r="http://schemas.openxmlformats.org/officeDocument/2006/relationships" xmlns:mc="http://schemas.openxmlformats.org/markup-compatibility/2006" xmlns:mv="urn:schemas-microsoft-com:mac:vml" xmlns:p="http://schemas.openxmlformats.org/presentationml/2006/main" xmlns:c="http://schemas.openxmlformats.org/drawingml/2006/chart" xmlns:dgm="http://schemas.openxmlformats.org/drawingml/2006/diagram" xmlns:o="urn:schemas-microsoft-com:office:office" xmlns:v="urn:schemas-microsoft-com:vml" xmlns:pvml="urn:schemas-microsoft-com:office:powerpoint" xmlns:com="http://schemas.openxmlformats.org/drawingml/2006/compatibility" xmlns:p14="http://schemas.microsoft.com/office/powerpoint/2010/main" xmlns:p15="http://schemas.microsoft.com/office/powerpoint/2012/main" xmlns:ahyp="http://schemas.microsoft.com/office/drawing/2018/hyperlinkcolor">
+<p:sld xmlns:a="http://schemas.openxmlformats.org/drawingml/2006/main" xmlns:r="http://schemas.openxmlformats.org/officeDocument/2006/relationships" xmlns:p="http://schemas.openxmlformats.org/presentationml/2006/main">
   <p:cSld>
     <p:spTree>
       <p:nvGrpSpPr>
-        <p:cNvPr id="175" name="Shape 175"/>
+        <p:cNvPr id="1" name="Shape 175"/>
         <p:cNvGrpSpPr/>
         <p:nvPr/>
       </p:nvGrpSpPr>
@@ -11422,7 +11430,9 @@
       <p:sp>
         <p:nvSpPr>
           <p:cNvPr id="176" name="Google Shape;176;p20"/>
-          <p:cNvSpPr txBox="1"/>
+          <p:cNvSpPr txBox="1">
+            <a:spLocks noGrp="1"/>
+          </p:cNvSpPr>
           <p:nvPr>
             <p:ph type="title"/>
           </p:nvPr>
@@ -11437,12 +11447,12 @@
           </a:prstGeom>
         </p:spPr>
         <p:txBody>
-          <a:bodyPr anchorCtr="0" anchor="t" bIns="91425" lIns="91425" spcFirstLastPara="1" rIns="91425" wrap="square" tIns="91425">
+          <a:bodyPr spcFirstLastPara="1" wrap="square" lIns="91425" tIns="91425" rIns="91425" bIns="91425" anchor="t" anchorCtr="0">
             <a:normAutofit/>
           </a:bodyPr>
           <a:lstStyle/>
           <a:p>
-            <a:pPr indent="0" lvl="0" marL="0" rtl="0" algn="l">
+            <a:pPr marL="0" lvl="0" indent="0" algn="l" rtl="0">
               <a:spcBef>
                 <a:spcPts val="0"/>
               </a:spcBef>
@@ -11453,11 +11463,7 @@
             </a:pPr>
             <a:r>
               <a:rPr lang="ru"/>
-              <a:t>C</a:t>
-            </a:r>
-            <a:r>
-              <a:rPr lang="ru"/>
-              <a:t>apabilities. Profile</a:t>
+              <a:t>Capabilities. Profile</a:t>
             </a:r>
             <a:endParaRPr/>
           </a:p>
@@ -11466,9 +11472,11 @@
       <p:sp>
         <p:nvSpPr>
           <p:cNvPr id="177" name="Google Shape;177;p20"/>
-          <p:cNvSpPr txBox="1"/>
+          <p:cNvSpPr txBox="1">
+            <a:spLocks noGrp="1"/>
+          </p:cNvSpPr>
           <p:nvPr>
-            <p:ph idx="1" type="body"/>
+            <p:ph type="body" idx="1"/>
           </p:nvPr>
         </p:nvSpPr>
         <p:spPr>
@@ -11481,12 +11489,12 @@
           </a:prstGeom>
         </p:spPr>
         <p:txBody>
-          <a:bodyPr anchorCtr="0" anchor="t" bIns="91425" lIns="91425" spcFirstLastPara="1" rIns="91425" wrap="square" tIns="91425">
+          <a:bodyPr spcFirstLastPara="1" wrap="square" lIns="91425" tIns="91425" rIns="91425" bIns="91425" anchor="t" anchorCtr="0">
             <a:normAutofit/>
           </a:bodyPr>
           <a:lstStyle/>
           <a:p>
-            <a:pPr indent="0" lvl="0" marL="0" rtl="0" algn="l">
+            <a:pPr marL="0" lvl="0" indent="0" algn="l" rtl="0">
               <a:spcBef>
                 <a:spcPts val="0"/>
               </a:spcBef>
@@ -11502,7 +11510,7 @@
             <a:endParaRPr sz="1500"/>
           </a:p>
           <a:p>
-            <a:pPr indent="0" lvl="0" marL="0" rtl="0" algn="l">
+            <a:pPr marL="0" lvl="0" indent="0" algn="l" rtl="0">
               <a:spcBef>
                 <a:spcPts val="1200"/>
               </a:spcBef>
@@ -11518,7 +11526,7 @@
             <a:endParaRPr sz="1500"/>
           </a:p>
           <a:p>
-            <a:pPr indent="0" lvl="0" marL="0" rtl="0" algn="l">
+            <a:pPr marL="0" lvl="0" indent="0" algn="l" rtl="0">
               <a:spcBef>
                 <a:spcPts val="1200"/>
               </a:spcBef>
@@ -11544,11 +11552,11 @@
 </file>
 
 <file path=ppt/slides/slide9.xml><?xml version="1.0" encoding="utf-8"?>
-<p:sld xmlns:a="http://schemas.openxmlformats.org/drawingml/2006/main" xmlns:r="http://schemas.openxmlformats.org/officeDocument/2006/relationships" xmlns:mc="http://schemas.openxmlformats.org/markup-compatibility/2006" xmlns:mv="urn:schemas-microsoft-com:mac:vml" xmlns:p="http://schemas.openxmlformats.org/presentationml/2006/main" xmlns:c="http://schemas.openxmlformats.org/drawingml/2006/chart" xmlns:dgm="http://schemas.openxmlformats.org/drawingml/2006/diagram" xmlns:o="urn:schemas-microsoft-com:office:office" xmlns:v="urn:schemas-microsoft-com:vml" xmlns:pvml="urn:schemas-microsoft-com:office:powerpoint" xmlns:com="http://schemas.openxmlformats.org/drawingml/2006/compatibility" xmlns:p14="http://schemas.microsoft.com/office/powerpoint/2010/main" xmlns:p15="http://schemas.microsoft.com/office/powerpoint/2012/main" xmlns:ahyp="http://schemas.microsoft.com/office/drawing/2018/hyperlinkcolor">
+<p:sld xmlns:a="http://schemas.openxmlformats.org/drawingml/2006/main" xmlns:r="http://schemas.openxmlformats.org/officeDocument/2006/relationships" xmlns:p="http://schemas.openxmlformats.org/presentationml/2006/main">
   <p:cSld>
     <p:spTree>
       <p:nvGrpSpPr>
-        <p:cNvPr id="181" name="Shape 181"/>
+        <p:cNvPr id="1" name="Shape 181"/>
         <p:cNvGrpSpPr/>
         <p:nvPr/>
       </p:nvGrpSpPr>
@@ -11563,7 +11571,9 @@
       <p:sp>
         <p:nvSpPr>
           <p:cNvPr id="182" name="Google Shape;182;p21"/>
-          <p:cNvSpPr txBox="1"/>
+          <p:cNvSpPr txBox="1">
+            <a:spLocks noGrp="1"/>
+          </p:cNvSpPr>
           <p:nvPr>
             <p:ph type="title"/>
           </p:nvPr>
@@ -11578,12 +11588,12 @@
           </a:prstGeom>
         </p:spPr>
         <p:txBody>
-          <a:bodyPr anchorCtr="0" anchor="t" bIns="91425" lIns="91425" spcFirstLastPara="1" rIns="91425" wrap="square" tIns="91425">
+          <a:bodyPr spcFirstLastPara="1" wrap="square" lIns="91425" tIns="91425" rIns="91425" bIns="91425" anchor="t" anchorCtr="0">
             <a:normAutofit/>
           </a:bodyPr>
           <a:lstStyle/>
           <a:p>
-            <a:pPr indent="0" lvl="0" marL="0" rtl="0" algn="l">
+            <a:pPr marL="0" lvl="0" indent="0" algn="l" rtl="0">
               <a:spcBef>
                 <a:spcPts val="0"/>
               </a:spcBef>
@@ -11603,9 +11613,11 @@
       <p:sp>
         <p:nvSpPr>
           <p:cNvPr id="183" name="Google Shape;183;p21"/>
-          <p:cNvSpPr txBox="1"/>
+          <p:cNvSpPr txBox="1">
+            <a:spLocks noGrp="1"/>
+          </p:cNvSpPr>
           <p:nvPr>
-            <p:ph idx="1" type="body"/>
+            <p:ph type="body" idx="1"/>
           </p:nvPr>
         </p:nvSpPr>
         <p:spPr>
@@ -11618,12 +11630,12 @@
           </a:prstGeom>
         </p:spPr>
         <p:txBody>
-          <a:bodyPr anchorCtr="0" anchor="t" bIns="91425" lIns="91425" spcFirstLastPara="1" rIns="91425" wrap="square" tIns="91425">
+          <a:bodyPr spcFirstLastPara="1" wrap="square" lIns="91425" tIns="91425" rIns="91425" bIns="91425" anchor="t" anchorCtr="0">
             <a:normAutofit/>
           </a:bodyPr>
           <a:lstStyle/>
           <a:p>
-            <a:pPr indent="0" lvl="0" marL="0" rtl="0" algn="l">
+            <a:pPr marL="0" lvl="0" indent="0" algn="l" rtl="0">
               <a:spcBef>
                 <a:spcPts val="0"/>
               </a:spcBef>
@@ -11639,7 +11651,7 @@
             <a:endParaRPr sz="1500"/>
           </a:p>
           <a:p>
-            <a:pPr indent="-323850" lvl="0" marL="457200" rtl="0" algn="l">
+            <a:pPr marL="457200" lvl="0" indent="-323850" algn="l" rtl="0">
               <a:spcBef>
                 <a:spcPts val="1200"/>
               </a:spcBef>
@@ -11656,7 +11668,7 @@
             <a:endParaRPr sz="1500"/>
           </a:p>
           <a:p>
-            <a:pPr indent="-323850" lvl="0" marL="457200" rtl="0" algn="l">
+            <a:pPr marL="457200" lvl="0" indent="-323850" algn="l" rtl="0">
               <a:spcBef>
                 <a:spcPts val="0"/>
               </a:spcBef>
@@ -11673,7 +11685,7 @@
             <a:endParaRPr sz="1500"/>
           </a:p>
           <a:p>
-            <a:pPr indent="-323850" lvl="0" marL="457200" rtl="0" algn="l">
+            <a:pPr marL="457200" lvl="0" indent="-323850" algn="l" rtl="0">
               <a:spcBef>
                 <a:spcPts val="0"/>
               </a:spcBef>
@@ -11690,7 +11702,7 @@
             <a:endParaRPr sz="1500"/>
           </a:p>
           <a:p>
-            <a:pPr indent="-323850" lvl="0" marL="457200" rtl="0" algn="l">
+            <a:pPr marL="457200" lvl="0" indent="-323850" algn="l" rtl="0">
               <a:spcBef>
                 <a:spcPts val="0"/>
               </a:spcBef>
@@ -11707,7 +11719,7 @@
             <a:endParaRPr sz="1500"/>
           </a:p>
           <a:p>
-            <a:pPr indent="0" lvl="0" marL="0" rtl="0" algn="l">
+            <a:pPr marL="0" lvl="0" indent="0" algn="l" rtl="0">
               <a:spcBef>
                 <a:spcPts val="1200"/>
               </a:spcBef>
@@ -11742,7 +11754,7 @@
 </file>
 
 <file path=ppt/theme/theme1.xml><?xml version="1.0" encoding="utf-8"?>
-<a:theme xmlns:a="http://schemas.openxmlformats.org/drawingml/2006/main" xmlns:r="http://schemas.openxmlformats.org/officeDocument/2006/relationships" name="Focus">
+<a:theme xmlns:a="http://schemas.openxmlformats.org/drawingml/2006/main" name="Focus">
   <a:themeElements>
     <a:clrScheme name="Focus">
       <a:dk1>
@@ -12017,11 +12029,13 @@
       </a:bgFillStyleLst>
     </a:fmtScheme>
   </a:themeElements>
+  <a:objectDefaults/>
+  <a:extraClrSchemeLst/>
 </a:theme>
 </file>
 
 <file path=ppt/theme/theme2.xml><?xml version="1.0" encoding="utf-8"?>
-<a:theme xmlns:a="http://schemas.openxmlformats.org/drawingml/2006/main" xmlns:r="http://schemas.openxmlformats.org/officeDocument/2006/relationships">
+<a:theme xmlns:a="http://schemas.openxmlformats.org/drawingml/2006/main">
   <a:themeElements>
     <a:clrScheme name="Default">
       <a:dk1>
@@ -12296,5 +12310,7 @@
       </a:bgFillStyleLst>
     </a:fmtScheme>
   </a:themeElements>
+  <a:objectDefaults/>
+  <a:extraClrSchemeLst/>
 </a:theme>
 </file>
--- a/presentation_en.pptx
+++ b/presentation_en.pptx
@@ -1,45 +1,45 @@
 
 <file path=ppt/presentation.xml><?xml version="1.0" encoding="utf-8"?>
-<p:presentation xmlns:a="http://schemas.openxmlformats.org/drawingml/2006/main" xmlns:r="http://schemas.openxmlformats.org/officeDocument/2006/relationships" xmlns:p="http://schemas.openxmlformats.org/presentationml/2006/main" strictFirstAndLastChars="0" embedTrueTypeFonts="1" saveSubsetFonts="1" autoCompressPictures="0">
+<p:presentation xmlns:a="http://schemas.openxmlformats.org/drawingml/2006/main" xmlns:r="http://schemas.openxmlformats.org/officeDocument/2006/relationships" xmlns:mc="http://schemas.openxmlformats.org/markup-compatibility/2006" xmlns:mv="urn:schemas-microsoft-com:mac:vml" xmlns:p="http://schemas.openxmlformats.org/presentationml/2006/main" xmlns:c="http://schemas.openxmlformats.org/drawingml/2006/chart" xmlns:dgm="http://schemas.openxmlformats.org/drawingml/2006/diagram" xmlns:o="urn:schemas-microsoft-com:office:office" xmlns:v="urn:schemas-microsoft-com:vml" xmlns:pvml="urn:schemas-microsoft-com:office:powerpoint" xmlns:com="http://schemas.openxmlformats.org/drawingml/2006/compatibility" xmlns:p14="http://schemas.microsoft.com/office/powerpoint/2010/main" xmlns:p15="http://schemas.microsoft.com/office/powerpoint/2012/main" xmlns:ahyp="http://schemas.microsoft.com/office/drawing/2018/hyperlinkcolor" autoCompressPictures="0" embedTrueTypeFonts="1" strictFirstAndLastChars="0" saveSubsetFonts="1">
   <p:sldMasterIdLst>
-    <p:sldMasterId id="2147483659" r:id="rId1"/>
+    <p:sldMasterId id="2147483659" r:id="rId4"/>
   </p:sldMasterIdLst>
   <p:notesMasterIdLst>
-    <p:notesMasterId r:id="rId13"/>
+    <p:notesMasterId r:id="rId5"/>
   </p:notesMasterIdLst>
   <p:sldIdLst>
-    <p:sldId id="256" r:id="rId2"/>
-    <p:sldId id="257" r:id="rId3"/>
-    <p:sldId id="258" r:id="rId4"/>
-    <p:sldId id="259" r:id="rId5"/>
-    <p:sldId id="260" r:id="rId6"/>
-    <p:sldId id="261" r:id="rId7"/>
-    <p:sldId id="262" r:id="rId8"/>
-    <p:sldId id="263" r:id="rId9"/>
-    <p:sldId id="264" r:id="rId10"/>
-    <p:sldId id="265" r:id="rId11"/>
-    <p:sldId id="266" r:id="rId12"/>
+    <p:sldId id="256" r:id="rId6"/>
+    <p:sldId id="257" r:id="rId7"/>
+    <p:sldId id="258" r:id="rId8"/>
+    <p:sldId id="259" r:id="rId9"/>
+    <p:sldId id="260" r:id="rId10"/>
+    <p:sldId id="261" r:id="rId11"/>
+    <p:sldId id="262" r:id="rId12"/>
+    <p:sldId id="263" r:id="rId13"/>
+    <p:sldId id="264" r:id="rId14"/>
+    <p:sldId id="265" r:id="rId15"/>
+    <p:sldId id="266" r:id="rId16"/>
   </p:sldIdLst>
-  <p:sldSz cx="9144000" cy="5143500" type="screen16x9"/>
+  <p:sldSz cy="5143500" cx="9144000"/>
   <p:notesSz cx="6858000" cy="9144000"/>
   <p:embeddedFontLst>
     <p:embeddedFont>
-      <p:font typeface="Lato" panose="020B0604020202020204" charset="0"/>
-      <p:regular r:id="rId14"/>
-      <p:bold r:id="rId15"/>
-      <p:italic r:id="rId16"/>
-      <p:boldItalic r:id="rId17"/>
+      <p:font typeface="Montserrat"/>
+      <p:regular r:id="rId17"/>
+      <p:bold r:id="rId18"/>
+      <p:italic r:id="rId19"/>
+      <p:boldItalic r:id="rId20"/>
     </p:embeddedFont>
     <p:embeddedFont>
-      <p:font typeface="Montserrat" panose="020B0604020202020204" charset="-52"/>
-      <p:regular r:id="rId18"/>
-      <p:bold r:id="rId19"/>
-      <p:italic r:id="rId20"/>
-      <p:boldItalic r:id="rId21"/>
+      <p:font typeface="Lato"/>
+      <p:regular r:id="rId21"/>
+      <p:bold r:id="rId22"/>
+      <p:italic r:id="rId23"/>
+      <p:boldItalic r:id="rId24"/>
     </p:embeddedFont>
   </p:embeddedFontLst>
   <p:defaultTextStyle>
-    <a:defPPr marR="0" lvl="0" algn="l" rtl="0">
+    <a:defPPr lvl="0" marR="0" rtl="0" algn="l">
       <a:lnSpc>
         <a:spcPct val="100000"/>
       </a:lnSpc>
@@ -50,7 +50,7 @@
         <a:spcPts val="0"/>
       </a:spcAft>
     </a:defPPr>
-    <a:lvl1pPr marR="0" lvl="0" algn="l" rtl="0">
+    <a:lvl1pPr lvl="0" marR="0" rtl="0" algn="l">
       <a:lnSpc>
         <a:spcPct val="100000"/>
       </a:lnSpc>
@@ -64,7 +64,7 @@
         <a:srgbClr val="000000"/>
       </a:buClr>
       <a:buFont typeface="Arial"/>
-      <a:defRPr sz="1400" b="0" i="0" u="none" strike="noStrike" cap="none">
+      <a:defRPr b="0" i="0" sz="1400" u="none" cap="none" strike="noStrike">
         <a:solidFill>
           <a:srgbClr val="000000"/>
         </a:solidFill>
@@ -74,7 +74,7 @@
         <a:sym typeface="Arial"/>
       </a:defRPr>
     </a:lvl1pPr>
-    <a:lvl2pPr marR="0" lvl="1" algn="l" rtl="0">
+    <a:lvl2pPr lvl="1" marR="0" rtl="0" algn="l">
       <a:lnSpc>
         <a:spcPct val="100000"/>
       </a:lnSpc>
@@ -88,7 +88,7 @@
         <a:srgbClr val="000000"/>
       </a:buClr>
       <a:buFont typeface="Arial"/>
-      <a:defRPr sz="1400" b="0" i="0" u="none" strike="noStrike" cap="none">
+      <a:defRPr b="0" i="0" sz="1400" u="none" cap="none" strike="noStrike">
         <a:solidFill>
           <a:srgbClr val="000000"/>
         </a:solidFill>
@@ -98,7 +98,7 @@
         <a:sym typeface="Arial"/>
       </a:defRPr>
     </a:lvl2pPr>
-    <a:lvl3pPr marR="0" lvl="2" algn="l" rtl="0">
+    <a:lvl3pPr lvl="2" marR="0" rtl="0" algn="l">
       <a:lnSpc>
         <a:spcPct val="100000"/>
       </a:lnSpc>
@@ -112,7 +112,7 @@
         <a:srgbClr val="000000"/>
       </a:buClr>
       <a:buFont typeface="Arial"/>
-      <a:defRPr sz="1400" b="0" i="0" u="none" strike="noStrike" cap="none">
+      <a:defRPr b="0" i="0" sz="1400" u="none" cap="none" strike="noStrike">
         <a:solidFill>
           <a:srgbClr val="000000"/>
         </a:solidFill>
@@ -122,7 +122,7 @@
         <a:sym typeface="Arial"/>
       </a:defRPr>
     </a:lvl3pPr>
-    <a:lvl4pPr marR="0" lvl="3" algn="l" rtl="0">
+    <a:lvl4pPr lvl="3" marR="0" rtl="0" algn="l">
       <a:lnSpc>
         <a:spcPct val="100000"/>
       </a:lnSpc>
@@ -136,7 +136,7 @@
         <a:srgbClr val="000000"/>
       </a:buClr>
       <a:buFont typeface="Arial"/>
-      <a:defRPr sz="1400" b="0" i="0" u="none" strike="noStrike" cap="none">
+      <a:defRPr b="0" i="0" sz="1400" u="none" cap="none" strike="noStrike">
         <a:solidFill>
           <a:srgbClr val="000000"/>
         </a:solidFill>
@@ -146,7 +146,7 @@
         <a:sym typeface="Arial"/>
       </a:defRPr>
     </a:lvl4pPr>
-    <a:lvl5pPr marR="0" lvl="4" algn="l" rtl="0">
+    <a:lvl5pPr lvl="4" marR="0" rtl="0" algn="l">
       <a:lnSpc>
         <a:spcPct val="100000"/>
       </a:lnSpc>
@@ -160,7 +160,7 @@
         <a:srgbClr val="000000"/>
       </a:buClr>
       <a:buFont typeface="Arial"/>
-      <a:defRPr sz="1400" b="0" i="0" u="none" strike="noStrike" cap="none">
+      <a:defRPr b="0" i="0" sz="1400" u="none" cap="none" strike="noStrike">
         <a:solidFill>
           <a:srgbClr val="000000"/>
         </a:solidFill>
@@ -170,7 +170,7 @@
         <a:sym typeface="Arial"/>
       </a:defRPr>
     </a:lvl5pPr>
-    <a:lvl6pPr marR="0" lvl="5" algn="l" rtl="0">
+    <a:lvl6pPr lvl="5" marR="0" rtl="0" algn="l">
       <a:lnSpc>
         <a:spcPct val="100000"/>
       </a:lnSpc>
@@ -184,7 +184,7 @@
         <a:srgbClr val="000000"/>
       </a:buClr>
       <a:buFont typeface="Arial"/>
-      <a:defRPr sz="1400" b="0" i="0" u="none" strike="noStrike" cap="none">
+      <a:defRPr b="0" i="0" sz="1400" u="none" cap="none" strike="noStrike">
         <a:solidFill>
           <a:srgbClr val="000000"/>
         </a:solidFill>
@@ -194,7 +194,7 @@
         <a:sym typeface="Arial"/>
       </a:defRPr>
     </a:lvl6pPr>
-    <a:lvl7pPr marR="0" lvl="6" algn="l" rtl="0">
+    <a:lvl7pPr lvl="6" marR="0" rtl="0" algn="l">
       <a:lnSpc>
         <a:spcPct val="100000"/>
       </a:lnSpc>
@@ -208,7 +208,7 @@
         <a:srgbClr val="000000"/>
       </a:buClr>
       <a:buFont typeface="Arial"/>
-      <a:defRPr sz="1400" b="0" i="0" u="none" strike="noStrike" cap="none">
+      <a:defRPr b="0" i="0" sz="1400" u="none" cap="none" strike="noStrike">
         <a:solidFill>
           <a:srgbClr val="000000"/>
         </a:solidFill>
@@ -218,7 +218,7 @@
         <a:sym typeface="Arial"/>
       </a:defRPr>
     </a:lvl7pPr>
-    <a:lvl8pPr marR="0" lvl="7" algn="l" rtl="0">
+    <a:lvl8pPr lvl="7" marR="0" rtl="0" algn="l">
       <a:lnSpc>
         <a:spcPct val="100000"/>
       </a:lnSpc>
@@ -232,7 +232,7 @@
         <a:srgbClr val="000000"/>
       </a:buClr>
       <a:buFont typeface="Arial"/>
-      <a:defRPr sz="1400" b="0" i="0" u="none" strike="noStrike" cap="none">
+      <a:defRPr b="0" i="0" sz="1400" u="none" cap="none" strike="noStrike">
         <a:solidFill>
           <a:srgbClr val="000000"/>
         </a:solidFill>
@@ -242,7 +242,7 @@
         <a:sym typeface="Arial"/>
       </a:defRPr>
     </a:lvl8pPr>
-    <a:lvl9pPr marR="0" lvl="8" algn="l" rtl="0">
+    <a:lvl9pPr lvl="8" marR="0" rtl="0" algn="l">
       <a:lnSpc>
         <a:spcPct val="100000"/>
       </a:lnSpc>
@@ -256,7 +256,7 @@
         <a:srgbClr val="000000"/>
       </a:buClr>
       <a:buFont typeface="Arial"/>
-      <a:defRPr sz="1400" b="0" i="0" u="none" strike="noStrike" cap="none">
+      <a:defRPr b="0" i="0" sz="1400" u="none" cap="none" strike="noStrike">
         <a:solidFill>
           <a:srgbClr val="000000"/>
         </a:solidFill>
@@ -269,7 +269,7 @@
   </p:defaultTextStyle>
   <p:extLst>
     <p:ext uri="{EFAFB233-063F-42B5-8137-9DF3F51BA10A}">
-      <p15:sldGuideLst xmlns:p15="http://schemas.microsoft.com/office/powerpoint/2012/main">
+      <p15:sldGuideLst>
         <p15:guide id="1" orient="horz" pos="1620">
           <p15:clr>
             <a:srgbClr val="A4A3A4"/>
@@ -287,16 +287,11 @@
 </file>
 
 <file path=ppt/notesMasters/notesMaster1.xml><?xml version="1.0" encoding="utf-8"?>
-<p:notesMaster xmlns:a="http://schemas.openxmlformats.org/drawingml/2006/main" xmlns:r="http://schemas.openxmlformats.org/officeDocument/2006/relationships" xmlns:p="http://schemas.openxmlformats.org/presentationml/2006/main">
+<p:notesMaster xmlns:a="http://schemas.openxmlformats.org/drawingml/2006/main" xmlns:r="http://schemas.openxmlformats.org/officeDocument/2006/relationships" xmlns:mc="http://schemas.openxmlformats.org/markup-compatibility/2006" xmlns:mv="urn:schemas-microsoft-com:mac:vml" xmlns:p="http://schemas.openxmlformats.org/presentationml/2006/main" xmlns:c="http://schemas.openxmlformats.org/drawingml/2006/chart" xmlns:dgm="http://schemas.openxmlformats.org/drawingml/2006/diagram" xmlns:o="urn:schemas-microsoft-com:office:office" xmlns:v="urn:schemas-microsoft-com:vml" xmlns:pvml="urn:schemas-microsoft-com:office:powerpoint" xmlns:com="http://schemas.openxmlformats.org/drawingml/2006/compatibility" xmlns:p14="http://schemas.microsoft.com/office/powerpoint/2010/main" xmlns:p15="http://schemas.microsoft.com/office/powerpoint/2012/main" xmlns:ahyp="http://schemas.microsoft.com/office/drawing/2018/hyperlinkcolor">
   <p:cSld>
-    <p:bg>
-      <p:bgRef idx="1001">
-        <a:schemeClr val="bg1"/>
-      </p:bgRef>
-    </p:bg>
     <p:spTree>
       <p:nvGrpSpPr>
-        <p:cNvPr id="1" name="Shape 2"/>
+        <p:cNvPr id="2" name="Shape 2"/>
         <p:cNvGrpSpPr/>
         <p:nvPr/>
       </p:nvGrpSpPr>
@@ -311,11 +306,9 @@
       <p:sp>
         <p:nvSpPr>
           <p:cNvPr id="3" name="Google Shape;3;n"/>
-          <p:cNvSpPr>
-            <a:spLocks noGrp="1" noRot="1" noChangeAspect="1"/>
-          </p:cNvSpPr>
+          <p:cNvSpPr/>
           <p:nvPr>
-            <p:ph type="sldImg" idx="2"/>
+            <p:ph idx="2" type="sldImg"/>
           </p:nvPr>
         </p:nvSpPr>
         <p:spPr>
@@ -324,13 +317,9 @@
             <a:ext cx="6096075" cy="3429000"/>
           </a:xfrm>
           <a:custGeom>
-            <a:avLst/>
-            <a:gdLst/>
-            <a:ahLst/>
-            <a:cxnLst/>
-            <a:rect l="l" t="t" r="r" b="b"/>
+            <a:rect b="b" l="l" r="r" t="t"/>
             <a:pathLst>
-              <a:path w="120000" h="120000" extrusionOk="0">
+              <a:path extrusionOk="0" h="120000" w="120000">
                 <a:moveTo>
                   <a:pt x="0" y="0"/>
                 </a:moveTo>
@@ -348,25 +337,23 @@
             </a:pathLst>
           </a:custGeom>
           <a:noFill/>
-          <a:ln w="9525" cap="flat" cmpd="sng">
+          <a:ln cap="flat" cmpd="sng" w="9525">
             <a:solidFill>
               <a:srgbClr val="000000"/>
             </a:solidFill>
             <a:prstDash val="solid"/>
             <a:round/>
-            <a:headEnd type="none" w="sm" len="sm"/>
-            <a:tailEnd type="none" w="sm" len="sm"/>
+            <a:headEnd len="sm" w="sm" type="none"/>
+            <a:tailEnd len="sm" w="sm" type="none"/>
           </a:ln>
         </p:spPr>
       </p:sp>
       <p:sp>
         <p:nvSpPr>
           <p:cNvPr id="4" name="Google Shape;4;n"/>
-          <p:cNvSpPr txBox="1">
-            <a:spLocks noGrp="1"/>
-          </p:cNvSpPr>
+          <p:cNvSpPr txBox="1"/>
           <p:nvPr>
-            <p:ph type="body" idx="1"/>
+            <p:ph idx="1" type="body"/>
           </p:nvPr>
         </p:nvSpPr>
         <p:spPr>
@@ -383,11 +370,11 @@
           </a:ln>
         </p:spPr>
         <p:txBody>
-          <a:bodyPr spcFirstLastPara="1" wrap="square" lIns="91425" tIns="91425" rIns="91425" bIns="91425" anchor="t" anchorCtr="0">
+          <a:bodyPr anchorCtr="0" anchor="t" bIns="91425" lIns="91425" spcFirstLastPara="1" rIns="91425" wrap="square" tIns="91425">
             <a:noAutofit/>
           </a:bodyPr>
           <a:lstStyle>
-            <a:lvl1pPr marL="457200" lvl="0" indent="-298450">
+            <a:lvl1pPr indent="-298450" lvl="0" marL="457200">
               <a:spcBef>
                 <a:spcPts val="0"/>
               </a:spcBef>
@@ -398,7 +385,7 @@
               <a:buChar char="●"/>
               <a:defRPr sz="1100"/>
             </a:lvl1pPr>
-            <a:lvl2pPr marL="914400" lvl="1" indent="-298450">
+            <a:lvl2pPr indent="-298450" lvl="1" marL="914400">
               <a:spcBef>
                 <a:spcPts val="0"/>
               </a:spcBef>
@@ -409,7 +396,7 @@
               <a:buChar char="○"/>
               <a:defRPr sz="1100"/>
             </a:lvl2pPr>
-            <a:lvl3pPr marL="1371600" lvl="2" indent="-298450">
+            <a:lvl3pPr indent="-298450" lvl="2" marL="1371600">
               <a:spcBef>
                 <a:spcPts val="0"/>
               </a:spcBef>
@@ -420,7 +407,7 @@
               <a:buChar char="■"/>
               <a:defRPr sz="1100"/>
             </a:lvl3pPr>
-            <a:lvl4pPr marL="1828800" lvl="3" indent="-298450">
+            <a:lvl4pPr indent="-298450" lvl="3" marL="1828800">
               <a:spcBef>
                 <a:spcPts val="0"/>
               </a:spcBef>
@@ -431,7 +418,7 @@
               <a:buChar char="●"/>
               <a:defRPr sz="1100"/>
             </a:lvl4pPr>
-            <a:lvl5pPr marL="2286000" lvl="4" indent="-298450">
+            <a:lvl5pPr indent="-298450" lvl="4" marL="2286000">
               <a:spcBef>
                 <a:spcPts val="0"/>
               </a:spcBef>
@@ -442,7 +429,7 @@
               <a:buChar char="○"/>
               <a:defRPr sz="1100"/>
             </a:lvl5pPr>
-            <a:lvl6pPr marL="2743200" lvl="5" indent="-298450">
+            <a:lvl6pPr indent="-298450" lvl="5" marL="2743200">
               <a:spcBef>
                 <a:spcPts val="0"/>
               </a:spcBef>
@@ -453,7 +440,7 @@
               <a:buChar char="■"/>
               <a:defRPr sz="1100"/>
             </a:lvl6pPr>
-            <a:lvl7pPr marL="3200400" lvl="6" indent="-298450">
+            <a:lvl7pPr indent="-298450" lvl="6" marL="3200400">
               <a:spcBef>
                 <a:spcPts val="0"/>
               </a:spcBef>
@@ -464,7 +451,7 @@
               <a:buChar char="●"/>
               <a:defRPr sz="1100"/>
             </a:lvl7pPr>
-            <a:lvl8pPr marL="3657600" lvl="7" indent="-298450">
+            <a:lvl8pPr indent="-298450" lvl="7" marL="3657600">
               <a:spcBef>
                 <a:spcPts val="0"/>
               </a:spcBef>
@@ -475,7 +462,7 @@
               <a:buChar char="○"/>
               <a:defRPr sz="1100"/>
             </a:lvl8pPr>
-            <a:lvl9pPr marL="4114800" lvl="8" indent="-298450">
+            <a:lvl9pPr indent="-298450" lvl="8" marL="4114800">
               <a:spcBef>
                 <a:spcPts val="0"/>
               </a:spcBef>
@@ -487,16 +474,14 @@
               <a:defRPr sz="1100"/>
             </a:lvl9pPr>
           </a:lstStyle>
-          <a:p>
-            <a:endParaRPr/>
-          </a:p>
+          <a:p/>
         </p:txBody>
       </p:sp>
     </p:spTree>
   </p:cSld>
-  <p:clrMap bg1="lt1" tx1="dk1" bg2="dk2" tx2="lt2" accent1="accent1" accent2="accent2" accent3="accent3" accent4="accent4" accent5="accent5" accent6="accent6" hlink="hlink" folHlink="folHlink"/>
+  <p:clrMap accent1="accent1" accent2="accent2" accent3="accent3" accent4="accent4" accent5="accent5" accent6="accent6" bg1="lt1" bg2="dk2" tx1="dk1" tx2="lt2" folHlink="folHlink" hlink="hlink"/>
   <p:notesStyle>
-    <a:defPPr marR="0" lvl="0" algn="l" rtl="0">
+    <a:defPPr lvl="0" marR="0" rtl="0" algn="l">
       <a:lnSpc>
         <a:spcPct val="100000"/>
       </a:lnSpc>
@@ -507,7 +492,7 @@
         <a:spcPts val="0"/>
       </a:spcAft>
     </a:defPPr>
-    <a:lvl1pPr marR="0" lvl="0" algn="l" rtl="0">
+    <a:lvl1pPr lvl="0" marR="0" rtl="0" algn="l">
       <a:lnSpc>
         <a:spcPct val="100000"/>
       </a:lnSpc>
@@ -521,7 +506,7 @@
         <a:srgbClr val="000000"/>
       </a:buClr>
       <a:buFont typeface="Arial"/>
-      <a:defRPr sz="1400" b="0" i="0" u="none" strike="noStrike" cap="none">
+      <a:defRPr b="0" i="0" sz="1400" u="none" cap="none" strike="noStrike">
         <a:solidFill>
           <a:srgbClr val="000000"/>
         </a:solidFill>
@@ -531,7 +516,7 @@
         <a:sym typeface="Arial"/>
       </a:defRPr>
     </a:lvl1pPr>
-    <a:lvl2pPr marR="0" lvl="1" algn="l" rtl="0">
+    <a:lvl2pPr lvl="1" marR="0" rtl="0" algn="l">
       <a:lnSpc>
         <a:spcPct val="100000"/>
       </a:lnSpc>
@@ -545,7 +530,7 @@
         <a:srgbClr val="000000"/>
       </a:buClr>
       <a:buFont typeface="Arial"/>
-      <a:defRPr sz="1400" b="0" i="0" u="none" strike="noStrike" cap="none">
+      <a:defRPr b="0" i="0" sz="1400" u="none" cap="none" strike="noStrike">
         <a:solidFill>
           <a:srgbClr val="000000"/>
         </a:solidFill>
@@ -555,7 +540,7 @@
         <a:sym typeface="Arial"/>
       </a:defRPr>
     </a:lvl2pPr>
-    <a:lvl3pPr marR="0" lvl="2" algn="l" rtl="0">
+    <a:lvl3pPr lvl="2" marR="0" rtl="0" algn="l">
       <a:lnSpc>
         <a:spcPct val="100000"/>
       </a:lnSpc>
@@ -569,7 +554,7 @@
         <a:srgbClr val="000000"/>
       </a:buClr>
       <a:buFont typeface="Arial"/>
-      <a:defRPr sz="1400" b="0" i="0" u="none" strike="noStrike" cap="none">
+      <a:defRPr b="0" i="0" sz="1400" u="none" cap="none" strike="noStrike">
         <a:solidFill>
           <a:srgbClr val="000000"/>
         </a:solidFill>
@@ -579,7 +564,7 @@
         <a:sym typeface="Arial"/>
       </a:defRPr>
     </a:lvl3pPr>
-    <a:lvl4pPr marR="0" lvl="3" algn="l" rtl="0">
+    <a:lvl4pPr lvl="3" marR="0" rtl="0" algn="l">
       <a:lnSpc>
         <a:spcPct val="100000"/>
       </a:lnSpc>
@@ -593,7 +578,7 @@
         <a:srgbClr val="000000"/>
       </a:buClr>
       <a:buFont typeface="Arial"/>
-      <a:defRPr sz="1400" b="0" i="0" u="none" strike="noStrike" cap="none">
+      <a:defRPr b="0" i="0" sz="1400" u="none" cap="none" strike="noStrike">
         <a:solidFill>
           <a:srgbClr val="000000"/>
         </a:solidFill>
@@ -603,7 +588,7 @@
         <a:sym typeface="Arial"/>
       </a:defRPr>
     </a:lvl4pPr>
-    <a:lvl5pPr marR="0" lvl="4" algn="l" rtl="0">
+    <a:lvl5pPr lvl="4" marR="0" rtl="0" algn="l">
       <a:lnSpc>
         <a:spcPct val="100000"/>
       </a:lnSpc>
@@ -617,7 +602,7 @@
         <a:srgbClr val="000000"/>
       </a:buClr>
       <a:buFont typeface="Arial"/>
-      <a:defRPr sz="1400" b="0" i="0" u="none" strike="noStrike" cap="none">
+      <a:defRPr b="0" i="0" sz="1400" u="none" cap="none" strike="noStrike">
         <a:solidFill>
           <a:srgbClr val="000000"/>
         </a:solidFill>
@@ -627,7 +612,7 @@
         <a:sym typeface="Arial"/>
       </a:defRPr>
     </a:lvl5pPr>
-    <a:lvl6pPr marR="0" lvl="5" algn="l" rtl="0">
+    <a:lvl6pPr lvl="5" marR="0" rtl="0" algn="l">
       <a:lnSpc>
         <a:spcPct val="100000"/>
       </a:lnSpc>
@@ -641,7 +626,7 @@
         <a:srgbClr val="000000"/>
       </a:buClr>
       <a:buFont typeface="Arial"/>
-      <a:defRPr sz="1400" b="0" i="0" u="none" strike="noStrike" cap="none">
+      <a:defRPr b="0" i="0" sz="1400" u="none" cap="none" strike="noStrike">
         <a:solidFill>
           <a:srgbClr val="000000"/>
         </a:solidFill>
@@ -651,7 +636,7 @@
         <a:sym typeface="Arial"/>
       </a:defRPr>
     </a:lvl6pPr>
-    <a:lvl7pPr marR="0" lvl="6" algn="l" rtl="0">
+    <a:lvl7pPr lvl="6" marR="0" rtl="0" algn="l">
       <a:lnSpc>
         <a:spcPct val="100000"/>
       </a:lnSpc>
@@ -665,7 +650,7 @@
         <a:srgbClr val="000000"/>
       </a:buClr>
       <a:buFont typeface="Arial"/>
-      <a:defRPr sz="1400" b="0" i="0" u="none" strike="noStrike" cap="none">
+      <a:defRPr b="0" i="0" sz="1400" u="none" cap="none" strike="noStrike">
         <a:solidFill>
           <a:srgbClr val="000000"/>
         </a:solidFill>
@@ -675,7 +660,7 @@
         <a:sym typeface="Arial"/>
       </a:defRPr>
     </a:lvl7pPr>
-    <a:lvl8pPr marR="0" lvl="7" algn="l" rtl="0">
+    <a:lvl8pPr lvl="7" marR="0" rtl="0" algn="l">
       <a:lnSpc>
         <a:spcPct val="100000"/>
       </a:lnSpc>
@@ -689,7 +674,7 @@
         <a:srgbClr val="000000"/>
       </a:buClr>
       <a:buFont typeface="Arial"/>
-      <a:defRPr sz="1400" b="0" i="0" u="none" strike="noStrike" cap="none">
+      <a:defRPr b="0" i="0" sz="1400" u="none" cap="none" strike="noStrike">
         <a:solidFill>
           <a:srgbClr val="000000"/>
         </a:solidFill>
@@ -699,7 +684,7 @@
         <a:sym typeface="Arial"/>
       </a:defRPr>
     </a:lvl8pPr>
-    <a:lvl9pPr marR="0" lvl="8" algn="l" rtl="0">
+    <a:lvl9pPr lvl="8" marR="0" rtl="0" algn="l">
       <a:lnSpc>
         <a:spcPct val="100000"/>
       </a:lnSpc>
@@ -713,7 +698,7 @@
         <a:srgbClr val="000000"/>
       </a:buClr>
       <a:buFont typeface="Arial"/>
-      <a:defRPr sz="1400" b="0" i="0" u="none" strike="noStrike" cap="none">
+      <a:defRPr b="0" i="0" sz="1400" u="none" cap="none" strike="noStrike">
         <a:solidFill>
           <a:srgbClr val="000000"/>
         </a:solidFill>
@@ -728,11 +713,11 @@
 </file>
 
 <file path=ppt/notesSlides/notesSlide1.xml><?xml version="1.0" encoding="utf-8"?>
-<p:notes xmlns:a="http://schemas.openxmlformats.org/drawingml/2006/main" xmlns:r="http://schemas.openxmlformats.org/officeDocument/2006/relationships" xmlns:p="http://schemas.openxmlformats.org/presentationml/2006/main" showMasterSp="0" showMasterPhAnim="0">
+<p:notes xmlns:a="http://schemas.openxmlformats.org/drawingml/2006/main" xmlns:r="http://schemas.openxmlformats.org/officeDocument/2006/relationships" xmlns:mc="http://schemas.openxmlformats.org/markup-compatibility/2006" xmlns:mv="urn:schemas-microsoft-com:mac:vml" xmlns:p="http://schemas.openxmlformats.org/presentationml/2006/main" xmlns:c="http://schemas.openxmlformats.org/drawingml/2006/chart" xmlns:dgm="http://schemas.openxmlformats.org/drawingml/2006/diagram" xmlns:o="urn:schemas-microsoft-com:office:office" xmlns:v="urn:schemas-microsoft-com:vml" xmlns:pvml="urn:schemas-microsoft-com:office:powerpoint" xmlns:com="http://schemas.openxmlformats.org/drawingml/2006/compatibility" xmlns:p14="http://schemas.microsoft.com/office/powerpoint/2010/main" xmlns:p15="http://schemas.microsoft.com/office/powerpoint/2012/main" xmlns:ahyp="http://schemas.microsoft.com/office/drawing/2018/hyperlinkcolor" showMasterPhAnim="0" showMasterSp="0">
   <p:cSld>
     <p:spTree>
       <p:nvGrpSpPr>
-        <p:cNvPr id="1" name="Shape 130"/>
+        <p:cNvPr id="130" name="Shape 130"/>
         <p:cNvGrpSpPr/>
         <p:nvPr/>
       </p:nvGrpSpPr>
@@ -747,26 +732,20 @@
       <p:sp>
         <p:nvSpPr>
           <p:cNvPr id="131" name="Google Shape;131;p:notes"/>
-          <p:cNvSpPr>
-            <a:spLocks noGrp="1" noRot="1" noChangeAspect="1"/>
-          </p:cNvSpPr>
+          <p:cNvSpPr/>
           <p:nvPr>
-            <p:ph type="sldImg" idx="2"/>
+            <p:ph idx="2" type="sldImg"/>
           </p:nvPr>
         </p:nvSpPr>
         <p:spPr>
           <a:xfrm>
-            <a:off x="381000" y="685800"/>
-            <a:ext cx="6096000" cy="3429000"/>
+            <a:off x="381300" y="685800"/>
+            <a:ext cx="6096075" cy="3429000"/>
           </a:xfrm>
           <a:custGeom>
-            <a:avLst/>
-            <a:gdLst/>
-            <a:ahLst/>
-            <a:cxnLst/>
-            <a:rect l="l" t="t" r="r" b="b"/>
+            <a:rect b="b" l="l" r="r" t="t"/>
             <a:pathLst>
-              <a:path w="120000" h="120000" extrusionOk="0">
+              <a:path extrusionOk="0" h="120000" w="120000">
                 <a:moveTo>
                   <a:pt x="0" y="0"/>
                 </a:moveTo>
@@ -788,11 +767,9 @@
       <p:sp>
         <p:nvSpPr>
           <p:cNvPr id="132" name="Google Shape;132;p:notes"/>
-          <p:cNvSpPr txBox="1">
-            <a:spLocks noGrp="1"/>
-          </p:cNvSpPr>
+          <p:cNvSpPr txBox="1"/>
           <p:nvPr>
-            <p:ph type="body" idx="1"/>
+            <p:ph idx="1" type="body"/>
           </p:nvPr>
         </p:nvSpPr>
         <p:spPr>
@@ -805,12 +782,12 @@
           </a:prstGeom>
         </p:spPr>
         <p:txBody>
-          <a:bodyPr spcFirstLastPara="1" wrap="square" lIns="91425" tIns="91425" rIns="91425" bIns="91425" anchor="t" anchorCtr="0">
+          <a:bodyPr anchorCtr="0" anchor="t" bIns="91425" lIns="91425" spcFirstLastPara="1" rIns="91425" wrap="square" tIns="91425">
             <a:noAutofit/>
           </a:bodyPr>
           <a:lstStyle/>
           <a:p>
-            <a:pPr marL="0" lvl="0" indent="0" algn="l" rtl="0">
+            <a:pPr indent="0" lvl="0" marL="0" rtl="0" algn="l">
               <a:spcBef>
                 <a:spcPts val="0"/>
               </a:spcBef>
@@ -819,6 +796,9 @@
               </a:spcAft>
               <a:buNone/>
             </a:pPr>
+            <a:r>
+              <a:t/>
+            </a:r>
             <a:endParaRPr/>
           </a:p>
         </p:txBody>
@@ -832,11 +812,11 @@
 </file>
 
 <file path=ppt/notesSlides/notesSlide10.xml><?xml version="1.0" encoding="utf-8"?>
-<p:notes xmlns:a="http://schemas.openxmlformats.org/drawingml/2006/main" xmlns:r="http://schemas.openxmlformats.org/officeDocument/2006/relationships" xmlns:p="http://schemas.openxmlformats.org/presentationml/2006/main" showMasterSp="0" showMasterPhAnim="0">
+<p:notes xmlns:a="http://schemas.openxmlformats.org/drawingml/2006/main" xmlns:r="http://schemas.openxmlformats.org/officeDocument/2006/relationships" xmlns:mc="http://schemas.openxmlformats.org/markup-compatibility/2006" xmlns:mv="urn:schemas-microsoft-com:mac:vml" xmlns:p="http://schemas.openxmlformats.org/presentationml/2006/main" xmlns:c="http://schemas.openxmlformats.org/drawingml/2006/chart" xmlns:dgm="http://schemas.openxmlformats.org/drawingml/2006/diagram" xmlns:o="urn:schemas-microsoft-com:office:office" xmlns:v="urn:schemas-microsoft-com:vml" xmlns:pvml="urn:schemas-microsoft-com:office:powerpoint" xmlns:com="http://schemas.openxmlformats.org/drawingml/2006/compatibility" xmlns:p14="http://schemas.microsoft.com/office/powerpoint/2010/main" xmlns:p15="http://schemas.microsoft.com/office/powerpoint/2012/main" xmlns:ahyp="http://schemas.microsoft.com/office/drawing/2018/hyperlinkcolor" showMasterPhAnim="0" showMasterSp="0">
   <p:cSld>
     <p:spTree>
       <p:nvGrpSpPr>
-        <p:cNvPr id="1" name="Shape 184"/>
+        <p:cNvPr id="184" name="Shape 184"/>
         <p:cNvGrpSpPr/>
         <p:nvPr/>
       </p:nvGrpSpPr>
@@ -851,26 +831,20 @@
       <p:sp>
         <p:nvSpPr>
           <p:cNvPr id="185" name="Google Shape;185;gd596b29c03_0_631:notes"/>
-          <p:cNvSpPr>
-            <a:spLocks noGrp="1" noRot="1" noChangeAspect="1"/>
-          </p:cNvSpPr>
+          <p:cNvSpPr/>
           <p:nvPr>
-            <p:ph type="sldImg" idx="2"/>
+            <p:ph idx="2" type="sldImg"/>
           </p:nvPr>
         </p:nvSpPr>
         <p:spPr>
           <a:xfrm>
-            <a:off x="381000" y="685800"/>
+            <a:off x="381300" y="685800"/>
             <a:ext cx="6096000" cy="3429000"/>
           </a:xfrm>
           <a:custGeom>
-            <a:avLst/>
-            <a:gdLst/>
-            <a:ahLst/>
-            <a:cxnLst/>
-            <a:rect l="l" t="t" r="r" b="b"/>
+            <a:rect b="b" l="l" r="r" t="t"/>
             <a:pathLst>
-              <a:path w="120000" h="120000" extrusionOk="0">
+              <a:path extrusionOk="0" h="120000" w="120000">
                 <a:moveTo>
                   <a:pt x="0" y="0"/>
                 </a:moveTo>
@@ -892,11 +866,9 @@
       <p:sp>
         <p:nvSpPr>
           <p:cNvPr id="186" name="Google Shape;186;gd596b29c03_0_631:notes"/>
-          <p:cNvSpPr txBox="1">
-            <a:spLocks noGrp="1"/>
-          </p:cNvSpPr>
+          <p:cNvSpPr txBox="1"/>
           <p:nvPr>
-            <p:ph type="body" idx="1"/>
+            <p:ph idx="1" type="body"/>
           </p:nvPr>
         </p:nvSpPr>
         <p:spPr>
@@ -909,12 +881,12 @@
           </a:prstGeom>
         </p:spPr>
         <p:txBody>
-          <a:bodyPr spcFirstLastPara="1" wrap="square" lIns="91425" tIns="91425" rIns="91425" bIns="91425" anchor="t" anchorCtr="0">
+          <a:bodyPr anchorCtr="0" anchor="t" bIns="91425" lIns="91425" spcFirstLastPara="1" rIns="91425" wrap="square" tIns="91425">
             <a:noAutofit/>
           </a:bodyPr>
           <a:lstStyle/>
           <a:p>
-            <a:pPr marL="0" lvl="0" indent="0" algn="l" rtl="0">
+            <a:pPr indent="0" lvl="0" marL="0" rtl="0" algn="l">
               <a:spcBef>
                 <a:spcPts val="0"/>
               </a:spcBef>
@@ -923,6 +895,9 @@
               </a:spcAft>
               <a:buNone/>
             </a:pPr>
+            <a:r>
+              <a:t/>
+            </a:r>
             <a:endParaRPr/>
           </a:p>
         </p:txBody>
@@ -936,11 +911,11 @@
 </file>
 
 <file path=ppt/notesSlides/notesSlide11.xml><?xml version="1.0" encoding="utf-8"?>
-<p:notes xmlns:a="http://schemas.openxmlformats.org/drawingml/2006/main" xmlns:r="http://schemas.openxmlformats.org/officeDocument/2006/relationships" xmlns:p="http://schemas.openxmlformats.org/presentationml/2006/main" showMasterSp="0" showMasterPhAnim="0">
+<p:notes xmlns:a="http://schemas.openxmlformats.org/drawingml/2006/main" xmlns:r="http://schemas.openxmlformats.org/officeDocument/2006/relationships" xmlns:mc="http://schemas.openxmlformats.org/markup-compatibility/2006" xmlns:mv="urn:schemas-microsoft-com:mac:vml" xmlns:p="http://schemas.openxmlformats.org/presentationml/2006/main" xmlns:c="http://schemas.openxmlformats.org/drawingml/2006/chart" xmlns:dgm="http://schemas.openxmlformats.org/drawingml/2006/diagram" xmlns:o="urn:schemas-microsoft-com:office:office" xmlns:v="urn:schemas-microsoft-com:vml" xmlns:pvml="urn:schemas-microsoft-com:office:powerpoint" xmlns:com="http://schemas.openxmlformats.org/drawingml/2006/compatibility" xmlns:p14="http://schemas.microsoft.com/office/powerpoint/2010/main" xmlns:p15="http://schemas.microsoft.com/office/powerpoint/2012/main" xmlns:ahyp="http://schemas.microsoft.com/office/drawing/2018/hyperlinkcolor" showMasterPhAnim="0" showMasterSp="0">
   <p:cSld>
     <p:spTree>
       <p:nvGrpSpPr>
-        <p:cNvPr id="1" name="Shape 193"/>
+        <p:cNvPr id="193" name="Shape 193"/>
         <p:cNvGrpSpPr/>
         <p:nvPr/>
       </p:nvGrpSpPr>
@@ -955,26 +930,20 @@
       <p:sp>
         <p:nvSpPr>
           <p:cNvPr id="194" name="Google Shape;194;gd596b29c03_0_626:notes"/>
-          <p:cNvSpPr>
-            <a:spLocks noGrp="1" noRot="1" noChangeAspect="1"/>
-          </p:cNvSpPr>
+          <p:cNvSpPr/>
           <p:nvPr>
-            <p:ph type="sldImg" idx="2"/>
+            <p:ph idx="2" type="sldImg"/>
           </p:nvPr>
         </p:nvSpPr>
         <p:spPr>
           <a:xfrm>
-            <a:off x="381000" y="685800"/>
+            <a:off x="381300" y="685800"/>
             <a:ext cx="6096000" cy="3429000"/>
           </a:xfrm>
           <a:custGeom>
-            <a:avLst/>
-            <a:gdLst/>
-            <a:ahLst/>
-            <a:cxnLst/>
-            <a:rect l="l" t="t" r="r" b="b"/>
+            <a:rect b="b" l="l" r="r" t="t"/>
             <a:pathLst>
-              <a:path w="120000" h="120000" extrusionOk="0">
+              <a:path extrusionOk="0" h="120000" w="120000">
                 <a:moveTo>
                   <a:pt x="0" y="0"/>
                 </a:moveTo>
@@ -996,11 +965,9 @@
       <p:sp>
         <p:nvSpPr>
           <p:cNvPr id="195" name="Google Shape;195;gd596b29c03_0_626:notes"/>
-          <p:cNvSpPr txBox="1">
-            <a:spLocks noGrp="1"/>
-          </p:cNvSpPr>
+          <p:cNvSpPr txBox="1"/>
           <p:nvPr>
-            <p:ph type="body" idx="1"/>
+            <p:ph idx="1" type="body"/>
           </p:nvPr>
         </p:nvSpPr>
         <p:spPr>
@@ -1013,12 +980,12 @@
           </a:prstGeom>
         </p:spPr>
         <p:txBody>
-          <a:bodyPr spcFirstLastPara="1" wrap="square" lIns="91425" tIns="91425" rIns="91425" bIns="91425" anchor="t" anchorCtr="0">
+          <a:bodyPr anchorCtr="0" anchor="t" bIns="91425" lIns="91425" spcFirstLastPara="1" rIns="91425" wrap="square" tIns="91425">
             <a:noAutofit/>
           </a:bodyPr>
           <a:lstStyle/>
           <a:p>
-            <a:pPr marL="0" lvl="0" indent="0" algn="l" rtl="0">
+            <a:pPr indent="0" lvl="0" marL="0" rtl="0" algn="l">
               <a:spcBef>
                 <a:spcPts val="0"/>
               </a:spcBef>
@@ -1027,6 +994,9 @@
               </a:spcAft>
               <a:buNone/>
             </a:pPr>
+            <a:r>
+              <a:t/>
+            </a:r>
             <a:endParaRPr/>
           </a:p>
         </p:txBody>
@@ -1040,11 +1010,11 @@
 </file>
 
 <file path=ppt/notesSlides/notesSlide2.xml><?xml version="1.0" encoding="utf-8"?>
-<p:notes xmlns:a="http://schemas.openxmlformats.org/drawingml/2006/main" xmlns:r="http://schemas.openxmlformats.org/officeDocument/2006/relationships" xmlns:p="http://schemas.openxmlformats.org/presentationml/2006/main" showMasterSp="0" showMasterPhAnim="0">
+<p:notes xmlns:a="http://schemas.openxmlformats.org/drawingml/2006/main" xmlns:r="http://schemas.openxmlformats.org/officeDocument/2006/relationships" xmlns:mc="http://schemas.openxmlformats.org/markup-compatibility/2006" xmlns:mv="urn:schemas-microsoft-com:mac:vml" xmlns:p="http://schemas.openxmlformats.org/presentationml/2006/main" xmlns:c="http://schemas.openxmlformats.org/drawingml/2006/chart" xmlns:dgm="http://schemas.openxmlformats.org/drawingml/2006/diagram" xmlns:o="urn:schemas-microsoft-com:office:office" xmlns:v="urn:schemas-microsoft-com:vml" xmlns:pvml="urn:schemas-microsoft-com:office:powerpoint" xmlns:com="http://schemas.openxmlformats.org/drawingml/2006/compatibility" xmlns:p14="http://schemas.microsoft.com/office/powerpoint/2010/main" xmlns:p15="http://schemas.microsoft.com/office/powerpoint/2012/main" xmlns:ahyp="http://schemas.microsoft.com/office/drawing/2018/hyperlinkcolor" showMasterPhAnim="0" showMasterSp="0">
   <p:cSld>
     <p:spTree>
       <p:nvGrpSpPr>
-        <p:cNvPr id="1" name="Shape 136"/>
+        <p:cNvPr id="136" name="Shape 136"/>
         <p:cNvGrpSpPr/>
         <p:nvPr/>
       </p:nvGrpSpPr>
@@ -1059,26 +1029,20 @@
       <p:sp>
         <p:nvSpPr>
           <p:cNvPr id="137" name="Google Shape;137;gd596b29c03_0_125:notes"/>
-          <p:cNvSpPr>
-            <a:spLocks noGrp="1" noRot="1" noChangeAspect="1"/>
-          </p:cNvSpPr>
+          <p:cNvSpPr/>
           <p:nvPr>
-            <p:ph type="sldImg" idx="2"/>
+            <p:ph idx="2" type="sldImg"/>
           </p:nvPr>
         </p:nvSpPr>
         <p:spPr>
           <a:xfrm>
-            <a:off x="381000" y="685800"/>
+            <a:off x="381300" y="685800"/>
             <a:ext cx="6096000" cy="3429000"/>
           </a:xfrm>
           <a:custGeom>
-            <a:avLst/>
-            <a:gdLst/>
-            <a:ahLst/>
-            <a:cxnLst/>
-            <a:rect l="l" t="t" r="r" b="b"/>
+            <a:rect b="b" l="l" r="r" t="t"/>
             <a:pathLst>
-              <a:path w="120000" h="120000" extrusionOk="0">
+              <a:path extrusionOk="0" h="120000" w="120000">
                 <a:moveTo>
                   <a:pt x="0" y="0"/>
                 </a:moveTo>
@@ -1100,11 +1064,9 @@
       <p:sp>
         <p:nvSpPr>
           <p:cNvPr id="138" name="Google Shape;138;gd596b29c03_0_125:notes"/>
-          <p:cNvSpPr txBox="1">
-            <a:spLocks noGrp="1"/>
-          </p:cNvSpPr>
+          <p:cNvSpPr txBox="1"/>
           <p:nvPr>
-            <p:ph type="body" idx="1"/>
+            <p:ph idx="1" type="body"/>
           </p:nvPr>
         </p:nvSpPr>
         <p:spPr>
@@ -1117,12 +1079,12 @@
           </a:prstGeom>
         </p:spPr>
         <p:txBody>
-          <a:bodyPr spcFirstLastPara="1" wrap="square" lIns="91425" tIns="91425" rIns="91425" bIns="91425" anchor="t" anchorCtr="0">
+          <a:bodyPr anchorCtr="0" anchor="t" bIns="91425" lIns="91425" spcFirstLastPara="1" rIns="91425" wrap="square" tIns="91425">
             <a:noAutofit/>
           </a:bodyPr>
           <a:lstStyle/>
           <a:p>
-            <a:pPr marL="0" lvl="0" indent="0" algn="l" rtl="0">
+            <a:pPr indent="0" lvl="0" marL="0" rtl="0" algn="l">
               <a:spcBef>
                 <a:spcPts val="0"/>
               </a:spcBef>
@@ -1131,6 +1093,9 @@
               </a:spcAft>
               <a:buNone/>
             </a:pPr>
+            <a:r>
+              <a:t/>
+            </a:r>
             <a:endParaRPr/>
           </a:p>
         </p:txBody>
@@ -1144,11 +1109,11 @@
 </file>
 
 <file path=ppt/notesSlides/notesSlide3.xml><?xml version="1.0" encoding="utf-8"?>
-<p:notes xmlns:a="http://schemas.openxmlformats.org/drawingml/2006/main" xmlns:r="http://schemas.openxmlformats.org/officeDocument/2006/relationships" xmlns:p="http://schemas.openxmlformats.org/presentationml/2006/main" showMasterSp="0" showMasterPhAnim="0">
+<p:notes xmlns:a="http://schemas.openxmlformats.org/drawingml/2006/main" xmlns:r="http://schemas.openxmlformats.org/officeDocument/2006/relationships" xmlns:mc="http://schemas.openxmlformats.org/markup-compatibility/2006" xmlns:mv="urn:schemas-microsoft-com:mac:vml" xmlns:p="http://schemas.openxmlformats.org/presentationml/2006/main" xmlns:c="http://schemas.openxmlformats.org/drawingml/2006/chart" xmlns:dgm="http://schemas.openxmlformats.org/drawingml/2006/diagram" xmlns:o="urn:schemas-microsoft-com:office:office" xmlns:v="urn:schemas-microsoft-com:vml" xmlns:pvml="urn:schemas-microsoft-com:office:powerpoint" xmlns:com="http://schemas.openxmlformats.org/drawingml/2006/compatibility" xmlns:p14="http://schemas.microsoft.com/office/powerpoint/2010/main" xmlns:p15="http://schemas.microsoft.com/office/powerpoint/2012/main" xmlns:ahyp="http://schemas.microsoft.com/office/drawing/2018/hyperlinkcolor" showMasterPhAnim="0" showMasterSp="0">
   <p:cSld>
     <p:spTree>
       <p:nvGrpSpPr>
-        <p:cNvPr id="1" name="Shape 142"/>
+        <p:cNvPr id="142" name="Shape 142"/>
         <p:cNvGrpSpPr/>
         <p:nvPr/>
       </p:nvGrpSpPr>
@@ -1163,26 +1128,20 @@
       <p:sp>
         <p:nvSpPr>
           <p:cNvPr id="143" name="Google Shape;143;gd596b29c03_0_573:notes"/>
-          <p:cNvSpPr>
-            <a:spLocks noGrp="1" noRot="1" noChangeAspect="1"/>
-          </p:cNvSpPr>
+          <p:cNvSpPr/>
           <p:nvPr>
-            <p:ph type="sldImg" idx="2"/>
+            <p:ph idx="2" type="sldImg"/>
           </p:nvPr>
         </p:nvSpPr>
         <p:spPr>
           <a:xfrm>
-            <a:off x="381000" y="685800"/>
+            <a:off x="381300" y="685800"/>
             <a:ext cx="6096000" cy="3429000"/>
           </a:xfrm>
           <a:custGeom>
-            <a:avLst/>
-            <a:gdLst/>
-            <a:ahLst/>
-            <a:cxnLst/>
-            <a:rect l="l" t="t" r="r" b="b"/>
+            <a:rect b="b" l="l" r="r" t="t"/>
             <a:pathLst>
-              <a:path w="120000" h="120000" extrusionOk="0">
+              <a:path extrusionOk="0" h="120000" w="120000">
                 <a:moveTo>
                   <a:pt x="0" y="0"/>
                 </a:moveTo>
@@ -1204,11 +1163,9 @@
       <p:sp>
         <p:nvSpPr>
           <p:cNvPr id="144" name="Google Shape;144;gd596b29c03_0_573:notes"/>
-          <p:cNvSpPr txBox="1">
-            <a:spLocks noGrp="1"/>
-          </p:cNvSpPr>
+          <p:cNvSpPr txBox="1"/>
           <p:nvPr>
-            <p:ph type="body" idx="1"/>
+            <p:ph idx="1" type="body"/>
           </p:nvPr>
         </p:nvSpPr>
         <p:spPr>
@@ -1221,12 +1178,12 @@
           </a:prstGeom>
         </p:spPr>
         <p:txBody>
-          <a:bodyPr spcFirstLastPara="1" wrap="square" lIns="91425" tIns="91425" rIns="91425" bIns="91425" anchor="t" anchorCtr="0">
+          <a:bodyPr anchorCtr="0" anchor="t" bIns="91425" lIns="91425" spcFirstLastPara="1" rIns="91425" wrap="square" tIns="91425">
             <a:noAutofit/>
           </a:bodyPr>
           <a:lstStyle/>
           <a:p>
-            <a:pPr marL="0" lvl="0" indent="0" algn="l" rtl="0">
+            <a:pPr indent="0" lvl="0" marL="0" rtl="0" algn="l">
               <a:spcBef>
                 <a:spcPts val="0"/>
               </a:spcBef>
@@ -1235,6 +1192,9 @@
               </a:spcAft>
               <a:buNone/>
             </a:pPr>
+            <a:r>
+              <a:t/>
+            </a:r>
             <a:endParaRPr/>
           </a:p>
         </p:txBody>
@@ -1248,11 +1208,11 @@
 </file>
 
 <file path=ppt/notesSlides/notesSlide4.xml><?xml version="1.0" encoding="utf-8"?>
-<p:notes xmlns:a="http://schemas.openxmlformats.org/drawingml/2006/main" xmlns:r="http://schemas.openxmlformats.org/officeDocument/2006/relationships" xmlns:p="http://schemas.openxmlformats.org/presentationml/2006/main" showMasterSp="0" showMasterPhAnim="0">
+<p:notes xmlns:a="http://schemas.openxmlformats.org/drawingml/2006/main" xmlns:r="http://schemas.openxmlformats.org/officeDocument/2006/relationships" xmlns:mc="http://schemas.openxmlformats.org/markup-compatibility/2006" xmlns:mv="urn:schemas-microsoft-com:mac:vml" xmlns:p="http://schemas.openxmlformats.org/presentationml/2006/main" xmlns:c="http://schemas.openxmlformats.org/drawingml/2006/chart" xmlns:dgm="http://schemas.openxmlformats.org/drawingml/2006/diagram" xmlns:o="urn:schemas-microsoft-com:office:office" xmlns:v="urn:schemas-microsoft-com:vml" xmlns:pvml="urn:schemas-microsoft-com:office:powerpoint" xmlns:com="http://schemas.openxmlformats.org/drawingml/2006/compatibility" xmlns:p14="http://schemas.microsoft.com/office/powerpoint/2010/main" xmlns:p15="http://schemas.microsoft.com/office/powerpoint/2012/main" xmlns:ahyp="http://schemas.microsoft.com/office/drawing/2018/hyperlinkcolor" showMasterPhAnim="0" showMasterSp="0">
   <p:cSld>
     <p:spTree>
       <p:nvGrpSpPr>
-        <p:cNvPr id="1" name="Shape 148"/>
+        <p:cNvPr id="148" name="Shape 148"/>
         <p:cNvGrpSpPr/>
         <p:nvPr/>
       </p:nvGrpSpPr>
@@ -1267,26 +1227,20 @@
       <p:sp>
         <p:nvSpPr>
           <p:cNvPr id="149" name="Google Shape;149;gd596b29c03_0_579:notes"/>
-          <p:cNvSpPr>
-            <a:spLocks noGrp="1" noRot="1" noChangeAspect="1"/>
-          </p:cNvSpPr>
+          <p:cNvSpPr/>
           <p:nvPr>
-            <p:ph type="sldImg" idx="2"/>
+            <p:ph idx="2" type="sldImg"/>
           </p:nvPr>
         </p:nvSpPr>
         <p:spPr>
           <a:xfrm>
-            <a:off x="381000" y="685800"/>
+            <a:off x="381300" y="685800"/>
             <a:ext cx="6096000" cy="3429000"/>
           </a:xfrm>
           <a:custGeom>
-            <a:avLst/>
-            <a:gdLst/>
-            <a:ahLst/>
-            <a:cxnLst/>
-            <a:rect l="l" t="t" r="r" b="b"/>
+            <a:rect b="b" l="l" r="r" t="t"/>
             <a:pathLst>
-              <a:path w="120000" h="120000" extrusionOk="0">
+              <a:path extrusionOk="0" h="120000" w="120000">
                 <a:moveTo>
                   <a:pt x="0" y="0"/>
                 </a:moveTo>
@@ -1308,11 +1262,9 @@
       <p:sp>
         <p:nvSpPr>
           <p:cNvPr id="150" name="Google Shape;150;gd596b29c03_0_579:notes"/>
-          <p:cNvSpPr txBox="1">
-            <a:spLocks noGrp="1"/>
-          </p:cNvSpPr>
+          <p:cNvSpPr txBox="1"/>
           <p:nvPr>
-            <p:ph type="body" idx="1"/>
+            <p:ph idx="1" type="body"/>
           </p:nvPr>
         </p:nvSpPr>
         <p:spPr>
@@ -1325,12 +1277,12 @@
           </a:prstGeom>
         </p:spPr>
         <p:txBody>
-          <a:bodyPr spcFirstLastPara="1" wrap="square" lIns="91425" tIns="91425" rIns="91425" bIns="91425" anchor="t" anchorCtr="0">
+          <a:bodyPr anchorCtr="0" anchor="t" bIns="91425" lIns="91425" spcFirstLastPara="1" rIns="91425" wrap="square" tIns="91425">
             <a:noAutofit/>
           </a:bodyPr>
           <a:lstStyle/>
           <a:p>
-            <a:pPr marL="0" lvl="0" indent="0" algn="l" rtl="0">
+            <a:pPr indent="0" lvl="0" marL="0" rtl="0" algn="l">
               <a:spcBef>
                 <a:spcPts val="0"/>
               </a:spcBef>
@@ -1339,6 +1291,9 @@
               </a:spcAft>
               <a:buNone/>
             </a:pPr>
+            <a:r>
+              <a:t/>
+            </a:r>
             <a:endParaRPr/>
           </a:p>
         </p:txBody>
@@ -1352,11 +1307,11 @@
 </file>
 
 <file path=ppt/notesSlides/notesSlide5.xml><?xml version="1.0" encoding="utf-8"?>
-<p:notes xmlns:a="http://schemas.openxmlformats.org/drawingml/2006/main" xmlns:r="http://schemas.openxmlformats.org/officeDocument/2006/relationships" xmlns:p="http://schemas.openxmlformats.org/presentationml/2006/main" showMasterSp="0" showMasterPhAnim="0">
+<p:notes xmlns:a="http://schemas.openxmlformats.org/drawingml/2006/main" xmlns:r="http://schemas.openxmlformats.org/officeDocument/2006/relationships" xmlns:mc="http://schemas.openxmlformats.org/markup-compatibility/2006" xmlns:mv="urn:schemas-microsoft-com:mac:vml" xmlns:p="http://schemas.openxmlformats.org/presentationml/2006/main" xmlns:c="http://schemas.openxmlformats.org/drawingml/2006/chart" xmlns:dgm="http://schemas.openxmlformats.org/drawingml/2006/diagram" xmlns:o="urn:schemas-microsoft-com:office:office" xmlns:v="urn:schemas-microsoft-com:vml" xmlns:pvml="urn:schemas-microsoft-com:office:powerpoint" xmlns:com="http://schemas.openxmlformats.org/drawingml/2006/compatibility" xmlns:p14="http://schemas.microsoft.com/office/powerpoint/2010/main" xmlns:p15="http://schemas.microsoft.com/office/powerpoint/2012/main" xmlns:ahyp="http://schemas.microsoft.com/office/drawing/2018/hyperlinkcolor" showMasterPhAnim="0" showMasterSp="0">
   <p:cSld>
     <p:spTree>
       <p:nvGrpSpPr>
-        <p:cNvPr id="1" name="Shape 154"/>
+        <p:cNvPr id="154" name="Shape 154"/>
         <p:cNvGrpSpPr/>
         <p:nvPr/>
       </p:nvGrpSpPr>
@@ -1371,26 +1326,20 @@
       <p:sp>
         <p:nvSpPr>
           <p:cNvPr id="155" name="Google Shape;155;gd596b29c03_0_584:notes"/>
-          <p:cNvSpPr>
-            <a:spLocks noGrp="1" noRot="1" noChangeAspect="1"/>
-          </p:cNvSpPr>
+          <p:cNvSpPr/>
           <p:nvPr>
-            <p:ph type="sldImg" idx="2"/>
+            <p:ph idx="2" type="sldImg"/>
           </p:nvPr>
         </p:nvSpPr>
         <p:spPr>
           <a:xfrm>
-            <a:off x="381000" y="685800"/>
+            <a:off x="381300" y="685800"/>
             <a:ext cx="6096000" cy="3429000"/>
           </a:xfrm>
           <a:custGeom>
-            <a:avLst/>
-            <a:gdLst/>
-            <a:ahLst/>
-            <a:cxnLst/>
-            <a:rect l="l" t="t" r="r" b="b"/>
+            <a:rect b="b" l="l" r="r" t="t"/>
             <a:pathLst>
-              <a:path w="120000" h="120000" extrusionOk="0">
+              <a:path extrusionOk="0" h="120000" w="120000">
                 <a:moveTo>
                   <a:pt x="0" y="0"/>
                 </a:moveTo>
@@ -1412,11 +1361,9 @@
       <p:sp>
         <p:nvSpPr>
           <p:cNvPr id="156" name="Google Shape;156;gd596b29c03_0_584:notes"/>
-          <p:cNvSpPr txBox="1">
-            <a:spLocks noGrp="1"/>
-          </p:cNvSpPr>
+          <p:cNvSpPr txBox="1"/>
           <p:nvPr>
-            <p:ph type="body" idx="1"/>
+            <p:ph idx="1" type="body"/>
           </p:nvPr>
         </p:nvSpPr>
         <p:spPr>
@@ -1429,12 +1376,12 @@
           </a:prstGeom>
         </p:spPr>
         <p:txBody>
-          <a:bodyPr spcFirstLastPara="1" wrap="square" lIns="91425" tIns="91425" rIns="91425" bIns="91425" anchor="t" anchorCtr="0">
+          <a:bodyPr anchorCtr="0" anchor="t" bIns="91425" lIns="91425" spcFirstLastPara="1" rIns="91425" wrap="square" tIns="91425">
             <a:noAutofit/>
           </a:bodyPr>
           <a:lstStyle/>
           <a:p>
-            <a:pPr marL="0" lvl="0" indent="0" algn="l" rtl="0">
+            <a:pPr indent="0" lvl="0" marL="0" rtl="0" algn="l">
               <a:spcBef>
                 <a:spcPts val="0"/>
               </a:spcBef>
@@ -1443,6 +1390,9 @@
               </a:spcAft>
               <a:buNone/>
             </a:pPr>
+            <a:r>
+              <a:t/>
+            </a:r>
             <a:endParaRPr/>
           </a:p>
         </p:txBody>
@@ -1456,11 +1406,11 @@
 </file>
 
 <file path=ppt/notesSlides/notesSlide6.xml><?xml version="1.0" encoding="utf-8"?>
-<p:notes xmlns:a="http://schemas.openxmlformats.org/drawingml/2006/main" xmlns:r="http://schemas.openxmlformats.org/officeDocument/2006/relationships" xmlns:p="http://schemas.openxmlformats.org/presentationml/2006/main" showMasterSp="0" showMasterPhAnim="0">
+<p:notes xmlns:a="http://schemas.openxmlformats.org/drawingml/2006/main" xmlns:r="http://schemas.openxmlformats.org/officeDocument/2006/relationships" xmlns:mc="http://schemas.openxmlformats.org/markup-compatibility/2006" xmlns:mv="urn:schemas-microsoft-com:mac:vml" xmlns:p="http://schemas.openxmlformats.org/presentationml/2006/main" xmlns:c="http://schemas.openxmlformats.org/drawingml/2006/chart" xmlns:dgm="http://schemas.openxmlformats.org/drawingml/2006/diagram" xmlns:o="urn:schemas-microsoft-com:office:office" xmlns:v="urn:schemas-microsoft-com:vml" xmlns:pvml="urn:schemas-microsoft-com:office:powerpoint" xmlns:com="http://schemas.openxmlformats.org/drawingml/2006/compatibility" xmlns:p14="http://schemas.microsoft.com/office/powerpoint/2010/main" xmlns:p15="http://schemas.microsoft.com/office/powerpoint/2012/main" xmlns:ahyp="http://schemas.microsoft.com/office/drawing/2018/hyperlinkcolor" showMasterPhAnim="0" showMasterSp="0">
   <p:cSld>
     <p:spTree>
       <p:nvGrpSpPr>
-        <p:cNvPr id="1" name="Shape 160"/>
+        <p:cNvPr id="160" name="Shape 160"/>
         <p:cNvGrpSpPr/>
         <p:nvPr/>
       </p:nvGrpSpPr>
@@ -1475,26 +1425,20 @@
       <p:sp>
         <p:nvSpPr>
           <p:cNvPr id="161" name="Google Shape;161;gd596b29c03_0_589:notes"/>
-          <p:cNvSpPr>
-            <a:spLocks noGrp="1" noRot="1" noChangeAspect="1"/>
-          </p:cNvSpPr>
+          <p:cNvSpPr/>
           <p:nvPr>
-            <p:ph type="sldImg" idx="2"/>
+            <p:ph idx="2" type="sldImg"/>
           </p:nvPr>
         </p:nvSpPr>
         <p:spPr>
           <a:xfrm>
-            <a:off x="381000" y="685800"/>
+            <a:off x="381300" y="685800"/>
             <a:ext cx="6096000" cy="3429000"/>
           </a:xfrm>
           <a:custGeom>
-            <a:avLst/>
-            <a:gdLst/>
-            <a:ahLst/>
-            <a:cxnLst/>
-            <a:rect l="l" t="t" r="r" b="b"/>
+            <a:rect b="b" l="l" r="r" t="t"/>
             <a:pathLst>
-              <a:path w="120000" h="120000" extrusionOk="0">
+              <a:path extrusionOk="0" h="120000" w="120000">
                 <a:moveTo>
                   <a:pt x="0" y="0"/>
                 </a:moveTo>
@@ -1516,11 +1460,9 @@
       <p:sp>
         <p:nvSpPr>
           <p:cNvPr id="162" name="Google Shape;162;gd596b29c03_0_589:notes"/>
-          <p:cNvSpPr txBox="1">
-            <a:spLocks noGrp="1"/>
-          </p:cNvSpPr>
+          <p:cNvSpPr txBox="1"/>
           <p:nvPr>
-            <p:ph type="body" idx="1"/>
+            <p:ph idx="1" type="body"/>
           </p:nvPr>
         </p:nvSpPr>
         <p:spPr>
@@ -1533,12 +1475,12 @@
           </a:prstGeom>
         </p:spPr>
         <p:txBody>
-          <a:bodyPr spcFirstLastPara="1" wrap="square" lIns="91425" tIns="91425" rIns="91425" bIns="91425" anchor="t" anchorCtr="0">
+          <a:bodyPr anchorCtr="0" anchor="t" bIns="91425" lIns="91425" spcFirstLastPara="1" rIns="91425" wrap="square" tIns="91425">
             <a:noAutofit/>
           </a:bodyPr>
           <a:lstStyle/>
           <a:p>
-            <a:pPr marL="0" lvl="0" indent="0" algn="l" rtl="0">
+            <a:pPr indent="0" lvl="0" marL="0" rtl="0" algn="l">
               <a:spcBef>
                 <a:spcPts val="0"/>
               </a:spcBef>
@@ -1547,6 +1489,9 @@
               </a:spcAft>
               <a:buNone/>
             </a:pPr>
+            <a:r>
+              <a:t/>
+            </a:r>
             <a:endParaRPr/>
           </a:p>
         </p:txBody>
@@ -1560,11 +1505,11 @@
 </file>
 
 <file path=ppt/notesSlides/notesSlide7.xml><?xml version="1.0" encoding="utf-8"?>
-<p:notes xmlns:a="http://schemas.openxmlformats.org/drawingml/2006/main" xmlns:r="http://schemas.openxmlformats.org/officeDocument/2006/relationships" xmlns:p="http://schemas.openxmlformats.org/presentationml/2006/main" showMasterSp="0" showMasterPhAnim="0">
+<p:notes xmlns:a="http://schemas.openxmlformats.org/drawingml/2006/main" xmlns:r="http://schemas.openxmlformats.org/officeDocument/2006/relationships" xmlns:mc="http://schemas.openxmlformats.org/markup-compatibility/2006" xmlns:mv="urn:schemas-microsoft-com:mac:vml" xmlns:p="http://schemas.openxmlformats.org/presentationml/2006/main" xmlns:c="http://schemas.openxmlformats.org/drawingml/2006/chart" xmlns:dgm="http://schemas.openxmlformats.org/drawingml/2006/diagram" xmlns:o="urn:schemas-microsoft-com:office:office" xmlns:v="urn:schemas-microsoft-com:vml" xmlns:pvml="urn:schemas-microsoft-com:office:powerpoint" xmlns:com="http://schemas.openxmlformats.org/drawingml/2006/compatibility" xmlns:p14="http://schemas.microsoft.com/office/powerpoint/2010/main" xmlns:p15="http://schemas.microsoft.com/office/powerpoint/2012/main" xmlns:ahyp="http://schemas.microsoft.com/office/drawing/2018/hyperlinkcolor" showMasterPhAnim="0" showMasterSp="0">
   <p:cSld>
     <p:spTree>
       <p:nvGrpSpPr>
-        <p:cNvPr id="1" name="Shape 166"/>
+        <p:cNvPr id="166" name="Shape 166"/>
         <p:cNvGrpSpPr/>
         <p:nvPr/>
       </p:nvGrpSpPr>
@@ -1579,26 +1524,20 @@
       <p:sp>
         <p:nvSpPr>
           <p:cNvPr id="167" name="Google Shape;167;gd596b29c03_0_596:notes"/>
-          <p:cNvSpPr>
-            <a:spLocks noGrp="1" noRot="1" noChangeAspect="1"/>
-          </p:cNvSpPr>
+          <p:cNvSpPr/>
           <p:nvPr>
-            <p:ph type="sldImg" idx="2"/>
+            <p:ph idx="2" type="sldImg"/>
           </p:nvPr>
         </p:nvSpPr>
         <p:spPr>
           <a:xfrm>
-            <a:off x="381000" y="685800"/>
+            <a:off x="381300" y="685800"/>
             <a:ext cx="6096000" cy="3429000"/>
           </a:xfrm>
           <a:custGeom>
-            <a:avLst/>
-            <a:gdLst/>
-            <a:ahLst/>
-            <a:cxnLst/>
-            <a:rect l="l" t="t" r="r" b="b"/>
+            <a:rect b="b" l="l" r="r" t="t"/>
             <a:pathLst>
-              <a:path w="120000" h="120000" extrusionOk="0">
+              <a:path extrusionOk="0" h="120000" w="120000">
                 <a:moveTo>
                   <a:pt x="0" y="0"/>
                 </a:moveTo>
@@ -1620,11 +1559,9 @@
       <p:sp>
         <p:nvSpPr>
           <p:cNvPr id="168" name="Google Shape;168;gd596b29c03_0_596:notes"/>
-          <p:cNvSpPr txBox="1">
-            <a:spLocks noGrp="1"/>
-          </p:cNvSpPr>
+          <p:cNvSpPr txBox="1"/>
           <p:nvPr>
-            <p:ph type="body" idx="1"/>
+            <p:ph idx="1" type="body"/>
           </p:nvPr>
         </p:nvSpPr>
         <p:spPr>
@@ -1637,12 +1574,12 @@
           </a:prstGeom>
         </p:spPr>
         <p:txBody>
-          <a:bodyPr spcFirstLastPara="1" wrap="square" lIns="91425" tIns="91425" rIns="91425" bIns="91425" anchor="t" anchorCtr="0">
+          <a:bodyPr anchorCtr="0" anchor="t" bIns="91425" lIns="91425" spcFirstLastPara="1" rIns="91425" wrap="square" tIns="91425">
             <a:noAutofit/>
           </a:bodyPr>
           <a:lstStyle/>
           <a:p>
-            <a:pPr marL="0" lvl="0" indent="0" algn="l" rtl="0">
+            <a:pPr indent="0" lvl="0" marL="0" rtl="0" algn="l">
               <a:spcBef>
                 <a:spcPts val="0"/>
               </a:spcBef>
@@ -1651,6 +1588,9 @@
               </a:spcAft>
               <a:buNone/>
             </a:pPr>
+            <a:r>
+              <a:t/>
+            </a:r>
             <a:endParaRPr/>
           </a:p>
         </p:txBody>
@@ -1664,11 +1604,11 @@
 </file>
 
 <file path=ppt/notesSlides/notesSlide8.xml><?xml version="1.0" encoding="utf-8"?>
-<p:notes xmlns:a="http://schemas.openxmlformats.org/drawingml/2006/main" xmlns:r="http://schemas.openxmlformats.org/officeDocument/2006/relationships" xmlns:p="http://schemas.openxmlformats.org/presentationml/2006/main" showMasterSp="0" showMasterPhAnim="0">
+<p:notes xmlns:a="http://schemas.openxmlformats.org/drawingml/2006/main" xmlns:r="http://schemas.openxmlformats.org/officeDocument/2006/relationships" xmlns:mc="http://schemas.openxmlformats.org/markup-compatibility/2006" xmlns:mv="urn:schemas-microsoft-com:mac:vml" xmlns:p="http://schemas.openxmlformats.org/presentationml/2006/main" xmlns:c="http://schemas.openxmlformats.org/drawingml/2006/chart" xmlns:dgm="http://schemas.openxmlformats.org/drawingml/2006/diagram" xmlns:o="urn:schemas-microsoft-com:office:office" xmlns:v="urn:schemas-microsoft-com:vml" xmlns:pvml="urn:schemas-microsoft-com:office:powerpoint" xmlns:com="http://schemas.openxmlformats.org/drawingml/2006/compatibility" xmlns:p14="http://schemas.microsoft.com/office/powerpoint/2010/main" xmlns:p15="http://schemas.microsoft.com/office/powerpoint/2012/main" xmlns:ahyp="http://schemas.microsoft.com/office/drawing/2018/hyperlinkcolor" showMasterPhAnim="0" showMasterSp="0">
   <p:cSld>
     <p:spTree>
       <p:nvGrpSpPr>
-        <p:cNvPr id="1" name="Shape 172"/>
+        <p:cNvPr id="172" name="Shape 172"/>
         <p:cNvGrpSpPr/>
         <p:nvPr/>
       </p:nvGrpSpPr>
@@ -1683,26 +1623,20 @@
       <p:sp>
         <p:nvSpPr>
           <p:cNvPr id="173" name="Google Shape;173;gd596b29c03_0_604:notes"/>
-          <p:cNvSpPr>
-            <a:spLocks noGrp="1" noRot="1" noChangeAspect="1"/>
-          </p:cNvSpPr>
+          <p:cNvSpPr/>
           <p:nvPr>
-            <p:ph type="sldImg" idx="2"/>
+            <p:ph idx="2" type="sldImg"/>
           </p:nvPr>
         </p:nvSpPr>
         <p:spPr>
           <a:xfrm>
-            <a:off x="381000" y="685800"/>
+            <a:off x="381300" y="685800"/>
             <a:ext cx="6096000" cy="3429000"/>
           </a:xfrm>
           <a:custGeom>
-            <a:avLst/>
-            <a:gdLst/>
-            <a:ahLst/>
-            <a:cxnLst/>
-            <a:rect l="l" t="t" r="r" b="b"/>
+            <a:rect b="b" l="l" r="r" t="t"/>
             <a:pathLst>
-              <a:path w="120000" h="120000" extrusionOk="0">
+              <a:path extrusionOk="0" h="120000" w="120000">
                 <a:moveTo>
                   <a:pt x="0" y="0"/>
                 </a:moveTo>
@@ -1724,11 +1658,9 @@
       <p:sp>
         <p:nvSpPr>
           <p:cNvPr id="174" name="Google Shape;174;gd596b29c03_0_604:notes"/>
-          <p:cNvSpPr txBox="1">
-            <a:spLocks noGrp="1"/>
-          </p:cNvSpPr>
+          <p:cNvSpPr txBox="1"/>
           <p:nvPr>
-            <p:ph type="body" idx="1"/>
+            <p:ph idx="1" type="body"/>
           </p:nvPr>
         </p:nvSpPr>
         <p:spPr>
@@ -1741,12 +1673,12 @@
           </a:prstGeom>
         </p:spPr>
         <p:txBody>
-          <a:bodyPr spcFirstLastPara="1" wrap="square" lIns="91425" tIns="91425" rIns="91425" bIns="91425" anchor="t" anchorCtr="0">
+          <a:bodyPr anchorCtr="0" anchor="t" bIns="91425" lIns="91425" spcFirstLastPara="1" rIns="91425" wrap="square" tIns="91425">
             <a:noAutofit/>
           </a:bodyPr>
           <a:lstStyle/>
           <a:p>
-            <a:pPr marL="0" lvl="0" indent="0" algn="l" rtl="0">
+            <a:pPr indent="0" lvl="0" marL="0" rtl="0" algn="l">
               <a:spcBef>
                 <a:spcPts val="0"/>
               </a:spcBef>
@@ -1755,6 +1687,9 @@
               </a:spcAft>
               <a:buNone/>
             </a:pPr>
+            <a:r>
+              <a:t/>
+            </a:r>
             <a:endParaRPr/>
           </a:p>
         </p:txBody>
@@ -1768,11 +1703,11 @@
 </file>
 
 <file path=ppt/notesSlides/notesSlide9.xml><?xml version="1.0" encoding="utf-8"?>
-<p:notes xmlns:a="http://schemas.openxmlformats.org/drawingml/2006/main" xmlns:r="http://schemas.openxmlformats.org/officeDocument/2006/relationships" xmlns:p="http://schemas.openxmlformats.org/presentationml/2006/main" showMasterSp="0" showMasterPhAnim="0">
+<p:notes xmlns:a="http://schemas.openxmlformats.org/drawingml/2006/main" xmlns:r="http://schemas.openxmlformats.org/officeDocument/2006/relationships" xmlns:mc="http://schemas.openxmlformats.org/markup-compatibility/2006" xmlns:mv="urn:schemas-microsoft-com:mac:vml" xmlns:p="http://schemas.openxmlformats.org/presentationml/2006/main" xmlns:c="http://schemas.openxmlformats.org/drawingml/2006/chart" xmlns:dgm="http://schemas.openxmlformats.org/drawingml/2006/diagram" xmlns:o="urn:schemas-microsoft-com:office:office" xmlns:v="urn:schemas-microsoft-com:vml" xmlns:pvml="urn:schemas-microsoft-com:office:powerpoint" xmlns:com="http://schemas.openxmlformats.org/drawingml/2006/compatibility" xmlns:p14="http://schemas.microsoft.com/office/powerpoint/2010/main" xmlns:p15="http://schemas.microsoft.com/office/powerpoint/2012/main" xmlns:ahyp="http://schemas.microsoft.com/office/drawing/2018/hyperlinkcolor" showMasterPhAnim="0" showMasterSp="0">
   <p:cSld>
     <p:spTree>
       <p:nvGrpSpPr>
-        <p:cNvPr id="1" name="Shape 178"/>
+        <p:cNvPr id="178" name="Shape 178"/>
         <p:cNvGrpSpPr/>
         <p:nvPr/>
       </p:nvGrpSpPr>
@@ -1787,26 +1722,20 @@
       <p:sp>
         <p:nvSpPr>
           <p:cNvPr id="179" name="Google Shape;179;gd596b29c03_0_610:notes"/>
-          <p:cNvSpPr>
-            <a:spLocks noGrp="1" noRot="1" noChangeAspect="1"/>
-          </p:cNvSpPr>
+          <p:cNvSpPr/>
           <p:nvPr>
-            <p:ph type="sldImg" idx="2"/>
+            <p:ph idx="2" type="sldImg"/>
           </p:nvPr>
         </p:nvSpPr>
         <p:spPr>
           <a:xfrm>
-            <a:off x="381000" y="685800"/>
+            <a:off x="381300" y="685800"/>
             <a:ext cx="6096000" cy="3429000"/>
           </a:xfrm>
           <a:custGeom>
-            <a:avLst/>
-            <a:gdLst/>
-            <a:ahLst/>
-            <a:cxnLst/>
-            <a:rect l="l" t="t" r="r" b="b"/>
+            <a:rect b="b" l="l" r="r" t="t"/>
             <a:pathLst>
-              <a:path w="120000" h="120000" extrusionOk="0">
+              <a:path extrusionOk="0" h="120000" w="120000">
                 <a:moveTo>
                   <a:pt x="0" y="0"/>
                 </a:moveTo>
@@ -1828,11 +1757,9 @@
       <p:sp>
         <p:nvSpPr>
           <p:cNvPr id="180" name="Google Shape;180;gd596b29c03_0_610:notes"/>
-          <p:cNvSpPr txBox="1">
-            <a:spLocks noGrp="1"/>
-          </p:cNvSpPr>
+          <p:cNvSpPr txBox="1"/>
           <p:nvPr>
-            <p:ph type="body" idx="1"/>
+            <p:ph idx="1" type="body"/>
           </p:nvPr>
         </p:nvSpPr>
         <p:spPr>
@@ -1845,12 +1772,12 @@
           </a:prstGeom>
         </p:spPr>
         <p:txBody>
-          <a:bodyPr spcFirstLastPara="1" wrap="square" lIns="91425" tIns="91425" rIns="91425" bIns="91425" anchor="t" anchorCtr="0">
+          <a:bodyPr anchorCtr="0" anchor="t" bIns="91425" lIns="91425" spcFirstLastPara="1" rIns="91425" wrap="square" tIns="91425">
             <a:noAutofit/>
           </a:bodyPr>
           <a:lstStyle/>
           <a:p>
-            <a:pPr marL="0" lvl="0" indent="0" algn="l" rtl="0">
+            <a:pPr indent="0" lvl="0" marL="0" rtl="0" algn="l">
               <a:spcBef>
                 <a:spcPts val="0"/>
               </a:spcBef>
@@ -1859,6 +1786,9 @@
               </a:spcAft>
               <a:buNone/>
             </a:pPr>
+            <a:r>
+              <a:t/>
+            </a:r>
             <a:endParaRPr/>
           </a:p>
         </p:txBody>
@@ -1872,11 +1802,11 @@
 </file>
 
 <file path=ppt/slideLayouts/slideLayout1.xml><?xml version="1.0" encoding="utf-8"?>
-<p:sldLayout xmlns:a="http://schemas.openxmlformats.org/drawingml/2006/main" xmlns:r="http://schemas.openxmlformats.org/officeDocument/2006/relationships" xmlns:p="http://schemas.openxmlformats.org/presentationml/2006/main" matchingName="Title slide" type="title">
+<p:sldLayout xmlns:a="http://schemas.openxmlformats.org/drawingml/2006/main" xmlns:r="http://schemas.openxmlformats.org/officeDocument/2006/relationships" xmlns:mc="http://schemas.openxmlformats.org/markup-compatibility/2006" xmlns:mv="urn:schemas-microsoft-com:mac:vml" xmlns:p="http://schemas.openxmlformats.org/presentationml/2006/main" xmlns:c="http://schemas.openxmlformats.org/drawingml/2006/chart" xmlns:dgm="http://schemas.openxmlformats.org/drawingml/2006/diagram" xmlns:o="urn:schemas-microsoft-com:office:office" xmlns:v="urn:schemas-microsoft-com:vml" xmlns:pvml="urn:schemas-microsoft-com:office:powerpoint" xmlns:com="http://schemas.openxmlformats.org/drawingml/2006/compatibility" xmlns:p14="http://schemas.microsoft.com/office/powerpoint/2010/main" xmlns:p15="http://schemas.microsoft.com/office/powerpoint/2012/main" xmlns:ahyp="http://schemas.microsoft.com/office/drawing/2018/hyperlinkcolor" matchingName="Title slide" type="title">
   <p:cSld name="TITLE">
     <p:spTree>
       <p:nvGrpSpPr>
-        <p:cNvPr id="1" name="Shape 9"/>
+        <p:cNvPr id="9" name="Shape 9"/>
         <p:cNvGrpSpPr/>
         <p:nvPr/>
       </p:nvGrpSpPr>
@@ -1901,7 +1831,7 @@
           </a:xfrm>
           <a:prstGeom prst="diagStripe">
             <a:avLst>
-              <a:gd name="adj" fmla="val 0"/>
+              <a:gd fmla="val 0" name="adj"/>
             </a:avLst>
           </a:prstGeom>
           <a:solidFill>
@@ -1914,12 +1844,12 @@
           </a:ln>
         </p:spPr>
         <p:txBody>
-          <a:bodyPr spcFirstLastPara="1" wrap="square" lIns="91425" tIns="91425" rIns="91425" bIns="91425" anchor="ctr" anchorCtr="0">
+          <a:bodyPr anchorCtr="0" anchor="ctr" bIns="91425" lIns="91425" spcFirstLastPara="1" rIns="91425" wrap="square" tIns="91425">
             <a:noAutofit/>
           </a:bodyPr>
           <a:lstStyle/>
           <a:p>
-            <a:pPr marL="0" lvl="0" indent="0" algn="l" rtl="0">
+            <a:pPr indent="0" lvl="0" marL="0" rtl="0" algn="l">
               <a:spcBef>
                 <a:spcPts val="0"/>
               </a:spcBef>
@@ -1928,6 +1858,9 @@
               </a:spcAft>
               <a:buNone/>
             </a:pPr>
+            <a:r>
+              <a:t/>
+            </a:r>
             <a:endParaRPr/>
           </a:p>
         </p:txBody>
@@ -1959,7 +1892,7 @@
             </a:xfrm>
             <a:prstGeom prst="diagStripe">
               <a:avLst>
-                <a:gd name="adj" fmla="val 50000"/>
+                <a:gd fmla="val 50000" name="adj"/>
               </a:avLst>
             </a:prstGeom>
             <a:solidFill>
@@ -1972,12 +1905,12 @@
             </a:ln>
           </p:spPr>
           <p:txBody>
-            <a:bodyPr spcFirstLastPara="1" wrap="square" lIns="91425" tIns="91425" rIns="91425" bIns="91425" anchor="ctr" anchorCtr="0">
+            <a:bodyPr anchorCtr="0" anchor="ctr" bIns="91425" lIns="91425" spcFirstLastPara="1" rIns="91425" wrap="square" tIns="91425">
               <a:noAutofit/>
             </a:bodyPr>
             <a:lstStyle/>
             <a:p>
-              <a:pPr marL="0" lvl="0" indent="0" algn="l" rtl="0">
+              <a:pPr indent="0" lvl="0" marL="0" rtl="0" algn="l">
                 <a:spcBef>
                   <a:spcPts val="0"/>
                 </a:spcBef>
@@ -1986,6 +1919,9 @@
                 </a:spcAft>
                 <a:buNone/>
               </a:pPr>
+              <a:r>
+                <a:t/>
+              </a:r>
               <a:endParaRPr/>
             </a:p>
           </p:txBody>
@@ -2003,7 +1939,7 @@
             </a:xfrm>
             <a:prstGeom prst="diagStripe">
               <a:avLst>
-                <a:gd name="adj" fmla="val 58774"/>
+                <a:gd fmla="val 58774" name="adj"/>
               </a:avLst>
             </a:prstGeom>
             <a:solidFill>
@@ -2016,12 +1952,12 @@
             </a:ln>
           </p:spPr>
           <p:txBody>
-            <a:bodyPr spcFirstLastPara="1" wrap="square" lIns="91425" tIns="91425" rIns="91425" bIns="91425" anchor="ctr" anchorCtr="0">
+            <a:bodyPr anchorCtr="0" anchor="ctr" bIns="91425" lIns="91425" spcFirstLastPara="1" rIns="91425" wrap="square" tIns="91425">
               <a:noAutofit/>
             </a:bodyPr>
             <a:lstStyle/>
             <a:p>
-              <a:pPr marL="0" lvl="0" indent="0" algn="l" rtl="0">
+              <a:pPr indent="0" lvl="0" marL="0" rtl="0" algn="l">
                 <a:spcBef>
                   <a:spcPts val="0"/>
                 </a:spcBef>
@@ -2030,6 +1966,9 @@
                 </a:spcAft>
                 <a:buNone/>
               </a:pPr>
+              <a:r>
+                <a:t/>
+              </a:r>
               <a:endParaRPr/>
             </a:p>
           </p:txBody>
@@ -2047,7 +1986,7 @@
             </a:xfrm>
             <a:prstGeom prst="diagStripe">
               <a:avLst>
-                <a:gd name="adj" fmla="val 50000"/>
+                <a:gd fmla="val 50000" name="adj"/>
               </a:avLst>
             </a:prstGeom>
             <a:solidFill>
@@ -2058,12 +1997,12 @@
             </a:ln>
           </p:spPr>
           <p:txBody>
-            <a:bodyPr spcFirstLastPara="1" wrap="square" lIns="91425" tIns="91425" rIns="91425" bIns="91425" anchor="ctr" anchorCtr="0">
+            <a:bodyPr anchorCtr="0" anchor="ctr" bIns="91425" lIns="91425" spcFirstLastPara="1" rIns="91425" wrap="square" tIns="91425">
               <a:noAutofit/>
             </a:bodyPr>
             <a:lstStyle/>
             <a:p>
-              <a:pPr marL="0" lvl="0" indent="0" algn="l" rtl="0">
+              <a:pPr indent="0" lvl="0" marL="0" rtl="0" algn="l">
                 <a:spcBef>
                   <a:spcPts val="0"/>
                 </a:spcBef>
@@ -2072,6 +2011,9 @@
                 </a:spcAft>
                 <a:buNone/>
               </a:pPr>
+              <a:r>
+                <a:t/>
+              </a:r>
               <a:endParaRPr/>
             </a:p>
           </p:txBody>
@@ -2089,7 +2031,7 @@
             </a:xfrm>
             <a:prstGeom prst="diagStripe">
               <a:avLst>
-                <a:gd name="adj" fmla="val 50000"/>
+                <a:gd fmla="val 50000" name="adj"/>
               </a:avLst>
             </a:prstGeom>
             <a:solidFill>
@@ -2100,12 +2042,12 @@
             </a:ln>
           </p:spPr>
           <p:txBody>
-            <a:bodyPr spcFirstLastPara="1" wrap="square" lIns="91425" tIns="91425" rIns="91425" bIns="91425" anchor="ctr" anchorCtr="0">
+            <a:bodyPr anchorCtr="0" anchor="ctr" bIns="91425" lIns="91425" spcFirstLastPara="1" rIns="91425" wrap="square" tIns="91425">
               <a:noAutofit/>
             </a:bodyPr>
             <a:lstStyle/>
             <a:p>
-              <a:pPr marL="0" lvl="0" indent="0" algn="l" rtl="0">
+              <a:pPr indent="0" lvl="0" marL="0" rtl="0" algn="l">
                 <a:spcBef>
                   <a:spcPts val="0"/>
                 </a:spcBef>
@@ -2114,6 +2056,9 @@
                 </a:spcAft>
                 <a:buNone/>
               </a:pPr>
+              <a:r>
+                <a:t/>
+              </a:r>
               <a:endParaRPr/>
             </a:p>
           </p:txBody>
@@ -2122,9 +2067,7 @@
       <p:sp>
         <p:nvSpPr>
           <p:cNvPr id="16" name="Google Shape;16;p2"/>
-          <p:cNvSpPr txBox="1">
-            <a:spLocks noGrp="1"/>
-          </p:cNvSpPr>
+          <p:cNvSpPr txBox="1"/>
           <p:nvPr>
             <p:ph type="ctrTitle"/>
           </p:nvPr>
@@ -2139,7 +2082,7 @@
           </a:prstGeom>
         </p:spPr>
         <p:txBody>
-          <a:bodyPr spcFirstLastPara="1" wrap="square" lIns="91425" tIns="91425" rIns="91425" bIns="91425" anchor="t" anchorCtr="0">
+          <a:bodyPr anchorCtr="0" anchor="t" bIns="91425" lIns="91425" spcFirstLastPara="1" rIns="91425" wrap="square" tIns="91425">
             <a:normAutofit/>
           </a:bodyPr>
           <a:lstStyle>
@@ -2243,19 +2186,15 @@
               <a:defRPr sz="4000"/>
             </a:lvl9pPr>
           </a:lstStyle>
-          <a:p>
-            <a:endParaRPr/>
-          </a:p>
+          <a:p/>
         </p:txBody>
       </p:sp>
       <p:sp>
         <p:nvSpPr>
           <p:cNvPr id="17" name="Google Shape;17;p2"/>
-          <p:cNvSpPr txBox="1">
-            <a:spLocks noGrp="1"/>
-          </p:cNvSpPr>
+          <p:cNvSpPr txBox="1"/>
           <p:nvPr>
-            <p:ph type="subTitle" idx="1"/>
+            <p:ph idx="1" type="subTitle"/>
           </p:nvPr>
         </p:nvSpPr>
         <p:spPr>
@@ -2268,7 +2207,7 @@
           </a:prstGeom>
         </p:spPr>
         <p:txBody>
-          <a:bodyPr spcFirstLastPara="1" wrap="square" lIns="91425" tIns="91425" rIns="91425" bIns="91425" anchor="t" anchorCtr="0">
+          <a:bodyPr anchorCtr="0" anchor="t" bIns="91425" lIns="91425" spcFirstLastPara="1" rIns="91425" wrap="square" tIns="91425">
             <a:normAutofit/>
           </a:bodyPr>
           <a:lstStyle>
@@ -2399,19 +2338,15 @@
               <a:defRPr sz="1300"/>
             </a:lvl9pPr>
           </a:lstStyle>
-          <a:p>
-            <a:endParaRPr/>
-          </a:p>
+          <a:p/>
         </p:txBody>
       </p:sp>
       <p:sp>
         <p:nvSpPr>
           <p:cNvPr id="18" name="Google Shape;18;p2"/>
-          <p:cNvSpPr txBox="1">
-            <a:spLocks noGrp="1"/>
-          </p:cNvSpPr>
+          <p:cNvSpPr txBox="1"/>
           <p:nvPr>
-            <p:ph type="sldNum" idx="12"/>
+            <p:ph idx="12" type="sldNum"/>
           </p:nvPr>
         </p:nvSpPr>
         <p:spPr>
@@ -2424,7 +2359,7 @@
           </a:prstGeom>
         </p:spPr>
         <p:txBody>
-          <a:bodyPr spcFirstLastPara="1" wrap="square" lIns="91425" tIns="91425" rIns="91425" bIns="91425" anchor="ctr" anchorCtr="0">
+          <a:bodyPr anchorCtr="0" anchor="ctr" bIns="91425" lIns="91425" spcFirstLastPara="1" rIns="91425" wrap="square" tIns="91425">
             <a:normAutofit/>
           </a:bodyPr>
           <a:lstStyle>
@@ -2466,7 +2401,7 @@
             </a:lvl9pPr>
           </a:lstStyle>
           <a:p>
-            <a:pPr marL="0" lvl="0" indent="0" algn="r" rtl="0">
+            <a:pPr indent="0" lvl="0" marL="0" rtl="0" algn="r">
               <a:spcBef>
                 <a:spcPts val="0"/>
               </a:spcBef>
@@ -2492,11 +2427,11 @@
 </file>
 
 <file path=ppt/slideLayouts/slideLayout10.xml><?xml version="1.0" encoding="utf-8"?>
-<p:sldLayout xmlns:a="http://schemas.openxmlformats.org/drawingml/2006/main" xmlns:r="http://schemas.openxmlformats.org/officeDocument/2006/relationships" xmlns:p="http://schemas.openxmlformats.org/presentationml/2006/main" matchingName="Big number">
+<p:sldLayout xmlns:a="http://schemas.openxmlformats.org/drawingml/2006/main" xmlns:r="http://schemas.openxmlformats.org/officeDocument/2006/relationships" xmlns:mc="http://schemas.openxmlformats.org/markup-compatibility/2006" xmlns:mv="urn:schemas-microsoft-com:mac:vml" xmlns:p="http://schemas.openxmlformats.org/presentationml/2006/main" xmlns:c="http://schemas.openxmlformats.org/drawingml/2006/chart" xmlns:dgm="http://schemas.openxmlformats.org/drawingml/2006/diagram" xmlns:o="urn:schemas-microsoft-com:office:office" xmlns:v="urn:schemas-microsoft-com:vml" xmlns:pvml="urn:schemas-microsoft-com:office:powerpoint" xmlns:com="http://schemas.openxmlformats.org/drawingml/2006/compatibility" xmlns:p14="http://schemas.microsoft.com/office/powerpoint/2010/main" xmlns:p15="http://schemas.microsoft.com/office/powerpoint/2012/main" xmlns:ahyp="http://schemas.microsoft.com/office/drawing/2018/hyperlinkcolor" matchingName="Big number">
   <p:cSld name="BIG_NUMBER">
     <p:spTree>
       <p:nvGrpSpPr>
-        <p:cNvPr id="1" name="Shape 105"/>
+        <p:cNvPr id="105" name="Shape 105"/>
         <p:cNvGrpSpPr/>
         <p:nvPr/>
       </p:nvGrpSpPr>
@@ -2535,7 +2470,7 @@
             </a:xfrm>
             <a:prstGeom prst="diagStripe">
               <a:avLst>
-                <a:gd name="adj" fmla="val 49469"/>
+                <a:gd fmla="val 49469" name="adj"/>
               </a:avLst>
             </a:prstGeom>
             <a:solidFill>
@@ -2548,12 +2483,12 @@
             </a:ln>
           </p:spPr>
           <p:txBody>
-            <a:bodyPr spcFirstLastPara="1" wrap="square" lIns="91425" tIns="91425" rIns="91425" bIns="91425" anchor="ctr" anchorCtr="0">
+            <a:bodyPr anchorCtr="0" anchor="ctr" bIns="91425" lIns="91425" spcFirstLastPara="1" rIns="91425" wrap="square" tIns="91425">
               <a:noAutofit/>
             </a:bodyPr>
             <a:lstStyle/>
             <a:p>
-              <a:pPr marL="0" lvl="0" indent="0" algn="l" rtl="0">
+              <a:pPr indent="0" lvl="0" marL="0" rtl="0" algn="l">
                 <a:spcBef>
                   <a:spcPts val="0"/>
                 </a:spcBef>
@@ -2562,6 +2497,9 @@
                 </a:spcAft>
                 <a:buNone/>
               </a:pPr>
+              <a:r>
+                <a:t/>
+              </a:r>
               <a:endParaRPr/>
             </a:p>
           </p:txBody>
@@ -2579,7 +2517,7 @@
             </a:xfrm>
             <a:prstGeom prst="diagStripe">
               <a:avLst>
-                <a:gd name="adj" fmla="val 0"/>
+                <a:gd fmla="val 0" name="adj"/>
               </a:avLst>
             </a:prstGeom>
             <a:solidFill>
@@ -2592,12 +2530,12 @@
             </a:ln>
           </p:spPr>
           <p:txBody>
-            <a:bodyPr spcFirstLastPara="1" wrap="square" lIns="91425" tIns="91425" rIns="91425" bIns="91425" anchor="ctr" anchorCtr="0">
+            <a:bodyPr anchorCtr="0" anchor="ctr" bIns="91425" lIns="91425" spcFirstLastPara="1" rIns="91425" wrap="square" tIns="91425">
               <a:noAutofit/>
             </a:bodyPr>
             <a:lstStyle/>
             <a:p>
-              <a:pPr marL="0" lvl="0" indent="0" algn="l" rtl="0">
+              <a:pPr indent="0" lvl="0" marL="0" rtl="0" algn="l">
                 <a:spcBef>
                   <a:spcPts val="0"/>
                 </a:spcBef>
@@ -2606,6 +2544,9 @@
                 </a:spcAft>
                 <a:buNone/>
               </a:pPr>
+              <a:r>
+                <a:t/>
+              </a:r>
               <a:endParaRPr/>
             </a:p>
           </p:txBody>
@@ -2623,7 +2564,7 @@
             </a:xfrm>
             <a:prstGeom prst="diagStripe">
               <a:avLst>
-                <a:gd name="adj" fmla="val 50000"/>
+                <a:gd fmla="val 50000" name="adj"/>
               </a:avLst>
             </a:prstGeom>
             <a:solidFill>
@@ -2636,12 +2577,12 @@
             </a:ln>
           </p:spPr>
           <p:txBody>
-            <a:bodyPr spcFirstLastPara="1" wrap="square" lIns="91425" tIns="91425" rIns="91425" bIns="91425" anchor="ctr" anchorCtr="0">
+            <a:bodyPr anchorCtr="0" anchor="ctr" bIns="91425" lIns="91425" spcFirstLastPara="1" rIns="91425" wrap="square" tIns="91425">
               <a:noAutofit/>
             </a:bodyPr>
             <a:lstStyle/>
             <a:p>
-              <a:pPr marL="0" lvl="0" indent="0" algn="l" rtl="0">
+              <a:pPr indent="0" lvl="0" marL="0" rtl="0" algn="l">
                 <a:spcBef>
                   <a:spcPts val="0"/>
                 </a:spcBef>
@@ -2650,6 +2591,9 @@
                 </a:spcAft>
                 <a:buNone/>
               </a:pPr>
+              <a:r>
+                <a:t/>
+              </a:r>
               <a:endParaRPr/>
             </a:p>
           </p:txBody>
@@ -2667,7 +2611,7 @@
             </a:xfrm>
             <a:prstGeom prst="diagStripe">
               <a:avLst>
-                <a:gd name="adj" fmla="val 50000"/>
+                <a:gd fmla="val 50000" name="adj"/>
               </a:avLst>
             </a:prstGeom>
             <a:solidFill>
@@ -2680,12 +2624,12 @@
             </a:ln>
           </p:spPr>
           <p:txBody>
-            <a:bodyPr spcFirstLastPara="1" wrap="square" lIns="91425" tIns="91425" rIns="91425" bIns="91425" anchor="ctr" anchorCtr="0">
+            <a:bodyPr anchorCtr="0" anchor="ctr" bIns="91425" lIns="91425" spcFirstLastPara="1" rIns="91425" wrap="square" tIns="91425">
               <a:noAutofit/>
             </a:bodyPr>
             <a:lstStyle/>
             <a:p>
-              <a:pPr marL="0" lvl="0" indent="0" algn="l" rtl="0">
+              <a:pPr indent="0" lvl="0" marL="0" rtl="0" algn="l">
                 <a:spcBef>
                   <a:spcPts val="0"/>
                 </a:spcBef>
@@ -2694,6 +2638,9 @@
                 </a:spcAft>
                 <a:buNone/>
               </a:pPr>
+              <a:r>
+                <a:t/>
+              </a:r>
               <a:endParaRPr/>
             </a:p>
           </p:txBody>
@@ -2711,7 +2658,7 @@
             </a:xfrm>
             <a:prstGeom prst="diagStripe">
               <a:avLst>
-                <a:gd name="adj" fmla="val 50000"/>
+                <a:gd fmla="val 50000" name="adj"/>
               </a:avLst>
             </a:prstGeom>
             <a:solidFill>
@@ -2724,12 +2671,12 @@
             </a:ln>
           </p:spPr>
           <p:txBody>
-            <a:bodyPr spcFirstLastPara="1" wrap="square" lIns="91425" tIns="91425" rIns="91425" bIns="91425" anchor="ctr" anchorCtr="0">
+            <a:bodyPr anchorCtr="0" anchor="ctr" bIns="91425" lIns="91425" spcFirstLastPara="1" rIns="91425" wrap="square" tIns="91425">
               <a:noAutofit/>
             </a:bodyPr>
             <a:lstStyle/>
             <a:p>
-              <a:pPr marL="0" lvl="0" indent="0" algn="l" rtl="0">
+              <a:pPr indent="0" lvl="0" marL="0" rtl="0" algn="l">
                 <a:spcBef>
                   <a:spcPts val="0"/>
                 </a:spcBef>
@@ -2738,6 +2685,9 @@
                 </a:spcAft>
                 <a:buNone/>
               </a:pPr>
+              <a:r>
+                <a:t/>
+              </a:r>
               <a:endParaRPr/>
             </a:p>
           </p:txBody>
@@ -2755,7 +2705,7 @@
             </a:xfrm>
             <a:prstGeom prst="diagStripe">
               <a:avLst>
-                <a:gd name="adj" fmla="val 50000"/>
+                <a:gd fmla="val 50000" name="adj"/>
               </a:avLst>
             </a:prstGeom>
             <a:solidFill>
@@ -2768,12 +2718,12 @@
             </a:ln>
           </p:spPr>
           <p:txBody>
-            <a:bodyPr spcFirstLastPara="1" wrap="square" lIns="91425" tIns="91425" rIns="91425" bIns="91425" anchor="ctr" anchorCtr="0">
+            <a:bodyPr anchorCtr="0" anchor="ctr" bIns="91425" lIns="91425" spcFirstLastPara="1" rIns="91425" wrap="square" tIns="91425">
               <a:noAutofit/>
             </a:bodyPr>
             <a:lstStyle/>
             <a:p>
-              <a:pPr marL="0" lvl="0" indent="0" algn="l" rtl="0">
+              <a:pPr indent="0" lvl="0" marL="0" rtl="0" algn="l">
                 <a:spcBef>
                   <a:spcPts val="0"/>
                 </a:spcBef>
@@ -2782,6 +2732,9 @@
                 </a:spcAft>
                 <a:buNone/>
               </a:pPr>
+              <a:r>
+                <a:t/>
+              </a:r>
               <a:endParaRPr/>
             </a:p>
           </p:txBody>
@@ -2799,7 +2752,7 @@
             </a:xfrm>
             <a:prstGeom prst="diagStripe">
               <a:avLst>
-                <a:gd name="adj" fmla="val 50000"/>
+                <a:gd fmla="val 50000" name="adj"/>
               </a:avLst>
             </a:prstGeom>
             <a:solidFill>
@@ -2812,12 +2765,12 @@
             </a:ln>
           </p:spPr>
           <p:txBody>
-            <a:bodyPr spcFirstLastPara="1" wrap="square" lIns="91425" tIns="91425" rIns="91425" bIns="91425" anchor="ctr" anchorCtr="0">
+            <a:bodyPr anchorCtr="0" anchor="ctr" bIns="91425" lIns="91425" spcFirstLastPara="1" rIns="91425" wrap="square" tIns="91425">
               <a:noAutofit/>
             </a:bodyPr>
             <a:lstStyle/>
             <a:p>
-              <a:pPr marL="0" lvl="0" indent="0" algn="l" rtl="0">
+              <a:pPr indent="0" lvl="0" marL="0" rtl="0" algn="l">
                 <a:spcBef>
                   <a:spcPts val="0"/>
                 </a:spcBef>
@@ -2826,6 +2779,9 @@
                 </a:spcAft>
                 <a:buNone/>
               </a:pPr>
+              <a:r>
+                <a:t/>
+              </a:r>
               <a:endParaRPr/>
             </a:p>
           </p:txBody>
@@ -2843,7 +2799,7 @@
             </a:xfrm>
             <a:prstGeom prst="diagStripe">
               <a:avLst>
-                <a:gd name="adj" fmla="val 50000"/>
+                <a:gd fmla="val 50000" name="adj"/>
               </a:avLst>
             </a:prstGeom>
             <a:solidFill>
@@ -2854,12 +2810,12 @@
             </a:ln>
           </p:spPr>
           <p:txBody>
-            <a:bodyPr spcFirstLastPara="1" wrap="square" lIns="91425" tIns="91425" rIns="91425" bIns="91425" anchor="ctr" anchorCtr="0">
+            <a:bodyPr anchorCtr="0" anchor="ctr" bIns="91425" lIns="91425" spcFirstLastPara="1" rIns="91425" wrap="square" tIns="91425">
               <a:noAutofit/>
             </a:bodyPr>
             <a:lstStyle/>
             <a:p>
-              <a:pPr marL="0" lvl="0" indent="0" algn="l" rtl="0">
+              <a:pPr indent="0" lvl="0" marL="0" rtl="0" algn="l">
                 <a:spcBef>
                   <a:spcPts val="0"/>
                 </a:spcBef>
@@ -2868,6 +2824,9 @@
                 </a:spcAft>
                 <a:buNone/>
               </a:pPr>
+              <a:r>
+                <a:t/>
+              </a:r>
               <a:endParaRPr/>
             </a:p>
           </p:txBody>
@@ -2885,7 +2844,7 @@
             </a:xfrm>
             <a:prstGeom prst="diagStripe">
               <a:avLst>
-                <a:gd name="adj" fmla="val 50000"/>
+                <a:gd fmla="val 50000" name="adj"/>
               </a:avLst>
             </a:prstGeom>
             <a:solidFill>
@@ -2898,12 +2857,12 @@
             </a:ln>
           </p:spPr>
           <p:txBody>
-            <a:bodyPr spcFirstLastPara="1" wrap="square" lIns="91425" tIns="91425" rIns="91425" bIns="91425" anchor="ctr" anchorCtr="0">
+            <a:bodyPr anchorCtr="0" anchor="ctr" bIns="91425" lIns="91425" spcFirstLastPara="1" rIns="91425" wrap="square" tIns="91425">
               <a:noAutofit/>
             </a:bodyPr>
             <a:lstStyle/>
             <a:p>
-              <a:pPr marL="0" lvl="0" indent="0" algn="l" rtl="0">
+              <a:pPr indent="0" lvl="0" marL="0" rtl="0" algn="l">
                 <a:spcBef>
                   <a:spcPts val="0"/>
                 </a:spcBef>
@@ -2912,6 +2871,9 @@
                 </a:spcAft>
                 <a:buNone/>
               </a:pPr>
+              <a:r>
+                <a:t/>
+              </a:r>
               <a:endParaRPr/>
             </a:p>
           </p:txBody>
@@ -2929,7 +2891,7 @@
             </a:xfrm>
             <a:prstGeom prst="diagStripe">
               <a:avLst>
-                <a:gd name="adj" fmla="val 50000"/>
+                <a:gd fmla="val 50000" name="adj"/>
               </a:avLst>
             </a:prstGeom>
             <a:solidFill>
@@ -2942,12 +2904,12 @@
             </a:ln>
           </p:spPr>
           <p:txBody>
-            <a:bodyPr spcFirstLastPara="1" wrap="square" lIns="91425" tIns="91425" rIns="91425" bIns="91425" anchor="ctr" anchorCtr="0">
+            <a:bodyPr anchorCtr="0" anchor="ctr" bIns="91425" lIns="91425" spcFirstLastPara="1" rIns="91425" wrap="square" tIns="91425">
               <a:noAutofit/>
             </a:bodyPr>
             <a:lstStyle/>
             <a:p>
-              <a:pPr marL="0" lvl="0" indent="0" algn="l" rtl="0">
+              <a:pPr indent="0" lvl="0" marL="0" rtl="0" algn="l">
                 <a:spcBef>
                   <a:spcPts val="0"/>
                 </a:spcBef>
@@ -2956,6 +2918,9 @@
                 </a:spcAft>
                 <a:buNone/>
               </a:pPr>
+              <a:r>
+                <a:t/>
+              </a:r>
               <a:endParaRPr/>
             </a:p>
           </p:txBody>
@@ -2973,7 +2938,7 @@
             </a:xfrm>
             <a:prstGeom prst="diagStripe">
               <a:avLst>
-                <a:gd name="adj" fmla="val 50000"/>
+                <a:gd fmla="val 50000" name="adj"/>
               </a:avLst>
             </a:prstGeom>
             <a:solidFill>
@@ -2986,12 +2951,12 @@
             </a:ln>
           </p:spPr>
           <p:txBody>
-            <a:bodyPr spcFirstLastPara="1" wrap="square" lIns="91425" tIns="91425" rIns="91425" bIns="91425" anchor="ctr" anchorCtr="0">
+            <a:bodyPr anchorCtr="0" anchor="ctr" bIns="91425" lIns="91425" spcFirstLastPara="1" rIns="91425" wrap="square" tIns="91425">
               <a:noAutofit/>
             </a:bodyPr>
             <a:lstStyle/>
             <a:p>
-              <a:pPr marL="0" lvl="0" indent="0" algn="l" rtl="0">
+              <a:pPr indent="0" lvl="0" marL="0" rtl="0" algn="l">
                 <a:spcBef>
                   <a:spcPts val="0"/>
                 </a:spcBef>
@@ -3000,6 +2965,9 @@
                 </a:spcAft>
                 <a:buNone/>
               </a:pPr>
+              <a:r>
+                <a:t/>
+              </a:r>
               <a:endParaRPr/>
             </a:p>
           </p:txBody>
@@ -3017,7 +2985,7 @@
             </a:xfrm>
             <a:prstGeom prst="diagStripe">
               <a:avLst>
-                <a:gd name="adj" fmla="val 50000"/>
+                <a:gd fmla="val 50000" name="adj"/>
               </a:avLst>
             </a:prstGeom>
             <a:solidFill>
@@ -3030,12 +2998,12 @@
             </a:ln>
           </p:spPr>
           <p:txBody>
-            <a:bodyPr spcFirstLastPara="1" wrap="square" lIns="91425" tIns="91425" rIns="91425" bIns="91425" anchor="ctr" anchorCtr="0">
+            <a:bodyPr anchorCtr="0" anchor="ctr" bIns="91425" lIns="91425" spcFirstLastPara="1" rIns="91425" wrap="square" tIns="91425">
               <a:noAutofit/>
             </a:bodyPr>
             <a:lstStyle/>
             <a:p>
-              <a:pPr marL="0" lvl="0" indent="0" algn="l" rtl="0">
+              <a:pPr indent="0" lvl="0" marL="0" rtl="0" algn="l">
                 <a:spcBef>
                   <a:spcPts val="0"/>
                 </a:spcBef>
@@ -3044,6 +3012,9 @@
                 </a:spcAft>
                 <a:buNone/>
               </a:pPr>
+              <a:r>
+                <a:t/>
+              </a:r>
               <a:endParaRPr/>
             </a:p>
           </p:txBody>
@@ -3061,7 +3032,7 @@
             </a:xfrm>
             <a:prstGeom prst="diagStripe">
               <a:avLst>
-                <a:gd name="adj" fmla="val 50000"/>
+                <a:gd fmla="val 50000" name="adj"/>
               </a:avLst>
             </a:prstGeom>
             <a:solidFill>
@@ -3074,12 +3045,12 @@
             </a:ln>
           </p:spPr>
           <p:txBody>
-            <a:bodyPr spcFirstLastPara="1" wrap="square" lIns="91425" tIns="91425" rIns="91425" bIns="91425" anchor="ctr" anchorCtr="0">
+            <a:bodyPr anchorCtr="0" anchor="ctr" bIns="91425" lIns="91425" spcFirstLastPara="1" rIns="91425" wrap="square" tIns="91425">
               <a:noAutofit/>
             </a:bodyPr>
             <a:lstStyle/>
             <a:p>
-              <a:pPr marL="0" lvl="0" indent="0" algn="l" rtl="0">
+              <a:pPr indent="0" lvl="0" marL="0" rtl="0" algn="l">
                 <a:spcBef>
                   <a:spcPts val="0"/>
                 </a:spcBef>
@@ -3088,6 +3059,9 @@
                 </a:spcAft>
                 <a:buNone/>
               </a:pPr>
+              <a:r>
+                <a:t/>
+              </a:r>
               <a:endParaRPr/>
             </a:p>
           </p:txBody>
@@ -3105,7 +3079,7 @@
             </a:xfrm>
             <a:prstGeom prst="diagStripe">
               <a:avLst>
-                <a:gd name="adj" fmla="val 50000"/>
+                <a:gd fmla="val 50000" name="adj"/>
               </a:avLst>
             </a:prstGeom>
             <a:solidFill>
@@ -3116,12 +3090,12 @@
             </a:ln>
           </p:spPr>
           <p:txBody>
-            <a:bodyPr spcFirstLastPara="1" wrap="square" lIns="91425" tIns="91425" rIns="91425" bIns="91425" anchor="ctr" anchorCtr="0">
+            <a:bodyPr anchorCtr="0" anchor="ctr" bIns="91425" lIns="91425" spcFirstLastPara="1" rIns="91425" wrap="square" tIns="91425">
               <a:noAutofit/>
             </a:bodyPr>
             <a:lstStyle/>
             <a:p>
-              <a:pPr marL="0" lvl="0" indent="0" algn="l" rtl="0">
+              <a:pPr indent="0" lvl="0" marL="0" rtl="0" algn="l">
                 <a:spcBef>
                   <a:spcPts val="0"/>
                 </a:spcBef>
@@ -3130,6 +3104,9 @@
                 </a:spcAft>
                 <a:buNone/>
               </a:pPr>
+              <a:r>
+                <a:t/>
+              </a:r>
               <a:endParaRPr/>
             </a:p>
           </p:txBody>
@@ -3147,7 +3124,7 @@
             </a:xfrm>
             <a:prstGeom prst="diagStripe">
               <a:avLst>
-                <a:gd name="adj" fmla="val 50000"/>
+                <a:gd fmla="val 50000" name="adj"/>
               </a:avLst>
             </a:prstGeom>
             <a:solidFill>
@@ -3160,12 +3137,12 @@
             </a:ln>
           </p:spPr>
           <p:txBody>
-            <a:bodyPr spcFirstLastPara="1" wrap="square" lIns="91425" tIns="91425" rIns="91425" bIns="91425" anchor="ctr" anchorCtr="0">
+            <a:bodyPr anchorCtr="0" anchor="ctr" bIns="91425" lIns="91425" spcFirstLastPara="1" rIns="91425" wrap="square" tIns="91425">
               <a:noAutofit/>
             </a:bodyPr>
             <a:lstStyle/>
             <a:p>
-              <a:pPr marL="0" lvl="0" indent="0" algn="l" rtl="0">
+              <a:pPr indent="0" lvl="0" marL="0" rtl="0" algn="l">
                 <a:spcBef>
                   <a:spcPts val="0"/>
                 </a:spcBef>
@@ -3174,6 +3151,9 @@
                 </a:spcAft>
                 <a:buNone/>
               </a:pPr>
+              <a:r>
+                <a:t/>
+              </a:r>
               <a:endParaRPr/>
             </a:p>
           </p:txBody>
@@ -3191,7 +3171,7 @@
             </a:xfrm>
             <a:prstGeom prst="diagStripe">
               <a:avLst>
-                <a:gd name="adj" fmla="val 50000"/>
+                <a:gd fmla="val 50000" name="adj"/>
               </a:avLst>
             </a:prstGeom>
             <a:solidFill>
@@ -3204,12 +3184,12 @@
             </a:ln>
           </p:spPr>
           <p:txBody>
-            <a:bodyPr spcFirstLastPara="1" wrap="square" lIns="91425" tIns="91425" rIns="91425" bIns="91425" anchor="ctr" anchorCtr="0">
+            <a:bodyPr anchorCtr="0" anchor="ctr" bIns="91425" lIns="91425" spcFirstLastPara="1" rIns="91425" wrap="square" tIns="91425">
               <a:noAutofit/>
             </a:bodyPr>
             <a:lstStyle/>
             <a:p>
-              <a:pPr marL="0" lvl="0" indent="0" algn="l" rtl="0">
+              <a:pPr indent="0" lvl="0" marL="0" rtl="0" algn="l">
                 <a:spcBef>
                   <a:spcPts val="0"/>
                 </a:spcBef>
@@ -3218,6 +3198,9 @@
                 </a:spcAft>
                 <a:buNone/>
               </a:pPr>
+              <a:r>
+                <a:t/>
+              </a:r>
               <a:endParaRPr/>
             </a:p>
           </p:txBody>
@@ -3235,7 +3218,7 @@
             </a:xfrm>
             <a:prstGeom prst="diagStripe">
               <a:avLst>
-                <a:gd name="adj" fmla="val 50000"/>
+                <a:gd fmla="val 50000" name="adj"/>
               </a:avLst>
             </a:prstGeom>
             <a:solidFill>
@@ -3248,12 +3231,12 @@
             </a:ln>
           </p:spPr>
           <p:txBody>
-            <a:bodyPr spcFirstLastPara="1" wrap="square" lIns="91425" tIns="91425" rIns="91425" bIns="91425" anchor="ctr" anchorCtr="0">
+            <a:bodyPr anchorCtr="0" anchor="ctr" bIns="91425" lIns="91425" spcFirstLastPara="1" rIns="91425" wrap="square" tIns="91425">
               <a:noAutofit/>
             </a:bodyPr>
             <a:lstStyle/>
             <a:p>
-              <a:pPr marL="0" lvl="0" indent="0" algn="l" rtl="0">
+              <a:pPr indent="0" lvl="0" marL="0" rtl="0" algn="l">
                 <a:spcBef>
                   <a:spcPts val="0"/>
                 </a:spcBef>
@@ -3262,6 +3245,9 @@
                 </a:spcAft>
                 <a:buNone/>
               </a:pPr>
+              <a:r>
+                <a:t/>
+              </a:r>
               <a:endParaRPr/>
             </a:p>
           </p:txBody>
@@ -3279,7 +3265,7 @@
             </a:xfrm>
             <a:prstGeom prst="diagStripe">
               <a:avLst>
-                <a:gd name="adj" fmla="val 50000"/>
+                <a:gd fmla="val 50000" name="adj"/>
               </a:avLst>
             </a:prstGeom>
             <a:solidFill>
@@ -3292,12 +3278,12 @@
             </a:ln>
           </p:spPr>
           <p:txBody>
-            <a:bodyPr spcFirstLastPara="1" wrap="square" lIns="91425" tIns="91425" rIns="91425" bIns="91425" anchor="ctr" anchorCtr="0">
+            <a:bodyPr anchorCtr="0" anchor="ctr" bIns="91425" lIns="91425" spcFirstLastPara="1" rIns="91425" wrap="square" tIns="91425">
               <a:noAutofit/>
             </a:bodyPr>
             <a:lstStyle/>
             <a:p>
-              <a:pPr marL="0" lvl="0" indent="0" algn="l" rtl="0">
+              <a:pPr indent="0" lvl="0" marL="0" rtl="0" algn="l">
                 <a:spcBef>
                   <a:spcPts val="0"/>
                 </a:spcBef>
@@ -3306,6 +3292,9 @@
                 </a:spcAft>
                 <a:buNone/>
               </a:pPr>
+              <a:r>
+                <a:t/>
+              </a:r>
               <a:endParaRPr/>
             </a:p>
           </p:txBody>
@@ -3314,11 +3303,9 @@
       <p:sp>
         <p:nvSpPr>
           <p:cNvPr id="125" name="Google Shape;125;p11"/>
-          <p:cNvSpPr txBox="1">
-            <a:spLocks noGrp="1"/>
-          </p:cNvSpPr>
+          <p:cNvSpPr txBox="1"/>
           <p:nvPr>
-            <p:ph type="title" hasCustomPrompt="1"/>
+            <p:ph hasCustomPrompt="1" type="title"/>
           </p:nvPr>
         </p:nvSpPr>
         <p:spPr>
@@ -3331,7 +3318,7 @@
           </a:prstGeom>
         </p:spPr>
         <p:txBody>
-          <a:bodyPr spcFirstLastPara="1" wrap="square" lIns="91425" tIns="91425" rIns="91425" bIns="91425" anchor="t" anchorCtr="0">
+          <a:bodyPr anchorCtr="0" anchor="t" bIns="91425" lIns="91425" spcFirstLastPara="1" rIns="91425" wrap="square" tIns="91425">
             <a:normAutofit/>
           </a:bodyPr>
           <a:lstStyle>
@@ -3445,11 +3432,9 @@
       <p:sp>
         <p:nvSpPr>
           <p:cNvPr id="126" name="Google Shape;126;p11"/>
-          <p:cNvSpPr txBox="1">
-            <a:spLocks noGrp="1"/>
-          </p:cNvSpPr>
+          <p:cNvSpPr txBox="1"/>
           <p:nvPr>
-            <p:ph type="body" idx="1"/>
+            <p:ph idx="1" type="body"/>
           </p:nvPr>
         </p:nvSpPr>
         <p:spPr>
@@ -3462,11 +3447,11 @@
           </a:prstGeom>
         </p:spPr>
         <p:txBody>
-          <a:bodyPr spcFirstLastPara="1" wrap="square" lIns="91425" tIns="91425" rIns="91425" bIns="91425" anchor="t" anchorCtr="0">
+          <a:bodyPr anchorCtr="0" anchor="t" bIns="91425" lIns="91425" spcFirstLastPara="1" rIns="91425" wrap="square" tIns="91425">
             <a:normAutofit/>
           </a:bodyPr>
           <a:lstStyle>
-            <a:lvl1pPr marL="457200" lvl="0" indent="-311150">
+            <a:lvl1pPr indent="-311150" lvl="0" marL="457200">
               <a:spcBef>
                 <a:spcPts val="0"/>
               </a:spcBef>
@@ -3477,7 +3462,7 @@
               <a:buChar char="●"/>
               <a:defRPr/>
             </a:lvl1pPr>
-            <a:lvl2pPr marL="914400" lvl="1" indent="-298450">
+            <a:lvl2pPr indent="-298450" lvl="1" marL="914400">
               <a:spcBef>
                 <a:spcPts val="0"/>
               </a:spcBef>
@@ -3488,7 +3473,7 @@
               <a:buChar char="○"/>
               <a:defRPr/>
             </a:lvl2pPr>
-            <a:lvl3pPr marL="1371600" lvl="2" indent="-298450">
+            <a:lvl3pPr indent="-298450" lvl="2" marL="1371600">
               <a:spcBef>
                 <a:spcPts val="0"/>
               </a:spcBef>
@@ -3499,7 +3484,7 @@
               <a:buChar char="■"/>
               <a:defRPr/>
             </a:lvl3pPr>
-            <a:lvl4pPr marL="1828800" lvl="3" indent="-298450">
+            <a:lvl4pPr indent="-298450" lvl="3" marL="1828800">
               <a:spcBef>
                 <a:spcPts val="0"/>
               </a:spcBef>
@@ -3510,7 +3495,7 @@
               <a:buChar char="●"/>
               <a:defRPr/>
             </a:lvl4pPr>
-            <a:lvl5pPr marL="2286000" lvl="4" indent="-298450">
+            <a:lvl5pPr indent="-298450" lvl="4" marL="2286000">
               <a:spcBef>
                 <a:spcPts val="0"/>
               </a:spcBef>
@@ -3521,7 +3506,7 @@
               <a:buChar char="○"/>
               <a:defRPr/>
             </a:lvl5pPr>
-            <a:lvl6pPr marL="2743200" lvl="5" indent="-298450">
+            <a:lvl6pPr indent="-298450" lvl="5" marL="2743200">
               <a:spcBef>
                 <a:spcPts val="0"/>
               </a:spcBef>
@@ -3532,7 +3517,7 @@
               <a:buChar char="■"/>
               <a:defRPr/>
             </a:lvl6pPr>
-            <a:lvl7pPr marL="3200400" lvl="6" indent="-298450">
+            <a:lvl7pPr indent="-298450" lvl="6" marL="3200400">
               <a:spcBef>
                 <a:spcPts val="0"/>
               </a:spcBef>
@@ -3543,7 +3528,7 @@
               <a:buChar char="●"/>
               <a:defRPr/>
             </a:lvl7pPr>
-            <a:lvl8pPr marL="3657600" lvl="7" indent="-298450">
+            <a:lvl8pPr indent="-298450" lvl="7" marL="3657600">
               <a:spcBef>
                 <a:spcPts val="0"/>
               </a:spcBef>
@@ -3554,7 +3539,7 @@
               <a:buChar char="○"/>
               <a:defRPr/>
             </a:lvl8pPr>
-            <a:lvl9pPr marL="4114800" lvl="8" indent="-298450">
+            <a:lvl9pPr indent="-298450" lvl="8" marL="4114800">
               <a:spcBef>
                 <a:spcPts val="0"/>
               </a:spcBef>
@@ -3566,19 +3551,15 @@
               <a:defRPr/>
             </a:lvl9pPr>
           </a:lstStyle>
-          <a:p>
-            <a:endParaRPr/>
-          </a:p>
+          <a:p/>
         </p:txBody>
       </p:sp>
       <p:sp>
         <p:nvSpPr>
           <p:cNvPr id="127" name="Google Shape;127;p11"/>
-          <p:cNvSpPr txBox="1">
-            <a:spLocks noGrp="1"/>
-          </p:cNvSpPr>
+          <p:cNvSpPr txBox="1"/>
           <p:nvPr>
-            <p:ph type="sldNum" idx="12"/>
+            <p:ph idx="12" type="sldNum"/>
           </p:nvPr>
         </p:nvSpPr>
         <p:spPr>
@@ -3591,7 +3572,7 @@
           </a:prstGeom>
         </p:spPr>
         <p:txBody>
-          <a:bodyPr spcFirstLastPara="1" wrap="square" lIns="91425" tIns="91425" rIns="91425" bIns="91425" anchor="ctr" anchorCtr="0">
+          <a:bodyPr anchorCtr="0" anchor="ctr" bIns="91425" lIns="91425" spcFirstLastPara="1" rIns="91425" wrap="square" tIns="91425">
             <a:normAutofit/>
           </a:bodyPr>
           <a:lstStyle>
@@ -3633,7 +3614,7 @@
             </a:lvl9pPr>
           </a:lstStyle>
           <a:p>
-            <a:pPr marL="0" lvl="0" indent="0" algn="r" rtl="0">
+            <a:pPr indent="0" lvl="0" marL="0" rtl="0" algn="r">
               <a:spcBef>
                 <a:spcPts val="0"/>
               </a:spcBef>
@@ -3659,11 +3640,11 @@
 </file>
 
 <file path=ppt/slideLayouts/slideLayout11.xml><?xml version="1.0" encoding="utf-8"?>
-<p:sldLayout xmlns:a="http://schemas.openxmlformats.org/drawingml/2006/main" xmlns:r="http://schemas.openxmlformats.org/officeDocument/2006/relationships" xmlns:p="http://schemas.openxmlformats.org/presentationml/2006/main" matchingName="Blank" type="blank">
+<p:sldLayout xmlns:a="http://schemas.openxmlformats.org/drawingml/2006/main" xmlns:r="http://schemas.openxmlformats.org/officeDocument/2006/relationships" xmlns:mc="http://schemas.openxmlformats.org/markup-compatibility/2006" xmlns:mv="urn:schemas-microsoft-com:mac:vml" xmlns:p="http://schemas.openxmlformats.org/presentationml/2006/main" xmlns:c="http://schemas.openxmlformats.org/drawingml/2006/chart" xmlns:dgm="http://schemas.openxmlformats.org/drawingml/2006/diagram" xmlns:o="urn:schemas-microsoft-com:office:office" xmlns:v="urn:schemas-microsoft-com:vml" xmlns:pvml="urn:schemas-microsoft-com:office:powerpoint" xmlns:com="http://schemas.openxmlformats.org/drawingml/2006/compatibility" xmlns:p14="http://schemas.microsoft.com/office/powerpoint/2010/main" xmlns:p15="http://schemas.microsoft.com/office/powerpoint/2012/main" xmlns:ahyp="http://schemas.microsoft.com/office/drawing/2018/hyperlinkcolor" matchingName="Blank" type="blank">
   <p:cSld name="BLANK">
     <p:spTree>
       <p:nvGrpSpPr>
-        <p:cNvPr id="1" name="Shape 128"/>
+        <p:cNvPr id="128" name="Shape 128"/>
         <p:cNvGrpSpPr/>
         <p:nvPr/>
       </p:nvGrpSpPr>
@@ -3678,11 +3659,9 @@
       <p:sp>
         <p:nvSpPr>
           <p:cNvPr id="129" name="Google Shape;129;p12"/>
-          <p:cNvSpPr txBox="1">
-            <a:spLocks noGrp="1"/>
-          </p:cNvSpPr>
+          <p:cNvSpPr txBox="1"/>
           <p:nvPr>
-            <p:ph type="sldNum" idx="12"/>
+            <p:ph idx="12" type="sldNum"/>
           </p:nvPr>
         </p:nvSpPr>
         <p:spPr>
@@ -3695,7 +3674,7 @@
           </a:prstGeom>
         </p:spPr>
         <p:txBody>
-          <a:bodyPr spcFirstLastPara="1" wrap="square" lIns="91425" tIns="91425" rIns="91425" bIns="91425" anchor="ctr" anchorCtr="0">
+          <a:bodyPr anchorCtr="0" anchor="ctr" bIns="91425" lIns="91425" spcFirstLastPara="1" rIns="91425" wrap="square" tIns="91425">
             <a:normAutofit/>
           </a:bodyPr>
           <a:lstStyle>
@@ -3737,7 +3716,7 @@
             </a:lvl9pPr>
           </a:lstStyle>
           <a:p>
-            <a:pPr marL="0" lvl="0" indent="0" algn="r" rtl="0">
+            <a:pPr indent="0" lvl="0" marL="0" rtl="0" algn="r">
               <a:spcBef>
                 <a:spcPts val="0"/>
               </a:spcBef>
@@ -3763,11 +3742,11 @@
 </file>
 
 <file path=ppt/slideLayouts/slideLayout2.xml><?xml version="1.0" encoding="utf-8"?>
-<p:sldLayout xmlns:a="http://schemas.openxmlformats.org/drawingml/2006/main" xmlns:r="http://schemas.openxmlformats.org/officeDocument/2006/relationships" xmlns:p="http://schemas.openxmlformats.org/presentationml/2006/main" matchingName="Section header" type="secHead">
+<p:sldLayout xmlns:a="http://schemas.openxmlformats.org/drawingml/2006/main" xmlns:r="http://schemas.openxmlformats.org/officeDocument/2006/relationships" xmlns:mc="http://schemas.openxmlformats.org/markup-compatibility/2006" xmlns:mv="urn:schemas-microsoft-com:mac:vml" xmlns:p="http://schemas.openxmlformats.org/presentationml/2006/main" xmlns:c="http://schemas.openxmlformats.org/drawingml/2006/chart" xmlns:dgm="http://schemas.openxmlformats.org/drawingml/2006/diagram" xmlns:o="urn:schemas-microsoft-com:office:office" xmlns:v="urn:schemas-microsoft-com:vml" xmlns:pvml="urn:schemas-microsoft-com:office:powerpoint" xmlns:com="http://schemas.openxmlformats.org/drawingml/2006/compatibility" xmlns:p14="http://schemas.microsoft.com/office/powerpoint/2010/main" xmlns:p15="http://schemas.microsoft.com/office/powerpoint/2012/main" xmlns:ahyp="http://schemas.microsoft.com/office/drawing/2018/hyperlinkcolor" matchingName="Section header" type="secHead">
   <p:cSld name="SECTION_HEADER">
     <p:spTree>
       <p:nvGrpSpPr>
-        <p:cNvPr id="1" name="Shape 19"/>
+        <p:cNvPr id="19" name="Shape 19"/>
         <p:cNvGrpSpPr/>
         <p:nvPr/>
       </p:nvGrpSpPr>
@@ -3806,7 +3785,7 @@
             </a:xfrm>
             <a:prstGeom prst="diagStripe">
               <a:avLst>
-                <a:gd name="adj" fmla="val 49469"/>
+                <a:gd fmla="val 49469" name="adj"/>
               </a:avLst>
             </a:prstGeom>
             <a:solidFill>
@@ -3819,12 +3798,12 @@
             </a:ln>
           </p:spPr>
           <p:txBody>
-            <a:bodyPr spcFirstLastPara="1" wrap="square" lIns="91425" tIns="91425" rIns="91425" bIns="91425" anchor="ctr" anchorCtr="0">
+            <a:bodyPr anchorCtr="0" anchor="ctr" bIns="91425" lIns="91425" spcFirstLastPara="1" rIns="91425" wrap="square" tIns="91425">
               <a:noAutofit/>
             </a:bodyPr>
             <a:lstStyle/>
             <a:p>
-              <a:pPr marL="0" lvl="0" indent="0" algn="l" rtl="0">
+              <a:pPr indent="0" lvl="0" marL="0" rtl="0" algn="l">
                 <a:spcBef>
                   <a:spcPts val="0"/>
                 </a:spcBef>
@@ -3833,6 +3812,9 @@
                 </a:spcAft>
                 <a:buNone/>
               </a:pPr>
+              <a:r>
+                <a:t/>
+              </a:r>
               <a:endParaRPr/>
             </a:p>
           </p:txBody>
@@ -3850,7 +3832,7 @@
             </a:xfrm>
             <a:prstGeom prst="diagStripe">
               <a:avLst>
-                <a:gd name="adj" fmla="val 0"/>
+                <a:gd fmla="val 0" name="adj"/>
               </a:avLst>
             </a:prstGeom>
             <a:solidFill>
@@ -3863,12 +3845,12 @@
             </a:ln>
           </p:spPr>
           <p:txBody>
-            <a:bodyPr spcFirstLastPara="1" wrap="square" lIns="91425" tIns="91425" rIns="91425" bIns="91425" anchor="ctr" anchorCtr="0">
+            <a:bodyPr anchorCtr="0" anchor="ctr" bIns="91425" lIns="91425" spcFirstLastPara="1" rIns="91425" wrap="square" tIns="91425">
               <a:noAutofit/>
             </a:bodyPr>
             <a:lstStyle/>
             <a:p>
-              <a:pPr marL="0" lvl="0" indent="0" algn="l" rtl="0">
+              <a:pPr indent="0" lvl="0" marL="0" rtl="0" algn="l">
                 <a:spcBef>
                   <a:spcPts val="0"/>
                 </a:spcBef>
@@ -3877,6 +3859,9 @@
                 </a:spcAft>
                 <a:buNone/>
               </a:pPr>
+              <a:r>
+                <a:t/>
+              </a:r>
               <a:endParaRPr/>
             </a:p>
           </p:txBody>
@@ -3894,7 +3879,7 @@
             </a:xfrm>
             <a:prstGeom prst="diagStripe">
               <a:avLst>
-                <a:gd name="adj" fmla="val 50000"/>
+                <a:gd fmla="val 50000" name="adj"/>
               </a:avLst>
             </a:prstGeom>
             <a:solidFill>
@@ -3907,12 +3892,12 @@
             </a:ln>
           </p:spPr>
           <p:txBody>
-            <a:bodyPr spcFirstLastPara="1" wrap="square" lIns="91425" tIns="91425" rIns="91425" bIns="91425" anchor="ctr" anchorCtr="0">
+            <a:bodyPr anchorCtr="0" anchor="ctr" bIns="91425" lIns="91425" spcFirstLastPara="1" rIns="91425" wrap="square" tIns="91425">
               <a:noAutofit/>
             </a:bodyPr>
             <a:lstStyle/>
             <a:p>
-              <a:pPr marL="0" lvl="0" indent="0" algn="l" rtl="0">
+              <a:pPr indent="0" lvl="0" marL="0" rtl="0" algn="l">
                 <a:spcBef>
                   <a:spcPts val="0"/>
                 </a:spcBef>
@@ -3921,6 +3906,9 @@
                 </a:spcAft>
                 <a:buNone/>
               </a:pPr>
+              <a:r>
+                <a:t/>
+              </a:r>
               <a:endParaRPr/>
             </a:p>
           </p:txBody>
@@ -3938,7 +3926,7 @@
             </a:xfrm>
             <a:prstGeom prst="diagStripe">
               <a:avLst>
-                <a:gd name="adj" fmla="val 50000"/>
+                <a:gd fmla="val 50000" name="adj"/>
               </a:avLst>
             </a:prstGeom>
             <a:solidFill>
@@ -3951,12 +3939,12 @@
             </a:ln>
           </p:spPr>
           <p:txBody>
-            <a:bodyPr spcFirstLastPara="1" wrap="square" lIns="91425" tIns="91425" rIns="91425" bIns="91425" anchor="ctr" anchorCtr="0">
+            <a:bodyPr anchorCtr="0" anchor="ctr" bIns="91425" lIns="91425" spcFirstLastPara="1" rIns="91425" wrap="square" tIns="91425">
               <a:noAutofit/>
             </a:bodyPr>
             <a:lstStyle/>
             <a:p>
-              <a:pPr marL="0" lvl="0" indent="0" algn="l" rtl="0">
+              <a:pPr indent="0" lvl="0" marL="0" rtl="0" algn="l">
                 <a:spcBef>
                   <a:spcPts val="0"/>
                 </a:spcBef>
@@ -3965,6 +3953,9 @@
                 </a:spcAft>
                 <a:buNone/>
               </a:pPr>
+              <a:r>
+                <a:t/>
+              </a:r>
               <a:endParaRPr/>
             </a:p>
           </p:txBody>
@@ -3982,7 +3973,7 @@
             </a:xfrm>
             <a:prstGeom prst="diagStripe">
               <a:avLst>
-                <a:gd name="adj" fmla="val 50000"/>
+                <a:gd fmla="val 50000" name="adj"/>
               </a:avLst>
             </a:prstGeom>
             <a:solidFill>
@@ -3995,12 +3986,12 @@
             </a:ln>
           </p:spPr>
           <p:txBody>
-            <a:bodyPr spcFirstLastPara="1" wrap="square" lIns="91425" tIns="91425" rIns="91425" bIns="91425" anchor="ctr" anchorCtr="0">
+            <a:bodyPr anchorCtr="0" anchor="ctr" bIns="91425" lIns="91425" spcFirstLastPara="1" rIns="91425" wrap="square" tIns="91425">
               <a:noAutofit/>
             </a:bodyPr>
             <a:lstStyle/>
             <a:p>
-              <a:pPr marL="0" lvl="0" indent="0" algn="l" rtl="0">
+              <a:pPr indent="0" lvl="0" marL="0" rtl="0" algn="l">
                 <a:spcBef>
                   <a:spcPts val="0"/>
                 </a:spcBef>
@@ -4009,6 +4000,9 @@
                 </a:spcAft>
                 <a:buNone/>
               </a:pPr>
+              <a:r>
+                <a:t/>
+              </a:r>
               <a:endParaRPr/>
             </a:p>
           </p:txBody>
@@ -4026,7 +4020,7 @@
             </a:xfrm>
             <a:prstGeom prst="diagStripe">
               <a:avLst>
-                <a:gd name="adj" fmla="val 50000"/>
+                <a:gd fmla="val 50000" name="adj"/>
               </a:avLst>
             </a:prstGeom>
             <a:solidFill>
@@ -4039,12 +4033,12 @@
             </a:ln>
           </p:spPr>
           <p:txBody>
-            <a:bodyPr spcFirstLastPara="1" wrap="square" lIns="91425" tIns="91425" rIns="91425" bIns="91425" anchor="ctr" anchorCtr="0">
+            <a:bodyPr anchorCtr="0" anchor="ctr" bIns="91425" lIns="91425" spcFirstLastPara="1" rIns="91425" wrap="square" tIns="91425">
               <a:noAutofit/>
             </a:bodyPr>
             <a:lstStyle/>
             <a:p>
-              <a:pPr marL="0" lvl="0" indent="0" algn="l" rtl="0">
+              <a:pPr indent="0" lvl="0" marL="0" rtl="0" algn="l">
                 <a:spcBef>
                   <a:spcPts val="0"/>
                 </a:spcBef>
@@ -4053,6 +4047,9 @@
                 </a:spcAft>
                 <a:buNone/>
               </a:pPr>
+              <a:r>
+                <a:t/>
+              </a:r>
               <a:endParaRPr/>
             </a:p>
           </p:txBody>
@@ -4070,7 +4067,7 @@
             </a:xfrm>
             <a:prstGeom prst="diagStripe">
               <a:avLst>
-                <a:gd name="adj" fmla="val 50000"/>
+                <a:gd fmla="val 50000" name="adj"/>
               </a:avLst>
             </a:prstGeom>
             <a:solidFill>
@@ -4083,12 +4080,12 @@
             </a:ln>
           </p:spPr>
           <p:txBody>
-            <a:bodyPr spcFirstLastPara="1" wrap="square" lIns="91425" tIns="91425" rIns="91425" bIns="91425" anchor="ctr" anchorCtr="0">
+            <a:bodyPr anchorCtr="0" anchor="ctr" bIns="91425" lIns="91425" spcFirstLastPara="1" rIns="91425" wrap="square" tIns="91425">
               <a:noAutofit/>
             </a:bodyPr>
             <a:lstStyle/>
             <a:p>
-              <a:pPr marL="0" lvl="0" indent="0" algn="l" rtl="0">
+              <a:pPr indent="0" lvl="0" marL="0" rtl="0" algn="l">
                 <a:spcBef>
                   <a:spcPts val="0"/>
                 </a:spcBef>
@@ -4097,6 +4094,9 @@
                 </a:spcAft>
                 <a:buNone/>
               </a:pPr>
+              <a:r>
+                <a:t/>
+              </a:r>
               <a:endParaRPr/>
             </a:p>
           </p:txBody>
@@ -4114,7 +4114,7 @@
             </a:xfrm>
             <a:prstGeom prst="diagStripe">
               <a:avLst>
-                <a:gd name="adj" fmla="val 50000"/>
+                <a:gd fmla="val 50000" name="adj"/>
               </a:avLst>
             </a:prstGeom>
             <a:solidFill>
@@ -4125,12 +4125,12 @@
             </a:ln>
           </p:spPr>
           <p:txBody>
-            <a:bodyPr spcFirstLastPara="1" wrap="square" lIns="91425" tIns="91425" rIns="91425" bIns="91425" anchor="ctr" anchorCtr="0">
+            <a:bodyPr anchorCtr="0" anchor="ctr" bIns="91425" lIns="91425" spcFirstLastPara="1" rIns="91425" wrap="square" tIns="91425">
               <a:noAutofit/>
             </a:bodyPr>
             <a:lstStyle/>
             <a:p>
-              <a:pPr marL="0" lvl="0" indent="0" algn="l" rtl="0">
+              <a:pPr indent="0" lvl="0" marL="0" rtl="0" algn="l">
                 <a:spcBef>
                   <a:spcPts val="0"/>
                 </a:spcBef>
@@ -4139,6 +4139,9 @@
                 </a:spcAft>
                 <a:buNone/>
               </a:pPr>
+              <a:r>
+                <a:t/>
+              </a:r>
               <a:endParaRPr/>
             </a:p>
           </p:txBody>
@@ -4156,7 +4159,7 @@
             </a:xfrm>
             <a:prstGeom prst="diagStripe">
               <a:avLst>
-                <a:gd name="adj" fmla="val 50000"/>
+                <a:gd fmla="val 50000" name="adj"/>
               </a:avLst>
             </a:prstGeom>
             <a:solidFill>
@@ -4169,12 +4172,12 @@
             </a:ln>
           </p:spPr>
           <p:txBody>
-            <a:bodyPr spcFirstLastPara="1" wrap="square" lIns="91425" tIns="91425" rIns="91425" bIns="91425" anchor="ctr" anchorCtr="0">
+            <a:bodyPr anchorCtr="0" anchor="ctr" bIns="91425" lIns="91425" spcFirstLastPara="1" rIns="91425" wrap="square" tIns="91425">
               <a:noAutofit/>
             </a:bodyPr>
             <a:lstStyle/>
             <a:p>
-              <a:pPr marL="0" lvl="0" indent="0" algn="l" rtl="0">
+              <a:pPr indent="0" lvl="0" marL="0" rtl="0" algn="l">
                 <a:spcBef>
                   <a:spcPts val="0"/>
                 </a:spcBef>
@@ -4183,6 +4186,9 @@
                 </a:spcAft>
                 <a:buNone/>
               </a:pPr>
+              <a:r>
+                <a:t/>
+              </a:r>
               <a:endParaRPr/>
             </a:p>
           </p:txBody>
@@ -4200,7 +4206,7 @@
             </a:xfrm>
             <a:prstGeom prst="diagStripe">
               <a:avLst>
-                <a:gd name="adj" fmla="val 50000"/>
+                <a:gd fmla="val 50000" name="adj"/>
               </a:avLst>
             </a:prstGeom>
             <a:solidFill>
@@ -4213,12 +4219,12 @@
             </a:ln>
           </p:spPr>
           <p:txBody>
-            <a:bodyPr spcFirstLastPara="1" wrap="square" lIns="91425" tIns="91425" rIns="91425" bIns="91425" anchor="ctr" anchorCtr="0">
+            <a:bodyPr anchorCtr="0" anchor="ctr" bIns="91425" lIns="91425" spcFirstLastPara="1" rIns="91425" wrap="square" tIns="91425">
               <a:noAutofit/>
             </a:bodyPr>
             <a:lstStyle/>
             <a:p>
-              <a:pPr marL="0" lvl="0" indent="0" algn="l" rtl="0">
+              <a:pPr indent="0" lvl="0" marL="0" rtl="0" algn="l">
                 <a:spcBef>
                   <a:spcPts val="0"/>
                 </a:spcBef>
@@ -4227,6 +4233,9 @@
                 </a:spcAft>
                 <a:buNone/>
               </a:pPr>
+              <a:r>
+                <a:t/>
+              </a:r>
               <a:endParaRPr/>
             </a:p>
           </p:txBody>
@@ -4244,7 +4253,7 @@
             </a:xfrm>
             <a:prstGeom prst="diagStripe">
               <a:avLst>
-                <a:gd name="adj" fmla="val 50000"/>
+                <a:gd fmla="val 50000" name="adj"/>
               </a:avLst>
             </a:prstGeom>
             <a:solidFill>
@@ -4257,12 +4266,12 @@
             </a:ln>
           </p:spPr>
           <p:txBody>
-            <a:bodyPr spcFirstLastPara="1" wrap="square" lIns="91425" tIns="91425" rIns="91425" bIns="91425" anchor="ctr" anchorCtr="0">
+            <a:bodyPr anchorCtr="0" anchor="ctr" bIns="91425" lIns="91425" spcFirstLastPara="1" rIns="91425" wrap="square" tIns="91425">
               <a:noAutofit/>
             </a:bodyPr>
             <a:lstStyle/>
             <a:p>
-              <a:pPr marL="0" lvl="0" indent="0" algn="l" rtl="0">
+              <a:pPr indent="0" lvl="0" marL="0" rtl="0" algn="l">
                 <a:spcBef>
                   <a:spcPts val="0"/>
                 </a:spcBef>
@@ -4271,6 +4280,9 @@
                 </a:spcAft>
                 <a:buNone/>
               </a:pPr>
+              <a:r>
+                <a:t/>
+              </a:r>
               <a:endParaRPr/>
             </a:p>
           </p:txBody>
@@ -4288,7 +4300,7 @@
             </a:xfrm>
             <a:prstGeom prst="diagStripe">
               <a:avLst>
-                <a:gd name="adj" fmla="val 50000"/>
+                <a:gd fmla="val 50000" name="adj"/>
               </a:avLst>
             </a:prstGeom>
             <a:solidFill>
@@ -4301,12 +4313,12 @@
             </a:ln>
           </p:spPr>
           <p:txBody>
-            <a:bodyPr spcFirstLastPara="1" wrap="square" lIns="91425" tIns="91425" rIns="91425" bIns="91425" anchor="ctr" anchorCtr="0">
+            <a:bodyPr anchorCtr="0" anchor="ctr" bIns="91425" lIns="91425" spcFirstLastPara="1" rIns="91425" wrap="square" tIns="91425">
               <a:noAutofit/>
             </a:bodyPr>
             <a:lstStyle/>
             <a:p>
-              <a:pPr marL="0" lvl="0" indent="0" algn="l" rtl="0">
+              <a:pPr indent="0" lvl="0" marL="0" rtl="0" algn="l">
                 <a:spcBef>
                   <a:spcPts val="0"/>
                 </a:spcBef>
@@ -4315,6 +4327,9 @@
                 </a:spcAft>
                 <a:buNone/>
               </a:pPr>
+              <a:r>
+                <a:t/>
+              </a:r>
               <a:endParaRPr/>
             </a:p>
           </p:txBody>
@@ -4332,7 +4347,7 @@
             </a:xfrm>
             <a:prstGeom prst="diagStripe">
               <a:avLst>
-                <a:gd name="adj" fmla="val 50000"/>
+                <a:gd fmla="val 50000" name="adj"/>
               </a:avLst>
             </a:prstGeom>
             <a:solidFill>
@@ -4345,12 +4360,12 @@
             </a:ln>
           </p:spPr>
           <p:txBody>
-            <a:bodyPr spcFirstLastPara="1" wrap="square" lIns="91425" tIns="91425" rIns="91425" bIns="91425" anchor="ctr" anchorCtr="0">
+            <a:bodyPr anchorCtr="0" anchor="ctr" bIns="91425" lIns="91425" spcFirstLastPara="1" rIns="91425" wrap="square" tIns="91425">
               <a:noAutofit/>
             </a:bodyPr>
             <a:lstStyle/>
             <a:p>
-              <a:pPr marL="0" lvl="0" indent="0" algn="l" rtl="0">
+              <a:pPr indent="0" lvl="0" marL="0" rtl="0" algn="l">
                 <a:spcBef>
                   <a:spcPts val="0"/>
                 </a:spcBef>
@@ -4359,6 +4374,9 @@
                 </a:spcAft>
                 <a:buNone/>
               </a:pPr>
+              <a:r>
+                <a:t/>
+              </a:r>
               <a:endParaRPr/>
             </a:p>
           </p:txBody>
@@ -4376,7 +4394,7 @@
             </a:xfrm>
             <a:prstGeom prst="diagStripe">
               <a:avLst>
-                <a:gd name="adj" fmla="val 50000"/>
+                <a:gd fmla="val 50000" name="adj"/>
               </a:avLst>
             </a:prstGeom>
             <a:solidFill>
@@ -4387,12 +4405,12 @@
             </a:ln>
           </p:spPr>
           <p:txBody>
-            <a:bodyPr spcFirstLastPara="1" wrap="square" lIns="91425" tIns="91425" rIns="91425" bIns="91425" anchor="ctr" anchorCtr="0">
+            <a:bodyPr anchorCtr="0" anchor="ctr" bIns="91425" lIns="91425" spcFirstLastPara="1" rIns="91425" wrap="square" tIns="91425">
               <a:noAutofit/>
             </a:bodyPr>
             <a:lstStyle/>
             <a:p>
-              <a:pPr marL="0" lvl="0" indent="0" algn="l" rtl="0">
+              <a:pPr indent="0" lvl="0" marL="0" rtl="0" algn="l">
                 <a:spcBef>
                   <a:spcPts val="0"/>
                 </a:spcBef>
@@ -4401,6 +4419,9 @@
                 </a:spcAft>
                 <a:buNone/>
               </a:pPr>
+              <a:r>
+                <a:t/>
+              </a:r>
               <a:endParaRPr/>
             </a:p>
           </p:txBody>
@@ -4418,7 +4439,7 @@
             </a:xfrm>
             <a:prstGeom prst="diagStripe">
               <a:avLst>
-                <a:gd name="adj" fmla="val 50000"/>
+                <a:gd fmla="val 50000" name="adj"/>
               </a:avLst>
             </a:prstGeom>
             <a:solidFill>
@@ -4431,12 +4452,12 @@
             </a:ln>
           </p:spPr>
           <p:txBody>
-            <a:bodyPr spcFirstLastPara="1" wrap="square" lIns="91425" tIns="91425" rIns="91425" bIns="91425" anchor="ctr" anchorCtr="0">
+            <a:bodyPr anchorCtr="0" anchor="ctr" bIns="91425" lIns="91425" spcFirstLastPara="1" rIns="91425" wrap="square" tIns="91425">
               <a:noAutofit/>
             </a:bodyPr>
             <a:lstStyle/>
             <a:p>
-              <a:pPr marL="0" lvl="0" indent="0" algn="l" rtl="0">
+              <a:pPr indent="0" lvl="0" marL="0" rtl="0" algn="l">
                 <a:spcBef>
                   <a:spcPts val="0"/>
                 </a:spcBef>
@@ -4445,6 +4466,9 @@
                 </a:spcAft>
                 <a:buNone/>
               </a:pPr>
+              <a:r>
+                <a:t/>
+              </a:r>
               <a:endParaRPr/>
             </a:p>
           </p:txBody>
@@ -4462,7 +4486,7 @@
             </a:xfrm>
             <a:prstGeom prst="diagStripe">
               <a:avLst>
-                <a:gd name="adj" fmla="val 50000"/>
+                <a:gd fmla="val 50000" name="adj"/>
               </a:avLst>
             </a:prstGeom>
             <a:solidFill>
@@ -4475,12 +4499,12 @@
             </a:ln>
           </p:spPr>
           <p:txBody>
-            <a:bodyPr spcFirstLastPara="1" wrap="square" lIns="91425" tIns="91425" rIns="91425" bIns="91425" anchor="ctr" anchorCtr="0">
+            <a:bodyPr anchorCtr="0" anchor="ctr" bIns="91425" lIns="91425" spcFirstLastPara="1" rIns="91425" wrap="square" tIns="91425">
               <a:noAutofit/>
             </a:bodyPr>
             <a:lstStyle/>
             <a:p>
-              <a:pPr marL="0" lvl="0" indent="0" algn="l" rtl="0">
+              <a:pPr indent="0" lvl="0" marL="0" rtl="0" algn="l">
                 <a:spcBef>
                   <a:spcPts val="0"/>
                 </a:spcBef>
@@ -4489,6 +4513,9 @@
                 </a:spcAft>
                 <a:buNone/>
               </a:pPr>
+              <a:r>
+                <a:t/>
+              </a:r>
               <a:endParaRPr/>
             </a:p>
           </p:txBody>
@@ -4506,7 +4533,7 @@
             </a:xfrm>
             <a:prstGeom prst="diagStripe">
               <a:avLst>
-                <a:gd name="adj" fmla="val 50000"/>
+                <a:gd fmla="val 50000" name="adj"/>
               </a:avLst>
             </a:prstGeom>
             <a:solidFill>
@@ -4519,12 +4546,12 @@
             </a:ln>
           </p:spPr>
           <p:txBody>
-            <a:bodyPr spcFirstLastPara="1" wrap="square" lIns="91425" tIns="91425" rIns="91425" bIns="91425" anchor="ctr" anchorCtr="0">
+            <a:bodyPr anchorCtr="0" anchor="ctr" bIns="91425" lIns="91425" spcFirstLastPara="1" rIns="91425" wrap="square" tIns="91425">
               <a:noAutofit/>
             </a:bodyPr>
             <a:lstStyle/>
             <a:p>
-              <a:pPr marL="0" lvl="0" indent="0" algn="l" rtl="0">
+              <a:pPr indent="0" lvl="0" marL="0" rtl="0" algn="l">
                 <a:spcBef>
                   <a:spcPts val="0"/>
                 </a:spcBef>
@@ -4533,6 +4560,9 @@
                 </a:spcAft>
                 <a:buNone/>
               </a:pPr>
+              <a:r>
+                <a:t/>
+              </a:r>
               <a:endParaRPr/>
             </a:p>
           </p:txBody>
@@ -4550,7 +4580,7 @@
             </a:xfrm>
             <a:prstGeom prst="diagStripe">
               <a:avLst>
-                <a:gd name="adj" fmla="val 50000"/>
+                <a:gd fmla="val 50000" name="adj"/>
               </a:avLst>
             </a:prstGeom>
             <a:solidFill>
@@ -4563,12 +4593,12 @@
             </a:ln>
           </p:spPr>
           <p:txBody>
-            <a:bodyPr spcFirstLastPara="1" wrap="square" lIns="91425" tIns="91425" rIns="91425" bIns="91425" anchor="ctr" anchorCtr="0">
+            <a:bodyPr anchorCtr="0" anchor="ctr" bIns="91425" lIns="91425" spcFirstLastPara="1" rIns="91425" wrap="square" tIns="91425">
               <a:noAutofit/>
             </a:bodyPr>
             <a:lstStyle/>
             <a:p>
-              <a:pPr marL="0" lvl="0" indent="0" algn="l" rtl="0">
+              <a:pPr indent="0" lvl="0" marL="0" rtl="0" algn="l">
                 <a:spcBef>
                   <a:spcPts val="0"/>
                 </a:spcBef>
@@ -4577,6 +4607,9 @@
                 </a:spcAft>
                 <a:buNone/>
               </a:pPr>
+              <a:r>
+                <a:t/>
+              </a:r>
               <a:endParaRPr/>
             </a:p>
           </p:txBody>
@@ -4585,9 +4618,7 @@
       <p:sp>
         <p:nvSpPr>
           <p:cNvPr id="39" name="Google Shape;39;p3"/>
-          <p:cNvSpPr txBox="1">
-            <a:spLocks noGrp="1"/>
-          </p:cNvSpPr>
+          <p:cNvSpPr txBox="1"/>
           <p:nvPr>
             <p:ph type="title"/>
           </p:nvPr>
@@ -4602,7 +4633,7 @@
           </a:prstGeom>
         </p:spPr>
         <p:txBody>
-          <a:bodyPr spcFirstLastPara="1" wrap="square" lIns="91425" tIns="91425" rIns="91425" bIns="91425" anchor="ctr" anchorCtr="0">
+          <a:bodyPr anchorCtr="0" anchor="ctr" bIns="91425" lIns="91425" spcFirstLastPara="1" rIns="91425" wrap="square" tIns="91425">
             <a:normAutofit/>
           </a:bodyPr>
           <a:lstStyle>
@@ -4706,19 +4737,15 @@
               <a:defRPr/>
             </a:lvl9pPr>
           </a:lstStyle>
-          <a:p>
-            <a:endParaRPr/>
-          </a:p>
+          <a:p/>
         </p:txBody>
       </p:sp>
       <p:sp>
         <p:nvSpPr>
           <p:cNvPr id="40" name="Google Shape;40;p3"/>
-          <p:cNvSpPr txBox="1">
-            <a:spLocks noGrp="1"/>
-          </p:cNvSpPr>
+          <p:cNvSpPr txBox="1"/>
           <p:nvPr>
-            <p:ph type="sldNum" idx="12"/>
+            <p:ph idx="12" type="sldNum"/>
           </p:nvPr>
         </p:nvSpPr>
         <p:spPr>
@@ -4731,7 +4758,7 @@
           </a:prstGeom>
         </p:spPr>
         <p:txBody>
-          <a:bodyPr spcFirstLastPara="1" wrap="square" lIns="91425" tIns="91425" rIns="91425" bIns="91425" anchor="ctr" anchorCtr="0">
+          <a:bodyPr anchorCtr="0" anchor="ctr" bIns="91425" lIns="91425" spcFirstLastPara="1" rIns="91425" wrap="square" tIns="91425">
             <a:normAutofit/>
           </a:bodyPr>
           <a:lstStyle>
@@ -4773,7 +4800,7 @@
             </a:lvl9pPr>
           </a:lstStyle>
           <a:p>
-            <a:pPr marL="0" lvl="0" indent="0" algn="r" rtl="0">
+            <a:pPr indent="0" lvl="0" marL="0" rtl="0" algn="r">
               <a:spcBef>
                 <a:spcPts val="0"/>
               </a:spcBef>
@@ -4799,11 +4826,11 @@
 </file>
 
 <file path=ppt/slideLayouts/slideLayout3.xml><?xml version="1.0" encoding="utf-8"?>
-<p:sldLayout xmlns:a="http://schemas.openxmlformats.org/drawingml/2006/main" xmlns:r="http://schemas.openxmlformats.org/officeDocument/2006/relationships" xmlns:p="http://schemas.openxmlformats.org/presentationml/2006/main" matchingName="Title and body" type="tx">
+<p:sldLayout xmlns:a="http://schemas.openxmlformats.org/drawingml/2006/main" xmlns:r="http://schemas.openxmlformats.org/officeDocument/2006/relationships" xmlns:mc="http://schemas.openxmlformats.org/markup-compatibility/2006" xmlns:mv="urn:schemas-microsoft-com:mac:vml" xmlns:p="http://schemas.openxmlformats.org/presentationml/2006/main" xmlns:c="http://schemas.openxmlformats.org/drawingml/2006/chart" xmlns:dgm="http://schemas.openxmlformats.org/drawingml/2006/diagram" xmlns:o="urn:schemas-microsoft-com:office:office" xmlns:v="urn:schemas-microsoft-com:vml" xmlns:pvml="urn:schemas-microsoft-com:office:powerpoint" xmlns:com="http://schemas.openxmlformats.org/drawingml/2006/compatibility" xmlns:p14="http://schemas.microsoft.com/office/powerpoint/2010/main" xmlns:p15="http://schemas.microsoft.com/office/powerpoint/2012/main" xmlns:ahyp="http://schemas.microsoft.com/office/drawing/2018/hyperlinkcolor" matchingName="Title and body" type="tx">
   <p:cSld name="TITLE_AND_BODY">
     <p:spTree>
       <p:nvGrpSpPr>
-        <p:cNvPr id="1" name="Shape 41"/>
+        <p:cNvPr id="41" name="Shape 41"/>
         <p:cNvGrpSpPr/>
         <p:nvPr/>
       </p:nvGrpSpPr>
@@ -4842,7 +4869,7 @@
             </a:xfrm>
             <a:prstGeom prst="diagStripe">
               <a:avLst>
-                <a:gd name="adj" fmla="val 50000"/>
+                <a:gd fmla="val 50000" name="adj"/>
               </a:avLst>
             </a:prstGeom>
             <a:solidFill>
@@ -4853,12 +4880,12 @@
             </a:ln>
           </p:spPr>
           <p:txBody>
-            <a:bodyPr spcFirstLastPara="1" wrap="square" lIns="91425" tIns="91425" rIns="91425" bIns="91425" anchor="ctr" anchorCtr="0">
+            <a:bodyPr anchorCtr="0" anchor="ctr" bIns="91425" lIns="91425" spcFirstLastPara="1" rIns="91425" wrap="square" tIns="91425">
               <a:noAutofit/>
             </a:bodyPr>
             <a:lstStyle/>
             <a:p>
-              <a:pPr marL="0" lvl="0" indent="0" algn="l" rtl="0">
+              <a:pPr indent="0" lvl="0" marL="0" rtl="0" algn="l">
                 <a:spcBef>
                   <a:spcPts val="0"/>
                 </a:spcBef>
@@ -4867,6 +4894,9 @@
                 </a:spcAft>
                 <a:buNone/>
               </a:pPr>
+              <a:r>
+                <a:t/>
+              </a:r>
               <a:endParaRPr/>
             </a:p>
           </p:txBody>
@@ -4884,7 +4914,7 @@
             </a:xfrm>
             <a:prstGeom prst="diagStripe">
               <a:avLst>
-                <a:gd name="adj" fmla="val 50000"/>
+                <a:gd fmla="val 50000" name="adj"/>
               </a:avLst>
             </a:prstGeom>
             <a:solidFill>
@@ -4895,12 +4925,12 @@
             </a:ln>
           </p:spPr>
           <p:txBody>
-            <a:bodyPr spcFirstLastPara="1" wrap="square" lIns="91425" tIns="91425" rIns="91425" bIns="91425" anchor="ctr" anchorCtr="0">
+            <a:bodyPr anchorCtr="0" anchor="ctr" bIns="91425" lIns="91425" spcFirstLastPara="1" rIns="91425" wrap="square" tIns="91425">
               <a:noAutofit/>
             </a:bodyPr>
             <a:lstStyle/>
             <a:p>
-              <a:pPr marL="0" lvl="0" indent="0" algn="l" rtl="0">
+              <a:pPr indent="0" lvl="0" marL="0" rtl="0" algn="l">
                 <a:spcBef>
                   <a:spcPts val="0"/>
                 </a:spcBef>
@@ -4909,6 +4939,9 @@
                 </a:spcAft>
                 <a:buNone/>
               </a:pPr>
+              <a:r>
+                <a:t/>
+              </a:r>
               <a:endParaRPr/>
             </a:p>
           </p:txBody>
@@ -4917,9 +4950,7 @@
       <p:sp>
         <p:nvSpPr>
           <p:cNvPr id="45" name="Google Shape;45;p4"/>
-          <p:cNvSpPr txBox="1">
-            <a:spLocks noGrp="1"/>
-          </p:cNvSpPr>
+          <p:cNvSpPr txBox="1"/>
           <p:nvPr>
             <p:ph type="title"/>
           </p:nvPr>
@@ -4934,7 +4965,7 @@
           </a:prstGeom>
         </p:spPr>
         <p:txBody>
-          <a:bodyPr spcFirstLastPara="1" wrap="square" lIns="91425" tIns="91425" rIns="91425" bIns="91425" anchor="t" anchorCtr="0">
+          <a:bodyPr anchorCtr="0" anchor="t" bIns="91425" lIns="91425" spcFirstLastPara="1" rIns="91425" wrap="square" tIns="91425">
             <a:normAutofit/>
           </a:bodyPr>
           <a:lstStyle>
@@ -5038,19 +5069,15 @@
               <a:defRPr sz="2400"/>
             </a:lvl9pPr>
           </a:lstStyle>
-          <a:p>
-            <a:endParaRPr/>
-          </a:p>
+          <a:p/>
         </p:txBody>
       </p:sp>
       <p:sp>
         <p:nvSpPr>
           <p:cNvPr id="46" name="Google Shape;46;p4"/>
-          <p:cNvSpPr txBox="1">
-            <a:spLocks noGrp="1"/>
-          </p:cNvSpPr>
+          <p:cNvSpPr txBox="1"/>
           <p:nvPr>
-            <p:ph type="body" idx="1"/>
+            <p:ph idx="1" type="body"/>
           </p:nvPr>
         </p:nvSpPr>
         <p:spPr>
@@ -5063,11 +5090,11 @@
           </a:prstGeom>
         </p:spPr>
         <p:txBody>
-          <a:bodyPr spcFirstLastPara="1" wrap="square" lIns="91425" tIns="91425" rIns="91425" bIns="91425" anchor="t" anchorCtr="0">
+          <a:bodyPr anchorCtr="0" anchor="t" bIns="91425" lIns="91425" spcFirstLastPara="1" rIns="91425" wrap="square" tIns="91425">
             <a:normAutofit/>
           </a:bodyPr>
           <a:lstStyle>
-            <a:lvl1pPr marL="457200" lvl="0" indent="-311150">
+            <a:lvl1pPr indent="-311150" lvl="0" marL="457200">
               <a:spcBef>
                 <a:spcPts val="0"/>
               </a:spcBef>
@@ -5078,7 +5105,7 @@
               <a:buChar char="●"/>
               <a:defRPr/>
             </a:lvl1pPr>
-            <a:lvl2pPr marL="914400" lvl="1" indent="-298450">
+            <a:lvl2pPr indent="-298450" lvl="1" marL="914400">
               <a:spcBef>
                 <a:spcPts val="0"/>
               </a:spcBef>
@@ -5089,7 +5116,7 @@
               <a:buChar char="○"/>
               <a:defRPr/>
             </a:lvl2pPr>
-            <a:lvl3pPr marL="1371600" lvl="2" indent="-298450">
+            <a:lvl3pPr indent="-298450" lvl="2" marL="1371600">
               <a:spcBef>
                 <a:spcPts val="0"/>
               </a:spcBef>
@@ -5100,7 +5127,7 @@
               <a:buChar char="■"/>
               <a:defRPr/>
             </a:lvl3pPr>
-            <a:lvl4pPr marL="1828800" lvl="3" indent="-298450">
+            <a:lvl4pPr indent="-298450" lvl="3" marL="1828800">
               <a:spcBef>
                 <a:spcPts val="0"/>
               </a:spcBef>
@@ -5111,7 +5138,7 @@
               <a:buChar char="●"/>
               <a:defRPr/>
             </a:lvl4pPr>
-            <a:lvl5pPr marL="2286000" lvl="4" indent="-298450">
+            <a:lvl5pPr indent="-298450" lvl="4" marL="2286000">
               <a:spcBef>
                 <a:spcPts val="0"/>
               </a:spcBef>
@@ -5122,7 +5149,7 @@
               <a:buChar char="○"/>
               <a:defRPr/>
             </a:lvl5pPr>
-            <a:lvl6pPr marL="2743200" lvl="5" indent="-298450">
+            <a:lvl6pPr indent="-298450" lvl="5" marL="2743200">
               <a:spcBef>
                 <a:spcPts val="0"/>
               </a:spcBef>
@@ -5133,7 +5160,7 @@
               <a:buChar char="■"/>
               <a:defRPr/>
             </a:lvl6pPr>
-            <a:lvl7pPr marL="3200400" lvl="6" indent="-298450">
+            <a:lvl7pPr indent="-298450" lvl="6" marL="3200400">
               <a:spcBef>
                 <a:spcPts val="0"/>
               </a:spcBef>
@@ -5144,7 +5171,7 @@
               <a:buChar char="●"/>
               <a:defRPr/>
             </a:lvl7pPr>
-            <a:lvl8pPr marL="3657600" lvl="7" indent="-298450">
+            <a:lvl8pPr indent="-298450" lvl="7" marL="3657600">
               <a:spcBef>
                 <a:spcPts val="0"/>
               </a:spcBef>
@@ -5155,7 +5182,7 @@
               <a:buChar char="○"/>
               <a:defRPr/>
             </a:lvl8pPr>
-            <a:lvl9pPr marL="4114800" lvl="8" indent="-298450">
+            <a:lvl9pPr indent="-298450" lvl="8" marL="4114800">
               <a:spcBef>
                 <a:spcPts val="0"/>
               </a:spcBef>
@@ -5167,19 +5194,15 @@
               <a:defRPr/>
             </a:lvl9pPr>
           </a:lstStyle>
-          <a:p>
-            <a:endParaRPr/>
-          </a:p>
+          <a:p/>
         </p:txBody>
       </p:sp>
       <p:sp>
         <p:nvSpPr>
           <p:cNvPr id="47" name="Google Shape;47;p4"/>
-          <p:cNvSpPr txBox="1">
-            <a:spLocks noGrp="1"/>
-          </p:cNvSpPr>
+          <p:cNvSpPr txBox="1"/>
           <p:nvPr>
-            <p:ph type="sldNum" idx="12"/>
+            <p:ph idx="12" type="sldNum"/>
           </p:nvPr>
         </p:nvSpPr>
         <p:spPr>
@@ -5192,7 +5215,7 @@
           </a:prstGeom>
         </p:spPr>
         <p:txBody>
-          <a:bodyPr spcFirstLastPara="1" wrap="square" lIns="91425" tIns="91425" rIns="91425" bIns="91425" anchor="ctr" anchorCtr="0">
+          <a:bodyPr anchorCtr="0" anchor="ctr" bIns="91425" lIns="91425" spcFirstLastPara="1" rIns="91425" wrap="square" tIns="91425">
             <a:normAutofit/>
           </a:bodyPr>
           <a:lstStyle>
@@ -5234,7 +5257,7 @@
             </a:lvl9pPr>
           </a:lstStyle>
           <a:p>
-            <a:pPr marL="0" lvl="0" indent="0" algn="r" rtl="0">
+            <a:pPr indent="0" lvl="0" marL="0" rtl="0" algn="r">
               <a:spcBef>
                 <a:spcPts val="0"/>
               </a:spcBef>
@@ -5260,11 +5283,11 @@
 </file>
 
 <file path=ppt/slideLayouts/slideLayout4.xml><?xml version="1.0" encoding="utf-8"?>
-<p:sldLayout xmlns:a="http://schemas.openxmlformats.org/drawingml/2006/main" xmlns:r="http://schemas.openxmlformats.org/officeDocument/2006/relationships" xmlns:p="http://schemas.openxmlformats.org/presentationml/2006/main" matchingName="Title and two columns" type="twoColTx">
+<p:sldLayout xmlns:a="http://schemas.openxmlformats.org/drawingml/2006/main" xmlns:r="http://schemas.openxmlformats.org/officeDocument/2006/relationships" xmlns:mc="http://schemas.openxmlformats.org/markup-compatibility/2006" xmlns:mv="urn:schemas-microsoft-com:mac:vml" xmlns:p="http://schemas.openxmlformats.org/presentationml/2006/main" xmlns:c="http://schemas.openxmlformats.org/drawingml/2006/chart" xmlns:dgm="http://schemas.openxmlformats.org/drawingml/2006/diagram" xmlns:o="urn:schemas-microsoft-com:office:office" xmlns:v="urn:schemas-microsoft-com:vml" xmlns:pvml="urn:schemas-microsoft-com:office:powerpoint" xmlns:com="http://schemas.openxmlformats.org/drawingml/2006/compatibility" xmlns:p14="http://schemas.microsoft.com/office/powerpoint/2010/main" xmlns:p15="http://schemas.microsoft.com/office/powerpoint/2012/main" xmlns:ahyp="http://schemas.microsoft.com/office/drawing/2018/hyperlinkcolor" matchingName="Title and two columns" type="twoColTx">
   <p:cSld name="TITLE_AND_TWO_COLUMNS">
     <p:spTree>
       <p:nvGrpSpPr>
-        <p:cNvPr id="1" name="Shape 48"/>
+        <p:cNvPr id="48" name="Shape 48"/>
         <p:cNvGrpSpPr/>
         <p:nvPr/>
       </p:nvGrpSpPr>
@@ -5303,7 +5326,7 @@
             </a:xfrm>
             <a:prstGeom prst="diagStripe">
               <a:avLst>
-                <a:gd name="adj" fmla="val 50000"/>
+                <a:gd fmla="val 50000" name="adj"/>
               </a:avLst>
             </a:prstGeom>
             <a:solidFill>
@@ -5314,12 +5337,12 @@
             </a:ln>
           </p:spPr>
           <p:txBody>
-            <a:bodyPr spcFirstLastPara="1" wrap="square" lIns="91425" tIns="91425" rIns="91425" bIns="91425" anchor="ctr" anchorCtr="0">
+            <a:bodyPr anchorCtr="0" anchor="ctr" bIns="91425" lIns="91425" spcFirstLastPara="1" rIns="91425" wrap="square" tIns="91425">
               <a:noAutofit/>
             </a:bodyPr>
             <a:lstStyle/>
             <a:p>
-              <a:pPr marL="0" lvl="0" indent="0" algn="l" rtl="0">
+              <a:pPr indent="0" lvl="0" marL="0" rtl="0" algn="l">
                 <a:spcBef>
                   <a:spcPts val="0"/>
                 </a:spcBef>
@@ -5328,6 +5351,9 @@
                 </a:spcAft>
                 <a:buNone/>
               </a:pPr>
+              <a:r>
+                <a:t/>
+              </a:r>
               <a:endParaRPr/>
             </a:p>
           </p:txBody>
@@ -5345,7 +5371,7 @@
             </a:xfrm>
             <a:prstGeom prst="diagStripe">
               <a:avLst>
-                <a:gd name="adj" fmla="val 50000"/>
+                <a:gd fmla="val 50000" name="adj"/>
               </a:avLst>
             </a:prstGeom>
             <a:solidFill>
@@ -5356,12 +5382,12 @@
             </a:ln>
           </p:spPr>
           <p:txBody>
-            <a:bodyPr spcFirstLastPara="1" wrap="square" lIns="91425" tIns="91425" rIns="91425" bIns="91425" anchor="ctr" anchorCtr="0">
+            <a:bodyPr anchorCtr="0" anchor="ctr" bIns="91425" lIns="91425" spcFirstLastPara="1" rIns="91425" wrap="square" tIns="91425">
               <a:noAutofit/>
             </a:bodyPr>
             <a:lstStyle/>
             <a:p>
-              <a:pPr marL="0" lvl="0" indent="0" algn="l" rtl="0">
+              <a:pPr indent="0" lvl="0" marL="0" rtl="0" algn="l">
                 <a:spcBef>
                   <a:spcPts val="0"/>
                 </a:spcBef>
@@ -5370,6 +5396,9 @@
                 </a:spcAft>
                 <a:buNone/>
               </a:pPr>
+              <a:r>
+                <a:t/>
+              </a:r>
               <a:endParaRPr/>
             </a:p>
           </p:txBody>
@@ -5378,9 +5407,7 @@
       <p:sp>
         <p:nvSpPr>
           <p:cNvPr id="52" name="Google Shape;52;p5"/>
-          <p:cNvSpPr txBox="1">
-            <a:spLocks noGrp="1"/>
-          </p:cNvSpPr>
+          <p:cNvSpPr txBox="1"/>
           <p:nvPr>
             <p:ph type="title"/>
           </p:nvPr>
@@ -5395,7 +5422,7 @@
           </a:prstGeom>
         </p:spPr>
         <p:txBody>
-          <a:bodyPr spcFirstLastPara="1" wrap="square" lIns="91425" tIns="91425" rIns="91425" bIns="91425" anchor="t" anchorCtr="0">
+          <a:bodyPr anchorCtr="0" anchor="t" bIns="91425" lIns="91425" spcFirstLastPara="1" rIns="91425" wrap="square" tIns="91425">
             <a:normAutofit/>
           </a:bodyPr>
           <a:lstStyle>
@@ -5499,19 +5526,15 @@
               <a:defRPr sz="2400"/>
             </a:lvl9pPr>
           </a:lstStyle>
-          <a:p>
-            <a:endParaRPr/>
-          </a:p>
+          <a:p/>
         </p:txBody>
       </p:sp>
       <p:sp>
         <p:nvSpPr>
           <p:cNvPr id="53" name="Google Shape;53;p5"/>
-          <p:cNvSpPr txBox="1">
-            <a:spLocks noGrp="1"/>
-          </p:cNvSpPr>
+          <p:cNvSpPr txBox="1"/>
           <p:nvPr>
-            <p:ph type="body" idx="1"/>
+            <p:ph idx="1" type="body"/>
           </p:nvPr>
         </p:nvSpPr>
         <p:spPr>
@@ -5524,11 +5547,11 @@
           </a:prstGeom>
         </p:spPr>
         <p:txBody>
-          <a:bodyPr spcFirstLastPara="1" wrap="square" lIns="91425" tIns="91425" rIns="91425" bIns="91425" anchor="t" anchorCtr="0">
+          <a:bodyPr anchorCtr="0" anchor="t" bIns="91425" lIns="91425" spcFirstLastPara="1" rIns="91425" wrap="square" tIns="91425">
             <a:normAutofit/>
           </a:bodyPr>
           <a:lstStyle>
-            <a:lvl1pPr marL="457200" lvl="0" indent="-311150">
+            <a:lvl1pPr indent="-311150" lvl="0" marL="457200">
               <a:spcBef>
                 <a:spcPts val="0"/>
               </a:spcBef>
@@ -5539,7 +5562,7 @@
               <a:buChar char="●"/>
               <a:defRPr/>
             </a:lvl1pPr>
-            <a:lvl2pPr marL="914400" lvl="1" indent="-298450">
+            <a:lvl2pPr indent="-298450" lvl="1" marL="914400">
               <a:spcBef>
                 <a:spcPts val="0"/>
               </a:spcBef>
@@ -5550,7 +5573,7 @@
               <a:buChar char="○"/>
               <a:defRPr/>
             </a:lvl2pPr>
-            <a:lvl3pPr marL="1371600" lvl="2" indent="-298450">
+            <a:lvl3pPr indent="-298450" lvl="2" marL="1371600">
               <a:spcBef>
                 <a:spcPts val="0"/>
               </a:spcBef>
@@ -5561,7 +5584,7 @@
               <a:buChar char="■"/>
               <a:defRPr/>
             </a:lvl3pPr>
-            <a:lvl4pPr marL="1828800" lvl="3" indent="-298450">
+            <a:lvl4pPr indent="-298450" lvl="3" marL="1828800">
               <a:spcBef>
                 <a:spcPts val="0"/>
               </a:spcBef>
@@ -5572,7 +5595,7 @@
               <a:buChar char="●"/>
               <a:defRPr/>
             </a:lvl4pPr>
-            <a:lvl5pPr marL="2286000" lvl="4" indent="-298450">
+            <a:lvl5pPr indent="-298450" lvl="4" marL="2286000">
               <a:spcBef>
                 <a:spcPts val="0"/>
               </a:spcBef>
@@ -5583,7 +5606,7 @@
               <a:buChar char="○"/>
               <a:defRPr/>
             </a:lvl5pPr>
-            <a:lvl6pPr marL="2743200" lvl="5" indent="-298450">
+            <a:lvl6pPr indent="-298450" lvl="5" marL="2743200">
               <a:spcBef>
                 <a:spcPts val="0"/>
               </a:spcBef>
@@ -5594,7 +5617,7 @@
               <a:buChar char="■"/>
               <a:defRPr/>
             </a:lvl6pPr>
-            <a:lvl7pPr marL="3200400" lvl="6" indent="-298450">
+            <a:lvl7pPr indent="-298450" lvl="6" marL="3200400">
               <a:spcBef>
                 <a:spcPts val="0"/>
               </a:spcBef>
@@ -5605,7 +5628,7 @@
               <a:buChar char="●"/>
               <a:defRPr/>
             </a:lvl7pPr>
-            <a:lvl8pPr marL="3657600" lvl="7" indent="-298450">
+            <a:lvl8pPr indent="-298450" lvl="7" marL="3657600">
               <a:spcBef>
                 <a:spcPts val="0"/>
               </a:spcBef>
@@ -5616,7 +5639,7 @@
               <a:buChar char="○"/>
               <a:defRPr/>
             </a:lvl8pPr>
-            <a:lvl9pPr marL="4114800" lvl="8" indent="-298450">
+            <a:lvl9pPr indent="-298450" lvl="8" marL="4114800">
               <a:spcBef>
                 <a:spcPts val="0"/>
               </a:spcBef>
@@ -5628,19 +5651,15 @@
               <a:defRPr/>
             </a:lvl9pPr>
           </a:lstStyle>
-          <a:p>
-            <a:endParaRPr/>
-          </a:p>
+          <a:p/>
         </p:txBody>
       </p:sp>
       <p:sp>
         <p:nvSpPr>
           <p:cNvPr id="54" name="Google Shape;54;p5"/>
-          <p:cNvSpPr txBox="1">
-            <a:spLocks noGrp="1"/>
-          </p:cNvSpPr>
+          <p:cNvSpPr txBox="1"/>
           <p:nvPr>
-            <p:ph type="body" idx="2"/>
+            <p:ph idx="2" type="body"/>
           </p:nvPr>
         </p:nvSpPr>
         <p:spPr>
@@ -5653,11 +5672,11 @@
           </a:prstGeom>
         </p:spPr>
         <p:txBody>
-          <a:bodyPr spcFirstLastPara="1" wrap="square" lIns="91425" tIns="91425" rIns="91425" bIns="91425" anchor="t" anchorCtr="0">
+          <a:bodyPr anchorCtr="0" anchor="t" bIns="91425" lIns="91425" spcFirstLastPara="1" rIns="91425" wrap="square" tIns="91425">
             <a:normAutofit/>
           </a:bodyPr>
           <a:lstStyle>
-            <a:lvl1pPr marL="457200" lvl="0" indent="-311150">
+            <a:lvl1pPr indent="-311150" lvl="0" marL="457200">
               <a:spcBef>
                 <a:spcPts val="0"/>
               </a:spcBef>
@@ -5668,7 +5687,7 @@
               <a:buChar char="●"/>
               <a:defRPr/>
             </a:lvl1pPr>
-            <a:lvl2pPr marL="914400" lvl="1" indent="-298450">
+            <a:lvl2pPr indent="-298450" lvl="1" marL="914400">
               <a:spcBef>
                 <a:spcPts val="0"/>
               </a:spcBef>
@@ -5679,7 +5698,7 @@
               <a:buChar char="○"/>
               <a:defRPr/>
             </a:lvl2pPr>
-            <a:lvl3pPr marL="1371600" lvl="2" indent="-298450">
+            <a:lvl3pPr indent="-298450" lvl="2" marL="1371600">
               <a:spcBef>
                 <a:spcPts val="0"/>
               </a:spcBef>
@@ -5690,7 +5709,7 @@
               <a:buChar char="■"/>
               <a:defRPr/>
             </a:lvl3pPr>
-            <a:lvl4pPr marL="1828800" lvl="3" indent="-298450">
+            <a:lvl4pPr indent="-298450" lvl="3" marL="1828800">
               <a:spcBef>
                 <a:spcPts val="0"/>
               </a:spcBef>
@@ -5701,7 +5720,7 @@
               <a:buChar char="●"/>
               <a:defRPr/>
             </a:lvl4pPr>
-            <a:lvl5pPr marL="2286000" lvl="4" indent="-298450">
+            <a:lvl5pPr indent="-298450" lvl="4" marL="2286000">
               <a:spcBef>
                 <a:spcPts val="0"/>
               </a:spcBef>
@@ -5712,7 +5731,7 @@
               <a:buChar char="○"/>
               <a:defRPr/>
             </a:lvl5pPr>
-            <a:lvl6pPr marL="2743200" lvl="5" indent="-298450">
+            <a:lvl6pPr indent="-298450" lvl="5" marL="2743200">
               <a:spcBef>
                 <a:spcPts val="0"/>
               </a:spcBef>
@@ -5723,7 +5742,7 @@
               <a:buChar char="■"/>
               <a:defRPr/>
             </a:lvl6pPr>
-            <a:lvl7pPr marL="3200400" lvl="6" indent="-298450">
+            <a:lvl7pPr indent="-298450" lvl="6" marL="3200400">
               <a:spcBef>
                 <a:spcPts val="0"/>
               </a:spcBef>
@@ -5734,7 +5753,7 @@
               <a:buChar char="●"/>
               <a:defRPr/>
             </a:lvl7pPr>
-            <a:lvl8pPr marL="3657600" lvl="7" indent="-298450">
+            <a:lvl8pPr indent="-298450" lvl="7" marL="3657600">
               <a:spcBef>
                 <a:spcPts val="0"/>
               </a:spcBef>
@@ -5745,7 +5764,7 @@
               <a:buChar char="○"/>
               <a:defRPr/>
             </a:lvl8pPr>
-            <a:lvl9pPr marL="4114800" lvl="8" indent="-298450">
+            <a:lvl9pPr indent="-298450" lvl="8" marL="4114800">
               <a:spcBef>
                 <a:spcPts val="0"/>
               </a:spcBef>
@@ -5757,19 +5776,15 @@
               <a:defRPr/>
             </a:lvl9pPr>
           </a:lstStyle>
-          <a:p>
-            <a:endParaRPr/>
-          </a:p>
+          <a:p/>
         </p:txBody>
       </p:sp>
       <p:sp>
         <p:nvSpPr>
           <p:cNvPr id="55" name="Google Shape;55;p5"/>
-          <p:cNvSpPr txBox="1">
-            <a:spLocks noGrp="1"/>
-          </p:cNvSpPr>
+          <p:cNvSpPr txBox="1"/>
           <p:nvPr>
-            <p:ph type="sldNum" idx="12"/>
+            <p:ph idx="12" type="sldNum"/>
           </p:nvPr>
         </p:nvSpPr>
         <p:spPr>
@@ -5782,7 +5797,7 @@
           </a:prstGeom>
         </p:spPr>
         <p:txBody>
-          <a:bodyPr spcFirstLastPara="1" wrap="square" lIns="91425" tIns="91425" rIns="91425" bIns="91425" anchor="ctr" anchorCtr="0">
+          <a:bodyPr anchorCtr="0" anchor="ctr" bIns="91425" lIns="91425" spcFirstLastPara="1" rIns="91425" wrap="square" tIns="91425">
             <a:normAutofit/>
           </a:bodyPr>
           <a:lstStyle>
@@ -5824,7 +5839,7 @@
             </a:lvl9pPr>
           </a:lstStyle>
           <a:p>
-            <a:pPr marL="0" lvl="0" indent="0" algn="r" rtl="0">
+            <a:pPr indent="0" lvl="0" marL="0" rtl="0" algn="r">
               <a:spcBef>
                 <a:spcPts val="0"/>
               </a:spcBef>
@@ -5850,11 +5865,11 @@
 </file>
 
 <file path=ppt/slideLayouts/slideLayout5.xml><?xml version="1.0" encoding="utf-8"?>
-<p:sldLayout xmlns:a="http://schemas.openxmlformats.org/drawingml/2006/main" xmlns:r="http://schemas.openxmlformats.org/officeDocument/2006/relationships" xmlns:p="http://schemas.openxmlformats.org/presentationml/2006/main" matchingName="Title only" type="titleOnly">
+<p:sldLayout xmlns:a="http://schemas.openxmlformats.org/drawingml/2006/main" xmlns:r="http://schemas.openxmlformats.org/officeDocument/2006/relationships" xmlns:mc="http://schemas.openxmlformats.org/markup-compatibility/2006" xmlns:mv="urn:schemas-microsoft-com:mac:vml" xmlns:p="http://schemas.openxmlformats.org/presentationml/2006/main" xmlns:c="http://schemas.openxmlformats.org/drawingml/2006/chart" xmlns:dgm="http://schemas.openxmlformats.org/drawingml/2006/diagram" xmlns:o="urn:schemas-microsoft-com:office:office" xmlns:v="urn:schemas-microsoft-com:vml" xmlns:pvml="urn:schemas-microsoft-com:office:powerpoint" xmlns:com="http://schemas.openxmlformats.org/drawingml/2006/compatibility" xmlns:p14="http://schemas.microsoft.com/office/powerpoint/2010/main" xmlns:p15="http://schemas.microsoft.com/office/powerpoint/2012/main" xmlns:ahyp="http://schemas.microsoft.com/office/drawing/2018/hyperlinkcolor" matchingName="Title only" type="titleOnly">
   <p:cSld name="TITLE_ONLY">
     <p:spTree>
       <p:nvGrpSpPr>
-        <p:cNvPr id="1" name="Shape 56"/>
+        <p:cNvPr id="56" name="Shape 56"/>
         <p:cNvGrpSpPr/>
         <p:nvPr/>
       </p:nvGrpSpPr>
@@ -5893,7 +5908,7 @@
             </a:xfrm>
             <a:prstGeom prst="diagStripe">
               <a:avLst>
-                <a:gd name="adj" fmla="val 50000"/>
+                <a:gd fmla="val 50000" name="adj"/>
               </a:avLst>
             </a:prstGeom>
             <a:solidFill>
@@ -5904,12 +5919,12 @@
             </a:ln>
           </p:spPr>
           <p:txBody>
-            <a:bodyPr spcFirstLastPara="1" wrap="square" lIns="91425" tIns="91425" rIns="91425" bIns="91425" anchor="ctr" anchorCtr="0">
+            <a:bodyPr anchorCtr="0" anchor="ctr" bIns="91425" lIns="91425" spcFirstLastPara="1" rIns="91425" wrap="square" tIns="91425">
               <a:noAutofit/>
             </a:bodyPr>
             <a:lstStyle/>
             <a:p>
-              <a:pPr marL="0" lvl="0" indent="0" algn="l" rtl="0">
+              <a:pPr indent="0" lvl="0" marL="0" rtl="0" algn="l">
                 <a:spcBef>
                   <a:spcPts val="0"/>
                 </a:spcBef>
@@ -5918,6 +5933,9 @@
                 </a:spcAft>
                 <a:buNone/>
               </a:pPr>
+              <a:r>
+                <a:t/>
+              </a:r>
               <a:endParaRPr/>
             </a:p>
           </p:txBody>
@@ -5935,7 +5953,7 @@
             </a:xfrm>
             <a:prstGeom prst="diagStripe">
               <a:avLst>
-                <a:gd name="adj" fmla="val 50000"/>
+                <a:gd fmla="val 50000" name="adj"/>
               </a:avLst>
             </a:prstGeom>
             <a:solidFill>
@@ -5946,12 +5964,12 @@
             </a:ln>
           </p:spPr>
           <p:txBody>
-            <a:bodyPr spcFirstLastPara="1" wrap="square" lIns="91425" tIns="91425" rIns="91425" bIns="91425" anchor="ctr" anchorCtr="0">
+            <a:bodyPr anchorCtr="0" anchor="ctr" bIns="91425" lIns="91425" spcFirstLastPara="1" rIns="91425" wrap="square" tIns="91425">
               <a:noAutofit/>
             </a:bodyPr>
             <a:lstStyle/>
             <a:p>
-              <a:pPr marL="0" lvl="0" indent="0" algn="l" rtl="0">
+              <a:pPr indent="0" lvl="0" marL="0" rtl="0" algn="l">
                 <a:spcBef>
                   <a:spcPts val="0"/>
                 </a:spcBef>
@@ -5960,6 +5978,9 @@
                 </a:spcAft>
                 <a:buNone/>
               </a:pPr>
+              <a:r>
+                <a:t/>
+              </a:r>
               <a:endParaRPr/>
             </a:p>
           </p:txBody>
@@ -5968,9 +5989,7 @@
       <p:sp>
         <p:nvSpPr>
           <p:cNvPr id="60" name="Google Shape;60;p6"/>
-          <p:cNvSpPr txBox="1">
-            <a:spLocks noGrp="1"/>
-          </p:cNvSpPr>
+          <p:cNvSpPr txBox="1"/>
           <p:nvPr>
             <p:ph type="title"/>
           </p:nvPr>
@@ -5985,7 +6004,7 @@
           </a:prstGeom>
         </p:spPr>
         <p:txBody>
-          <a:bodyPr spcFirstLastPara="1" wrap="square" lIns="91425" tIns="91425" rIns="91425" bIns="91425" anchor="t" anchorCtr="0">
+          <a:bodyPr anchorCtr="0" anchor="t" bIns="91425" lIns="91425" spcFirstLastPara="1" rIns="91425" wrap="square" tIns="91425">
             <a:normAutofit/>
           </a:bodyPr>
           <a:lstStyle>
@@ -6089,19 +6108,15 @@
               <a:defRPr sz="2400"/>
             </a:lvl9pPr>
           </a:lstStyle>
-          <a:p>
-            <a:endParaRPr/>
-          </a:p>
+          <a:p/>
         </p:txBody>
       </p:sp>
       <p:sp>
         <p:nvSpPr>
           <p:cNvPr id="61" name="Google Shape;61;p6"/>
-          <p:cNvSpPr txBox="1">
-            <a:spLocks noGrp="1"/>
-          </p:cNvSpPr>
+          <p:cNvSpPr txBox="1"/>
           <p:nvPr>
-            <p:ph type="sldNum" idx="12"/>
+            <p:ph idx="12" type="sldNum"/>
           </p:nvPr>
         </p:nvSpPr>
         <p:spPr>
@@ -6114,7 +6129,7 @@
           </a:prstGeom>
         </p:spPr>
         <p:txBody>
-          <a:bodyPr spcFirstLastPara="1" wrap="square" lIns="91425" tIns="91425" rIns="91425" bIns="91425" anchor="ctr" anchorCtr="0">
+          <a:bodyPr anchorCtr="0" anchor="ctr" bIns="91425" lIns="91425" spcFirstLastPara="1" rIns="91425" wrap="square" tIns="91425">
             <a:normAutofit/>
           </a:bodyPr>
           <a:lstStyle>
@@ -6156,7 +6171,7 @@
             </a:lvl9pPr>
           </a:lstStyle>
           <a:p>
-            <a:pPr marL="0" lvl="0" indent="0" algn="r" rtl="0">
+            <a:pPr indent="0" lvl="0" marL="0" rtl="0" algn="r">
               <a:spcBef>
                 <a:spcPts val="0"/>
               </a:spcBef>
@@ -6182,11 +6197,11 @@
 </file>
 
 <file path=ppt/slideLayouts/slideLayout6.xml><?xml version="1.0" encoding="utf-8"?>
-<p:sldLayout xmlns:a="http://schemas.openxmlformats.org/drawingml/2006/main" xmlns:r="http://schemas.openxmlformats.org/officeDocument/2006/relationships" xmlns:p="http://schemas.openxmlformats.org/presentationml/2006/main" matchingName="One column text">
+<p:sldLayout xmlns:a="http://schemas.openxmlformats.org/drawingml/2006/main" xmlns:r="http://schemas.openxmlformats.org/officeDocument/2006/relationships" xmlns:mc="http://schemas.openxmlformats.org/markup-compatibility/2006" xmlns:mv="urn:schemas-microsoft-com:mac:vml" xmlns:p="http://schemas.openxmlformats.org/presentationml/2006/main" xmlns:c="http://schemas.openxmlformats.org/drawingml/2006/chart" xmlns:dgm="http://schemas.openxmlformats.org/drawingml/2006/diagram" xmlns:o="urn:schemas-microsoft-com:office:office" xmlns:v="urn:schemas-microsoft-com:vml" xmlns:pvml="urn:schemas-microsoft-com:office:powerpoint" xmlns:com="http://schemas.openxmlformats.org/drawingml/2006/compatibility" xmlns:p14="http://schemas.microsoft.com/office/powerpoint/2010/main" xmlns:p15="http://schemas.microsoft.com/office/powerpoint/2012/main" xmlns:ahyp="http://schemas.microsoft.com/office/drawing/2018/hyperlinkcolor" matchingName="One column text">
   <p:cSld name="ONE_COLUMN_TEXT">
     <p:spTree>
       <p:nvGrpSpPr>
-        <p:cNvPr id="1" name="Shape 62"/>
+        <p:cNvPr id="62" name="Shape 62"/>
         <p:cNvGrpSpPr/>
         <p:nvPr/>
       </p:nvGrpSpPr>
@@ -6225,7 +6240,7 @@
             </a:xfrm>
             <a:prstGeom prst="diagStripe">
               <a:avLst>
-                <a:gd name="adj" fmla="val 50000"/>
+                <a:gd fmla="val 50000" name="adj"/>
               </a:avLst>
             </a:prstGeom>
             <a:solidFill>
@@ -6236,12 +6251,12 @@
             </a:ln>
           </p:spPr>
           <p:txBody>
-            <a:bodyPr spcFirstLastPara="1" wrap="square" lIns="91425" tIns="91425" rIns="91425" bIns="91425" anchor="ctr" anchorCtr="0">
+            <a:bodyPr anchorCtr="0" anchor="ctr" bIns="91425" lIns="91425" spcFirstLastPara="1" rIns="91425" wrap="square" tIns="91425">
               <a:noAutofit/>
             </a:bodyPr>
             <a:lstStyle/>
             <a:p>
-              <a:pPr marL="0" lvl="0" indent="0" algn="l" rtl="0">
+              <a:pPr indent="0" lvl="0" marL="0" rtl="0" algn="l">
                 <a:spcBef>
                   <a:spcPts val="0"/>
                 </a:spcBef>
@@ -6250,6 +6265,9 @@
                 </a:spcAft>
                 <a:buNone/>
               </a:pPr>
+              <a:r>
+                <a:t/>
+              </a:r>
               <a:endParaRPr/>
             </a:p>
           </p:txBody>
@@ -6267,7 +6285,7 @@
             </a:xfrm>
             <a:prstGeom prst="diagStripe">
               <a:avLst>
-                <a:gd name="adj" fmla="val 50000"/>
+                <a:gd fmla="val 50000" name="adj"/>
               </a:avLst>
             </a:prstGeom>
             <a:solidFill>
@@ -6278,12 +6296,12 @@
             </a:ln>
           </p:spPr>
           <p:txBody>
-            <a:bodyPr spcFirstLastPara="1" wrap="square" lIns="91425" tIns="91425" rIns="91425" bIns="91425" anchor="ctr" anchorCtr="0">
+            <a:bodyPr anchorCtr="0" anchor="ctr" bIns="91425" lIns="91425" spcFirstLastPara="1" rIns="91425" wrap="square" tIns="91425">
               <a:noAutofit/>
             </a:bodyPr>
             <a:lstStyle/>
             <a:p>
-              <a:pPr marL="0" lvl="0" indent="0" algn="l" rtl="0">
+              <a:pPr indent="0" lvl="0" marL="0" rtl="0" algn="l">
                 <a:spcBef>
                   <a:spcPts val="0"/>
                 </a:spcBef>
@@ -6292,6 +6310,9 @@
                 </a:spcAft>
                 <a:buNone/>
               </a:pPr>
+              <a:r>
+                <a:t/>
+              </a:r>
               <a:endParaRPr/>
             </a:p>
           </p:txBody>
@@ -6300,9 +6321,7 @@
       <p:sp>
         <p:nvSpPr>
           <p:cNvPr id="66" name="Google Shape;66;p7"/>
-          <p:cNvSpPr txBox="1">
-            <a:spLocks noGrp="1"/>
-          </p:cNvSpPr>
+          <p:cNvSpPr txBox="1"/>
           <p:nvPr>
             <p:ph type="title"/>
           </p:nvPr>
@@ -6317,7 +6336,7 @@
           </a:prstGeom>
         </p:spPr>
         <p:txBody>
-          <a:bodyPr spcFirstLastPara="1" wrap="square" lIns="91425" tIns="91425" rIns="91425" bIns="91425" anchor="t" anchorCtr="0">
+          <a:bodyPr anchorCtr="0" anchor="t" bIns="91425" lIns="91425" spcFirstLastPara="1" rIns="91425" wrap="square" tIns="91425">
             <a:normAutofit/>
           </a:bodyPr>
           <a:lstStyle>
@@ -6421,19 +6440,15 @@
               <a:defRPr sz="2400"/>
             </a:lvl9pPr>
           </a:lstStyle>
-          <a:p>
-            <a:endParaRPr/>
-          </a:p>
+          <a:p/>
         </p:txBody>
       </p:sp>
       <p:sp>
         <p:nvSpPr>
           <p:cNvPr id="67" name="Google Shape;67;p7"/>
-          <p:cNvSpPr txBox="1">
-            <a:spLocks noGrp="1"/>
-          </p:cNvSpPr>
+          <p:cNvSpPr txBox="1"/>
           <p:nvPr>
-            <p:ph type="body" idx="1"/>
+            <p:ph idx="1" type="body"/>
           </p:nvPr>
         </p:nvSpPr>
         <p:spPr>
@@ -6446,11 +6461,11 @@
           </a:prstGeom>
         </p:spPr>
         <p:txBody>
-          <a:bodyPr spcFirstLastPara="1" wrap="square" lIns="91425" tIns="91425" rIns="91425" bIns="91425" anchor="t" anchorCtr="0">
+          <a:bodyPr anchorCtr="0" anchor="t" bIns="91425" lIns="91425" spcFirstLastPara="1" rIns="91425" wrap="square" tIns="91425">
             <a:normAutofit/>
           </a:bodyPr>
           <a:lstStyle>
-            <a:lvl1pPr marL="457200" lvl="0" indent="-311150">
+            <a:lvl1pPr indent="-311150" lvl="0" marL="457200">
               <a:spcBef>
                 <a:spcPts val="0"/>
               </a:spcBef>
@@ -6461,7 +6476,7 @@
               <a:buChar char="●"/>
               <a:defRPr/>
             </a:lvl1pPr>
-            <a:lvl2pPr marL="914400" lvl="1" indent="-298450">
+            <a:lvl2pPr indent="-298450" lvl="1" marL="914400">
               <a:spcBef>
                 <a:spcPts val="0"/>
               </a:spcBef>
@@ -6472,7 +6487,7 @@
               <a:buChar char="○"/>
               <a:defRPr/>
             </a:lvl2pPr>
-            <a:lvl3pPr marL="1371600" lvl="2" indent="-298450">
+            <a:lvl3pPr indent="-298450" lvl="2" marL="1371600">
               <a:spcBef>
                 <a:spcPts val="0"/>
               </a:spcBef>
@@ -6483,7 +6498,7 @@
               <a:buChar char="■"/>
               <a:defRPr/>
             </a:lvl3pPr>
-            <a:lvl4pPr marL="1828800" lvl="3" indent="-298450">
+            <a:lvl4pPr indent="-298450" lvl="3" marL="1828800">
               <a:spcBef>
                 <a:spcPts val="0"/>
               </a:spcBef>
@@ -6494,7 +6509,7 @@
               <a:buChar char="●"/>
               <a:defRPr/>
             </a:lvl4pPr>
-            <a:lvl5pPr marL="2286000" lvl="4" indent="-298450">
+            <a:lvl5pPr indent="-298450" lvl="4" marL="2286000">
               <a:spcBef>
                 <a:spcPts val="0"/>
               </a:spcBef>
@@ -6505,7 +6520,7 @@
               <a:buChar char="○"/>
               <a:defRPr/>
             </a:lvl5pPr>
-            <a:lvl6pPr marL="2743200" lvl="5" indent="-298450">
+            <a:lvl6pPr indent="-298450" lvl="5" marL="2743200">
               <a:spcBef>
                 <a:spcPts val="0"/>
               </a:spcBef>
@@ -6516,7 +6531,7 @@
               <a:buChar char="■"/>
               <a:defRPr/>
             </a:lvl6pPr>
-            <a:lvl7pPr marL="3200400" lvl="6" indent="-298450">
+            <a:lvl7pPr indent="-298450" lvl="6" marL="3200400">
               <a:spcBef>
                 <a:spcPts val="0"/>
               </a:spcBef>
@@ -6527,7 +6542,7 @@
               <a:buChar char="●"/>
               <a:defRPr/>
             </a:lvl7pPr>
-            <a:lvl8pPr marL="3657600" lvl="7" indent="-298450">
+            <a:lvl8pPr indent="-298450" lvl="7" marL="3657600">
               <a:spcBef>
                 <a:spcPts val="0"/>
               </a:spcBef>
@@ -6538,7 +6553,7 @@
               <a:buChar char="○"/>
               <a:defRPr/>
             </a:lvl8pPr>
-            <a:lvl9pPr marL="4114800" lvl="8" indent="-298450">
+            <a:lvl9pPr indent="-298450" lvl="8" marL="4114800">
               <a:spcBef>
                 <a:spcPts val="0"/>
               </a:spcBef>
@@ -6550,19 +6565,15 @@
               <a:defRPr/>
             </a:lvl9pPr>
           </a:lstStyle>
-          <a:p>
-            <a:endParaRPr/>
-          </a:p>
+          <a:p/>
         </p:txBody>
       </p:sp>
       <p:sp>
         <p:nvSpPr>
           <p:cNvPr id="68" name="Google Shape;68;p7"/>
-          <p:cNvSpPr txBox="1">
-            <a:spLocks noGrp="1"/>
-          </p:cNvSpPr>
+          <p:cNvSpPr txBox="1"/>
           <p:nvPr>
-            <p:ph type="sldNum" idx="12"/>
+            <p:ph idx="12" type="sldNum"/>
           </p:nvPr>
         </p:nvSpPr>
         <p:spPr>
@@ -6575,7 +6586,7 @@
           </a:prstGeom>
         </p:spPr>
         <p:txBody>
-          <a:bodyPr spcFirstLastPara="1" wrap="square" lIns="91425" tIns="91425" rIns="91425" bIns="91425" anchor="ctr" anchorCtr="0">
+          <a:bodyPr anchorCtr="0" anchor="ctr" bIns="91425" lIns="91425" spcFirstLastPara="1" rIns="91425" wrap="square" tIns="91425">
             <a:normAutofit/>
           </a:bodyPr>
           <a:lstStyle>
@@ -6617,7 +6628,7 @@
             </a:lvl9pPr>
           </a:lstStyle>
           <a:p>
-            <a:pPr marL="0" lvl="0" indent="0" algn="r" rtl="0">
+            <a:pPr indent="0" lvl="0" marL="0" rtl="0" algn="r">
               <a:spcBef>
                 <a:spcPts val="0"/>
               </a:spcBef>
@@ -6643,11 +6654,11 @@
 </file>
 
 <file path=ppt/slideLayouts/slideLayout7.xml><?xml version="1.0" encoding="utf-8"?>
-<p:sldLayout xmlns:a="http://schemas.openxmlformats.org/drawingml/2006/main" xmlns:r="http://schemas.openxmlformats.org/officeDocument/2006/relationships" xmlns:p="http://schemas.openxmlformats.org/presentationml/2006/main" matchingName="Main point">
+<p:sldLayout xmlns:a="http://schemas.openxmlformats.org/drawingml/2006/main" xmlns:r="http://schemas.openxmlformats.org/officeDocument/2006/relationships" xmlns:mc="http://schemas.openxmlformats.org/markup-compatibility/2006" xmlns:mv="urn:schemas-microsoft-com:mac:vml" xmlns:p="http://schemas.openxmlformats.org/presentationml/2006/main" xmlns:c="http://schemas.openxmlformats.org/drawingml/2006/chart" xmlns:dgm="http://schemas.openxmlformats.org/drawingml/2006/diagram" xmlns:o="urn:schemas-microsoft-com:office:office" xmlns:v="urn:schemas-microsoft-com:vml" xmlns:pvml="urn:schemas-microsoft-com:office:powerpoint" xmlns:com="http://schemas.openxmlformats.org/drawingml/2006/compatibility" xmlns:p14="http://schemas.microsoft.com/office/powerpoint/2010/main" xmlns:p15="http://schemas.microsoft.com/office/powerpoint/2012/main" xmlns:ahyp="http://schemas.microsoft.com/office/drawing/2018/hyperlinkcolor" matchingName="Main point">
   <p:cSld name="MAIN_POINT">
     <p:spTree>
       <p:nvGrpSpPr>
-        <p:cNvPr id="1" name="Shape 69"/>
+        <p:cNvPr id="69" name="Shape 69"/>
         <p:cNvGrpSpPr/>
         <p:nvPr/>
       </p:nvGrpSpPr>
@@ -6686,7 +6697,7 @@
             </a:xfrm>
             <a:prstGeom prst="diagStripe">
               <a:avLst>
-                <a:gd name="adj" fmla="val 49469"/>
+                <a:gd fmla="val 49469" name="adj"/>
               </a:avLst>
             </a:prstGeom>
             <a:solidFill>
@@ -6699,12 +6710,12 @@
             </a:ln>
           </p:spPr>
           <p:txBody>
-            <a:bodyPr spcFirstLastPara="1" wrap="square" lIns="91425" tIns="91425" rIns="91425" bIns="91425" anchor="ctr" anchorCtr="0">
+            <a:bodyPr anchorCtr="0" anchor="ctr" bIns="91425" lIns="91425" spcFirstLastPara="1" rIns="91425" wrap="square" tIns="91425">
               <a:noAutofit/>
             </a:bodyPr>
             <a:lstStyle/>
             <a:p>
-              <a:pPr marL="0" lvl="0" indent="0" algn="l" rtl="0">
+              <a:pPr indent="0" lvl="0" marL="0" rtl="0" algn="l">
                 <a:spcBef>
                   <a:spcPts val="0"/>
                 </a:spcBef>
@@ -6713,6 +6724,9 @@
                 </a:spcAft>
                 <a:buNone/>
               </a:pPr>
+              <a:r>
+                <a:t/>
+              </a:r>
               <a:endParaRPr/>
             </a:p>
           </p:txBody>
@@ -6730,7 +6744,7 @@
             </a:xfrm>
             <a:prstGeom prst="diagStripe">
               <a:avLst>
-                <a:gd name="adj" fmla="val 0"/>
+                <a:gd fmla="val 0" name="adj"/>
               </a:avLst>
             </a:prstGeom>
             <a:solidFill>
@@ -6743,12 +6757,12 @@
             </a:ln>
           </p:spPr>
           <p:txBody>
-            <a:bodyPr spcFirstLastPara="1" wrap="square" lIns="91425" tIns="91425" rIns="91425" bIns="91425" anchor="ctr" anchorCtr="0">
+            <a:bodyPr anchorCtr="0" anchor="ctr" bIns="91425" lIns="91425" spcFirstLastPara="1" rIns="91425" wrap="square" tIns="91425">
               <a:noAutofit/>
             </a:bodyPr>
             <a:lstStyle/>
             <a:p>
-              <a:pPr marL="0" lvl="0" indent="0" algn="l" rtl="0">
+              <a:pPr indent="0" lvl="0" marL="0" rtl="0" algn="l">
                 <a:spcBef>
                   <a:spcPts val="0"/>
                 </a:spcBef>
@@ -6757,6 +6771,9 @@
                 </a:spcAft>
                 <a:buNone/>
               </a:pPr>
+              <a:r>
+                <a:t/>
+              </a:r>
               <a:endParaRPr/>
             </a:p>
           </p:txBody>
@@ -6774,7 +6791,7 @@
             </a:xfrm>
             <a:prstGeom prst="diagStripe">
               <a:avLst>
-                <a:gd name="adj" fmla="val 50000"/>
+                <a:gd fmla="val 50000" name="adj"/>
               </a:avLst>
             </a:prstGeom>
             <a:solidFill>
@@ -6787,12 +6804,12 @@
             </a:ln>
           </p:spPr>
           <p:txBody>
-            <a:bodyPr spcFirstLastPara="1" wrap="square" lIns="91425" tIns="91425" rIns="91425" bIns="91425" anchor="ctr" anchorCtr="0">
+            <a:bodyPr anchorCtr="0" anchor="ctr" bIns="91425" lIns="91425" spcFirstLastPara="1" rIns="91425" wrap="square" tIns="91425">
               <a:noAutofit/>
             </a:bodyPr>
             <a:lstStyle/>
             <a:p>
-              <a:pPr marL="0" lvl="0" indent="0" algn="l" rtl="0">
+              <a:pPr indent="0" lvl="0" marL="0" rtl="0" algn="l">
                 <a:spcBef>
                   <a:spcPts val="0"/>
                 </a:spcBef>
@@ -6801,6 +6818,9 @@
                 </a:spcAft>
                 <a:buNone/>
               </a:pPr>
+              <a:r>
+                <a:t/>
+              </a:r>
               <a:endParaRPr/>
             </a:p>
           </p:txBody>
@@ -6818,7 +6838,7 @@
             </a:xfrm>
             <a:prstGeom prst="diagStripe">
               <a:avLst>
-                <a:gd name="adj" fmla="val 50000"/>
+                <a:gd fmla="val 50000" name="adj"/>
               </a:avLst>
             </a:prstGeom>
             <a:solidFill>
@@ -6831,12 +6851,12 @@
             </a:ln>
           </p:spPr>
           <p:txBody>
-            <a:bodyPr spcFirstLastPara="1" wrap="square" lIns="91425" tIns="91425" rIns="91425" bIns="91425" anchor="ctr" anchorCtr="0">
+            <a:bodyPr anchorCtr="0" anchor="ctr" bIns="91425" lIns="91425" spcFirstLastPara="1" rIns="91425" wrap="square" tIns="91425">
               <a:noAutofit/>
             </a:bodyPr>
             <a:lstStyle/>
             <a:p>
-              <a:pPr marL="0" lvl="0" indent="0" algn="l" rtl="0">
+              <a:pPr indent="0" lvl="0" marL="0" rtl="0" algn="l">
                 <a:spcBef>
                   <a:spcPts val="0"/>
                 </a:spcBef>
@@ -6845,6 +6865,9 @@
                 </a:spcAft>
                 <a:buNone/>
               </a:pPr>
+              <a:r>
+                <a:t/>
+              </a:r>
               <a:endParaRPr/>
             </a:p>
           </p:txBody>
@@ -6862,7 +6885,7 @@
             </a:xfrm>
             <a:prstGeom prst="diagStripe">
               <a:avLst>
-                <a:gd name="adj" fmla="val 50000"/>
+                <a:gd fmla="val 50000" name="adj"/>
               </a:avLst>
             </a:prstGeom>
             <a:solidFill>
@@ -6875,12 +6898,12 @@
             </a:ln>
           </p:spPr>
           <p:txBody>
-            <a:bodyPr spcFirstLastPara="1" wrap="square" lIns="91425" tIns="91425" rIns="91425" bIns="91425" anchor="ctr" anchorCtr="0">
+            <a:bodyPr anchorCtr="0" anchor="ctr" bIns="91425" lIns="91425" spcFirstLastPara="1" rIns="91425" wrap="square" tIns="91425">
               <a:noAutofit/>
             </a:bodyPr>
             <a:lstStyle/>
             <a:p>
-              <a:pPr marL="0" lvl="0" indent="0" algn="l" rtl="0">
+              <a:pPr indent="0" lvl="0" marL="0" rtl="0" algn="l">
                 <a:spcBef>
                   <a:spcPts val="0"/>
                 </a:spcBef>
@@ -6889,6 +6912,9 @@
                 </a:spcAft>
                 <a:buNone/>
               </a:pPr>
+              <a:r>
+                <a:t/>
+              </a:r>
               <a:endParaRPr/>
             </a:p>
           </p:txBody>
@@ -6906,7 +6932,7 @@
             </a:xfrm>
             <a:prstGeom prst="diagStripe">
               <a:avLst>
-                <a:gd name="adj" fmla="val 50000"/>
+                <a:gd fmla="val 50000" name="adj"/>
               </a:avLst>
             </a:prstGeom>
             <a:solidFill>
@@ -6919,12 +6945,12 @@
             </a:ln>
           </p:spPr>
           <p:txBody>
-            <a:bodyPr spcFirstLastPara="1" wrap="square" lIns="91425" tIns="91425" rIns="91425" bIns="91425" anchor="ctr" anchorCtr="0">
+            <a:bodyPr anchorCtr="0" anchor="ctr" bIns="91425" lIns="91425" spcFirstLastPara="1" rIns="91425" wrap="square" tIns="91425">
               <a:noAutofit/>
             </a:bodyPr>
             <a:lstStyle/>
             <a:p>
-              <a:pPr marL="0" lvl="0" indent="0" algn="l" rtl="0">
+              <a:pPr indent="0" lvl="0" marL="0" rtl="0" algn="l">
                 <a:spcBef>
                   <a:spcPts val="0"/>
                 </a:spcBef>
@@ -6933,6 +6959,9 @@
                 </a:spcAft>
                 <a:buNone/>
               </a:pPr>
+              <a:r>
+                <a:t/>
+              </a:r>
               <a:endParaRPr/>
             </a:p>
           </p:txBody>
@@ -6950,7 +6979,7 @@
             </a:xfrm>
             <a:prstGeom prst="diagStripe">
               <a:avLst>
-                <a:gd name="adj" fmla="val 50000"/>
+                <a:gd fmla="val 50000" name="adj"/>
               </a:avLst>
             </a:prstGeom>
             <a:solidFill>
@@ -6963,12 +6992,12 @@
             </a:ln>
           </p:spPr>
           <p:txBody>
-            <a:bodyPr spcFirstLastPara="1" wrap="square" lIns="91425" tIns="91425" rIns="91425" bIns="91425" anchor="ctr" anchorCtr="0">
+            <a:bodyPr anchorCtr="0" anchor="ctr" bIns="91425" lIns="91425" spcFirstLastPara="1" rIns="91425" wrap="square" tIns="91425">
               <a:noAutofit/>
             </a:bodyPr>
             <a:lstStyle/>
             <a:p>
-              <a:pPr marL="0" lvl="0" indent="0" algn="l" rtl="0">
+              <a:pPr indent="0" lvl="0" marL="0" rtl="0" algn="l">
                 <a:spcBef>
                   <a:spcPts val="0"/>
                 </a:spcBef>
@@ -6977,6 +7006,9 @@
                 </a:spcAft>
                 <a:buNone/>
               </a:pPr>
+              <a:r>
+                <a:t/>
+              </a:r>
               <a:endParaRPr/>
             </a:p>
           </p:txBody>
@@ -6994,7 +7026,7 @@
             </a:xfrm>
             <a:prstGeom prst="diagStripe">
               <a:avLst>
-                <a:gd name="adj" fmla="val 50000"/>
+                <a:gd fmla="val 50000" name="adj"/>
               </a:avLst>
             </a:prstGeom>
             <a:solidFill>
@@ -7005,12 +7037,12 @@
             </a:ln>
           </p:spPr>
           <p:txBody>
-            <a:bodyPr spcFirstLastPara="1" wrap="square" lIns="91425" tIns="91425" rIns="91425" bIns="91425" anchor="ctr" anchorCtr="0">
+            <a:bodyPr anchorCtr="0" anchor="ctr" bIns="91425" lIns="91425" spcFirstLastPara="1" rIns="91425" wrap="square" tIns="91425">
               <a:noAutofit/>
             </a:bodyPr>
             <a:lstStyle/>
             <a:p>
-              <a:pPr marL="0" lvl="0" indent="0" algn="l" rtl="0">
+              <a:pPr indent="0" lvl="0" marL="0" rtl="0" algn="l">
                 <a:spcBef>
                   <a:spcPts val="0"/>
                 </a:spcBef>
@@ -7019,6 +7051,9 @@
                 </a:spcAft>
                 <a:buNone/>
               </a:pPr>
+              <a:r>
+                <a:t/>
+              </a:r>
               <a:endParaRPr/>
             </a:p>
           </p:txBody>
@@ -7036,7 +7071,7 @@
             </a:xfrm>
             <a:prstGeom prst="diagStripe">
               <a:avLst>
-                <a:gd name="adj" fmla="val 50000"/>
+                <a:gd fmla="val 50000" name="adj"/>
               </a:avLst>
             </a:prstGeom>
             <a:solidFill>
@@ -7049,12 +7084,12 @@
             </a:ln>
           </p:spPr>
           <p:txBody>
-            <a:bodyPr spcFirstLastPara="1" wrap="square" lIns="91425" tIns="91425" rIns="91425" bIns="91425" anchor="ctr" anchorCtr="0">
+            <a:bodyPr anchorCtr="0" anchor="ctr" bIns="91425" lIns="91425" spcFirstLastPara="1" rIns="91425" wrap="square" tIns="91425">
               <a:noAutofit/>
             </a:bodyPr>
             <a:lstStyle/>
             <a:p>
-              <a:pPr marL="0" lvl="0" indent="0" algn="l" rtl="0">
+              <a:pPr indent="0" lvl="0" marL="0" rtl="0" algn="l">
                 <a:spcBef>
                   <a:spcPts val="0"/>
                 </a:spcBef>
@@ -7063,6 +7098,9 @@
                 </a:spcAft>
                 <a:buNone/>
               </a:pPr>
+              <a:r>
+                <a:t/>
+              </a:r>
               <a:endParaRPr/>
             </a:p>
           </p:txBody>
@@ -7080,7 +7118,7 @@
             </a:xfrm>
             <a:prstGeom prst="diagStripe">
               <a:avLst>
-                <a:gd name="adj" fmla="val 50000"/>
+                <a:gd fmla="val 50000" name="adj"/>
               </a:avLst>
             </a:prstGeom>
             <a:solidFill>
@@ -7093,12 +7131,12 @@
             </a:ln>
           </p:spPr>
           <p:txBody>
-            <a:bodyPr spcFirstLastPara="1" wrap="square" lIns="91425" tIns="91425" rIns="91425" bIns="91425" anchor="ctr" anchorCtr="0">
+            <a:bodyPr anchorCtr="0" anchor="ctr" bIns="91425" lIns="91425" spcFirstLastPara="1" rIns="91425" wrap="square" tIns="91425">
               <a:noAutofit/>
             </a:bodyPr>
             <a:lstStyle/>
             <a:p>
-              <a:pPr marL="0" lvl="0" indent="0" algn="l" rtl="0">
+              <a:pPr indent="0" lvl="0" marL="0" rtl="0" algn="l">
                 <a:spcBef>
                   <a:spcPts val="0"/>
                 </a:spcBef>
@@ -7107,6 +7145,9 @@
                 </a:spcAft>
                 <a:buNone/>
               </a:pPr>
+              <a:r>
+                <a:t/>
+              </a:r>
               <a:endParaRPr/>
             </a:p>
           </p:txBody>
@@ -7124,7 +7165,7 @@
             </a:xfrm>
             <a:prstGeom prst="diagStripe">
               <a:avLst>
-                <a:gd name="adj" fmla="val 50000"/>
+                <a:gd fmla="val 50000" name="adj"/>
               </a:avLst>
             </a:prstGeom>
             <a:solidFill>
@@ -7137,12 +7178,12 @@
             </a:ln>
           </p:spPr>
           <p:txBody>
-            <a:bodyPr spcFirstLastPara="1" wrap="square" lIns="91425" tIns="91425" rIns="91425" bIns="91425" anchor="ctr" anchorCtr="0">
+            <a:bodyPr anchorCtr="0" anchor="ctr" bIns="91425" lIns="91425" spcFirstLastPara="1" rIns="91425" wrap="square" tIns="91425">
               <a:noAutofit/>
             </a:bodyPr>
             <a:lstStyle/>
             <a:p>
-              <a:pPr marL="0" lvl="0" indent="0" algn="l" rtl="0">
+              <a:pPr indent="0" lvl="0" marL="0" rtl="0" algn="l">
                 <a:spcBef>
                   <a:spcPts val="0"/>
                 </a:spcBef>
@@ -7151,6 +7192,9 @@
                 </a:spcAft>
                 <a:buNone/>
               </a:pPr>
+              <a:r>
+                <a:t/>
+              </a:r>
               <a:endParaRPr/>
             </a:p>
           </p:txBody>
@@ -7168,7 +7212,7 @@
             </a:xfrm>
             <a:prstGeom prst="diagStripe">
               <a:avLst>
-                <a:gd name="adj" fmla="val 50000"/>
+                <a:gd fmla="val 50000" name="adj"/>
               </a:avLst>
             </a:prstGeom>
             <a:solidFill>
@@ -7181,12 +7225,12 @@
             </a:ln>
           </p:spPr>
           <p:txBody>
-            <a:bodyPr spcFirstLastPara="1" wrap="square" lIns="91425" tIns="91425" rIns="91425" bIns="91425" anchor="ctr" anchorCtr="0">
+            <a:bodyPr anchorCtr="0" anchor="ctr" bIns="91425" lIns="91425" spcFirstLastPara="1" rIns="91425" wrap="square" tIns="91425">
               <a:noAutofit/>
             </a:bodyPr>
             <a:lstStyle/>
             <a:p>
-              <a:pPr marL="0" lvl="0" indent="0" algn="l" rtl="0">
+              <a:pPr indent="0" lvl="0" marL="0" rtl="0" algn="l">
                 <a:spcBef>
                   <a:spcPts val="0"/>
                 </a:spcBef>
@@ -7195,6 +7239,9 @@
                 </a:spcAft>
                 <a:buNone/>
               </a:pPr>
+              <a:r>
+                <a:t/>
+              </a:r>
               <a:endParaRPr/>
             </a:p>
           </p:txBody>
@@ -7212,7 +7259,7 @@
             </a:xfrm>
             <a:prstGeom prst="diagStripe">
               <a:avLst>
-                <a:gd name="adj" fmla="val 50000"/>
+                <a:gd fmla="val 50000" name="adj"/>
               </a:avLst>
             </a:prstGeom>
             <a:solidFill>
@@ -7225,12 +7272,12 @@
             </a:ln>
           </p:spPr>
           <p:txBody>
-            <a:bodyPr spcFirstLastPara="1" wrap="square" lIns="91425" tIns="91425" rIns="91425" bIns="91425" anchor="ctr" anchorCtr="0">
+            <a:bodyPr anchorCtr="0" anchor="ctr" bIns="91425" lIns="91425" spcFirstLastPara="1" rIns="91425" wrap="square" tIns="91425">
               <a:noAutofit/>
             </a:bodyPr>
             <a:lstStyle/>
             <a:p>
-              <a:pPr marL="0" lvl="0" indent="0" algn="l" rtl="0">
+              <a:pPr indent="0" lvl="0" marL="0" rtl="0" algn="l">
                 <a:spcBef>
                   <a:spcPts val="0"/>
                 </a:spcBef>
@@ -7239,6 +7286,9 @@
                 </a:spcAft>
                 <a:buNone/>
               </a:pPr>
+              <a:r>
+                <a:t/>
+              </a:r>
               <a:endParaRPr/>
             </a:p>
           </p:txBody>
@@ -7256,7 +7306,7 @@
             </a:xfrm>
             <a:prstGeom prst="diagStripe">
               <a:avLst>
-                <a:gd name="adj" fmla="val 50000"/>
+                <a:gd fmla="val 50000" name="adj"/>
               </a:avLst>
             </a:prstGeom>
             <a:solidFill>
@@ -7267,12 +7317,12 @@
             </a:ln>
           </p:spPr>
           <p:txBody>
-            <a:bodyPr spcFirstLastPara="1" wrap="square" lIns="91425" tIns="91425" rIns="91425" bIns="91425" anchor="ctr" anchorCtr="0">
+            <a:bodyPr anchorCtr="0" anchor="ctr" bIns="91425" lIns="91425" spcFirstLastPara="1" rIns="91425" wrap="square" tIns="91425">
               <a:noAutofit/>
             </a:bodyPr>
             <a:lstStyle/>
             <a:p>
-              <a:pPr marL="0" lvl="0" indent="0" algn="l" rtl="0">
+              <a:pPr indent="0" lvl="0" marL="0" rtl="0" algn="l">
                 <a:spcBef>
                   <a:spcPts val="0"/>
                 </a:spcBef>
@@ -7281,6 +7331,9 @@
                 </a:spcAft>
                 <a:buNone/>
               </a:pPr>
+              <a:r>
+                <a:t/>
+              </a:r>
               <a:endParaRPr/>
             </a:p>
           </p:txBody>
@@ -7298,7 +7351,7 @@
             </a:xfrm>
             <a:prstGeom prst="diagStripe">
               <a:avLst>
-                <a:gd name="adj" fmla="val 50000"/>
+                <a:gd fmla="val 50000" name="adj"/>
               </a:avLst>
             </a:prstGeom>
             <a:solidFill>
@@ -7311,12 +7364,12 @@
             </a:ln>
           </p:spPr>
           <p:txBody>
-            <a:bodyPr spcFirstLastPara="1" wrap="square" lIns="91425" tIns="91425" rIns="91425" bIns="91425" anchor="ctr" anchorCtr="0">
+            <a:bodyPr anchorCtr="0" anchor="ctr" bIns="91425" lIns="91425" spcFirstLastPara="1" rIns="91425" wrap="square" tIns="91425">
               <a:noAutofit/>
             </a:bodyPr>
             <a:lstStyle/>
             <a:p>
-              <a:pPr marL="0" lvl="0" indent="0" algn="l" rtl="0">
+              <a:pPr indent="0" lvl="0" marL="0" rtl="0" algn="l">
                 <a:spcBef>
                   <a:spcPts val="0"/>
                 </a:spcBef>
@@ -7325,6 +7378,9 @@
                 </a:spcAft>
                 <a:buNone/>
               </a:pPr>
+              <a:r>
+                <a:t/>
+              </a:r>
               <a:endParaRPr/>
             </a:p>
           </p:txBody>
@@ -7342,7 +7398,7 @@
             </a:xfrm>
             <a:prstGeom prst="diagStripe">
               <a:avLst>
-                <a:gd name="adj" fmla="val 50000"/>
+                <a:gd fmla="val 50000" name="adj"/>
               </a:avLst>
             </a:prstGeom>
             <a:solidFill>
@@ -7355,12 +7411,12 @@
             </a:ln>
           </p:spPr>
           <p:txBody>
-            <a:bodyPr spcFirstLastPara="1" wrap="square" lIns="91425" tIns="91425" rIns="91425" bIns="91425" anchor="ctr" anchorCtr="0">
+            <a:bodyPr anchorCtr="0" anchor="ctr" bIns="91425" lIns="91425" spcFirstLastPara="1" rIns="91425" wrap="square" tIns="91425">
               <a:noAutofit/>
             </a:bodyPr>
             <a:lstStyle/>
             <a:p>
-              <a:pPr marL="0" lvl="0" indent="0" algn="l" rtl="0">
+              <a:pPr indent="0" lvl="0" marL="0" rtl="0" algn="l">
                 <a:spcBef>
                   <a:spcPts val="0"/>
                 </a:spcBef>
@@ -7369,6 +7425,9 @@
                 </a:spcAft>
                 <a:buNone/>
               </a:pPr>
+              <a:r>
+                <a:t/>
+              </a:r>
               <a:endParaRPr/>
             </a:p>
           </p:txBody>
@@ -7386,7 +7445,7 @@
             </a:xfrm>
             <a:prstGeom prst="diagStripe">
               <a:avLst>
-                <a:gd name="adj" fmla="val 50000"/>
+                <a:gd fmla="val 50000" name="adj"/>
               </a:avLst>
             </a:prstGeom>
             <a:solidFill>
@@ -7399,12 +7458,12 @@
             </a:ln>
           </p:spPr>
           <p:txBody>
-            <a:bodyPr spcFirstLastPara="1" wrap="square" lIns="91425" tIns="91425" rIns="91425" bIns="91425" anchor="ctr" anchorCtr="0">
+            <a:bodyPr anchorCtr="0" anchor="ctr" bIns="91425" lIns="91425" spcFirstLastPara="1" rIns="91425" wrap="square" tIns="91425">
               <a:noAutofit/>
             </a:bodyPr>
             <a:lstStyle/>
             <a:p>
-              <a:pPr marL="0" lvl="0" indent="0" algn="l" rtl="0">
+              <a:pPr indent="0" lvl="0" marL="0" rtl="0" algn="l">
                 <a:spcBef>
                   <a:spcPts val="0"/>
                 </a:spcBef>
@@ -7413,6 +7472,9 @@
                 </a:spcAft>
                 <a:buNone/>
               </a:pPr>
+              <a:r>
+                <a:t/>
+              </a:r>
               <a:endParaRPr/>
             </a:p>
           </p:txBody>
@@ -7430,7 +7492,7 @@
             </a:xfrm>
             <a:prstGeom prst="diagStripe">
               <a:avLst>
-                <a:gd name="adj" fmla="val 50000"/>
+                <a:gd fmla="val 50000" name="adj"/>
               </a:avLst>
             </a:prstGeom>
             <a:solidFill>
@@ -7443,12 +7505,12 @@
             </a:ln>
           </p:spPr>
           <p:txBody>
-            <a:bodyPr spcFirstLastPara="1" wrap="square" lIns="91425" tIns="91425" rIns="91425" bIns="91425" anchor="ctr" anchorCtr="0">
+            <a:bodyPr anchorCtr="0" anchor="ctr" bIns="91425" lIns="91425" spcFirstLastPara="1" rIns="91425" wrap="square" tIns="91425">
               <a:noAutofit/>
             </a:bodyPr>
             <a:lstStyle/>
             <a:p>
-              <a:pPr marL="0" lvl="0" indent="0" algn="l" rtl="0">
+              <a:pPr indent="0" lvl="0" marL="0" rtl="0" algn="l">
                 <a:spcBef>
                   <a:spcPts val="0"/>
                 </a:spcBef>
@@ -7457,6 +7519,9 @@
                 </a:spcAft>
                 <a:buNone/>
               </a:pPr>
+              <a:r>
+                <a:t/>
+              </a:r>
               <a:endParaRPr/>
             </a:p>
           </p:txBody>
@@ -7465,9 +7530,7 @@
       <p:sp>
         <p:nvSpPr>
           <p:cNvPr id="89" name="Google Shape;89;p8"/>
-          <p:cNvSpPr txBox="1">
-            <a:spLocks noGrp="1"/>
-          </p:cNvSpPr>
+          <p:cNvSpPr txBox="1"/>
           <p:nvPr>
             <p:ph type="title"/>
           </p:nvPr>
@@ -7482,7 +7545,7 @@
           </a:prstGeom>
         </p:spPr>
         <p:txBody>
-          <a:bodyPr spcFirstLastPara="1" wrap="square" lIns="91425" tIns="91425" rIns="91425" bIns="91425" anchor="ctr" anchorCtr="0">
+          <a:bodyPr anchorCtr="0" anchor="ctr" bIns="91425" lIns="91425" spcFirstLastPara="1" rIns="91425" wrap="square" tIns="91425">
             <a:normAutofit/>
           </a:bodyPr>
           <a:lstStyle>
@@ -7586,19 +7649,15 @@
               <a:defRPr/>
             </a:lvl9pPr>
           </a:lstStyle>
-          <a:p>
-            <a:endParaRPr/>
-          </a:p>
+          <a:p/>
         </p:txBody>
       </p:sp>
       <p:sp>
         <p:nvSpPr>
           <p:cNvPr id="90" name="Google Shape;90;p8"/>
-          <p:cNvSpPr txBox="1">
-            <a:spLocks noGrp="1"/>
-          </p:cNvSpPr>
+          <p:cNvSpPr txBox="1"/>
           <p:nvPr>
-            <p:ph type="sldNum" idx="12"/>
+            <p:ph idx="12" type="sldNum"/>
           </p:nvPr>
         </p:nvSpPr>
         <p:spPr>
@@ -7611,7 +7670,7 @@
           </a:prstGeom>
         </p:spPr>
         <p:txBody>
-          <a:bodyPr spcFirstLastPara="1" wrap="square" lIns="91425" tIns="91425" rIns="91425" bIns="91425" anchor="ctr" anchorCtr="0">
+          <a:bodyPr anchorCtr="0" anchor="ctr" bIns="91425" lIns="91425" spcFirstLastPara="1" rIns="91425" wrap="square" tIns="91425">
             <a:normAutofit/>
           </a:bodyPr>
           <a:lstStyle>
@@ -7653,7 +7712,7 @@
             </a:lvl9pPr>
           </a:lstStyle>
           <a:p>
-            <a:pPr marL="0" lvl="0" indent="0" algn="r" rtl="0">
+            <a:pPr indent="0" lvl="0" marL="0" rtl="0" algn="r">
               <a:spcBef>
                 <a:spcPts val="0"/>
               </a:spcBef>
@@ -7679,11 +7738,11 @@
 </file>
 
 <file path=ppt/slideLayouts/slideLayout8.xml><?xml version="1.0" encoding="utf-8"?>
-<p:sldLayout xmlns:a="http://schemas.openxmlformats.org/drawingml/2006/main" xmlns:r="http://schemas.openxmlformats.org/officeDocument/2006/relationships" xmlns:p="http://schemas.openxmlformats.org/presentationml/2006/main" matchingName="Section title and description">
+<p:sldLayout xmlns:a="http://schemas.openxmlformats.org/drawingml/2006/main" xmlns:r="http://schemas.openxmlformats.org/officeDocument/2006/relationships" xmlns:mc="http://schemas.openxmlformats.org/markup-compatibility/2006" xmlns:mv="urn:schemas-microsoft-com:mac:vml" xmlns:p="http://schemas.openxmlformats.org/presentationml/2006/main" xmlns:c="http://schemas.openxmlformats.org/drawingml/2006/chart" xmlns:dgm="http://schemas.openxmlformats.org/drawingml/2006/diagram" xmlns:o="urn:schemas-microsoft-com:office:office" xmlns:v="urn:schemas-microsoft-com:vml" xmlns:pvml="urn:schemas-microsoft-com:office:powerpoint" xmlns:com="http://schemas.openxmlformats.org/drawingml/2006/compatibility" xmlns:p14="http://schemas.microsoft.com/office/powerpoint/2010/main" xmlns:p15="http://schemas.microsoft.com/office/powerpoint/2012/main" xmlns:ahyp="http://schemas.microsoft.com/office/drawing/2018/hyperlinkcolor" matchingName="Section title and description">
   <p:cSld name="SECTION_TITLE_AND_DESCRIPTION">
     <p:spTree>
       <p:nvGrpSpPr>
-        <p:cNvPr id="1" name="Shape 91"/>
+        <p:cNvPr id="91" name="Shape 91"/>
         <p:cNvGrpSpPr/>
         <p:nvPr/>
       </p:nvGrpSpPr>
@@ -7722,7 +7781,7 @@
             </a:xfrm>
             <a:prstGeom prst="diagStripe">
               <a:avLst>
-                <a:gd name="adj" fmla="val 50000"/>
+                <a:gd fmla="val 50000" name="adj"/>
               </a:avLst>
             </a:prstGeom>
             <a:solidFill>
@@ -7733,12 +7792,12 @@
             </a:ln>
           </p:spPr>
           <p:txBody>
-            <a:bodyPr spcFirstLastPara="1" wrap="square" lIns="91425" tIns="91425" rIns="91425" bIns="91425" anchor="ctr" anchorCtr="0">
+            <a:bodyPr anchorCtr="0" anchor="ctr" bIns="91425" lIns="91425" spcFirstLastPara="1" rIns="91425" wrap="square" tIns="91425">
               <a:noAutofit/>
             </a:bodyPr>
             <a:lstStyle/>
             <a:p>
-              <a:pPr marL="0" lvl="0" indent="0" algn="l" rtl="0">
+              <a:pPr indent="0" lvl="0" marL="0" rtl="0" algn="l">
                 <a:spcBef>
                   <a:spcPts val="0"/>
                 </a:spcBef>
@@ -7747,6 +7806,9 @@
                 </a:spcAft>
                 <a:buNone/>
               </a:pPr>
+              <a:r>
+                <a:t/>
+              </a:r>
               <a:endParaRPr/>
             </a:p>
           </p:txBody>
@@ -7764,7 +7826,7 @@
             </a:xfrm>
             <a:prstGeom prst="diagStripe">
               <a:avLst>
-                <a:gd name="adj" fmla="val 50000"/>
+                <a:gd fmla="val 50000" name="adj"/>
               </a:avLst>
             </a:prstGeom>
             <a:solidFill>
@@ -7775,12 +7837,12 @@
             </a:ln>
           </p:spPr>
           <p:txBody>
-            <a:bodyPr spcFirstLastPara="1" wrap="square" lIns="91425" tIns="91425" rIns="91425" bIns="91425" anchor="ctr" anchorCtr="0">
+            <a:bodyPr anchorCtr="0" anchor="ctr" bIns="91425" lIns="91425" spcFirstLastPara="1" rIns="91425" wrap="square" tIns="91425">
               <a:noAutofit/>
             </a:bodyPr>
             <a:lstStyle/>
             <a:p>
-              <a:pPr marL="0" lvl="0" indent="0" algn="l" rtl="0">
+              <a:pPr indent="0" lvl="0" marL="0" rtl="0" algn="l">
                 <a:spcBef>
                   <a:spcPts val="0"/>
                 </a:spcBef>
@@ -7789,6 +7851,9 @@
                 </a:spcAft>
                 <a:buNone/>
               </a:pPr>
+              <a:r>
+                <a:t/>
+              </a:r>
               <a:endParaRPr/>
             </a:p>
           </p:txBody>
@@ -7797,9 +7862,7 @@
       <p:sp>
         <p:nvSpPr>
           <p:cNvPr id="95" name="Google Shape;95;p9"/>
-          <p:cNvSpPr txBox="1">
-            <a:spLocks noGrp="1"/>
-          </p:cNvSpPr>
+          <p:cNvSpPr txBox="1"/>
           <p:nvPr>
             <p:ph type="title"/>
           </p:nvPr>
@@ -7814,7 +7877,7 @@
           </a:prstGeom>
         </p:spPr>
         <p:txBody>
-          <a:bodyPr spcFirstLastPara="1" wrap="square" lIns="91425" tIns="91425" rIns="91425" bIns="91425" anchor="t" anchorCtr="0">
+          <a:bodyPr anchorCtr="0" anchor="t" bIns="91425" lIns="91425" spcFirstLastPara="1" rIns="91425" wrap="square" tIns="91425">
             <a:normAutofit/>
           </a:bodyPr>
           <a:lstStyle>
@@ -7918,19 +7981,15 @@
               <a:defRPr sz="2400"/>
             </a:lvl9pPr>
           </a:lstStyle>
-          <a:p>
-            <a:endParaRPr/>
-          </a:p>
+          <a:p/>
         </p:txBody>
       </p:sp>
       <p:sp>
         <p:nvSpPr>
           <p:cNvPr id="96" name="Google Shape;96;p9"/>
-          <p:cNvSpPr txBox="1">
-            <a:spLocks noGrp="1"/>
-          </p:cNvSpPr>
+          <p:cNvSpPr txBox="1"/>
           <p:nvPr>
-            <p:ph type="subTitle" idx="1"/>
+            <p:ph idx="1" type="subTitle"/>
           </p:nvPr>
         </p:nvSpPr>
         <p:spPr>
@@ -7943,7 +8002,7 @@
           </a:prstGeom>
         </p:spPr>
         <p:txBody>
-          <a:bodyPr spcFirstLastPara="1" wrap="square" lIns="91425" tIns="91425" rIns="91425" bIns="91425" anchor="t" anchorCtr="0">
+          <a:bodyPr anchorCtr="0" anchor="t" bIns="91425" lIns="91425" spcFirstLastPara="1" rIns="91425" wrap="square" tIns="91425">
             <a:normAutofit/>
           </a:bodyPr>
           <a:lstStyle>
@@ -8074,19 +8133,15 @@
               <a:defRPr sz="1300"/>
             </a:lvl9pPr>
           </a:lstStyle>
-          <a:p>
-            <a:endParaRPr/>
-          </a:p>
+          <a:p/>
         </p:txBody>
       </p:sp>
       <p:sp>
         <p:nvSpPr>
           <p:cNvPr id="97" name="Google Shape;97;p9"/>
-          <p:cNvSpPr txBox="1">
-            <a:spLocks noGrp="1"/>
-          </p:cNvSpPr>
+          <p:cNvSpPr txBox="1"/>
           <p:nvPr>
-            <p:ph type="body" idx="2"/>
+            <p:ph idx="2" type="body"/>
           </p:nvPr>
         </p:nvSpPr>
         <p:spPr>
@@ -8099,11 +8154,11 @@
           </a:prstGeom>
         </p:spPr>
         <p:txBody>
-          <a:bodyPr spcFirstLastPara="1" wrap="square" lIns="91425" tIns="91425" rIns="91425" bIns="91425" anchor="t" anchorCtr="0">
+          <a:bodyPr anchorCtr="0" anchor="t" bIns="91425" lIns="91425" spcFirstLastPara="1" rIns="91425" wrap="square" tIns="91425">
             <a:normAutofit/>
           </a:bodyPr>
           <a:lstStyle>
-            <a:lvl1pPr marL="457200" lvl="0" indent="-311150">
+            <a:lvl1pPr indent="-311150" lvl="0" marL="457200">
               <a:spcBef>
                 <a:spcPts val="0"/>
               </a:spcBef>
@@ -8114,7 +8169,7 @@
               <a:buChar char="●"/>
               <a:defRPr/>
             </a:lvl1pPr>
-            <a:lvl2pPr marL="914400" lvl="1" indent="-298450">
+            <a:lvl2pPr indent="-298450" lvl="1" marL="914400">
               <a:spcBef>
                 <a:spcPts val="0"/>
               </a:spcBef>
@@ -8125,7 +8180,7 @@
               <a:buChar char="○"/>
               <a:defRPr/>
             </a:lvl2pPr>
-            <a:lvl3pPr marL="1371600" lvl="2" indent="-298450">
+            <a:lvl3pPr indent="-298450" lvl="2" marL="1371600">
               <a:spcBef>
                 <a:spcPts val="0"/>
               </a:spcBef>
@@ -8136,7 +8191,7 @@
               <a:buChar char="■"/>
               <a:defRPr/>
             </a:lvl3pPr>
-            <a:lvl4pPr marL="1828800" lvl="3" indent="-298450">
+            <a:lvl4pPr indent="-298450" lvl="3" marL="1828800">
               <a:spcBef>
                 <a:spcPts val="0"/>
               </a:spcBef>
@@ -8147,7 +8202,7 @@
               <a:buChar char="●"/>
               <a:defRPr/>
             </a:lvl4pPr>
-            <a:lvl5pPr marL="2286000" lvl="4" indent="-298450">
+            <a:lvl5pPr indent="-298450" lvl="4" marL="2286000">
               <a:spcBef>
                 <a:spcPts val="0"/>
               </a:spcBef>
@@ -8158,7 +8213,7 @@
               <a:buChar char="○"/>
               <a:defRPr/>
             </a:lvl5pPr>
-            <a:lvl6pPr marL="2743200" lvl="5" indent="-298450">
+            <a:lvl6pPr indent="-298450" lvl="5" marL="2743200">
               <a:spcBef>
                 <a:spcPts val="0"/>
               </a:spcBef>
@@ -8169,7 +8224,7 @@
               <a:buChar char="■"/>
               <a:defRPr/>
             </a:lvl6pPr>
-            <a:lvl7pPr marL="3200400" lvl="6" indent="-298450">
+            <a:lvl7pPr indent="-298450" lvl="6" marL="3200400">
               <a:spcBef>
                 <a:spcPts val="0"/>
               </a:spcBef>
@@ -8180,7 +8235,7 @@
               <a:buChar char="●"/>
               <a:defRPr/>
             </a:lvl7pPr>
-            <a:lvl8pPr marL="3657600" lvl="7" indent="-298450">
+            <a:lvl8pPr indent="-298450" lvl="7" marL="3657600">
               <a:spcBef>
                 <a:spcPts val="0"/>
               </a:spcBef>
@@ -8191,7 +8246,7 @@
               <a:buChar char="○"/>
               <a:defRPr/>
             </a:lvl8pPr>
-            <a:lvl9pPr marL="4114800" lvl="8" indent="-298450">
+            <a:lvl9pPr indent="-298450" lvl="8" marL="4114800">
               <a:spcBef>
                 <a:spcPts val="0"/>
               </a:spcBef>
@@ -8203,19 +8258,15 @@
               <a:defRPr/>
             </a:lvl9pPr>
           </a:lstStyle>
-          <a:p>
-            <a:endParaRPr/>
-          </a:p>
+          <a:p/>
         </p:txBody>
       </p:sp>
       <p:sp>
         <p:nvSpPr>
           <p:cNvPr id="98" name="Google Shape;98;p9"/>
-          <p:cNvSpPr txBox="1">
-            <a:spLocks noGrp="1"/>
-          </p:cNvSpPr>
+          <p:cNvSpPr txBox="1"/>
           <p:nvPr>
-            <p:ph type="sldNum" idx="12"/>
+            <p:ph idx="12" type="sldNum"/>
           </p:nvPr>
         </p:nvSpPr>
         <p:spPr>
@@ -8228,7 +8279,7 @@
           </a:prstGeom>
         </p:spPr>
         <p:txBody>
-          <a:bodyPr spcFirstLastPara="1" wrap="square" lIns="91425" tIns="91425" rIns="91425" bIns="91425" anchor="ctr" anchorCtr="0">
+          <a:bodyPr anchorCtr="0" anchor="ctr" bIns="91425" lIns="91425" spcFirstLastPara="1" rIns="91425" wrap="square" tIns="91425">
             <a:normAutofit/>
           </a:bodyPr>
           <a:lstStyle>
@@ -8270,7 +8321,7 @@
             </a:lvl9pPr>
           </a:lstStyle>
           <a:p>
-            <a:pPr marL="0" lvl="0" indent="0" algn="r" rtl="0">
+            <a:pPr indent="0" lvl="0" marL="0" rtl="0" algn="r">
               <a:spcBef>
                 <a:spcPts val="0"/>
               </a:spcBef>
@@ -8296,11 +8347,11 @@
 </file>
 
 <file path=ppt/slideLayouts/slideLayout9.xml><?xml version="1.0" encoding="utf-8"?>
-<p:sldLayout xmlns:a="http://schemas.openxmlformats.org/drawingml/2006/main" xmlns:r="http://schemas.openxmlformats.org/officeDocument/2006/relationships" xmlns:p="http://schemas.openxmlformats.org/presentationml/2006/main" matchingName="Caption">
+<p:sldLayout xmlns:a="http://schemas.openxmlformats.org/drawingml/2006/main" xmlns:r="http://schemas.openxmlformats.org/officeDocument/2006/relationships" xmlns:mc="http://schemas.openxmlformats.org/markup-compatibility/2006" xmlns:mv="urn:schemas-microsoft-com:mac:vml" xmlns:p="http://schemas.openxmlformats.org/presentationml/2006/main" xmlns:c="http://schemas.openxmlformats.org/drawingml/2006/chart" xmlns:dgm="http://schemas.openxmlformats.org/drawingml/2006/diagram" xmlns:o="urn:schemas-microsoft-com:office:office" xmlns:v="urn:schemas-microsoft-com:vml" xmlns:pvml="urn:schemas-microsoft-com:office:powerpoint" xmlns:com="http://schemas.openxmlformats.org/drawingml/2006/compatibility" xmlns:p14="http://schemas.microsoft.com/office/powerpoint/2010/main" xmlns:p15="http://schemas.microsoft.com/office/powerpoint/2012/main" xmlns:ahyp="http://schemas.microsoft.com/office/drawing/2018/hyperlinkcolor" matchingName="Caption">
   <p:cSld name="CAPTION_ONLY">
     <p:spTree>
       <p:nvGrpSpPr>
-        <p:cNvPr id="1" name="Shape 99"/>
+        <p:cNvPr id="99" name="Shape 99"/>
         <p:cNvGrpSpPr/>
         <p:nvPr/>
       </p:nvGrpSpPr>
@@ -8339,7 +8390,7 @@
             </a:xfrm>
             <a:prstGeom prst="diagStripe">
               <a:avLst>
-                <a:gd name="adj" fmla="val 50000"/>
+                <a:gd fmla="val 50000" name="adj"/>
               </a:avLst>
             </a:prstGeom>
             <a:solidFill>
@@ -8352,12 +8403,12 @@
             </a:ln>
           </p:spPr>
           <p:txBody>
-            <a:bodyPr spcFirstLastPara="1" wrap="square" lIns="91425" tIns="91425" rIns="91425" bIns="91425" anchor="ctr" anchorCtr="0">
+            <a:bodyPr anchorCtr="0" anchor="ctr" bIns="91425" lIns="91425" spcFirstLastPara="1" rIns="91425" wrap="square" tIns="91425">
               <a:noAutofit/>
             </a:bodyPr>
             <a:lstStyle/>
             <a:p>
-              <a:pPr marL="0" lvl="0" indent="0" algn="l" rtl="0">
+              <a:pPr indent="0" lvl="0" marL="0" rtl="0" algn="l">
                 <a:spcBef>
                   <a:spcPts val="0"/>
                 </a:spcBef>
@@ -8366,6 +8417,9 @@
                 </a:spcAft>
                 <a:buNone/>
               </a:pPr>
+              <a:r>
+                <a:t/>
+              </a:r>
               <a:endParaRPr/>
             </a:p>
           </p:txBody>
@@ -8383,7 +8437,7 @@
             </a:xfrm>
             <a:prstGeom prst="diagStripe">
               <a:avLst>
-                <a:gd name="adj" fmla="val 50000"/>
+                <a:gd fmla="val 50000" name="adj"/>
               </a:avLst>
             </a:prstGeom>
             <a:solidFill>
@@ -8396,12 +8450,12 @@
             </a:ln>
           </p:spPr>
           <p:txBody>
-            <a:bodyPr spcFirstLastPara="1" wrap="square" lIns="91425" tIns="91425" rIns="91425" bIns="91425" anchor="ctr" anchorCtr="0">
+            <a:bodyPr anchorCtr="0" anchor="ctr" bIns="91425" lIns="91425" spcFirstLastPara="1" rIns="91425" wrap="square" tIns="91425">
               <a:noAutofit/>
             </a:bodyPr>
             <a:lstStyle/>
             <a:p>
-              <a:pPr marL="0" lvl="0" indent="0" algn="l" rtl="0">
+              <a:pPr indent="0" lvl="0" marL="0" rtl="0" algn="l">
                 <a:spcBef>
                   <a:spcPts val="0"/>
                 </a:spcBef>
@@ -8410,6 +8464,9 @@
                 </a:spcAft>
                 <a:buNone/>
               </a:pPr>
+              <a:r>
+                <a:t/>
+              </a:r>
               <a:endParaRPr/>
             </a:p>
           </p:txBody>
@@ -8418,11 +8475,9 @@
       <p:sp>
         <p:nvSpPr>
           <p:cNvPr id="103" name="Google Shape;103;p10"/>
-          <p:cNvSpPr txBox="1">
-            <a:spLocks noGrp="1"/>
-          </p:cNvSpPr>
+          <p:cNvSpPr txBox="1"/>
           <p:nvPr>
-            <p:ph type="body" idx="1"/>
+            <p:ph idx="1" type="body"/>
           </p:nvPr>
         </p:nvSpPr>
         <p:spPr>
@@ -8435,11 +8490,11 @@
           </a:prstGeom>
         </p:spPr>
         <p:txBody>
-          <a:bodyPr spcFirstLastPara="1" wrap="square" lIns="91425" tIns="91425" rIns="91425" bIns="91425" anchor="ctr" anchorCtr="0">
+          <a:bodyPr anchorCtr="0" anchor="ctr" bIns="91425" lIns="91425" spcFirstLastPara="1" rIns="91425" wrap="square" tIns="91425">
             <a:normAutofit/>
           </a:bodyPr>
           <a:lstStyle>
-            <a:lvl1pPr marL="457200" lvl="0" indent="-228600">
+            <a:lvl1pPr indent="-228600" lvl="0" marL="457200">
               <a:lnSpc>
                 <a:spcPct val="100000"/>
               </a:lnSpc>
@@ -8454,19 +8509,15 @@
               <a:defRPr/>
             </a:lvl1pPr>
           </a:lstStyle>
-          <a:p>
-            <a:endParaRPr/>
-          </a:p>
+          <a:p/>
         </p:txBody>
       </p:sp>
       <p:sp>
         <p:nvSpPr>
           <p:cNvPr id="104" name="Google Shape;104;p10"/>
-          <p:cNvSpPr txBox="1">
-            <a:spLocks noGrp="1"/>
-          </p:cNvSpPr>
+          <p:cNvSpPr txBox="1"/>
           <p:nvPr>
-            <p:ph type="sldNum" idx="12"/>
+            <p:ph idx="12" type="sldNum"/>
           </p:nvPr>
         </p:nvSpPr>
         <p:spPr>
@@ -8479,7 +8530,7 @@
           </a:prstGeom>
         </p:spPr>
         <p:txBody>
-          <a:bodyPr spcFirstLastPara="1" wrap="square" lIns="91425" tIns="91425" rIns="91425" bIns="91425" anchor="ctr" anchorCtr="0">
+          <a:bodyPr anchorCtr="0" anchor="ctr" bIns="91425" lIns="91425" spcFirstLastPara="1" rIns="91425" wrap="square" tIns="91425">
             <a:normAutofit/>
           </a:bodyPr>
           <a:lstStyle>
@@ -8521,7 +8572,7 @@
             </a:lvl9pPr>
           </a:lstStyle>
           <a:p>
-            <a:pPr marL="0" lvl="0" indent="0" algn="r" rtl="0">
+            <a:pPr indent="0" lvl="0" marL="0" rtl="0" algn="r">
               <a:spcBef>
                 <a:spcPts val="0"/>
               </a:spcBef>
@@ -8547,19 +8598,18 @@
 </file>
 
 <file path=ppt/slideMasters/slideMaster1.xml><?xml version="1.0" encoding="utf-8"?>
-<p:sldMaster xmlns:a="http://schemas.openxmlformats.org/drawingml/2006/main" xmlns:r="http://schemas.openxmlformats.org/officeDocument/2006/relationships" xmlns:p="http://schemas.openxmlformats.org/presentationml/2006/main">
+<p:sldMaster xmlns:a="http://schemas.openxmlformats.org/drawingml/2006/main" xmlns:r="http://schemas.openxmlformats.org/officeDocument/2006/relationships" xmlns:mc="http://schemas.openxmlformats.org/markup-compatibility/2006" xmlns:mv="urn:schemas-microsoft-com:mac:vml" xmlns:p="http://schemas.openxmlformats.org/presentationml/2006/main" xmlns:c="http://schemas.openxmlformats.org/drawingml/2006/chart" xmlns:dgm="http://schemas.openxmlformats.org/drawingml/2006/diagram" xmlns:o="urn:schemas-microsoft-com:office:office" xmlns:v="urn:schemas-microsoft-com:vml" xmlns:pvml="urn:schemas-microsoft-com:office:powerpoint" xmlns:com="http://schemas.openxmlformats.org/drawingml/2006/compatibility" xmlns:p14="http://schemas.microsoft.com/office/powerpoint/2010/main" xmlns:p15="http://schemas.microsoft.com/office/powerpoint/2012/main" xmlns:ahyp="http://schemas.microsoft.com/office/drawing/2018/hyperlinkcolor">
   <p:cSld name="focus">
     <p:bg>
       <p:bgPr>
         <a:solidFill>
           <a:schemeClr val="dk1"/>
         </a:solidFill>
-        <a:effectLst/>
       </p:bgPr>
     </p:bg>
     <p:spTree>
       <p:nvGrpSpPr>
-        <p:cNvPr id="1" name="Shape 5"/>
+        <p:cNvPr id="5" name="Shape 5"/>
         <p:cNvGrpSpPr/>
         <p:nvPr/>
       </p:nvGrpSpPr>
@@ -8574,9 +8624,7 @@
       <p:sp>
         <p:nvSpPr>
           <p:cNvPr id="6" name="Google Shape;6;p1"/>
-          <p:cNvSpPr txBox="1">
-            <a:spLocks noGrp="1"/>
-          </p:cNvSpPr>
+          <p:cNvSpPr txBox="1"/>
           <p:nvPr>
             <p:ph type="title"/>
           </p:nvPr>
@@ -8595,7 +8643,7 @@
           </a:ln>
         </p:spPr>
         <p:txBody>
-          <a:bodyPr spcFirstLastPara="1" wrap="square" lIns="91425" tIns="91425" rIns="91425" bIns="91425" anchor="t" anchorCtr="0">
+          <a:bodyPr anchorCtr="0" anchor="t" bIns="91425" lIns="91425" spcFirstLastPara="1" rIns="91425" wrap="square" tIns="91425">
             <a:normAutofit/>
           </a:bodyPr>
           <a:lstStyle>
@@ -8807,19 +8855,15 @@
               </a:defRPr>
             </a:lvl9pPr>
           </a:lstStyle>
-          <a:p>
-            <a:endParaRPr/>
-          </a:p>
+          <a:p/>
         </p:txBody>
       </p:sp>
       <p:sp>
         <p:nvSpPr>
           <p:cNvPr id="7" name="Google Shape;7;p1"/>
-          <p:cNvSpPr txBox="1">
-            <a:spLocks noGrp="1"/>
-          </p:cNvSpPr>
+          <p:cNvSpPr txBox="1"/>
           <p:nvPr>
-            <p:ph type="body" idx="1"/>
+            <p:ph idx="1" type="body"/>
           </p:nvPr>
         </p:nvSpPr>
         <p:spPr>
@@ -8836,11 +8880,11 @@
           </a:ln>
         </p:spPr>
         <p:txBody>
-          <a:bodyPr spcFirstLastPara="1" wrap="square" lIns="91425" tIns="91425" rIns="91425" bIns="91425" anchor="t" anchorCtr="0">
+          <a:bodyPr anchorCtr="0" anchor="t" bIns="91425" lIns="91425" spcFirstLastPara="1" rIns="91425" wrap="square" tIns="91425">
             <a:normAutofit/>
           </a:bodyPr>
           <a:lstStyle>
-            <a:lvl1pPr marL="457200" lvl="0" indent="-311150">
+            <a:lvl1pPr indent="-311150" lvl="0" marL="457200">
               <a:lnSpc>
                 <a:spcPct val="115000"/>
               </a:lnSpc>
@@ -8866,7 +8910,7 @@
                 <a:sym typeface="Lato"/>
               </a:defRPr>
             </a:lvl1pPr>
-            <a:lvl2pPr marL="914400" lvl="1" indent="-298450">
+            <a:lvl2pPr indent="-298450" lvl="1" marL="914400">
               <a:lnSpc>
                 <a:spcPct val="115000"/>
               </a:lnSpc>
@@ -8892,7 +8936,7 @@
                 <a:sym typeface="Lato"/>
               </a:defRPr>
             </a:lvl2pPr>
-            <a:lvl3pPr marL="1371600" lvl="2" indent="-298450">
+            <a:lvl3pPr indent="-298450" lvl="2" marL="1371600">
               <a:lnSpc>
                 <a:spcPct val="115000"/>
               </a:lnSpc>
@@ -8918,7 +8962,7 @@
                 <a:sym typeface="Lato"/>
               </a:defRPr>
             </a:lvl3pPr>
-            <a:lvl4pPr marL="1828800" lvl="3" indent="-298450">
+            <a:lvl4pPr indent="-298450" lvl="3" marL="1828800">
               <a:lnSpc>
                 <a:spcPct val="115000"/>
               </a:lnSpc>
@@ -8944,7 +8988,7 @@
                 <a:sym typeface="Lato"/>
               </a:defRPr>
             </a:lvl4pPr>
-            <a:lvl5pPr marL="2286000" lvl="4" indent="-298450">
+            <a:lvl5pPr indent="-298450" lvl="4" marL="2286000">
               <a:lnSpc>
                 <a:spcPct val="115000"/>
               </a:lnSpc>
@@ -8970,7 +9014,7 @@
                 <a:sym typeface="Lato"/>
               </a:defRPr>
             </a:lvl5pPr>
-            <a:lvl6pPr marL="2743200" lvl="5" indent="-298450">
+            <a:lvl6pPr indent="-298450" lvl="5" marL="2743200">
               <a:lnSpc>
                 <a:spcPct val="115000"/>
               </a:lnSpc>
@@ -8996,7 +9040,7 @@
                 <a:sym typeface="Lato"/>
               </a:defRPr>
             </a:lvl6pPr>
-            <a:lvl7pPr marL="3200400" lvl="6" indent="-298450">
+            <a:lvl7pPr indent="-298450" lvl="6" marL="3200400">
               <a:lnSpc>
                 <a:spcPct val="115000"/>
               </a:lnSpc>
@@ -9022,7 +9066,7 @@
                 <a:sym typeface="Lato"/>
               </a:defRPr>
             </a:lvl7pPr>
-            <a:lvl8pPr marL="3657600" lvl="7" indent="-298450">
+            <a:lvl8pPr indent="-298450" lvl="7" marL="3657600">
               <a:lnSpc>
                 <a:spcPct val="115000"/>
               </a:lnSpc>
@@ -9048,7 +9092,7 @@
                 <a:sym typeface="Lato"/>
               </a:defRPr>
             </a:lvl8pPr>
-            <a:lvl9pPr marL="4114800" lvl="8" indent="-298450">
+            <a:lvl9pPr indent="-298450" lvl="8" marL="4114800">
               <a:lnSpc>
                 <a:spcPct val="115000"/>
               </a:lnSpc>
@@ -9075,19 +9119,15 @@
               </a:defRPr>
             </a:lvl9pPr>
           </a:lstStyle>
-          <a:p>
-            <a:endParaRPr/>
-          </a:p>
+          <a:p/>
         </p:txBody>
       </p:sp>
       <p:sp>
         <p:nvSpPr>
           <p:cNvPr id="8" name="Google Shape;8;p1"/>
-          <p:cNvSpPr txBox="1">
-            <a:spLocks noGrp="1"/>
-          </p:cNvSpPr>
+          <p:cNvSpPr txBox="1"/>
           <p:nvPr>
-            <p:ph type="sldNum" idx="12"/>
+            <p:ph idx="12" type="sldNum"/>
           </p:nvPr>
         </p:nvSpPr>
         <p:spPr>
@@ -9104,7 +9144,7 @@
           </a:ln>
         </p:spPr>
         <p:txBody>
-          <a:bodyPr spcFirstLastPara="1" wrap="square" lIns="91425" tIns="91425" rIns="91425" bIns="91425" anchor="ctr" anchorCtr="0">
+          <a:bodyPr anchorCtr="0" anchor="ctr" bIns="91425" lIns="91425" spcFirstLastPara="1" rIns="91425" wrap="square" tIns="91425">
             <a:normAutofit/>
           </a:bodyPr>
           <a:lstStyle>
@@ -9218,7 +9258,7 @@
             </a:lvl9pPr>
           </a:lstStyle>
           <a:p>
-            <a:pPr marL="0" lvl="0" indent="0" algn="r" rtl="0">
+            <a:pPr indent="0" lvl="0" marL="0" rtl="0" algn="r">
               <a:spcBef>
                 <a:spcPts val="0"/>
               </a:spcBef>
@@ -9237,7 +9277,7 @@
       </p:sp>
     </p:spTree>
   </p:cSld>
-  <p:clrMap bg1="lt1" tx1="dk1" bg2="dk2" tx2="lt2" accent1="accent1" accent2="accent2" accent3="accent3" accent4="accent4" accent5="accent5" accent6="accent6" hlink="hlink" folHlink="folHlink"/>
+  <p:clrMap accent1="accent1" accent2="accent2" accent3="accent3" accent4="accent4" accent5="accent5" accent6="accent6" bg1="lt1" bg2="dk2" tx1="dk1" tx2="lt2" folHlink="folHlink" hlink="hlink"/>
   <p:sldLayoutIdLst>
     <p:sldLayoutId id="2147483648" r:id="rId1"/>
     <p:sldLayoutId id="2147483649" r:id="rId2"/>
@@ -9251,10 +9291,10 @@
     <p:sldLayoutId id="2147483657" r:id="rId10"/>
     <p:sldLayoutId id="2147483658" r:id="rId11"/>
   </p:sldLayoutIdLst>
-  <p:hf sldNum="0" hdr="0" ftr="0" dt="0"/>
+  <p:hf dt="0" ftr="0" hdr="0" sldNum="0"/>
   <p:txStyles>
     <p:titleStyle>
-      <a:defPPr marR="0" lvl="0" algn="l" rtl="0">
+      <a:defPPr lvl="0" marR="0" rtl="0" algn="l">
         <a:lnSpc>
           <a:spcPct val="100000"/>
         </a:lnSpc>
@@ -9265,7 +9305,7 @@
           <a:spcPts val="0"/>
         </a:spcAft>
       </a:defPPr>
-      <a:lvl1pPr marR="0" lvl="0" algn="l" rtl="0">
+      <a:lvl1pPr lvl="0" marR="0" rtl="0" algn="l">
         <a:lnSpc>
           <a:spcPct val="100000"/>
         </a:lnSpc>
@@ -9279,7 +9319,7 @@
           <a:srgbClr val="000000"/>
         </a:buClr>
         <a:buFont typeface="Arial"/>
-        <a:defRPr sz="1400" b="0" i="0" u="none" strike="noStrike" cap="none">
+        <a:defRPr b="0" i="0" sz="1400" u="none" cap="none" strike="noStrike">
           <a:solidFill>
             <a:srgbClr val="000000"/>
           </a:solidFill>
@@ -9289,7 +9329,7 @@
           <a:sym typeface="Arial"/>
         </a:defRPr>
       </a:lvl1pPr>
-      <a:lvl2pPr marR="0" lvl="1" algn="l" rtl="0">
+      <a:lvl2pPr lvl="1" marR="0" rtl="0" algn="l">
         <a:lnSpc>
           <a:spcPct val="100000"/>
         </a:lnSpc>
@@ -9303,7 +9343,7 @@
           <a:srgbClr val="000000"/>
         </a:buClr>
         <a:buFont typeface="Arial"/>
-        <a:defRPr sz="1400" b="0" i="0" u="none" strike="noStrike" cap="none">
+        <a:defRPr b="0" i="0" sz="1400" u="none" cap="none" strike="noStrike">
           <a:solidFill>
             <a:srgbClr val="000000"/>
           </a:solidFill>
@@ -9313,7 +9353,7 @@
           <a:sym typeface="Arial"/>
         </a:defRPr>
       </a:lvl2pPr>
-      <a:lvl3pPr marR="0" lvl="2" algn="l" rtl="0">
+      <a:lvl3pPr lvl="2" marR="0" rtl="0" algn="l">
         <a:lnSpc>
           <a:spcPct val="100000"/>
         </a:lnSpc>
@@ -9327,7 +9367,7 @@
           <a:srgbClr val="000000"/>
         </a:buClr>
         <a:buFont typeface="Arial"/>
-        <a:defRPr sz="1400" b="0" i="0" u="none" strike="noStrike" cap="none">
+        <a:defRPr b="0" i="0" sz="1400" u="none" cap="none" strike="noStrike">
           <a:solidFill>
             <a:srgbClr val="000000"/>
           </a:solidFill>
@@ -9337,7 +9377,7 @@
           <a:sym typeface="Arial"/>
         </a:defRPr>
       </a:lvl3pPr>
-      <a:lvl4pPr marR="0" lvl="3" algn="l" rtl="0">
+      <a:lvl4pPr lvl="3" marR="0" rtl="0" algn="l">
         <a:lnSpc>
           <a:spcPct val="100000"/>
         </a:lnSpc>
@@ -9351,7 +9391,7 @@
           <a:srgbClr val="000000"/>
         </a:buClr>
         <a:buFont typeface="Arial"/>
-        <a:defRPr sz="1400" b="0" i="0" u="none" strike="noStrike" cap="none">
+        <a:defRPr b="0" i="0" sz="1400" u="none" cap="none" strike="noStrike">
           <a:solidFill>
             <a:srgbClr val="000000"/>
           </a:solidFill>
@@ -9361,7 +9401,7 @@
           <a:sym typeface="Arial"/>
         </a:defRPr>
       </a:lvl4pPr>
-      <a:lvl5pPr marR="0" lvl="4" algn="l" rtl="0">
+      <a:lvl5pPr lvl="4" marR="0" rtl="0" algn="l">
         <a:lnSpc>
           <a:spcPct val="100000"/>
         </a:lnSpc>
@@ -9375,7 +9415,7 @@
           <a:srgbClr val="000000"/>
         </a:buClr>
         <a:buFont typeface="Arial"/>
-        <a:defRPr sz="1400" b="0" i="0" u="none" strike="noStrike" cap="none">
+        <a:defRPr b="0" i="0" sz="1400" u="none" cap="none" strike="noStrike">
           <a:solidFill>
             <a:srgbClr val="000000"/>
           </a:solidFill>
@@ -9385,7 +9425,7 @@
           <a:sym typeface="Arial"/>
         </a:defRPr>
       </a:lvl5pPr>
-      <a:lvl6pPr marR="0" lvl="5" algn="l" rtl="0">
+      <a:lvl6pPr lvl="5" marR="0" rtl="0" algn="l">
         <a:lnSpc>
           <a:spcPct val="100000"/>
         </a:lnSpc>
@@ -9399,7 +9439,7 @@
           <a:srgbClr val="000000"/>
         </a:buClr>
         <a:buFont typeface="Arial"/>
-        <a:defRPr sz="1400" b="0" i="0" u="none" strike="noStrike" cap="none">
+        <a:defRPr b="0" i="0" sz="1400" u="none" cap="none" strike="noStrike">
           <a:solidFill>
             <a:srgbClr val="000000"/>
           </a:solidFill>
@@ -9409,7 +9449,7 @@
           <a:sym typeface="Arial"/>
         </a:defRPr>
       </a:lvl6pPr>
-      <a:lvl7pPr marR="0" lvl="6" algn="l" rtl="0">
+      <a:lvl7pPr lvl="6" marR="0" rtl="0" algn="l">
         <a:lnSpc>
           <a:spcPct val="100000"/>
         </a:lnSpc>
@@ -9423,7 +9463,7 @@
           <a:srgbClr val="000000"/>
         </a:buClr>
         <a:buFont typeface="Arial"/>
-        <a:defRPr sz="1400" b="0" i="0" u="none" strike="noStrike" cap="none">
+        <a:defRPr b="0" i="0" sz="1400" u="none" cap="none" strike="noStrike">
           <a:solidFill>
             <a:srgbClr val="000000"/>
           </a:solidFill>
@@ -9433,7 +9473,7 @@
           <a:sym typeface="Arial"/>
         </a:defRPr>
       </a:lvl7pPr>
-      <a:lvl8pPr marR="0" lvl="7" algn="l" rtl="0">
+      <a:lvl8pPr lvl="7" marR="0" rtl="0" algn="l">
         <a:lnSpc>
           <a:spcPct val="100000"/>
         </a:lnSpc>
@@ -9447,7 +9487,7 @@
           <a:srgbClr val="000000"/>
         </a:buClr>
         <a:buFont typeface="Arial"/>
-        <a:defRPr sz="1400" b="0" i="0" u="none" strike="noStrike" cap="none">
+        <a:defRPr b="0" i="0" sz="1400" u="none" cap="none" strike="noStrike">
           <a:solidFill>
             <a:srgbClr val="000000"/>
           </a:solidFill>
@@ -9457,7 +9497,7 @@
           <a:sym typeface="Arial"/>
         </a:defRPr>
       </a:lvl8pPr>
-      <a:lvl9pPr marR="0" lvl="8" algn="l" rtl="0">
+      <a:lvl9pPr lvl="8" marR="0" rtl="0" algn="l">
         <a:lnSpc>
           <a:spcPct val="100000"/>
         </a:lnSpc>
@@ -9471,7 +9511,7 @@
           <a:srgbClr val="000000"/>
         </a:buClr>
         <a:buFont typeface="Arial"/>
-        <a:defRPr sz="1400" b="0" i="0" u="none" strike="noStrike" cap="none">
+        <a:defRPr b="0" i="0" sz="1400" u="none" cap="none" strike="noStrike">
           <a:solidFill>
             <a:srgbClr val="000000"/>
           </a:solidFill>
@@ -9483,7 +9523,7 @@
       </a:lvl9pPr>
     </p:titleStyle>
     <p:bodyStyle>
-      <a:defPPr marR="0" lvl="0" algn="l" rtl="0">
+      <a:defPPr lvl="0" marR="0" rtl="0" algn="l">
         <a:lnSpc>
           <a:spcPct val="100000"/>
         </a:lnSpc>
@@ -9494,7 +9534,7 @@
           <a:spcPts val="0"/>
         </a:spcAft>
       </a:defPPr>
-      <a:lvl1pPr marR="0" lvl="0" algn="l" rtl="0">
+      <a:lvl1pPr lvl="0" marR="0" rtl="0" algn="l">
         <a:lnSpc>
           <a:spcPct val="100000"/>
         </a:lnSpc>
@@ -9508,7 +9548,7 @@
           <a:srgbClr val="000000"/>
         </a:buClr>
         <a:buFont typeface="Arial"/>
-        <a:defRPr sz="1400" b="0" i="0" u="none" strike="noStrike" cap="none">
+        <a:defRPr b="0" i="0" sz="1400" u="none" cap="none" strike="noStrike">
           <a:solidFill>
             <a:srgbClr val="000000"/>
           </a:solidFill>
@@ -9518,7 +9558,7 @@
           <a:sym typeface="Arial"/>
         </a:defRPr>
       </a:lvl1pPr>
-      <a:lvl2pPr marR="0" lvl="1" algn="l" rtl="0">
+      <a:lvl2pPr lvl="1" marR="0" rtl="0" algn="l">
         <a:lnSpc>
           <a:spcPct val="100000"/>
         </a:lnSpc>
@@ -9532,7 +9572,7 @@
           <a:srgbClr val="000000"/>
         </a:buClr>
         <a:buFont typeface="Arial"/>
-        <a:defRPr sz="1400" b="0" i="0" u="none" strike="noStrike" cap="none">
+        <a:defRPr b="0" i="0" sz="1400" u="none" cap="none" strike="noStrike">
           <a:solidFill>
             <a:srgbClr val="000000"/>
           </a:solidFill>
@@ -9542,7 +9582,7 @@
           <a:sym typeface="Arial"/>
         </a:defRPr>
       </a:lvl2pPr>
-      <a:lvl3pPr marR="0" lvl="2" algn="l" rtl="0">
+      <a:lvl3pPr lvl="2" marR="0" rtl="0" algn="l">
         <a:lnSpc>
           <a:spcPct val="100000"/>
         </a:lnSpc>
@@ -9556,7 +9596,7 @@
           <a:srgbClr val="000000"/>
         </a:buClr>
         <a:buFont typeface="Arial"/>
-        <a:defRPr sz="1400" b="0" i="0" u="none" strike="noStrike" cap="none">
+        <a:defRPr b="0" i="0" sz="1400" u="none" cap="none" strike="noStrike">
           <a:solidFill>
             <a:srgbClr val="000000"/>
           </a:solidFill>
@@ -9566,7 +9606,7 @@
           <a:sym typeface="Arial"/>
         </a:defRPr>
       </a:lvl3pPr>
-      <a:lvl4pPr marR="0" lvl="3" algn="l" rtl="0">
+      <a:lvl4pPr lvl="3" marR="0" rtl="0" algn="l">
         <a:lnSpc>
           <a:spcPct val="100000"/>
         </a:lnSpc>
@@ -9580,7 +9620,7 @@
           <a:srgbClr val="000000"/>
         </a:buClr>
         <a:buFont typeface="Arial"/>
-        <a:defRPr sz="1400" b="0" i="0" u="none" strike="noStrike" cap="none">
+        <a:defRPr b="0" i="0" sz="1400" u="none" cap="none" strike="noStrike">
           <a:solidFill>
             <a:srgbClr val="000000"/>
           </a:solidFill>
@@ -9590,7 +9630,7 @@
           <a:sym typeface="Arial"/>
         </a:defRPr>
       </a:lvl4pPr>
-      <a:lvl5pPr marR="0" lvl="4" algn="l" rtl="0">
+      <a:lvl5pPr lvl="4" marR="0" rtl="0" algn="l">
         <a:lnSpc>
           <a:spcPct val="100000"/>
         </a:lnSpc>
@@ -9604,7 +9644,7 @@
           <a:srgbClr val="000000"/>
         </a:buClr>
         <a:buFont typeface="Arial"/>
-        <a:defRPr sz="1400" b="0" i="0" u="none" strike="noStrike" cap="none">
+        <a:defRPr b="0" i="0" sz="1400" u="none" cap="none" strike="noStrike">
           <a:solidFill>
             <a:srgbClr val="000000"/>
           </a:solidFill>
@@ -9614,7 +9654,7 @@
           <a:sym typeface="Arial"/>
         </a:defRPr>
       </a:lvl5pPr>
-      <a:lvl6pPr marR="0" lvl="5" algn="l" rtl="0">
+      <a:lvl6pPr lvl="5" marR="0" rtl="0" algn="l">
         <a:lnSpc>
           <a:spcPct val="100000"/>
         </a:lnSpc>
@@ -9628,7 +9668,7 @@
           <a:srgbClr val="000000"/>
         </a:buClr>
         <a:buFont typeface="Arial"/>
-        <a:defRPr sz="1400" b="0" i="0" u="none" strike="noStrike" cap="none">
+        <a:defRPr b="0" i="0" sz="1400" u="none" cap="none" strike="noStrike">
           <a:solidFill>
             <a:srgbClr val="000000"/>
           </a:solidFill>
@@ -9638,7 +9678,7 @@
           <a:sym typeface="Arial"/>
         </a:defRPr>
       </a:lvl6pPr>
-      <a:lvl7pPr marR="0" lvl="6" algn="l" rtl="0">
+      <a:lvl7pPr lvl="6" marR="0" rtl="0" algn="l">
         <a:lnSpc>
           <a:spcPct val="100000"/>
         </a:lnSpc>
@@ -9652,7 +9692,7 @@
           <a:srgbClr val="000000"/>
         </a:buClr>
         <a:buFont typeface="Arial"/>
-        <a:defRPr sz="1400" b="0" i="0" u="none" strike="noStrike" cap="none">
+        <a:defRPr b="0" i="0" sz="1400" u="none" cap="none" strike="noStrike">
           <a:solidFill>
             <a:srgbClr val="000000"/>
           </a:solidFill>
@@ -9662,7 +9702,7 @@
           <a:sym typeface="Arial"/>
         </a:defRPr>
       </a:lvl7pPr>
-      <a:lvl8pPr marR="0" lvl="7" algn="l" rtl="0">
+      <a:lvl8pPr lvl="7" marR="0" rtl="0" algn="l">
         <a:lnSpc>
           <a:spcPct val="100000"/>
         </a:lnSpc>
@@ -9676,7 +9716,7 @@
           <a:srgbClr val="000000"/>
         </a:buClr>
         <a:buFont typeface="Arial"/>
-        <a:defRPr sz="1400" b="0" i="0" u="none" strike="noStrike" cap="none">
+        <a:defRPr b="0" i="0" sz="1400" u="none" cap="none" strike="noStrike">
           <a:solidFill>
             <a:srgbClr val="000000"/>
           </a:solidFill>
@@ -9686,7 +9726,7 @@
           <a:sym typeface="Arial"/>
         </a:defRPr>
       </a:lvl8pPr>
-      <a:lvl9pPr marR="0" lvl="8" algn="l" rtl="0">
+      <a:lvl9pPr lvl="8" marR="0" rtl="0" algn="l">
         <a:lnSpc>
           <a:spcPct val="100000"/>
         </a:lnSpc>
@@ -9700,7 +9740,7 @@
           <a:srgbClr val="000000"/>
         </a:buClr>
         <a:buFont typeface="Arial"/>
-        <a:defRPr sz="1400" b="0" i="0" u="none" strike="noStrike" cap="none">
+        <a:defRPr b="0" i="0" sz="1400" u="none" cap="none" strike="noStrike">
           <a:solidFill>
             <a:srgbClr val="000000"/>
           </a:solidFill>
@@ -9712,7 +9752,7 @@
       </a:lvl9pPr>
     </p:bodyStyle>
     <p:otherStyle>
-      <a:defPPr marR="0" lvl="0" algn="l" rtl="0">
+      <a:defPPr lvl="0" marR="0" rtl="0" algn="l">
         <a:lnSpc>
           <a:spcPct val="100000"/>
         </a:lnSpc>
@@ -9723,7 +9763,7 @@
           <a:spcPts val="0"/>
         </a:spcAft>
       </a:defPPr>
-      <a:lvl1pPr marR="0" lvl="0" algn="l" rtl="0">
+      <a:lvl1pPr lvl="0" marR="0" rtl="0" algn="l">
         <a:lnSpc>
           <a:spcPct val="100000"/>
         </a:lnSpc>
@@ -9737,7 +9777,7 @@
           <a:srgbClr val="000000"/>
         </a:buClr>
         <a:buFont typeface="Arial"/>
-        <a:defRPr sz="1400" b="0" i="0" u="none" strike="noStrike" cap="none">
+        <a:defRPr b="0" i="0" sz="1400" u="none" cap="none" strike="noStrike">
           <a:solidFill>
             <a:srgbClr val="000000"/>
           </a:solidFill>
@@ -9747,7 +9787,7 @@
           <a:sym typeface="Arial"/>
         </a:defRPr>
       </a:lvl1pPr>
-      <a:lvl2pPr marR="0" lvl="1" algn="l" rtl="0">
+      <a:lvl2pPr lvl="1" marR="0" rtl="0" algn="l">
         <a:lnSpc>
           <a:spcPct val="100000"/>
         </a:lnSpc>
@@ -9761,7 +9801,7 @@
           <a:srgbClr val="000000"/>
         </a:buClr>
         <a:buFont typeface="Arial"/>
-        <a:defRPr sz="1400" b="0" i="0" u="none" strike="noStrike" cap="none">
+        <a:defRPr b="0" i="0" sz="1400" u="none" cap="none" strike="noStrike">
           <a:solidFill>
             <a:srgbClr val="000000"/>
           </a:solidFill>
@@ -9771,7 +9811,7 @@
           <a:sym typeface="Arial"/>
         </a:defRPr>
       </a:lvl2pPr>
-      <a:lvl3pPr marR="0" lvl="2" algn="l" rtl="0">
+      <a:lvl3pPr lvl="2" marR="0" rtl="0" algn="l">
         <a:lnSpc>
           <a:spcPct val="100000"/>
         </a:lnSpc>
@@ -9785,7 +9825,7 @@
           <a:srgbClr val="000000"/>
         </a:buClr>
         <a:buFont typeface="Arial"/>
-        <a:defRPr sz="1400" b="0" i="0" u="none" strike="noStrike" cap="none">
+        <a:defRPr b="0" i="0" sz="1400" u="none" cap="none" strike="noStrike">
           <a:solidFill>
             <a:srgbClr val="000000"/>
           </a:solidFill>
@@ -9795,7 +9835,7 @@
           <a:sym typeface="Arial"/>
         </a:defRPr>
       </a:lvl3pPr>
-      <a:lvl4pPr marR="0" lvl="3" algn="l" rtl="0">
+      <a:lvl4pPr lvl="3" marR="0" rtl="0" algn="l">
         <a:lnSpc>
           <a:spcPct val="100000"/>
         </a:lnSpc>
@@ -9809,7 +9849,7 @@
           <a:srgbClr val="000000"/>
         </a:buClr>
         <a:buFont typeface="Arial"/>
-        <a:defRPr sz="1400" b="0" i="0" u="none" strike="noStrike" cap="none">
+        <a:defRPr b="0" i="0" sz="1400" u="none" cap="none" strike="noStrike">
           <a:solidFill>
             <a:srgbClr val="000000"/>
           </a:solidFill>
@@ -9819,7 +9859,7 @@
           <a:sym typeface="Arial"/>
         </a:defRPr>
       </a:lvl4pPr>
-      <a:lvl5pPr marR="0" lvl="4" algn="l" rtl="0">
+      <a:lvl5pPr lvl="4" marR="0" rtl="0" algn="l">
         <a:lnSpc>
           <a:spcPct val="100000"/>
         </a:lnSpc>
@@ -9833,7 +9873,7 @@
           <a:srgbClr val="000000"/>
         </a:buClr>
         <a:buFont typeface="Arial"/>
-        <a:defRPr sz="1400" b="0" i="0" u="none" strike="noStrike" cap="none">
+        <a:defRPr b="0" i="0" sz="1400" u="none" cap="none" strike="noStrike">
           <a:solidFill>
             <a:srgbClr val="000000"/>
           </a:solidFill>
@@ -9843,7 +9883,7 @@
           <a:sym typeface="Arial"/>
         </a:defRPr>
       </a:lvl5pPr>
-      <a:lvl6pPr marR="0" lvl="5" algn="l" rtl="0">
+      <a:lvl6pPr lvl="5" marR="0" rtl="0" algn="l">
         <a:lnSpc>
           <a:spcPct val="100000"/>
         </a:lnSpc>
@@ -9857,7 +9897,7 @@
           <a:srgbClr val="000000"/>
         </a:buClr>
         <a:buFont typeface="Arial"/>
-        <a:defRPr sz="1400" b="0" i="0" u="none" strike="noStrike" cap="none">
+        <a:defRPr b="0" i="0" sz="1400" u="none" cap="none" strike="noStrike">
           <a:solidFill>
             <a:srgbClr val="000000"/>
           </a:solidFill>
@@ -9867,7 +9907,7 @@
           <a:sym typeface="Arial"/>
         </a:defRPr>
       </a:lvl6pPr>
-      <a:lvl7pPr marR="0" lvl="6" algn="l" rtl="0">
+      <a:lvl7pPr lvl="6" marR="0" rtl="0" algn="l">
         <a:lnSpc>
           <a:spcPct val="100000"/>
         </a:lnSpc>
@@ -9881,7 +9921,7 @@
           <a:srgbClr val="000000"/>
         </a:buClr>
         <a:buFont typeface="Arial"/>
-        <a:defRPr sz="1400" b="0" i="0" u="none" strike="noStrike" cap="none">
+        <a:defRPr b="0" i="0" sz="1400" u="none" cap="none" strike="noStrike">
           <a:solidFill>
             <a:srgbClr val="000000"/>
           </a:solidFill>
@@ -9891,7 +9931,7 @@
           <a:sym typeface="Arial"/>
         </a:defRPr>
       </a:lvl7pPr>
-      <a:lvl8pPr marR="0" lvl="7" algn="l" rtl="0">
+      <a:lvl8pPr lvl="7" marR="0" rtl="0" algn="l">
         <a:lnSpc>
           <a:spcPct val="100000"/>
         </a:lnSpc>
@@ -9905,7 +9945,7 @@
           <a:srgbClr val="000000"/>
         </a:buClr>
         <a:buFont typeface="Arial"/>
-        <a:defRPr sz="1400" b="0" i="0" u="none" strike="noStrike" cap="none">
+        <a:defRPr b="0" i="0" sz="1400" u="none" cap="none" strike="noStrike">
           <a:solidFill>
             <a:srgbClr val="000000"/>
           </a:solidFill>
@@ -9915,7 +9955,7 @@
           <a:sym typeface="Arial"/>
         </a:defRPr>
       </a:lvl8pPr>
-      <a:lvl9pPr marR="0" lvl="8" algn="l" rtl="0">
+      <a:lvl9pPr lvl="8" marR="0" rtl="0" algn="l">
         <a:lnSpc>
           <a:spcPct val="100000"/>
         </a:lnSpc>
@@ -9929,7 +9969,7 @@
           <a:srgbClr val="000000"/>
         </a:buClr>
         <a:buFont typeface="Arial"/>
-        <a:defRPr sz="1400" b="0" i="0" u="none" strike="noStrike" cap="none">
+        <a:defRPr b="0" i="0" sz="1400" u="none" cap="none" strike="noStrike">
           <a:solidFill>
             <a:srgbClr val="000000"/>
           </a:solidFill>
@@ -9945,11 +9985,11 @@
 </file>
 
 <file path=ppt/slides/slide1.xml><?xml version="1.0" encoding="utf-8"?>
-<p:sld xmlns:a="http://schemas.openxmlformats.org/drawingml/2006/main" xmlns:r="http://schemas.openxmlformats.org/officeDocument/2006/relationships" xmlns:p="http://schemas.openxmlformats.org/presentationml/2006/main">
+<p:sld xmlns:a="http://schemas.openxmlformats.org/drawingml/2006/main" xmlns:r="http://schemas.openxmlformats.org/officeDocument/2006/relationships" xmlns:mc="http://schemas.openxmlformats.org/markup-compatibility/2006" xmlns:mv="urn:schemas-microsoft-com:mac:vml" xmlns:p="http://schemas.openxmlformats.org/presentationml/2006/main" xmlns:c="http://schemas.openxmlformats.org/drawingml/2006/chart" xmlns:dgm="http://schemas.openxmlformats.org/drawingml/2006/diagram" xmlns:o="urn:schemas-microsoft-com:office:office" xmlns:v="urn:schemas-microsoft-com:vml" xmlns:pvml="urn:schemas-microsoft-com:office:powerpoint" xmlns:com="http://schemas.openxmlformats.org/drawingml/2006/compatibility" xmlns:p14="http://schemas.microsoft.com/office/powerpoint/2010/main" xmlns:p15="http://schemas.microsoft.com/office/powerpoint/2012/main" xmlns:ahyp="http://schemas.microsoft.com/office/drawing/2018/hyperlinkcolor">
   <p:cSld>
     <p:spTree>
       <p:nvGrpSpPr>
-        <p:cNvPr id="1" name="Shape 133"/>
+        <p:cNvPr id="133" name="Shape 133"/>
         <p:cNvGrpSpPr/>
         <p:nvPr/>
       </p:nvGrpSpPr>
@@ -9964,9 +10004,7 @@
       <p:sp>
         <p:nvSpPr>
           <p:cNvPr id="134" name="Google Shape;134;p13"/>
-          <p:cNvSpPr txBox="1">
-            <a:spLocks noGrp="1"/>
-          </p:cNvSpPr>
+          <p:cNvSpPr txBox="1"/>
           <p:nvPr>
             <p:ph type="ctrTitle"/>
           </p:nvPr>
@@ -9981,12 +10019,12 @@
           </a:prstGeom>
         </p:spPr>
         <p:txBody>
-          <a:bodyPr spcFirstLastPara="1" wrap="square" lIns="91425" tIns="91425" rIns="91425" bIns="91425" anchor="t" anchorCtr="0">
+          <a:bodyPr anchorCtr="0" anchor="t" bIns="91425" lIns="91425" spcFirstLastPara="1" rIns="91425" wrap="square" tIns="91425">
             <a:normAutofit/>
           </a:bodyPr>
           <a:lstStyle/>
           <a:p>
-            <a:pPr marL="0" lvl="0" indent="0" algn="l" rtl="0">
+            <a:pPr indent="0" lvl="0" marL="0" rtl="0" algn="l">
               <a:spcBef>
                 <a:spcPts val="0"/>
               </a:spcBef>
@@ -10006,11 +10044,9 @@
       <p:sp>
         <p:nvSpPr>
           <p:cNvPr id="135" name="Google Shape;135;p13"/>
-          <p:cNvSpPr txBox="1">
-            <a:spLocks noGrp="1"/>
-          </p:cNvSpPr>
+          <p:cNvSpPr txBox="1"/>
           <p:nvPr>
-            <p:ph type="subTitle" idx="1"/>
+            <p:ph idx="1" type="subTitle"/>
           </p:nvPr>
         </p:nvSpPr>
         <p:spPr>
@@ -10023,12 +10059,12 @@
           </a:prstGeom>
         </p:spPr>
         <p:txBody>
-          <a:bodyPr spcFirstLastPara="1" wrap="square" lIns="91425" tIns="91425" rIns="91425" bIns="91425" anchor="t" anchorCtr="0">
+          <a:bodyPr anchorCtr="0" anchor="t" bIns="91425" lIns="91425" spcFirstLastPara="1" rIns="91425" wrap="square" tIns="91425">
             <a:normAutofit/>
           </a:bodyPr>
           <a:lstStyle/>
           <a:p>
-            <a:pPr marL="0" lvl="0" indent="0" algn="l" rtl="0">
+            <a:pPr indent="0" lvl="0" marL="0" rtl="0" algn="l">
               <a:spcBef>
                 <a:spcPts val="0"/>
               </a:spcBef>
@@ -10054,11 +10090,11 @@
 </file>
 
 <file path=ppt/slides/slide10.xml><?xml version="1.0" encoding="utf-8"?>
-<p:sld xmlns:a="http://schemas.openxmlformats.org/drawingml/2006/main" xmlns:r="http://schemas.openxmlformats.org/officeDocument/2006/relationships" xmlns:p="http://schemas.openxmlformats.org/presentationml/2006/main">
+<p:sld xmlns:a="http://schemas.openxmlformats.org/drawingml/2006/main" xmlns:r="http://schemas.openxmlformats.org/officeDocument/2006/relationships" xmlns:mc="http://schemas.openxmlformats.org/markup-compatibility/2006" xmlns:mv="urn:schemas-microsoft-com:mac:vml" xmlns:p="http://schemas.openxmlformats.org/presentationml/2006/main" xmlns:c="http://schemas.openxmlformats.org/drawingml/2006/chart" xmlns:dgm="http://schemas.openxmlformats.org/drawingml/2006/diagram" xmlns:o="urn:schemas-microsoft-com:office:office" xmlns:v="urn:schemas-microsoft-com:vml" xmlns:pvml="urn:schemas-microsoft-com:office:powerpoint" xmlns:com="http://schemas.openxmlformats.org/drawingml/2006/compatibility" xmlns:p14="http://schemas.microsoft.com/office/powerpoint/2010/main" xmlns:p15="http://schemas.microsoft.com/office/powerpoint/2012/main" xmlns:ahyp="http://schemas.microsoft.com/office/drawing/2018/hyperlinkcolor">
   <p:cSld>
     <p:spTree>
       <p:nvGrpSpPr>
-        <p:cNvPr id="1" name="Shape 187"/>
+        <p:cNvPr id="187" name="Shape 187"/>
         <p:cNvGrpSpPr/>
         <p:nvPr/>
       </p:nvGrpSpPr>
@@ -10073,9 +10109,7 @@
       <p:sp>
         <p:nvSpPr>
           <p:cNvPr id="188" name="Google Shape;188;p22"/>
-          <p:cNvSpPr txBox="1">
-            <a:spLocks noGrp="1"/>
-          </p:cNvSpPr>
+          <p:cNvSpPr txBox="1"/>
           <p:nvPr>
             <p:ph type="title"/>
           </p:nvPr>
@@ -10090,12 +10124,12 @@
           </a:prstGeom>
         </p:spPr>
         <p:txBody>
-          <a:bodyPr spcFirstLastPara="1" wrap="square" lIns="91425" tIns="91425" rIns="91425" bIns="91425" anchor="t" anchorCtr="0">
+          <a:bodyPr anchorCtr="0" anchor="t" bIns="91425" lIns="91425" spcFirstLastPara="1" rIns="91425" wrap="square" tIns="91425">
             <a:normAutofit/>
           </a:bodyPr>
           <a:lstStyle/>
           <a:p>
-            <a:pPr marL="0" lvl="0" indent="0" algn="l" rtl="0">
+            <a:pPr indent="0" lvl="0" marL="0" rtl="0" algn="l">
               <a:spcBef>
                 <a:spcPts val="0"/>
               </a:spcBef>
@@ -10115,11 +10149,9 @@
       <p:sp>
         <p:nvSpPr>
           <p:cNvPr id="189" name="Google Shape;189;p22"/>
-          <p:cNvSpPr txBox="1">
-            <a:spLocks noGrp="1"/>
-          </p:cNvSpPr>
+          <p:cNvSpPr txBox="1"/>
           <p:nvPr>
-            <p:ph type="body" idx="1"/>
+            <p:ph idx="1" type="body"/>
           </p:nvPr>
         </p:nvSpPr>
         <p:spPr>
@@ -10132,12 +10164,12 @@
           </a:prstGeom>
         </p:spPr>
         <p:txBody>
-          <a:bodyPr spcFirstLastPara="1" wrap="square" lIns="91425" tIns="91425" rIns="91425" bIns="91425" anchor="t" anchorCtr="0">
+          <a:bodyPr anchorCtr="0" anchor="t" bIns="91425" lIns="91425" spcFirstLastPara="1" rIns="91425" wrap="square" tIns="91425">
             <a:normAutofit/>
           </a:bodyPr>
           <a:lstStyle/>
           <a:p>
-            <a:pPr marL="457200" lvl="0" indent="-311150" algn="l" rtl="0">
+            <a:pPr indent="-311150" lvl="0" marL="457200" rtl="0" algn="l">
               <a:spcBef>
                 <a:spcPts val="0"/>
               </a:spcBef>
@@ -10149,7 +10181,11 @@
             </a:pPr>
             <a:r>
               <a:rPr lang="ru"/>
-              <a:t>Request: </a:t>
+              <a:t>Request</a:t>
+            </a:r>
+            <a:r>
+              <a:rPr lang="ru"/>
+              <a:t>: </a:t>
             </a:r>
             <a:r>
               <a:rPr lang="ru" u="sng">
@@ -10163,7 +10199,7 @@
             <a:endParaRPr/>
           </a:p>
           <a:p>
-            <a:pPr marL="457200" lvl="0" indent="0" algn="l" rtl="0">
+            <a:pPr indent="0" lvl="0" marL="457200" rtl="0" algn="l">
               <a:spcBef>
                 <a:spcPts val="1200"/>
               </a:spcBef>
@@ -10211,11 +10247,9 @@
       <p:sp>
         <p:nvSpPr>
           <p:cNvPr id="191" name="Google Shape;191;p22"/>
-          <p:cNvSpPr txBox="1">
-            <a:spLocks noGrp="1"/>
-          </p:cNvSpPr>
+          <p:cNvSpPr txBox="1"/>
           <p:nvPr>
-            <p:ph type="body" idx="1"/>
+            <p:ph idx="1" type="body"/>
           </p:nvPr>
         </p:nvSpPr>
         <p:spPr>
@@ -10228,12 +10262,12 @@
           </a:prstGeom>
         </p:spPr>
         <p:txBody>
-          <a:bodyPr spcFirstLastPara="1" wrap="square" lIns="91425" tIns="91425" rIns="91425" bIns="91425" anchor="t" anchorCtr="0">
+          <a:bodyPr anchorCtr="0" anchor="t" bIns="91425" lIns="91425" spcFirstLastPara="1" rIns="91425" wrap="square" tIns="91425">
             <a:normAutofit/>
           </a:bodyPr>
           <a:lstStyle/>
           <a:p>
-            <a:pPr marL="457200" lvl="0" indent="-311150" algn="l" rtl="0">
+            <a:pPr indent="-311150" lvl="0" marL="457200" rtl="0" algn="l">
               <a:spcBef>
                 <a:spcPts val="0"/>
               </a:spcBef>
@@ -10245,7 +10279,11 @@
             </a:pPr>
             <a:r>
               <a:rPr lang="ru"/>
-              <a:t>Request: </a:t>
+              <a:t>Request</a:t>
+            </a:r>
+            <a:r>
+              <a:rPr lang="ru"/>
+              <a:t>: </a:t>
             </a:r>
             <a:r>
               <a:rPr lang="ru" u="sng">
@@ -10255,7 +10293,7 @@
                 <a:hlinkClick r:id="rId5">
                   <a:extLst>
                     <a:ext uri="{A12FA001-AC4F-418D-AE19-62706E023703}">
-                      <ahyp:hlinkClr xmlns:ahyp="http://schemas.microsoft.com/office/drawing/2018/hyperlinkcolor" xmlns:p15="http://schemas.microsoft.com/office/powerpoint/2012/main" xmlns:p14="http://schemas.microsoft.com/office/powerpoint/2010/main" xmlns:com="http://schemas.openxmlformats.org/drawingml/2006/compatibility" xmlns:pvml="urn:schemas-microsoft-com:office:powerpoint" xmlns:v="urn:schemas-microsoft-com:vml" xmlns:o="urn:schemas-microsoft-com:office:office" xmlns:dgm="http://schemas.openxmlformats.org/drawingml/2006/diagram" xmlns:c="http://schemas.openxmlformats.org/drawingml/2006/chart" xmlns:mv="urn:schemas-microsoft-com:mac:vml" xmlns:mc="http://schemas.openxmlformats.org/markup-compatibility/2006" xmlns="" val="tx"/>
+                      <ahyp:hlinkClr val="tx"/>
                     </a:ext>
                   </a:extLst>
                 </a:hlinkClick>
@@ -10265,7 +10303,7 @@
             <a:endParaRPr/>
           </a:p>
           <a:p>
-            <a:pPr marL="457200" lvl="0" indent="0" algn="l" rtl="0">
+            <a:pPr indent="0" lvl="0" marL="457200" rtl="0" algn="l">
               <a:spcBef>
                 <a:spcPts val="1200"/>
               </a:spcBef>
@@ -10319,11 +10357,11 @@
 </file>
 
 <file path=ppt/slides/slide11.xml><?xml version="1.0" encoding="utf-8"?>
-<p:sld xmlns:a="http://schemas.openxmlformats.org/drawingml/2006/main" xmlns:r="http://schemas.openxmlformats.org/officeDocument/2006/relationships" xmlns:p="http://schemas.openxmlformats.org/presentationml/2006/main">
+<p:sld xmlns:a="http://schemas.openxmlformats.org/drawingml/2006/main" xmlns:r="http://schemas.openxmlformats.org/officeDocument/2006/relationships" xmlns:mc="http://schemas.openxmlformats.org/markup-compatibility/2006" xmlns:mv="urn:schemas-microsoft-com:mac:vml" xmlns:p="http://schemas.openxmlformats.org/presentationml/2006/main" xmlns:c="http://schemas.openxmlformats.org/drawingml/2006/chart" xmlns:dgm="http://schemas.openxmlformats.org/drawingml/2006/diagram" xmlns:o="urn:schemas-microsoft-com:office:office" xmlns:v="urn:schemas-microsoft-com:vml" xmlns:pvml="urn:schemas-microsoft-com:office:powerpoint" xmlns:com="http://schemas.openxmlformats.org/drawingml/2006/compatibility" xmlns:p14="http://schemas.microsoft.com/office/powerpoint/2010/main" xmlns:p15="http://schemas.microsoft.com/office/powerpoint/2012/main" xmlns:ahyp="http://schemas.microsoft.com/office/drawing/2018/hyperlinkcolor">
   <p:cSld>
     <p:spTree>
       <p:nvGrpSpPr>
-        <p:cNvPr id="1" name="Shape 196"/>
+        <p:cNvPr id="196" name="Shape 196"/>
         <p:cNvGrpSpPr/>
         <p:nvPr/>
       </p:nvGrpSpPr>
@@ -10338,9 +10376,7 @@
       <p:sp>
         <p:nvSpPr>
           <p:cNvPr id="197" name="Google Shape;197;p23"/>
-          <p:cNvSpPr txBox="1">
-            <a:spLocks noGrp="1"/>
-          </p:cNvSpPr>
+          <p:cNvSpPr txBox="1"/>
           <p:nvPr>
             <p:ph type="title"/>
           </p:nvPr>
@@ -10355,12 +10391,12 @@
           </a:prstGeom>
         </p:spPr>
         <p:txBody>
-          <a:bodyPr spcFirstLastPara="1" wrap="square" lIns="91425" tIns="91425" rIns="91425" bIns="91425" anchor="t" anchorCtr="0">
+          <a:bodyPr anchorCtr="0" anchor="t" bIns="91425" lIns="91425" spcFirstLastPara="1" rIns="91425" wrap="square" tIns="91425">
             <a:normAutofit/>
           </a:bodyPr>
           <a:lstStyle/>
           <a:p>
-            <a:pPr marL="0" lvl="0" indent="0" algn="l" rtl="0">
+            <a:pPr indent="0" lvl="0" marL="0" rtl="0" algn="l">
               <a:spcBef>
                 <a:spcPts val="0"/>
               </a:spcBef>
@@ -10380,11 +10416,9 @@
       <p:sp>
         <p:nvSpPr>
           <p:cNvPr id="198" name="Google Shape;198;p23"/>
-          <p:cNvSpPr txBox="1">
-            <a:spLocks noGrp="1"/>
-          </p:cNvSpPr>
+          <p:cNvSpPr txBox="1"/>
           <p:nvPr>
-            <p:ph type="body" idx="1"/>
+            <p:ph idx="1" type="body"/>
           </p:nvPr>
         </p:nvSpPr>
         <p:spPr>
@@ -10397,12 +10431,12 @@
           </a:prstGeom>
         </p:spPr>
         <p:txBody>
-          <a:bodyPr spcFirstLastPara="1" wrap="square" lIns="91425" tIns="91425" rIns="91425" bIns="91425" anchor="t" anchorCtr="0">
-            <a:normAutofit lnSpcReduction="10000"/>
+          <a:bodyPr anchorCtr="0" anchor="t" bIns="91425" lIns="91425" spcFirstLastPara="1" rIns="91425" wrap="square" tIns="91425">
+            <a:normAutofit/>
           </a:bodyPr>
           <a:lstStyle/>
           <a:p>
-            <a:pPr marL="0" lvl="0" indent="0" algn="l" rtl="0">
+            <a:pPr indent="0" lvl="0" marL="0" rtl="0" algn="l">
               <a:spcBef>
                 <a:spcPts val="0"/>
               </a:spcBef>
@@ -10418,7 +10452,7 @@
             <a:endParaRPr sz="1500"/>
           </a:p>
           <a:p>
-            <a:pPr marL="0" lvl="0" indent="0" algn="l" rtl="0">
+            <a:pPr indent="0" lvl="0" marL="0" rtl="0" algn="l">
               <a:spcBef>
                 <a:spcPts val="1200"/>
               </a:spcBef>
@@ -10427,10 +10461,13 @@
               </a:spcAft>
               <a:buNone/>
             </a:pPr>
+            <a:r>
+              <a:t/>
+            </a:r>
             <a:endParaRPr sz="1500"/>
           </a:p>
           <a:p>
-            <a:pPr marL="0" lvl="0" indent="0" algn="ctr" rtl="0">
+            <a:pPr indent="0" lvl="0" marL="0" rtl="0" algn="ctr">
               <a:spcBef>
                 <a:spcPts val="1200"/>
               </a:spcBef>
@@ -10440,13 +10477,13 @@
               <a:buNone/>
             </a:pPr>
             <a:r>
-              <a:rPr lang="ru" sz="2300" b="1"/>
+              <a:rPr b="1" lang="ru" sz="2300"/>
               <a:t>Thanks for attention!</a:t>
             </a:r>
-            <a:endParaRPr sz="2300" b="1"/>
+            <a:endParaRPr b="1" sz="2300"/>
           </a:p>
           <a:p>
-            <a:pPr marL="0" lvl="0" indent="0" algn="l" rtl="0">
+            <a:pPr indent="0" lvl="0" marL="0" rtl="0" algn="l">
               <a:spcBef>
                 <a:spcPts val="1200"/>
               </a:spcBef>
@@ -10455,10 +10492,13 @@
               </a:spcAft>
               <a:buNone/>
             </a:pPr>
+            <a:r>
+              <a:t/>
+            </a:r>
             <a:endParaRPr sz="1500"/>
           </a:p>
           <a:p>
-            <a:pPr marL="0" lvl="0" indent="0" algn="l" rtl="0">
+            <a:pPr indent="0" lvl="0" marL="0" rtl="0" algn="l">
               <a:spcBef>
                 <a:spcPts val="1200"/>
               </a:spcBef>
@@ -10467,10 +10507,13 @@
               </a:spcAft>
               <a:buNone/>
             </a:pPr>
+            <a:r>
+              <a:t/>
+            </a:r>
             <a:endParaRPr sz="1500"/>
           </a:p>
           <a:p>
-            <a:pPr marL="0" lvl="0" indent="0" algn="l" rtl="0">
+            <a:pPr indent="0" lvl="0" marL="0" rtl="0" algn="l">
               <a:spcBef>
                 <a:spcPts val="1200"/>
               </a:spcBef>
@@ -10479,10 +10522,13 @@
               </a:spcAft>
               <a:buNone/>
             </a:pPr>
+            <a:r>
+              <a:t/>
+            </a:r>
             <a:endParaRPr sz="1500"/>
           </a:p>
           <a:p>
-            <a:pPr marL="0" lvl="0" indent="0" algn="l" rtl="0">
+            <a:pPr indent="0" lvl="0" marL="0" rtl="0" algn="l">
               <a:spcBef>
                 <a:spcPts val="1200"/>
               </a:spcBef>
@@ -10521,11 +10567,11 @@
 </file>
 
 <file path=ppt/slides/slide2.xml><?xml version="1.0" encoding="utf-8"?>
-<p:sld xmlns:a="http://schemas.openxmlformats.org/drawingml/2006/main" xmlns:r="http://schemas.openxmlformats.org/officeDocument/2006/relationships" xmlns:p="http://schemas.openxmlformats.org/presentationml/2006/main">
+<p:sld xmlns:a="http://schemas.openxmlformats.org/drawingml/2006/main" xmlns:r="http://schemas.openxmlformats.org/officeDocument/2006/relationships" xmlns:mc="http://schemas.openxmlformats.org/markup-compatibility/2006" xmlns:mv="urn:schemas-microsoft-com:mac:vml" xmlns:p="http://schemas.openxmlformats.org/presentationml/2006/main" xmlns:c="http://schemas.openxmlformats.org/drawingml/2006/chart" xmlns:dgm="http://schemas.openxmlformats.org/drawingml/2006/diagram" xmlns:o="urn:schemas-microsoft-com:office:office" xmlns:v="urn:schemas-microsoft-com:vml" xmlns:pvml="urn:schemas-microsoft-com:office:powerpoint" xmlns:com="http://schemas.openxmlformats.org/drawingml/2006/compatibility" xmlns:p14="http://schemas.microsoft.com/office/powerpoint/2010/main" xmlns:p15="http://schemas.microsoft.com/office/powerpoint/2012/main" xmlns:ahyp="http://schemas.microsoft.com/office/drawing/2018/hyperlinkcolor">
   <p:cSld>
     <p:spTree>
       <p:nvGrpSpPr>
-        <p:cNvPr id="1" name="Shape 139"/>
+        <p:cNvPr id="139" name="Shape 139"/>
         <p:cNvGrpSpPr/>
         <p:nvPr/>
       </p:nvGrpSpPr>
@@ -10540,9 +10586,7 @@
       <p:sp>
         <p:nvSpPr>
           <p:cNvPr id="140" name="Google Shape;140;p14"/>
-          <p:cNvSpPr txBox="1">
-            <a:spLocks noGrp="1"/>
-          </p:cNvSpPr>
+          <p:cNvSpPr txBox="1"/>
           <p:nvPr>
             <p:ph type="title"/>
           </p:nvPr>
@@ -10557,12 +10601,12 @@
           </a:prstGeom>
         </p:spPr>
         <p:txBody>
-          <a:bodyPr spcFirstLastPara="1" wrap="square" lIns="91425" tIns="91425" rIns="91425" bIns="91425" anchor="t" anchorCtr="0">
+          <a:bodyPr anchorCtr="0" anchor="t" bIns="91425" lIns="91425" spcFirstLastPara="1" rIns="91425" wrap="square" tIns="91425">
             <a:normAutofit/>
           </a:bodyPr>
           <a:lstStyle/>
           <a:p>
-            <a:pPr marL="0" lvl="0" indent="0" algn="l" rtl="0">
+            <a:pPr indent="0" lvl="0" marL="0" rtl="0" algn="l">
               <a:spcBef>
                 <a:spcPts val="0"/>
               </a:spcBef>
@@ -10582,11 +10626,9 @@
       <p:sp>
         <p:nvSpPr>
           <p:cNvPr id="141" name="Google Shape;141;p14"/>
-          <p:cNvSpPr txBox="1">
-            <a:spLocks noGrp="1"/>
-          </p:cNvSpPr>
+          <p:cNvSpPr txBox="1"/>
           <p:nvPr>
-            <p:ph type="body" idx="1"/>
+            <p:ph idx="1" type="body"/>
           </p:nvPr>
         </p:nvSpPr>
         <p:spPr>
@@ -10599,12 +10641,12 @@
           </a:prstGeom>
         </p:spPr>
         <p:txBody>
-          <a:bodyPr spcFirstLastPara="1" wrap="square" lIns="91425" tIns="91425" rIns="91425" bIns="91425" anchor="t" anchorCtr="0">
+          <a:bodyPr anchorCtr="0" anchor="t" bIns="91425" lIns="91425" spcFirstLastPara="1" rIns="91425" wrap="square" tIns="91425">
             <a:normAutofit/>
           </a:bodyPr>
           <a:lstStyle/>
           <a:p>
-            <a:pPr marL="0" lvl="0" indent="0" algn="just" rtl="0">
+            <a:pPr indent="0" lvl="0" marL="0" rtl="0" algn="just">
               <a:spcBef>
                 <a:spcPts val="0"/>
               </a:spcBef>
@@ -10620,7 +10662,7 @@
             <a:endParaRPr sz="1500"/>
           </a:p>
           <a:p>
-            <a:pPr marL="0" lvl="0" indent="0" algn="just" rtl="0">
+            <a:pPr indent="0" lvl="0" marL="0" rtl="0" algn="just">
               <a:spcBef>
                 <a:spcPts val="1200"/>
               </a:spcBef>
@@ -10636,7 +10678,7 @@
             <a:endParaRPr sz="1500"/>
           </a:p>
           <a:p>
-            <a:pPr marL="457200" lvl="0" indent="-323850" algn="just" rtl="0">
+            <a:pPr indent="-323850" lvl="0" marL="457200" rtl="0" algn="just">
               <a:spcBef>
                 <a:spcPts val="1200"/>
               </a:spcBef>
@@ -10653,7 +10695,7 @@
             <a:endParaRPr sz="1500"/>
           </a:p>
           <a:p>
-            <a:pPr marL="457200" lvl="0" indent="-323850" algn="just" rtl="0">
+            <a:pPr indent="-323850" lvl="0" marL="457200" rtl="0" algn="just">
               <a:spcBef>
                 <a:spcPts val="0"/>
               </a:spcBef>
@@ -10680,11 +10722,11 @@
 </file>
 
 <file path=ppt/slides/slide3.xml><?xml version="1.0" encoding="utf-8"?>
-<p:sld xmlns:a="http://schemas.openxmlformats.org/drawingml/2006/main" xmlns:r="http://schemas.openxmlformats.org/officeDocument/2006/relationships" xmlns:p="http://schemas.openxmlformats.org/presentationml/2006/main">
+<p:sld xmlns:a="http://schemas.openxmlformats.org/drawingml/2006/main" xmlns:r="http://schemas.openxmlformats.org/officeDocument/2006/relationships" xmlns:mc="http://schemas.openxmlformats.org/markup-compatibility/2006" xmlns:mv="urn:schemas-microsoft-com:mac:vml" xmlns:p="http://schemas.openxmlformats.org/presentationml/2006/main" xmlns:c="http://schemas.openxmlformats.org/drawingml/2006/chart" xmlns:dgm="http://schemas.openxmlformats.org/drawingml/2006/diagram" xmlns:o="urn:schemas-microsoft-com:office:office" xmlns:v="urn:schemas-microsoft-com:vml" xmlns:pvml="urn:schemas-microsoft-com:office:powerpoint" xmlns:com="http://schemas.openxmlformats.org/drawingml/2006/compatibility" xmlns:p14="http://schemas.microsoft.com/office/powerpoint/2010/main" xmlns:p15="http://schemas.microsoft.com/office/powerpoint/2012/main" xmlns:ahyp="http://schemas.microsoft.com/office/drawing/2018/hyperlinkcolor">
   <p:cSld>
     <p:spTree>
       <p:nvGrpSpPr>
-        <p:cNvPr id="1" name="Shape 145"/>
+        <p:cNvPr id="145" name="Shape 145"/>
         <p:cNvGrpSpPr/>
         <p:nvPr/>
       </p:nvGrpSpPr>
@@ -10699,9 +10741,7 @@
       <p:sp>
         <p:nvSpPr>
           <p:cNvPr id="146" name="Google Shape;146;p15"/>
-          <p:cNvSpPr txBox="1">
-            <a:spLocks noGrp="1"/>
-          </p:cNvSpPr>
+          <p:cNvSpPr txBox="1"/>
           <p:nvPr>
             <p:ph type="title"/>
           </p:nvPr>
@@ -10716,12 +10756,12 @@
           </a:prstGeom>
         </p:spPr>
         <p:txBody>
-          <a:bodyPr spcFirstLastPara="1" wrap="square" lIns="91425" tIns="91425" rIns="91425" bIns="91425" anchor="t" anchorCtr="0">
+          <a:bodyPr anchorCtr="0" anchor="t" bIns="91425" lIns="91425" spcFirstLastPara="1" rIns="91425" wrap="square" tIns="91425">
             <a:normAutofit fontScale="90000"/>
           </a:bodyPr>
           <a:lstStyle/>
           <a:p>
-            <a:pPr marL="0" lvl="0" indent="0" algn="l" rtl="0">
+            <a:pPr indent="0" lvl="0" marL="0" rtl="0" algn="l">
               <a:spcBef>
                 <a:spcPts val="0"/>
               </a:spcBef>
@@ -10775,11 +10815,11 @@
 </file>
 
 <file path=ppt/slides/slide4.xml><?xml version="1.0" encoding="utf-8"?>
-<p:sld xmlns:a="http://schemas.openxmlformats.org/drawingml/2006/main" xmlns:r="http://schemas.openxmlformats.org/officeDocument/2006/relationships" xmlns:p="http://schemas.openxmlformats.org/presentationml/2006/main">
+<p:sld xmlns:a="http://schemas.openxmlformats.org/drawingml/2006/main" xmlns:r="http://schemas.openxmlformats.org/officeDocument/2006/relationships" xmlns:mc="http://schemas.openxmlformats.org/markup-compatibility/2006" xmlns:mv="urn:schemas-microsoft-com:mac:vml" xmlns:p="http://schemas.openxmlformats.org/presentationml/2006/main" xmlns:c="http://schemas.openxmlformats.org/drawingml/2006/chart" xmlns:dgm="http://schemas.openxmlformats.org/drawingml/2006/diagram" xmlns:o="urn:schemas-microsoft-com:office:office" xmlns:v="urn:schemas-microsoft-com:vml" xmlns:pvml="urn:schemas-microsoft-com:office:powerpoint" xmlns:com="http://schemas.openxmlformats.org/drawingml/2006/compatibility" xmlns:p14="http://schemas.microsoft.com/office/powerpoint/2010/main" xmlns:p15="http://schemas.microsoft.com/office/powerpoint/2012/main" xmlns:ahyp="http://schemas.microsoft.com/office/drawing/2018/hyperlinkcolor">
   <p:cSld>
     <p:spTree>
       <p:nvGrpSpPr>
-        <p:cNvPr id="1" name="Shape 151"/>
+        <p:cNvPr id="151" name="Shape 151"/>
         <p:cNvGrpSpPr/>
         <p:nvPr/>
       </p:nvGrpSpPr>
@@ -10794,9 +10834,7 @@
       <p:sp>
         <p:nvSpPr>
           <p:cNvPr id="152" name="Google Shape;152;p16"/>
-          <p:cNvSpPr txBox="1">
-            <a:spLocks noGrp="1"/>
-          </p:cNvSpPr>
+          <p:cNvSpPr txBox="1"/>
           <p:nvPr>
             <p:ph type="title"/>
           </p:nvPr>
@@ -10811,12 +10849,12 @@
           </a:prstGeom>
         </p:spPr>
         <p:txBody>
-          <a:bodyPr spcFirstLastPara="1" wrap="square" lIns="91425" tIns="91425" rIns="91425" bIns="91425" anchor="t" anchorCtr="0">
+          <a:bodyPr anchorCtr="0" anchor="t" bIns="91425" lIns="91425" spcFirstLastPara="1" rIns="91425" wrap="square" tIns="91425">
             <a:normAutofit/>
           </a:bodyPr>
           <a:lstStyle/>
           <a:p>
-            <a:pPr marL="0" lvl="0" indent="0" algn="l" rtl="0">
+            <a:pPr indent="0" lvl="0" marL="0" rtl="0" algn="l">
               <a:spcBef>
                 <a:spcPts val="0"/>
               </a:spcBef>
@@ -10836,11 +10874,9 @@
       <p:sp>
         <p:nvSpPr>
           <p:cNvPr id="153" name="Google Shape;153;p16"/>
-          <p:cNvSpPr txBox="1">
-            <a:spLocks noGrp="1"/>
-          </p:cNvSpPr>
+          <p:cNvSpPr txBox="1"/>
           <p:nvPr>
-            <p:ph type="body" idx="1"/>
+            <p:ph idx="1" type="body"/>
           </p:nvPr>
         </p:nvSpPr>
         <p:spPr>
@@ -10853,12 +10889,12 @@
           </a:prstGeom>
         </p:spPr>
         <p:txBody>
-          <a:bodyPr spcFirstLastPara="1" wrap="square" lIns="91425" tIns="91425" rIns="91425" bIns="91425" anchor="t" anchorCtr="0">
+          <a:bodyPr anchorCtr="0" anchor="t" bIns="91425" lIns="91425" spcFirstLastPara="1" rIns="91425" wrap="square" tIns="91425">
             <a:normAutofit/>
           </a:bodyPr>
           <a:lstStyle/>
           <a:p>
-            <a:pPr marL="0" lvl="0" indent="0" algn="just" rtl="0">
+            <a:pPr indent="0" lvl="0" marL="0" rtl="0" algn="just">
               <a:spcBef>
                 <a:spcPts val="0"/>
               </a:spcBef>
@@ -10874,7 +10910,7 @@
             <a:endParaRPr sz="1500"/>
           </a:p>
           <a:p>
-            <a:pPr marL="0" lvl="0" indent="0" algn="just" rtl="0">
+            <a:pPr indent="0" lvl="0" marL="0" rtl="0" algn="just">
               <a:spcBef>
                 <a:spcPts val="1200"/>
               </a:spcBef>
@@ -10890,7 +10926,7 @@
             <a:endParaRPr sz="1500"/>
           </a:p>
           <a:p>
-            <a:pPr marL="0" lvl="0" indent="0" algn="just" rtl="0">
+            <a:pPr indent="0" lvl="0" marL="0" rtl="0" algn="just">
               <a:spcBef>
                 <a:spcPts val="1200"/>
               </a:spcBef>
@@ -10906,7 +10942,7 @@
             <a:endParaRPr sz="1500"/>
           </a:p>
           <a:p>
-            <a:pPr marL="0" lvl="0" indent="0" algn="just" rtl="0">
+            <a:pPr indent="0" lvl="0" marL="0" rtl="0" algn="just">
               <a:spcBef>
                 <a:spcPts val="1200"/>
               </a:spcBef>
@@ -10922,7 +10958,7 @@
             <a:endParaRPr sz="1500"/>
           </a:p>
           <a:p>
-            <a:pPr marL="0" lvl="0" indent="0" algn="just" rtl="0">
+            <a:pPr indent="0" lvl="0" marL="0" rtl="0" algn="just">
               <a:spcBef>
                 <a:spcPts val="1200"/>
               </a:spcBef>
@@ -10948,11 +10984,11 @@
 </file>
 
 <file path=ppt/slides/slide5.xml><?xml version="1.0" encoding="utf-8"?>
-<p:sld xmlns:a="http://schemas.openxmlformats.org/drawingml/2006/main" xmlns:r="http://schemas.openxmlformats.org/officeDocument/2006/relationships" xmlns:p="http://schemas.openxmlformats.org/presentationml/2006/main">
+<p:sld xmlns:a="http://schemas.openxmlformats.org/drawingml/2006/main" xmlns:r="http://schemas.openxmlformats.org/officeDocument/2006/relationships" xmlns:mc="http://schemas.openxmlformats.org/markup-compatibility/2006" xmlns:mv="urn:schemas-microsoft-com:mac:vml" xmlns:p="http://schemas.openxmlformats.org/presentationml/2006/main" xmlns:c="http://schemas.openxmlformats.org/drawingml/2006/chart" xmlns:dgm="http://schemas.openxmlformats.org/drawingml/2006/diagram" xmlns:o="urn:schemas-microsoft-com:office:office" xmlns:v="urn:schemas-microsoft-com:vml" xmlns:pvml="urn:schemas-microsoft-com:office:powerpoint" xmlns:com="http://schemas.openxmlformats.org/drawingml/2006/compatibility" xmlns:p14="http://schemas.microsoft.com/office/powerpoint/2010/main" xmlns:p15="http://schemas.microsoft.com/office/powerpoint/2012/main" xmlns:ahyp="http://schemas.microsoft.com/office/drawing/2018/hyperlinkcolor">
   <p:cSld>
     <p:spTree>
       <p:nvGrpSpPr>
-        <p:cNvPr id="1" name="Shape 157"/>
+        <p:cNvPr id="157" name="Shape 157"/>
         <p:cNvGrpSpPr/>
         <p:nvPr/>
       </p:nvGrpSpPr>
@@ -10967,9 +11003,7 @@
       <p:sp>
         <p:nvSpPr>
           <p:cNvPr id="158" name="Google Shape;158;p17"/>
-          <p:cNvSpPr txBox="1">
-            <a:spLocks noGrp="1"/>
-          </p:cNvSpPr>
+          <p:cNvSpPr txBox="1"/>
           <p:nvPr>
             <p:ph type="title"/>
           </p:nvPr>
@@ -10984,12 +11018,12 @@
           </a:prstGeom>
         </p:spPr>
         <p:txBody>
-          <a:bodyPr spcFirstLastPara="1" wrap="square" lIns="91425" tIns="91425" rIns="91425" bIns="91425" anchor="t" anchorCtr="0">
+          <a:bodyPr anchorCtr="0" anchor="t" bIns="91425" lIns="91425" spcFirstLastPara="1" rIns="91425" wrap="square" tIns="91425">
             <a:normAutofit/>
           </a:bodyPr>
           <a:lstStyle/>
           <a:p>
-            <a:pPr marL="0" lvl="0" indent="0" algn="l" rtl="0">
+            <a:pPr indent="0" lvl="0" marL="0" rtl="0" algn="l">
               <a:spcBef>
                 <a:spcPts val="0"/>
               </a:spcBef>
@@ -11009,11 +11043,9 @@
       <p:sp>
         <p:nvSpPr>
           <p:cNvPr id="159" name="Google Shape;159;p17"/>
-          <p:cNvSpPr txBox="1">
-            <a:spLocks noGrp="1"/>
-          </p:cNvSpPr>
+          <p:cNvSpPr txBox="1"/>
           <p:nvPr>
-            <p:ph type="body" idx="1"/>
+            <p:ph idx="1" type="body"/>
           </p:nvPr>
         </p:nvSpPr>
         <p:spPr>
@@ -11026,12 +11058,12 @@
           </a:prstGeom>
         </p:spPr>
         <p:txBody>
-          <a:bodyPr spcFirstLastPara="1" wrap="square" lIns="91425" tIns="91425" rIns="91425" bIns="91425" anchor="t" anchorCtr="0">
+          <a:bodyPr anchorCtr="0" anchor="t" bIns="91425" lIns="91425" spcFirstLastPara="1" rIns="91425" wrap="square" tIns="91425">
             <a:normAutofit/>
           </a:bodyPr>
           <a:lstStyle/>
           <a:p>
-            <a:pPr marL="0" lvl="0" indent="0" algn="l" rtl="0">
+            <a:pPr indent="0" lvl="0" marL="0" rtl="0" algn="l">
               <a:spcBef>
                 <a:spcPts val="0"/>
               </a:spcBef>
@@ -11047,7 +11079,7 @@
             <a:endParaRPr sz="1500"/>
           </a:p>
           <a:p>
-            <a:pPr marL="457200" lvl="0" indent="-323850" algn="l" rtl="0">
+            <a:pPr indent="-323850" lvl="0" marL="457200" rtl="0" algn="l">
               <a:spcBef>
                 <a:spcPts val="1200"/>
               </a:spcBef>
@@ -11064,7 +11096,7 @@
             <a:endParaRPr sz="1500"/>
           </a:p>
           <a:p>
-            <a:pPr marL="457200" lvl="0" indent="-323850" algn="l" rtl="0">
+            <a:pPr indent="-323850" lvl="0" marL="457200" rtl="0" algn="l">
               <a:spcBef>
                 <a:spcPts val="0"/>
               </a:spcBef>
@@ -11081,7 +11113,7 @@
             <a:endParaRPr sz="1500"/>
           </a:p>
           <a:p>
-            <a:pPr marL="457200" lvl="0" indent="-323850" algn="l" rtl="0">
+            <a:pPr indent="-323850" lvl="0" marL="457200" rtl="0" algn="l">
               <a:spcBef>
                 <a:spcPts val="0"/>
               </a:spcBef>
@@ -11098,7 +11130,7 @@
             <a:endParaRPr sz="1500"/>
           </a:p>
           <a:p>
-            <a:pPr marL="0" lvl="0" indent="0" algn="l" rtl="0">
+            <a:pPr indent="0" lvl="0" marL="0" rtl="0" algn="l">
               <a:spcBef>
                 <a:spcPts val="1200"/>
               </a:spcBef>
@@ -11107,6 +11139,9 @@
               </a:spcAft>
               <a:buNone/>
             </a:pPr>
+            <a:r>
+              <a:t/>
+            </a:r>
             <a:endParaRPr sz="1500"/>
           </a:p>
         </p:txBody>
@@ -11120,11 +11155,11 @@
 </file>
 
 <file path=ppt/slides/slide6.xml><?xml version="1.0" encoding="utf-8"?>
-<p:sld xmlns:a="http://schemas.openxmlformats.org/drawingml/2006/main" xmlns:r="http://schemas.openxmlformats.org/officeDocument/2006/relationships" xmlns:p="http://schemas.openxmlformats.org/presentationml/2006/main">
+<p:sld xmlns:a="http://schemas.openxmlformats.org/drawingml/2006/main" xmlns:r="http://schemas.openxmlformats.org/officeDocument/2006/relationships" xmlns:mc="http://schemas.openxmlformats.org/markup-compatibility/2006" xmlns:mv="urn:schemas-microsoft-com:mac:vml" xmlns:p="http://schemas.openxmlformats.org/presentationml/2006/main" xmlns:c="http://schemas.openxmlformats.org/drawingml/2006/chart" xmlns:dgm="http://schemas.openxmlformats.org/drawingml/2006/diagram" xmlns:o="urn:schemas-microsoft-com:office:office" xmlns:v="urn:schemas-microsoft-com:vml" xmlns:pvml="urn:schemas-microsoft-com:office:powerpoint" xmlns:com="http://schemas.openxmlformats.org/drawingml/2006/compatibility" xmlns:p14="http://schemas.microsoft.com/office/powerpoint/2010/main" xmlns:p15="http://schemas.microsoft.com/office/powerpoint/2012/main" xmlns:ahyp="http://schemas.microsoft.com/office/drawing/2018/hyperlinkcolor">
   <p:cSld>
     <p:spTree>
       <p:nvGrpSpPr>
-        <p:cNvPr id="1" name="Shape 163"/>
+        <p:cNvPr id="163" name="Shape 163"/>
         <p:cNvGrpSpPr/>
         <p:nvPr/>
       </p:nvGrpSpPr>
@@ -11139,9 +11174,7 @@
       <p:sp>
         <p:nvSpPr>
           <p:cNvPr id="164" name="Google Shape;164;p18"/>
-          <p:cNvSpPr txBox="1">
-            <a:spLocks noGrp="1"/>
-          </p:cNvSpPr>
+          <p:cNvSpPr txBox="1"/>
           <p:nvPr>
             <p:ph type="title"/>
           </p:nvPr>
@@ -11156,12 +11189,12 @@
           </a:prstGeom>
         </p:spPr>
         <p:txBody>
-          <a:bodyPr spcFirstLastPara="1" wrap="square" lIns="91425" tIns="91425" rIns="91425" bIns="91425" anchor="t" anchorCtr="0">
+          <a:bodyPr anchorCtr="0" anchor="t" bIns="91425" lIns="91425" spcFirstLastPara="1" rIns="91425" wrap="square" tIns="91425">
             <a:normAutofit/>
           </a:bodyPr>
           <a:lstStyle/>
           <a:p>
-            <a:pPr marL="0" lvl="0" indent="0" algn="l" rtl="0">
+            <a:pPr indent="0" lvl="0" marL="0" rtl="0" algn="l">
               <a:spcBef>
                 <a:spcPts val="0"/>
               </a:spcBef>
@@ -11181,11 +11214,9 @@
       <p:sp>
         <p:nvSpPr>
           <p:cNvPr id="165" name="Google Shape;165;p18"/>
-          <p:cNvSpPr txBox="1">
-            <a:spLocks noGrp="1"/>
-          </p:cNvSpPr>
+          <p:cNvSpPr txBox="1"/>
           <p:nvPr>
-            <p:ph type="body" idx="1"/>
+            <p:ph idx="1" type="body"/>
           </p:nvPr>
         </p:nvSpPr>
         <p:spPr>
@@ -11198,49 +11229,60 @@
           </a:prstGeom>
         </p:spPr>
         <p:txBody>
-          <a:bodyPr spcFirstLastPara="1" wrap="square" lIns="91425" tIns="91425" rIns="91425" bIns="91425" anchor="t" anchorCtr="0">
+          <a:bodyPr anchorCtr="0" anchor="t" bIns="91425" lIns="91425" spcFirstLastPara="1" rIns="91425" wrap="square" tIns="91425">
             <a:normAutofit/>
           </a:bodyPr>
           <a:lstStyle/>
           <a:p>
-            <a:pPr marL="0" lvl="0" indent="0" algn="just" rtl="0">
-              <a:spcBef>
-                <a:spcPts val="0"/>
-              </a:spcBef>
-              <a:spcAft>
-                <a:spcPts val="1200"/>
+            <a:pPr indent="0" lvl="0" marL="0" rtl="0" algn="just">
+              <a:spcBef>
+                <a:spcPts val="0"/>
+              </a:spcBef>
+              <a:spcAft>
+                <a:spcPts val="0"/>
               </a:spcAft>
               <a:buNone/>
             </a:pPr>
             <a:r>
-              <a:rPr lang="ru" sz="1500" dirty="0"/>
-              <a:t>To submit solution you need to be signed in system. You can register or sign in into existing account and submit solutions to problems. System will automatically test your solution and report verdict, max used time and max used memory. As mentioned above, one of the pluses of testing system is that it is well optimized - it fastly tests solution and reports verdict, even if your computer's processor is slow</a:t>
+              <a:rPr lang="ru" sz="1500"/>
+              <a:t>To submit solution you need to be signed in system. You can register or sign in into existing account and submit solutions to problems. System will automatically test your solution and report verdict, max used time and max used memory. As mentioned above, one of the pluses of testing system is that it is well optimized - it fastly tests solution and reports verdict, even if your computer's processor is slow. </a:t>
             </a:r>
-            <a:r>
-              <a:rPr lang="ru" sz="1500" dirty="0" smtClean="0"/>
-              <a:t>.</a:t>
-            </a:r>
+            <a:endParaRPr sz="1500"/>
           </a:p>
           <a:p>
-            <a:pPr marL="0" lvl="0" indent="0" algn="just" rtl="0">
-              <a:spcBef>
-                <a:spcPts val="0"/>
-              </a:spcBef>
-              <a:spcAft>
+            <a:pPr indent="0" lvl="0" marL="0" rtl="0" algn="just">
+              <a:lnSpc>
+                <a:spcPct val="115000"/>
+              </a:lnSpc>
+              <a:spcBef>
                 <a:spcPts val="1200"/>
+              </a:spcBef>
+              <a:spcAft>
+                <a:spcPts val="0"/>
               </a:spcAft>
               <a:buNone/>
             </a:pPr>
             <a:r>
-              <a:rPr lang="en-US" sz="1500" dirty="0" smtClean="0"/>
+              <a:rPr lang="ru" sz="1500">
+                <a:solidFill>
+                  <a:srgbClr val="FFFFFF"/>
+                </a:solidFill>
+              </a:rPr>
               <a:t>Also, each problem has an editorial and solution in C++ language.</a:t>
             </a:r>
-            <a:endParaRPr lang="ru" sz="1500" dirty="0"/>
+            <a:endParaRPr sz="1500">
+              <a:solidFill>
+                <a:srgbClr val="FFFFFF"/>
+              </a:solidFill>
+            </a:endParaRPr>
           </a:p>
           <a:p>
-            <a:pPr marL="0" lvl="0" indent="0" algn="just" rtl="0">
-              <a:spcBef>
-                <a:spcPts val="0"/>
+            <a:pPr indent="0" lvl="0" marL="0" rtl="0" algn="just">
+              <a:lnSpc>
+                <a:spcPct val="115000"/>
+              </a:lnSpc>
+              <a:spcBef>
+                <a:spcPts val="1200"/>
               </a:spcBef>
               <a:spcAft>
                 <a:spcPts val="1200"/>
@@ -11248,14 +11290,14 @@
               <a:buNone/>
             </a:pPr>
             <a:r>
-              <a:rPr lang="ru" sz="1500" dirty="0" smtClean="0"/>
-              <a:t>Also</a:t>
+              <a:rPr lang="ru" sz="1500">
+                <a:solidFill>
+                  <a:srgbClr val="FFFFFF"/>
+                </a:solidFill>
+              </a:rPr>
+              <a:t>Administrators can add new problems.</a:t>
             </a:r>
-            <a:r>
-              <a:rPr lang="ru" sz="1500" dirty="0"/>
-              <a:t>, administrators can add new problems.</a:t>
-            </a:r>
-            <a:endParaRPr sz="1500" dirty="0"/>
+            <a:endParaRPr sz="1500"/>
           </a:p>
         </p:txBody>
       </p:sp>
@@ -11268,11 +11310,11 @@
 </file>
 
 <file path=ppt/slides/slide7.xml><?xml version="1.0" encoding="utf-8"?>
-<p:sld xmlns:a="http://schemas.openxmlformats.org/drawingml/2006/main" xmlns:r="http://schemas.openxmlformats.org/officeDocument/2006/relationships" xmlns:p="http://schemas.openxmlformats.org/presentationml/2006/main">
+<p:sld xmlns:a="http://schemas.openxmlformats.org/drawingml/2006/main" xmlns:r="http://schemas.openxmlformats.org/officeDocument/2006/relationships" xmlns:mc="http://schemas.openxmlformats.org/markup-compatibility/2006" xmlns:mv="urn:schemas-microsoft-com:mac:vml" xmlns:p="http://schemas.openxmlformats.org/presentationml/2006/main" xmlns:c="http://schemas.openxmlformats.org/drawingml/2006/chart" xmlns:dgm="http://schemas.openxmlformats.org/drawingml/2006/diagram" xmlns:o="urn:schemas-microsoft-com:office:office" xmlns:v="urn:schemas-microsoft-com:vml" xmlns:pvml="urn:schemas-microsoft-com:office:powerpoint" xmlns:com="http://schemas.openxmlformats.org/drawingml/2006/compatibility" xmlns:p14="http://schemas.microsoft.com/office/powerpoint/2010/main" xmlns:p15="http://schemas.microsoft.com/office/powerpoint/2012/main" xmlns:ahyp="http://schemas.microsoft.com/office/drawing/2018/hyperlinkcolor">
   <p:cSld>
     <p:spTree>
       <p:nvGrpSpPr>
-        <p:cNvPr id="1" name="Shape 169"/>
+        <p:cNvPr id="169" name="Shape 169"/>
         <p:cNvGrpSpPr/>
         <p:nvPr/>
       </p:nvGrpSpPr>
@@ -11287,9 +11329,7 @@
       <p:sp>
         <p:nvSpPr>
           <p:cNvPr id="170" name="Google Shape;170;p19"/>
-          <p:cNvSpPr txBox="1">
-            <a:spLocks noGrp="1"/>
-          </p:cNvSpPr>
+          <p:cNvSpPr txBox="1"/>
           <p:nvPr>
             <p:ph type="title"/>
           </p:nvPr>
@@ -11304,12 +11344,12 @@
           </a:prstGeom>
         </p:spPr>
         <p:txBody>
-          <a:bodyPr spcFirstLastPara="1" wrap="square" lIns="91425" tIns="91425" rIns="91425" bIns="91425" anchor="t" anchorCtr="0">
+          <a:bodyPr anchorCtr="0" anchor="t" bIns="91425" lIns="91425" spcFirstLastPara="1" rIns="91425" wrap="square" tIns="91425">
             <a:normAutofit/>
           </a:bodyPr>
           <a:lstStyle/>
           <a:p>
-            <a:pPr marL="0" lvl="0" indent="0" algn="l" rtl="0">
+            <a:pPr indent="0" lvl="0" marL="0" rtl="0" algn="l">
               <a:spcBef>
                 <a:spcPts val="0"/>
               </a:spcBef>
@@ -11320,7 +11360,11 @@
             </a:pPr>
             <a:r>
               <a:rPr lang="ru"/>
-              <a:t>Capabilities. Job search</a:t>
+              <a:t>C</a:t>
+            </a:r>
+            <a:r>
+              <a:rPr lang="ru"/>
+              <a:t>apabilities. Job search</a:t>
             </a:r>
             <a:endParaRPr/>
           </a:p>
@@ -11329,11 +11373,9 @@
       <p:sp>
         <p:nvSpPr>
           <p:cNvPr id="171" name="Google Shape;171;p19"/>
-          <p:cNvSpPr txBox="1">
-            <a:spLocks noGrp="1"/>
-          </p:cNvSpPr>
+          <p:cNvSpPr txBox="1"/>
           <p:nvPr>
-            <p:ph type="body" idx="1"/>
+            <p:ph idx="1" type="body"/>
           </p:nvPr>
         </p:nvSpPr>
         <p:spPr>
@@ -11346,12 +11388,12 @@
           </a:prstGeom>
         </p:spPr>
         <p:txBody>
-          <a:bodyPr spcFirstLastPara="1" wrap="square" lIns="91425" tIns="91425" rIns="91425" bIns="91425" anchor="t" anchorCtr="0">
+          <a:bodyPr anchorCtr="0" anchor="t" bIns="91425" lIns="91425" spcFirstLastPara="1" rIns="91425" wrap="square" tIns="91425">
             <a:normAutofit/>
           </a:bodyPr>
           <a:lstStyle/>
           <a:p>
-            <a:pPr marL="0" lvl="0" indent="0" algn="just" rtl="0">
+            <a:pPr indent="0" lvl="0" marL="0" rtl="0" algn="just">
               <a:spcBef>
                 <a:spcPts val="0"/>
               </a:spcBef>
@@ -11367,7 +11409,7 @@
             <a:endParaRPr sz="1500"/>
           </a:p>
           <a:p>
-            <a:pPr marL="457200" lvl="0" indent="-323850" algn="just" rtl="0">
+            <a:pPr indent="-323850" lvl="0" marL="457200" rtl="0" algn="just">
               <a:spcBef>
                 <a:spcPts val="1200"/>
               </a:spcBef>
@@ -11384,7 +11426,7 @@
             <a:endParaRPr sz="1500"/>
           </a:p>
           <a:p>
-            <a:pPr marL="457200" lvl="0" indent="-323850" algn="just" rtl="0">
+            <a:pPr indent="-323850" lvl="0" marL="457200" rtl="0" algn="just">
               <a:spcBef>
                 <a:spcPts val="0"/>
               </a:spcBef>
@@ -11397,6 +11439,33 @@
             <a:r>
               <a:rPr lang="ru" sz="1500"/>
               <a:t>Business account - these users or companies can publish, edit or delete jobs, also find and communicate by email or phone with other users. Publish job, edit it if it is need, and just wait until some qualified specialist will communicate with you by email or phone number.</a:t>
+            </a:r>
+            <a:endParaRPr sz="1500">
+              <a:solidFill>
+                <a:srgbClr val="FFFFFF"/>
+              </a:solidFill>
+            </a:endParaRPr>
+          </a:p>
+          <a:p>
+            <a:pPr indent="0" lvl="0" marL="0" rtl="0" algn="just">
+              <a:lnSpc>
+                <a:spcPct val="115000"/>
+              </a:lnSpc>
+              <a:spcBef>
+                <a:spcPts val="1200"/>
+              </a:spcBef>
+              <a:spcAft>
+                <a:spcPts val="0"/>
+              </a:spcAft>
+              <a:buNone/>
+            </a:pPr>
+            <a:r>
+              <a:rPr lang="ru" sz="1500">
+                <a:solidFill>
+                  <a:srgbClr val="FFFFFF"/>
+                </a:solidFill>
+              </a:rPr>
+              <a:t>Also, administrators can add new job and edit/remove any other job.</a:t>
             </a:r>
             <a:endParaRPr sz="1500"/>
           </a:p>
@@ -11411,11 +11480,11 @@
 </file>
 
 <file path=ppt/slides/slide8.xml><?xml version="1.0" encoding="utf-8"?>
-<p:sld xmlns:a="http://schemas.openxmlformats.org/drawingml/2006/main" xmlns:r="http://schemas.openxmlformats.org/officeDocument/2006/relationships" xmlns:p="http://schemas.openxmlformats.org/presentationml/2006/main">
+<p:sld xmlns:a="http://schemas.openxmlformats.org/drawingml/2006/main" xmlns:r="http://schemas.openxmlformats.org/officeDocument/2006/relationships" xmlns:mc="http://schemas.openxmlformats.org/markup-compatibility/2006" xmlns:mv="urn:schemas-microsoft-com:mac:vml" xmlns:p="http://schemas.openxmlformats.org/presentationml/2006/main" xmlns:c="http://schemas.openxmlformats.org/drawingml/2006/chart" xmlns:dgm="http://schemas.openxmlformats.org/drawingml/2006/diagram" xmlns:o="urn:schemas-microsoft-com:office:office" xmlns:v="urn:schemas-microsoft-com:vml" xmlns:pvml="urn:schemas-microsoft-com:office:powerpoint" xmlns:com="http://schemas.openxmlformats.org/drawingml/2006/compatibility" xmlns:p14="http://schemas.microsoft.com/office/powerpoint/2010/main" xmlns:p15="http://schemas.microsoft.com/office/powerpoint/2012/main" xmlns:ahyp="http://schemas.microsoft.com/office/drawing/2018/hyperlinkcolor">
   <p:cSld>
     <p:spTree>
       <p:nvGrpSpPr>
-        <p:cNvPr id="1" name="Shape 175"/>
+        <p:cNvPr id="175" name="Shape 175"/>
         <p:cNvGrpSpPr/>
         <p:nvPr/>
       </p:nvGrpSpPr>
@@ -11430,9 +11499,7 @@
       <p:sp>
         <p:nvSpPr>
           <p:cNvPr id="176" name="Google Shape;176;p20"/>
-          <p:cNvSpPr txBox="1">
-            <a:spLocks noGrp="1"/>
-          </p:cNvSpPr>
+          <p:cNvSpPr txBox="1"/>
           <p:nvPr>
             <p:ph type="title"/>
           </p:nvPr>
@@ -11447,12 +11514,12 @@
           </a:prstGeom>
         </p:spPr>
         <p:txBody>
-          <a:bodyPr spcFirstLastPara="1" wrap="square" lIns="91425" tIns="91425" rIns="91425" bIns="91425" anchor="t" anchorCtr="0">
+          <a:bodyPr anchorCtr="0" anchor="t" bIns="91425" lIns="91425" spcFirstLastPara="1" rIns="91425" wrap="square" tIns="91425">
             <a:normAutofit/>
           </a:bodyPr>
           <a:lstStyle/>
           <a:p>
-            <a:pPr marL="0" lvl="0" indent="0" algn="l" rtl="0">
+            <a:pPr indent="0" lvl="0" marL="0" rtl="0" algn="l">
               <a:spcBef>
                 <a:spcPts val="0"/>
               </a:spcBef>
@@ -11463,7 +11530,11 @@
             </a:pPr>
             <a:r>
               <a:rPr lang="ru"/>
-              <a:t>Capabilities. Profile</a:t>
+              <a:t>C</a:t>
+            </a:r>
+            <a:r>
+              <a:rPr lang="ru"/>
+              <a:t>apabilities. Profile</a:t>
             </a:r>
             <a:endParaRPr/>
           </a:p>
@@ -11472,11 +11543,9 @@
       <p:sp>
         <p:nvSpPr>
           <p:cNvPr id="177" name="Google Shape;177;p20"/>
-          <p:cNvSpPr txBox="1">
-            <a:spLocks noGrp="1"/>
-          </p:cNvSpPr>
+          <p:cNvSpPr txBox="1"/>
           <p:nvPr>
-            <p:ph type="body" idx="1"/>
+            <p:ph idx="1" type="body"/>
           </p:nvPr>
         </p:nvSpPr>
         <p:spPr>
@@ -11489,12 +11558,12 @@
           </a:prstGeom>
         </p:spPr>
         <p:txBody>
-          <a:bodyPr spcFirstLastPara="1" wrap="square" lIns="91425" tIns="91425" rIns="91425" bIns="91425" anchor="t" anchorCtr="0">
+          <a:bodyPr anchorCtr="0" anchor="t" bIns="91425" lIns="91425" spcFirstLastPara="1" rIns="91425" wrap="square" tIns="91425">
             <a:normAutofit/>
           </a:bodyPr>
           <a:lstStyle/>
           <a:p>
-            <a:pPr marL="0" lvl="0" indent="0" algn="l" rtl="0">
+            <a:pPr indent="0" lvl="0" marL="0" rtl="0" algn="l">
               <a:spcBef>
                 <a:spcPts val="0"/>
               </a:spcBef>
@@ -11510,7 +11579,7 @@
             <a:endParaRPr sz="1500"/>
           </a:p>
           <a:p>
-            <a:pPr marL="0" lvl="0" indent="0" algn="l" rtl="0">
+            <a:pPr indent="0" lvl="0" marL="0" rtl="0" algn="l">
               <a:spcBef>
                 <a:spcPts val="1200"/>
               </a:spcBef>
@@ -11526,7 +11595,7 @@
             <a:endParaRPr sz="1500"/>
           </a:p>
           <a:p>
-            <a:pPr marL="0" lvl="0" indent="0" algn="l" rtl="0">
+            <a:pPr indent="0" lvl="0" marL="0" rtl="0" algn="l">
               <a:spcBef>
                 <a:spcPts val="1200"/>
               </a:spcBef>
@@ -11552,11 +11621,11 @@
 </file>
 
 <file path=ppt/slides/slide9.xml><?xml version="1.0" encoding="utf-8"?>
-<p:sld xmlns:a="http://schemas.openxmlformats.org/drawingml/2006/main" xmlns:r="http://schemas.openxmlformats.org/officeDocument/2006/relationships" xmlns:p="http://schemas.openxmlformats.org/presentationml/2006/main">
+<p:sld xmlns:a="http://schemas.openxmlformats.org/drawingml/2006/main" xmlns:r="http://schemas.openxmlformats.org/officeDocument/2006/relationships" xmlns:mc="http://schemas.openxmlformats.org/markup-compatibility/2006" xmlns:mv="urn:schemas-microsoft-com:mac:vml" xmlns:p="http://schemas.openxmlformats.org/presentationml/2006/main" xmlns:c="http://schemas.openxmlformats.org/drawingml/2006/chart" xmlns:dgm="http://schemas.openxmlformats.org/drawingml/2006/diagram" xmlns:o="urn:schemas-microsoft-com:office:office" xmlns:v="urn:schemas-microsoft-com:vml" xmlns:pvml="urn:schemas-microsoft-com:office:powerpoint" xmlns:com="http://schemas.openxmlformats.org/drawingml/2006/compatibility" xmlns:p14="http://schemas.microsoft.com/office/powerpoint/2010/main" xmlns:p15="http://schemas.microsoft.com/office/powerpoint/2012/main" xmlns:ahyp="http://schemas.microsoft.com/office/drawing/2018/hyperlinkcolor">
   <p:cSld>
     <p:spTree>
       <p:nvGrpSpPr>
-        <p:cNvPr id="1" name="Shape 181"/>
+        <p:cNvPr id="181" name="Shape 181"/>
         <p:cNvGrpSpPr/>
         <p:nvPr/>
       </p:nvGrpSpPr>
@@ -11571,9 +11640,7 @@
       <p:sp>
         <p:nvSpPr>
           <p:cNvPr id="182" name="Google Shape;182;p21"/>
-          <p:cNvSpPr txBox="1">
-            <a:spLocks noGrp="1"/>
-          </p:cNvSpPr>
+          <p:cNvSpPr txBox="1"/>
           <p:nvPr>
             <p:ph type="title"/>
           </p:nvPr>
@@ -11588,12 +11655,12 @@
           </a:prstGeom>
         </p:spPr>
         <p:txBody>
-          <a:bodyPr spcFirstLastPara="1" wrap="square" lIns="91425" tIns="91425" rIns="91425" bIns="91425" anchor="t" anchorCtr="0">
+          <a:bodyPr anchorCtr="0" anchor="t" bIns="91425" lIns="91425" spcFirstLastPara="1" rIns="91425" wrap="square" tIns="91425">
             <a:normAutofit/>
           </a:bodyPr>
           <a:lstStyle/>
           <a:p>
-            <a:pPr marL="0" lvl="0" indent="0" algn="l" rtl="0">
+            <a:pPr indent="0" lvl="0" marL="0" rtl="0" algn="l">
               <a:spcBef>
                 <a:spcPts val="0"/>
               </a:spcBef>
@@ -11613,11 +11680,9 @@
       <p:sp>
         <p:nvSpPr>
           <p:cNvPr id="183" name="Google Shape;183;p21"/>
-          <p:cNvSpPr txBox="1">
-            <a:spLocks noGrp="1"/>
-          </p:cNvSpPr>
+          <p:cNvSpPr txBox="1"/>
           <p:nvPr>
-            <p:ph type="body" idx="1"/>
+            <p:ph idx="1" type="body"/>
           </p:nvPr>
         </p:nvSpPr>
         <p:spPr>
@@ -11630,12 +11695,12 @@
           </a:prstGeom>
         </p:spPr>
         <p:txBody>
-          <a:bodyPr spcFirstLastPara="1" wrap="square" lIns="91425" tIns="91425" rIns="91425" bIns="91425" anchor="t" anchorCtr="0">
+          <a:bodyPr anchorCtr="0" anchor="t" bIns="91425" lIns="91425" spcFirstLastPara="1" rIns="91425" wrap="square" tIns="91425">
             <a:normAutofit/>
           </a:bodyPr>
           <a:lstStyle/>
           <a:p>
-            <a:pPr marL="0" lvl="0" indent="0" algn="l" rtl="0">
+            <a:pPr indent="0" lvl="0" marL="0" rtl="0" algn="l">
               <a:spcBef>
                 <a:spcPts val="0"/>
               </a:spcBef>
@@ -11651,7 +11716,7 @@
             <a:endParaRPr sz="1500"/>
           </a:p>
           <a:p>
-            <a:pPr marL="457200" lvl="0" indent="-323850" algn="l" rtl="0">
+            <a:pPr indent="-323850" lvl="0" marL="457200" rtl="0" algn="l">
               <a:spcBef>
                 <a:spcPts val="1200"/>
               </a:spcBef>
@@ -11668,7 +11733,7 @@
             <a:endParaRPr sz="1500"/>
           </a:p>
           <a:p>
-            <a:pPr marL="457200" lvl="0" indent="-323850" algn="l" rtl="0">
+            <a:pPr indent="-323850" lvl="0" marL="457200" rtl="0" algn="l">
               <a:spcBef>
                 <a:spcPts val="0"/>
               </a:spcBef>
@@ -11685,7 +11750,7 @@
             <a:endParaRPr sz="1500"/>
           </a:p>
           <a:p>
-            <a:pPr marL="457200" lvl="0" indent="-323850" algn="l" rtl="0">
+            <a:pPr indent="-323850" lvl="0" marL="457200" rtl="0" algn="l">
               <a:spcBef>
                 <a:spcPts val="0"/>
               </a:spcBef>
@@ -11702,7 +11767,7 @@
             <a:endParaRPr sz="1500"/>
           </a:p>
           <a:p>
-            <a:pPr marL="457200" lvl="0" indent="-323850" algn="l" rtl="0">
+            <a:pPr indent="-323850" lvl="0" marL="457200" rtl="0" algn="l">
               <a:spcBef>
                 <a:spcPts val="0"/>
               </a:spcBef>
@@ -11719,7 +11784,7 @@
             <a:endParaRPr sz="1500"/>
           </a:p>
           <a:p>
-            <a:pPr marL="0" lvl="0" indent="0" algn="l" rtl="0">
+            <a:pPr indent="0" lvl="0" marL="0" rtl="0" algn="l">
               <a:spcBef>
                 <a:spcPts val="1200"/>
               </a:spcBef>
@@ -11754,7 +11819,7 @@
 </file>
 
 <file path=ppt/theme/theme1.xml><?xml version="1.0" encoding="utf-8"?>
-<a:theme xmlns:a="http://schemas.openxmlformats.org/drawingml/2006/main" name="Focus">
+<a:theme xmlns:a="http://schemas.openxmlformats.org/drawingml/2006/main" xmlns:r="http://schemas.openxmlformats.org/officeDocument/2006/relationships" name="Focus">
   <a:themeElements>
     <a:clrScheme name="Focus">
       <a:dk1>
@@ -12029,13 +12094,11 @@
       </a:bgFillStyleLst>
     </a:fmtScheme>
   </a:themeElements>
-  <a:objectDefaults/>
-  <a:extraClrSchemeLst/>
 </a:theme>
 </file>
 
 <file path=ppt/theme/theme2.xml><?xml version="1.0" encoding="utf-8"?>
-<a:theme xmlns:a="http://schemas.openxmlformats.org/drawingml/2006/main">
+<a:theme xmlns:a="http://schemas.openxmlformats.org/drawingml/2006/main" xmlns:r="http://schemas.openxmlformats.org/officeDocument/2006/relationships">
   <a:themeElements>
     <a:clrScheme name="Default">
       <a:dk1>
@@ -12310,7 +12373,5 @@
       </a:bgFillStyleLst>
     </a:fmtScheme>
   </a:themeElements>
-  <a:objectDefaults/>
-  <a:extraClrSchemeLst/>
 </a:theme>
 </file>